--- a/undergraduate/lectures/security.pptx
+++ b/undergraduate/lectures/security.pptx
@@ -5,7 +5,7 @@
     <p:sldMasterId id="2147483786" r:id="rId1"/>
   </p:sldMasterIdLst>
   <p:notesMasterIdLst>
-    <p:notesMasterId r:id="rId20"/>
+    <p:notesMasterId r:id="rId27"/>
   </p:notesMasterIdLst>
   <p:sldIdLst>
     <p:sldId id="256" r:id="rId2"/>
@@ -13,19 +13,26 @@
     <p:sldId id="258" r:id="rId4"/>
     <p:sldId id="259" r:id="rId5"/>
     <p:sldId id="260" r:id="rId6"/>
-    <p:sldId id="261" r:id="rId7"/>
-    <p:sldId id="262" r:id="rId8"/>
-    <p:sldId id="263" r:id="rId9"/>
-    <p:sldId id="264" r:id="rId10"/>
-    <p:sldId id="265" r:id="rId11"/>
-    <p:sldId id="266" r:id="rId12"/>
-    <p:sldId id="267" r:id="rId13"/>
-    <p:sldId id="268" r:id="rId14"/>
-    <p:sldId id="269" r:id="rId15"/>
-    <p:sldId id="270" r:id="rId16"/>
-    <p:sldId id="273" r:id="rId17"/>
-    <p:sldId id="272" r:id="rId18"/>
-    <p:sldId id="271" r:id="rId19"/>
+    <p:sldId id="262" r:id="rId7"/>
+    <p:sldId id="279" r:id="rId8"/>
+    <p:sldId id="280" r:id="rId9"/>
+    <p:sldId id="263" r:id="rId10"/>
+    <p:sldId id="274" r:id="rId11"/>
+    <p:sldId id="275" r:id="rId12"/>
+    <p:sldId id="276" r:id="rId13"/>
+    <p:sldId id="277" r:id="rId14"/>
+    <p:sldId id="261" r:id="rId15"/>
+    <p:sldId id="264" r:id="rId16"/>
+    <p:sldId id="265" r:id="rId17"/>
+    <p:sldId id="266" r:id="rId18"/>
+    <p:sldId id="267" r:id="rId19"/>
+    <p:sldId id="268" r:id="rId20"/>
+    <p:sldId id="278" r:id="rId21"/>
+    <p:sldId id="269" r:id="rId22"/>
+    <p:sldId id="270" r:id="rId23"/>
+    <p:sldId id="273" r:id="rId24"/>
+    <p:sldId id="272" r:id="rId25"/>
+    <p:sldId id="271" r:id="rId26"/>
   </p:sldIdLst>
   <p:sldSz cx="12192000" cy="6858000"/>
   <p:notesSz cx="6858000" cy="9144000"/>
@@ -214,7 +221,7 @@
           <a:p>
             <a:fld id="{EC53E720-1243-6043-B4C4-6E31C619CC0A}" type="datetimeFigureOut">
               <a:rPr lang="en-US" smtClean="0"/>
-              <a:t>2/12/17</a:t>
+              <a:t>2/14/17</a:t>
             </a:fld>
             <a:endParaRPr lang="en-US"/>
           </a:p>
@@ -795,9 +802,9 @@
           <a:bodyPr/>
           <a:lstStyle/>
           <a:p>
-            <a:fld id="{33D50D04-F692-474B-ADE9-00275383DEB3}" type="datetime1">
-              <a:rPr lang="en-US" smtClean="0"/>
-              <a:t>2/12/17</a:t>
+            <a:fld id="{ED83DB7E-21CE-D349-A2E0-D36B93C053F6}" type="datetime1">
+              <a:rPr lang="en-US" smtClean="0"/>
+              <a:t>2/14/17</a:t>
             </a:fld>
             <a:endParaRPr lang="en-US"/>
           </a:p>
@@ -1074,9 +1081,9 @@
           <a:bodyPr/>
           <a:lstStyle/>
           <a:p>
-            <a:fld id="{F7324659-FCBC-0646-9298-8547BE69457E}" type="datetime1">
-              <a:rPr lang="en-US" smtClean="0"/>
-              <a:t>2/12/17</a:t>
+            <a:fld id="{7F1ADC6B-D1F9-634E-A5EF-6DDA43A28143}" type="datetime1">
+              <a:rPr lang="en-US" smtClean="0"/>
+              <a:t>2/14/17</a:t>
             </a:fld>
             <a:endParaRPr lang="en-US"/>
           </a:p>
@@ -1329,9 +1336,9 @@
           <a:bodyPr/>
           <a:lstStyle/>
           <a:p>
-            <a:fld id="{BD12DE7B-6378-4A47-A386-C2140581D854}" type="datetime1">
-              <a:rPr lang="en-US" smtClean="0"/>
-              <a:t>2/12/17</a:t>
+            <a:fld id="{A991A85E-CF27-E64A-A5C9-FB713863B681}" type="datetime1">
+              <a:rPr lang="en-US" smtClean="0"/>
+              <a:t>2/14/17</a:t>
             </a:fld>
             <a:endParaRPr lang="en-US"/>
           </a:p>
@@ -1507,9 +1514,9 @@
           <a:bodyPr/>
           <a:lstStyle/>
           <a:p>
-            <a:fld id="{962213E0-6943-D742-988E-DAF042C3939F}" type="datetime1">
-              <a:rPr lang="en-US" smtClean="0"/>
-              <a:t>2/12/17</a:t>
+            <a:fld id="{5E99F2F3-EAE9-2146-AF9C-7D8CC1999F93}" type="datetime1">
+              <a:rPr lang="en-US" smtClean="0"/>
+              <a:t>2/14/17</a:t>
             </a:fld>
             <a:endParaRPr lang="en-US"/>
           </a:p>
@@ -1856,9 +1863,9 @@
           <a:bodyPr/>
           <a:lstStyle/>
           <a:p>
-            <a:fld id="{5EF33FA2-9F97-254E-BB1E-FC9BD2E9C4FE}" type="datetime1">
-              <a:rPr lang="en-US" smtClean="0"/>
-              <a:t>2/12/17</a:t>
+            <a:fld id="{98894C3F-6099-984C-B728-404140669C78}" type="datetime1">
+              <a:rPr lang="en-US" smtClean="0"/>
+              <a:t>2/14/17</a:t>
             </a:fld>
             <a:endParaRPr lang="en-US"/>
           </a:p>
@@ -2150,9 +2157,9 @@
           <a:bodyPr/>
           <a:lstStyle/>
           <a:p>
-            <a:fld id="{3F672ADA-5927-3242-AC7D-494A94033E99}" type="datetime1">
-              <a:rPr lang="en-US" smtClean="0"/>
-              <a:t>2/12/17</a:t>
+            <a:fld id="{67EF2FB6-2F3B-4D41-9A85-B13394427D9F}" type="datetime1">
+              <a:rPr lang="en-US" smtClean="0"/>
+              <a:t>2/14/17</a:t>
             </a:fld>
             <a:endParaRPr lang="en-US" dirty="0"/>
           </a:p>
@@ -2537,9 +2544,9 @@
           <a:bodyPr/>
           <a:lstStyle/>
           <a:p>
-            <a:fld id="{41620F39-0067-9147-AF04-390B20B1370A}" type="datetime1">
-              <a:rPr lang="en-US" smtClean="0"/>
-              <a:t>2/12/17</a:t>
+            <a:fld id="{8435AEB7-96C8-6147-93CC-898DDFC9B262}" type="datetime1">
+              <a:rPr lang="en-US" smtClean="0"/>
+              <a:t>2/14/17</a:t>
             </a:fld>
             <a:endParaRPr lang="en-US"/>
           </a:p>
@@ -2661,9 +2668,9 @@
           <a:bodyPr/>
           <a:lstStyle/>
           <a:p>
-            <a:fld id="{3D180091-77C5-E542-829B-55B7F8A4973A}" type="datetime1">
-              <a:rPr lang="en-US" smtClean="0"/>
-              <a:t>2/12/17</a:t>
+            <a:fld id="{84535C7E-CB24-A44A-842F-46C8ABB35E70}" type="datetime1">
+              <a:rPr lang="en-US" smtClean="0"/>
+              <a:t>2/14/17</a:t>
             </a:fld>
             <a:endParaRPr lang="en-US"/>
           </a:p>
@@ -2838,9 +2845,9 @@
           <a:bodyPr/>
           <a:lstStyle/>
           <a:p>
-            <a:fld id="{C18FA1E4-5C0B-594D-BB7B-8312A7E1610D}" type="datetime1">
-              <a:rPr lang="en-US" smtClean="0"/>
-              <a:t>2/12/17</a:t>
+            <a:fld id="{173B51EC-A565-6342-9F35-6BAABAB4AE9C}" type="datetime1">
+              <a:rPr lang="en-US" smtClean="0"/>
+              <a:t>2/14/17</a:t>
             </a:fld>
             <a:endParaRPr lang="en-US"/>
           </a:p>
@@ -3198,9 +3205,9 @@
             </a:lvl1pPr>
           </a:lstStyle>
           <a:p>
-            <a:fld id="{88DBF8FB-D4F9-C44D-8084-392FD678EB2F}" type="datetime1">
-              <a:rPr lang="en-US" smtClean="0"/>
-              <a:t>2/12/17</a:t>
+            <a:fld id="{E3459FCB-9360-7C42-9B03-7964BC5D3292}" type="datetime1">
+              <a:rPr lang="en-US" smtClean="0"/>
+              <a:t>2/14/17</a:t>
             </a:fld>
             <a:endParaRPr lang="en-US"/>
           </a:p>
@@ -3583,9 +3590,9 @@
           <a:bodyPr/>
           <a:lstStyle/>
           <a:p>
-            <a:fld id="{30211479-6A54-684C-AD9E-A5133A271A65}" type="datetime1">
-              <a:rPr lang="en-US" smtClean="0"/>
-              <a:t>2/12/17</a:t>
+            <a:fld id="{B5DC7AB6-FBA4-8545-A7A8-7EA188E411D1}" type="datetime1">
+              <a:rPr lang="en-US" smtClean="0"/>
+              <a:t>2/14/17</a:t>
             </a:fld>
             <a:endParaRPr lang="en-US"/>
           </a:p>
@@ -3869,9 +3876,9 @@
             </a:lvl1pPr>
           </a:lstStyle>
           <a:p>
-            <a:fld id="{DDCF54B8-1B04-4346-9C61-A093FBE84891}" type="datetime1">
-              <a:rPr lang="en-US" smtClean="0"/>
-              <a:t>2/12/17</a:t>
+            <a:fld id="{74C507CB-F61B-3044-88E6-72EA7AFA6032}" type="datetime1">
+              <a:rPr lang="en-US" smtClean="0"/>
+              <a:t>2/14/17</a:t>
             </a:fld>
             <a:endParaRPr lang="en-US" dirty="0"/>
           </a:p>
@@ -4577,7 +4584,7 @@
       </p:grpSpPr>
       <p:sp>
         <p:nvSpPr>
-          <p:cNvPr id="2" name="Title 1"/>
+          <p:cNvPr id="7" name="Title 6"/>
           <p:cNvSpPr>
             <a:spLocks noGrp="1"/>
           </p:cNvSpPr>
@@ -4592,7 +4599,7 @@
           <a:p>
             <a:r>
               <a:rPr lang="en-US" dirty="0" smtClean="0"/>
-              <a:t>Who is root?</a:t>
+              <a:t>Security I</a:t>
             </a:r>
             <a:endParaRPr lang="en-US" dirty="0"/>
           </a:p>
@@ -4600,7 +4607,7 @@
       </p:sp>
       <p:sp>
         <p:nvSpPr>
-          <p:cNvPr id="3" name="Content Placeholder 2"/>
+          <p:cNvPr id="8" name="Content Placeholder 7"/>
           <p:cNvSpPr>
             <a:spLocks noGrp="1"/>
           </p:cNvSpPr>
@@ -4610,46 +4617,408 @@
         </p:nvSpPr>
         <p:spPr/>
         <p:txBody>
-          <a:bodyPr/>
-          <a:lstStyle/>
-          <a:p>
+          <a:bodyPr>
+            <a:normAutofit/>
+          </a:bodyPr>
+          <a:lstStyle/>
+          <a:p>
+            <a:r>
+              <a:rPr lang="en-US" dirty="0" smtClean="0"/>
+              <a:t>User-kernel interface is a key </a:t>
+            </a:r>
+            <a:r>
+              <a:rPr lang="en-US" b="1" dirty="0" smtClean="0"/>
+              <a:t>Trusted Computing Base (TCB)</a:t>
+            </a:r>
+            <a:r>
+              <a:rPr lang="en-US" dirty="0" smtClean="0"/>
+              <a:t> surface</a:t>
+            </a:r>
+          </a:p>
+          <a:p>
+            <a:pPr lvl="1"/>
+            <a:r>
+              <a:rPr lang="en-US" i="1" dirty="0" smtClean="0"/>
+              <a:t>Minimum software required for the system to be secure</a:t>
+            </a:r>
+          </a:p>
+          <a:p>
+            <a:r>
+              <a:rPr lang="en-US" dirty="0" smtClean="0"/>
+              <a:t>Foundational security goal: </a:t>
+            </a:r>
+            <a:r>
+              <a:rPr lang="en-US" b="1" dirty="0" smtClean="0"/>
+              <a:t>isolation</a:t>
+            </a:r>
+            <a:endParaRPr lang="en-US" dirty="0" smtClean="0"/>
+          </a:p>
+          <a:p>
+            <a:pPr lvl="1"/>
+            <a:r>
+              <a:rPr lang="en-US" dirty="0" smtClean="0"/>
+              <a:t>Used to implement </a:t>
+            </a:r>
+            <a:r>
+              <a:rPr lang="en-US" b="1" dirty="0" smtClean="0"/>
+              <a:t>integrity</a:t>
+            </a:r>
+            <a:r>
+              <a:rPr lang="en-US" dirty="0" smtClean="0"/>
+              <a:t>, </a:t>
+            </a:r>
+            <a:r>
+              <a:rPr lang="en-US" b="1" dirty="0" smtClean="0"/>
+              <a:t>confidentiality</a:t>
+            </a:r>
+            <a:r>
+              <a:rPr lang="en-US" dirty="0" smtClean="0"/>
+              <a:t>, </a:t>
+            </a:r>
+            <a:r>
+              <a:rPr lang="en-US" b="1" dirty="0" smtClean="0"/>
+              <a:t>availability</a:t>
+            </a:r>
+          </a:p>
+          <a:p>
+            <a:pPr lvl="1"/>
+            <a:r>
+              <a:rPr lang="en-US" dirty="0" smtClean="0"/>
+              <a:t>Limit scope of system-call effects on global state</a:t>
+            </a:r>
+          </a:p>
+          <a:p>
+            <a:pPr lvl="1"/>
+            <a:r>
+              <a:rPr lang="en-US" dirty="0" smtClean="0"/>
+              <a:t>Enforce access control on all operations (e.g., MAC, DAC)</a:t>
+            </a:r>
+          </a:p>
+          <a:p>
+            <a:pPr lvl="1"/>
+            <a:r>
+              <a:rPr lang="en-US" dirty="0" smtClean="0"/>
+              <a:t>Accountability mechanisms (e.g., event auditing)</a:t>
+            </a:r>
+          </a:p>
+        </p:txBody>
+      </p:sp>
+      <p:sp>
+        <p:nvSpPr>
+          <p:cNvPr id="5" name="Footer Placeholder 4"/>
+          <p:cNvSpPr>
+            <a:spLocks noGrp="1"/>
+          </p:cNvSpPr>
+          <p:nvPr>
+            <p:ph type="ftr" sz="quarter" idx="11"/>
+          </p:nvPr>
+        </p:nvSpPr>
+        <p:spPr/>
+        <p:txBody>
+          <a:bodyPr/>
+          <a:lstStyle/>
+          <a:p>
+            <a:r>
+              <a:rPr lang="en-US" smtClean="0"/>
+              <a:t>Introduction to Operating Systems</a:t>
+            </a:r>
             <a:endParaRPr lang="en-US"/>
-          </a:p>
-        </p:txBody>
-      </p:sp>
-      <p:sp>
-        <p:nvSpPr>
-          <p:cNvPr id="4" name="Footer Placeholder 3"/>
-          <p:cNvSpPr>
-            <a:spLocks noGrp="1"/>
-          </p:cNvSpPr>
-          <p:nvPr>
-            <p:ph type="ftr" sz="quarter" idx="11"/>
-          </p:nvPr>
-        </p:nvSpPr>
-        <p:spPr/>
-        <p:txBody>
-          <a:bodyPr/>
-          <a:lstStyle/>
-          <a:p>
-            <a:r>
-              <a:rPr lang="en-US" smtClean="0"/>
-              <a:t>Introduction to Operating Systems</a:t>
-            </a:r>
-            <a:endParaRPr lang="en-US" dirty="0"/>
           </a:p>
         </p:txBody>
       </p:sp>
     </p:spTree>
     <p:extLst>
       <p:ext uri="{BB962C8B-B14F-4D97-AF65-F5344CB8AC3E}">
-        <p14:creationId xmlns:p14="http://schemas.microsoft.com/office/powerpoint/2010/main" val="35538755"/>
+        <p14:creationId xmlns:p14="http://schemas.microsoft.com/office/powerpoint/2010/main" val="1936205296"/>
       </p:ext>
     </p:extLst>
   </p:cSld>
   <p:clrMapOvr>
     <a:masterClrMapping/>
   </p:clrMapOvr>
+  <p:timing>
+    <p:tnLst>
+      <p:par>
+        <p:cTn id="1" dur="indefinite" restart="never" nodeType="tmRoot">
+          <p:childTnLst>
+            <p:seq concurrent="1" nextAc="seek">
+              <p:cTn id="2" dur="indefinite" nodeType="mainSeq">
+                <p:childTnLst>
+                  <p:par>
+                    <p:cTn id="3" fill="hold">
+                      <p:stCondLst>
+                        <p:cond delay="indefinite"/>
+                      </p:stCondLst>
+                      <p:childTnLst>
+                        <p:par>
+                          <p:cTn id="4" fill="hold">
+                            <p:stCondLst>
+                              <p:cond delay="0"/>
+                            </p:stCondLst>
+                            <p:childTnLst>
+                              <p:par>
+                                <p:cTn id="5" presetID="1" presetClass="entr" presetSubtype="0" fill="hold" nodeType="clickEffect">
+                                  <p:stCondLst>
+                                    <p:cond delay="0"/>
+                                  </p:stCondLst>
+                                  <p:childTnLst>
+                                    <p:set>
+                                      <p:cBhvr>
+                                        <p:cTn id="6" dur="1" fill="hold">
+                                          <p:stCondLst>
+                                            <p:cond delay="0"/>
+                                          </p:stCondLst>
+                                        </p:cTn>
+                                        <p:tgtEl>
+                                          <p:spTgt spid="8">
+                                            <p:txEl>
+                                              <p:pRg st="0" end="0"/>
+                                            </p:txEl>
+                                          </p:spTgt>
+                                        </p:tgtEl>
+                                        <p:attrNameLst>
+                                          <p:attrName>style.visibility</p:attrName>
+                                        </p:attrNameLst>
+                                      </p:cBhvr>
+                                      <p:to>
+                                        <p:strVal val="visible"/>
+                                      </p:to>
+                                    </p:set>
+                                  </p:childTnLst>
+                                </p:cTn>
+                              </p:par>
+                              <p:par>
+                                <p:cTn id="7" presetID="1" presetClass="entr" presetSubtype="0" fill="hold" nodeType="withEffect">
+                                  <p:stCondLst>
+                                    <p:cond delay="0"/>
+                                  </p:stCondLst>
+                                  <p:childTnLst>
+                                    <p:set>
+                                      <p:cBhvr>
+                                        <p:cTn id="8" dur="1" fill="hold">
+                                          <p:stCondLst>
+                                            <p:cond delay="0"/>
+                                          </p:stCondLst>
+                                        </p:cTn>
+                                        <p:tgtEl>
+                                          <p:spTgt spid="8">
+                                            <p:txEl>
+                                              <p:pRg st="1" end="1"/>
+                                            </p:txEl>
+                                          </p:spTgt>
+                                        </p:tgtEl>
+                                        <p:attrNameLst>
+                                          <p:attrName>style.visibility</p:attrName>
+                                        </p:attrNameLst>
+                                      </p:cBhvr>
+                                      <p:to>
+                                        <p:strVal val="visible"/>
+                                      </p:to>
+                                    </p:set>
+                                  </p:childTnLst>
+                                </p:cTn>
+                              </p:par>
+                            </p:childTnLst>
+                          </p:cTn>
+                        </p:par>
+                      </p:childTnLst>
+                    </p:cTn>
+                  </p:par>
+                  <p:par>
+                    <p:cTn id="9" fill="hold">
+                      <p:stCondLst>
+                        <p:cond delay="indefinite"/>
+                      </p:stCondLst>
+                      <p:childTnLst>
+                        <p:par>
+                          <p:cTn id="10" fill="hold">
+                            <p:stCondLst>
+                              <p:cond delay="0"/>
+                            </p:stCondLst>
+                            <p:childTnLst>
+                              <p:par>
+                                <p:cTn id="11" presetID="1" presetClass="entr" presetSubtype="0" fill="hold" nodeType="clickEffect">
+                                  <p:stCondLst>
+                                    <p:cond delay="0"/>
+                                  </p:stCondLst>
+                                  <p:childTnLst>
+                                    <p:set>
+                                      <p:cBhvr>
+                                        <p:cTn id="12" dur="1" fill="hold">
+                                          <p:stCondLst>
+                                            <p:cond delay="0"/>
+                                          </p:stCondLst>
+                                        </p:cTn>
+                                        <p:tgtEl>
+                                          <p:spTgt spid="8">
+                                            <p:txEl>
+                                              <p:pRg st="2" end="2"/>
+                                            </p:txEl>
+                                          </p:spTgt>
+                                        </p:tgtEl>
+                                        <p:attrNameLst>
+                                          <p:attrName>style.visibility</p:attrName>
+                                        </p:attrNameLst>
+                                      </p:cBhvr>
+                                      <p:to>
+                                        <p:strVal val="visible"/>
+                                      </p:to>
+                                    </p:set>
+                                  </p:childTnLst>
+                                </p:cTn>
+                              </p:par>
+                              <p:par>
+                                <p:cTn id="13" presetID="1" presetClass="entr" presetSubtype="0" fill="hold" nodeType="withEffect">
+                                  <p:stCondLst>
+                                    <p:cond delay="0"/>
+                                  </p:stCondLst>
+                                  <p:childTnLst>
+                                    <p:set>
+                                      <p:cBhvr>
+                                        <p:cTn id="14" dur="1" fill="hold">
+                                          <p:stCondLst>
+                                            <p:cond delay="0"/>
+                                          </p:stCondLst>
+                                        </p:cTn>
+                                        <p:tgtEl>
+                                          <p:spTgt spid="8">
+                                            <p:txEl>
+                                              <p:pRg st="3" end="3"/>
+                                            </p:txEl>
+                                          </p:spTgt>
+                                        </p:tgtEl>
+                                        <p:attrNameLst>
+                                          <p:attrName>style.visibility</p:attrName>
+                                        </p:attrNameLst>
+                                      </p:cBhvr>
+                                      <p:to>
+                                        <p:strVal val="visible"/>
+                                      </p:to>
+                                    </p:set>
+                                  </p:childTnLst>
+                                </p:cTn>
+                              </p:par>
+                              <p:par>
+                                <p:cTn id="15" presetID="1" presetClass="entr" presetSubtype="0" fill="hold" nodeType="withEffect">
+                                  <p:stCondLst>
+                                    <p:cond delay="0"/>
+                                  </p:stCondLst>
+                                  <p:childTnLst>
+                                    <p:set>
+                                      <p:cBhvr>
+                                        <p:cTn id="16" dur="1" fill="hold">
+                                          <p:stCondLst>
+                                            <p:cond delay="0"/>
+                                          </p:stCondLst>
+                                        </p:cTn>
+                                        <p:tgtEl>
+                                          <p:spTgt spid="8">
+                                            <p:txEl>
+                                              <p:pRg st="4" end="4"/>
+                                            </p:txEl>
+                                          </p:spTgt>
+                                        </p:tgtEl>
+                                        <p:attrNameLst>
+                                          <p:attrName>style.visibility</p:attrName>
+                                        </p:attrNameLst>
+                                      </p:cBhvr>
+                                      <p:to>
+                                        <p:strVal val="visible"/>
+                                      </p:to>
+                                    </p:set>
+                                  </p:childTnLst>
+                                </p:cTn>
+                              </p:par>
+                              <p:par>
+                                <p:cTn id="17" presetID="1" presetClass="entr" presetSubtype="0" fill="hold" nodeType="withEffect">
+                                  <p:stCondLst>
+                                    <p:cond delay="0"/>
+                                  </p:stCondLst>
+                                  <p:childTnLst>
+                                    <p:set>
+                                      <p:cBhvr>
+                                        <p:cTn id="18" dur="1" fill="hold">
+                                          <p:stCondLst>
+                                            <p:cond delay="0"/>
+                                          </p:stCondLst>
+                                        </p:cTn>
+                                        <p:tgtEl>
+                                          <p:spTgt spid="8">
+                                            <p:txEl>
+                                              <p:pRg st="5" end="5"/>
+                                            </p:txEl>
+                                          </p:spTgt>
+                                        </p:tgtEl>
+                                        <p:attrNameLst>
+                                          <p:attrName>style.visibility</p:attrName>
+                                        </p:attrNameLst>
+                                      </p:cBhvr>
+                                      <p:to>
+                                        <p:strVal val="visible"/>
+                                      </p:to>
+                                    </p:set>
+                                  </p:childTnLst>
+                                </p:cTn>
+                              </p:par>
+                              <p:par>
+                                <p:cTn id="19" presetID="1" presetClass="entr" presetSubtype="0" fill="hold" nodeType="withEffect">
+                                  <p:stCondLst>
+                                    <p:cond delay="0"/>
+                                  </p:stCondLst>
+                                  <p:childTnLst>
+                                    <p:set>
+                                      <p:cBhvr>
+                                        <p:cTn id="20" dur="1" fill="hold">
+                                          <p:stCondLst>
+                                            <p:cond delay="0"/>
+                                          </p:stCondLst>
+                                        </p:cTn>
+                                        <p:tgtEl>
+                                          <p:spTgt spid="8">
+                                            <p:txEl>
+                                              <p:pRg st="6" end="6"/>
+                                            </p:txEl>
+                                          </p:spTgt>
+                                        </p:tgtEl>
+                                        <p:attrNameLst>
+                                          <p:attrName>style.visibility</p:attrName>
+                                        </p:attrNameLst>
+                                      </p:cBhvr>
+                                      <p:to>
+                                        <p:strVal val="visible"/>
+                                      </p:to>
+                                    </p:set>
+                                  </p:childTnLst>
+                                </p:cTn>
+                              </p:par>
+                            </p:childTnLst>
+                          </p:cTn>
+                        </p:par>
+                      </p:childTnLst>
+                    </p:cTn>
+                  </p:par>
+                </p:childTnLst>
+              </p:cTn>
+              <p:prevCondLst>
+                <p:cond evt="onPrev" delay="0">
+                  <p:tgtEl>
+                    <p:sldTgt/>
+                  </p:tgtEl>
+                </p:cond>
+              </p:prevCondLst>
+              <p:nextCondLst>
+                <p:cond evt="onNext" delay="0">
+                  <p:tgtEl>
+                    <p:sldTgt/>
+                  </p:tgtEl>
+                </p:cond>
+              </p:nextCondLst>
+            </p:seq>
+          </p:childTnLst>
+        </p:cTn>
+      </p:par>
+    </p:tnLst>
+  </p:timing>
 </p:sld>
 </file>
 
@@ -4687,7 +5056,7 @@
           <a:p>
             <a:r>
               <a:rPr lang="en-US" dirty="0" smtClean="0"/>
-              <a:t>Groups vs. Users</a:t>
+              <a:t>Security (2)</a:t>
             </a:r>
             <a:endParaRPr lang="en-US" dirty="0"/>
           </a:p>
@@ -4705,46 +5074,568 @@
         </p:nvSpPr>
         <p:spPr/>
         <p:txBody>
-          <a:bodyPr/>
-          <a:lstStyle/>
-          <a:p>
+          <a:bodyPr>
+            <a:normAutofit/>
+          </a:bodyPr>
+          <a:lstStyle/>
+          <a:p>
+            <a:r>
+              <a:rPr lang="en-US" dirty="0"/>
+              <a:t>System calls perform work on behalf </a:t>
+            </a:r>
+            <a:r>
+              <a:rPr lang="en-US" dirty="0" smtClean="0"/>
+              <a:t>of user code</a:t>
+            </a:r>
+            <a:endParaRPr lang="en-US" dirty="0"/>
+          </a:p>
+          <a:p>
+            <a:pPr lvl="1"/>
+            <a:r>
+              <a:rPr lang="en-US" b="1" dirty="0" smtClean="0"/>
+              <a:t>Kernel thread</a:t>
+            </a:r>
+            <a:r>
+              <a:rPr lang="en-US" dirty="0" smtClean="0"/>
+              <a:t> operations implement system call/trap</a:t>
+            </a:r>
+            <a:endParaRPr lang="en-US" b="1" dirty="0" smtClean="0"/>
+          </a:p>
+          <a:p>
+            <a:r>
+              <a:rPr lang="en-US" b="1" dirty="0" smtClean="0"/>
+              <a:t>Unforgeable credential </a:t>
+            </a:r>
+            <a:r>
+              <a:rPr lang="en-US" dirty="0" smtClean="0"/>
+              <a:t>tied </a:t>
+            </a:r>
+            <a:r>
+              <a:rPr lang="en-US" dirty="0"/>
+              <a:t>to </a:t>
+            </a:r>
+            <a:r>
+              <a:rPr lang="en-US" dirty="0" smtClean="0"/>
+              <a:t>each process/thread</a:t>
+            </a:r>
+            <a:endParaRPr lang="en-US" dirty="0"/>
+          </a:p>
+          <a:p>
+            <a:pPr lvl="1"/>
+            <a:r>
+              <a:rPr lang="en-US" dirty="0" err="1"/>
+              <a:t>A</a:t>
+            </a:r>
+            <a:r>
+              <a:rPr lang="en-US" dirty="0" err="1" smtClean="0"/>
+              <a:t>uthorises</a:t>
+            </a:r>
+            <a:r>
+              <a:rPr lang="en-US" dirty="0" smtClean="0"/>
+              <a:t> use of kernel services and objects</a:t>
+            </a:r>
+            <a:endParaRPr lang="en-US" dirty="0"/>
+          </a:p>
+          <a:p>
+            <a:pPr lvl="1"/>
+            <a:r>
+              <a:rPr lang="en-US" dirty="0"/>
+              <a:t>Resources (e.g., CPU, memory) billed to the </a:t>
+            </a:r>
+            <a:r>
+              <a:rPr lang="en-US" dirty="0" smtClean="0"/>
+              <a:t>thread</a:t>
+            </a:r>
+          </a:p>
+          <a:p>
+            <a:pPr lvl="1"/>
+            <a:r>
+              <a:rPr lang="en-US" dirty="0" smtClean="0"/>
+              <a:t>Explicit checks in system-call implementation</a:t>
+            </a:r>
+          </a:p>
+          <a:p>
+            <a:pPr lvl="1"/>
+            <a:r>
+              <a:rPr lang="en-US" dirty="0" smtClean="0"/>
+              <a:t>Credentials may be cached to </a:t>
+            </a:r>
+            <a:r>
+              <a:rPr lang="en-US" dirty="0" err="1" smtClean="0"/>
+              <a:t>authorise</a:t>
+            </a:r>
+            <a:r>
+              <a:rPr lang="en-US" dirty="0" smtClean="0"/>
+              <a:t> asynchronous work (e.g., TCP sockets, NFS block I/O)</a:t>
+            </a:r>
+            <a:endParaRPr lang="en-US" dirty="0"/>
+          </a:p>
+          <a:p>
+            <a:r>
+              <a:rPr lang="en-US" dirty="0" smtClean="0"/>
+              <a:t>Kernel must </a:t>
+            </a:r>
+            <a:r>
+              <a:rPr lang="en-US" dirty="0"/>
+              <a:t>be robust to user-thread </a:t>
+            </a:r>
+            <a:r>
+              <a:rPr lang="en-US" dirty="0" err="1"/>
+              <a:t>misbehaviour</a:t>
+            </a:r>
+            <a:endParaRPr lang="en-US" dirty="0"/>
+          </a:p>
+          <a:p>
+            <a:pPr lvl="1"/>
+            <a:r>
+              <a:rPr lang="en-US" dirty="0"/>
+              <a:t>Handle failures gracefully: terminate process, not kernel</a:t>
+            </a:r>
+          </a:p>
+          <a:p>
+            <a:pPr lvl="1"/>
+            <a:r>
+              <a:rPr lang="en-US" dirty="0"/>
+              <a:t>Avoid priority inversions, unbounded resource allocation, etc</a:t>
+            </a:r>
+            <a:r>
+              <a:rPr lang="en-US" dirty="0" smtClean="0"/>
+              <a:t>.</a:t>
+            </a:r>
+            <a:endParaRPr lang="en-US" dirty="0"/>
+          </a:p>
+          <a:p>
+            <a:endParaRPr lang="en-US" dirty="0"/>
+          </a:p>
+        </p:txBody>
+      </p:sp>
+      <p:sp>
+        <p:nvSpPr>
+          <p:cNvPr id="4" name="Footer Placeholder 3"/>
+          <p:cNvSpPr>
+            <a:spLocks noGrp="1"/>
+          </p:cNvSpPr>
+          <p:nvPr>
+            <p:ph type="ftr" sz="quarter" idx="11"/>
+          </p:nvPr>
+        </p:nvSpPr>
+        <p:spPr/>
+        <p:txBody>
+          <a:bodyPr/>
+          <a:lstStyle/>
+          <a:p>
+            <a:r>
+              <a:rPr lang="en-US" smtClean="0"/>
+              <a:t>Introduction to Operating Systems</a:t>
+            </a:r>
             <a:endParaRPr lang="en-US"/>
-          </a:p>
-        </p:txBody>
-      </p:sp>
-      <p:sp>
-        <p:nvSpPr>
-          <p:cNvPr id="4" name="Footer Placeholder 3"/>
-          <p:cNvSpPr>
-            <a:spLocks noGrp="1"/>
-          </p:cNvSpPr>
-          <p:nvPr>
-            <p:ph type="ftr" sz="quarter" idx="11"/>
-          </p:nvPr>
-        </p:nvSpPr>
-        <p:spPr/>
-        <p:txBody>
-          <a:bodyPr/>
-          <a:lstStyle/>
-          <a:p>
-            <a:r>
-              <a:rPr lang="en-US" smtClean="0"/>
-              <a:t>Introduction to Operating Systems</a:t>
-            </a:r>
-            <a:endParaRPr lang="en-US" dirty="0"/>
           </a:p>
         </p:txBody>
       </p:sp>
     </p:spTree>
     <p:extLst>
       <p:ext uri="{BB962C8B-B14F-4D97-AF65-F5344CB8AC3E}">
-        <p14:creationId xmlns:p14="http://schemas.microsoft.com/office/powerpoint/2010/main" val="1312566383"/>
+        <p14:creationId xmlns:p14="http://schemas.microsoft.com/office/powerpoint/2010/main" val="982706881"/>
       </p:ext>
     </p:extLst>
   </p:cSld>
   <p:clrMapOvr>
     <a:masterClrMapping/>
   </p:clrMapOvr>
+  <p:timing>
+    <p:tnLst>
+      <p:par>
+        <p:cTn id="1" dur="indefinite" restart="never" nodeType="tmRoot">
+          <p:childTnLst>
+            <p:seq concurrent="1" nextAc="seek">
+              <p:cTn id="2" dur="indefinite" nodeType="mainSeq">
+                <p:childTnLst>
+                  <p:par>
+                    <p:cTn id="3" fill="hold">
+                      <p:stCondLst>
+                        <p:cond delay="indefinite"/>
+                      </p:stCondLst>
+                      <p:childTnLst>
+                        <p:par>
+                          <p:cTn id="4" fill="hold">
+                            <p:stCondLst>
+                              <p:cond delay="0"/>
+                            </p:stCondLst>
+                            <p:childTnLst>
+                              <p:par>
+                                <p:cTn id="5" presetID="1" presetClass="entr" presetSubtype="0" fill="hold" nodeType="clickEffect">
+                                  <p:stCondLst>
+                                    <p:cond delay="0"/>
+                                  </p:stCondLst>
+                                  <p:childTnLst>
+                                    <p:set>
+                                      <p:cBhvr>
+                                        <p:cTn id="6" dur="1" fill="hold">
+                                          <p:stCondLst>
+                                            <p:cond delay="0"/>
+                                          </p:stCondLst>
+                                        </p:cTn>
+                                        <p:tgtEl>
+                                          <p:spTgt spid="3">
+                                            <p:txEl>
+                                              <p:pRg st="0" end="0"/>
+                                            </p:txEl>
+                                          </p:spTgt>
+                                        </p:tgtEl>
+                                        <p:attrNameLst>
+                                          <p:attrName>style.visibility</p:attrName>
+                                        </p:attrNameLst>
+                                      </p:cBhvr>
+                                      <p:to>
+                                        <p:strVal val="visible"/>
+                                      </p:to>
+                                    </p:set>
+                                  </p:childTnLst>
+                                </p:cTn>
+                              </p:par>
+                            </p:childTnLst>
+                          </p:cTn>
+                        </p:par>
+                      </p:childTnLst>
+                    </p:cTn>
+                  </p:par>
+                  <p:par>
+                    <p:cTn id="7" fill="hold">
+                      <p:stCondLst>
+                        <p:cond delay="indefinite"/>
+                      </p:stCondLst>
+                      <p:childTnLst>
+                        <p:par>
+                          <p:cTn id="8" fill="hold">
+                            <p:stCondLst>
+                              <p:cond delay="0"/>
+                            </p:stCondLst>
+                            <p:childTnLst>
+                              <p:par>
+                                <p:cTn id="9" presetID="1" presetClass="entr" presetSubtype="0" fill="hold" nodeType="clickEffect">
+                                  <p:stCondLst>
+                                    <p:cond delay="0"/>
+                                  </p:stCondLst>
+                                  <p:childTnLst>
+                                    <p:set>
+                                      <p:cBhvr>
+                                        <p:cTn id="10" dur="1" fill="hold">
+                                          <p:stCondLst>
+                                            <p:cond delay="0"/>
+                                          </p:stCondLst>
+                                        </p:cTn>
+                                        <p:tgtEl>
+                                          <p:spTgt spid="3">
+                                            <p:txEl>
+                                              <p:pRg st="1" end="1"/>
+                                            </p:txEl>
+                                          </p:spTgt>
+                                        </p:tgtEl>
+                                        <p:attrNameLst>
+                                          <p:attrName>style.visibility</p:attrName>
+                                        </p:attrNameLst>
+                                      </p:cBhvr>
+                                      <p:to>
+                                        <p:strVal val="visible"/>
+                                      </p:to>
+                                    </p:set>
+                                  </p:childTnLst>
+                                </p:cTn>
+                              </p:par>
+                              <p:par>
+                                <p:cTn id="11" presetID="1" presetClass="entr" presetSubtype="0" fill="hold" nodeType="withEffect">
+                                  <p:stCondLst>
+                                    <p:cond delay="0"/>
+                                  </p:stCondLst>
+                                  <p:childTnLst>
+                                    <p:set>
+                                      <p:cBhvr>
+                                        <p:cTn id="12" dur="1" fill="hold">
+                                          <p:stCondLst>
+                                            <p:cond delay="0"/>
+                                          </p:stCondLst>
+                                        </p:cTn>
+                                        <p:tgtEl>
+                                          <p:spTgt spid="3">
+                                            <p:txEl>
+                                              <p:pRg st="2" end="2"/>
+                                            </p:txEl>
+                                          </p:spTgt>
+                                        </p:tgtEl>
+                                        <p:attrNameLst>
+                                          <p:attrName>style.visibility</p:attrName>
+                                        </p:attrNameLst>
+                                      </p:cBhvr>
+                                      <p:to>
+                                        <p:strVal val="visible"/>
+                                      </p:to>
+                                    </p:set>
+                                  </p:childTnLst>
+                                </p:cTn>
+                              </p:par>
+                              <p:par>
+                                <p:cTn id="13" presetID="1" presetClass="entr" presetSubtype="0" fill="hold" nodeType="withEffect">
+                                  <p:stCondLst>
+                                    <p:cond delay="0"/>
+                                  </p:stCondLst>
+                                  <p:childTnLst>
+                                    <p:set>
+                                      <p:cBhvr>
+                                        <p:cTn id="14" dur="1" fill="hold">
+                                          <p:stCondLst>
+                                            <p:cond delay="0"/>
+                                          </p:stCondLst>
+                                        </p:cTn>
+                                        <p:tgtEl>
+                                          <p:spTgt spid="3">
+                                            <p:txEl>
+                                              <p:pRg st="3" end="3"/>
+                                            </p:txEl>
+                                          </p:spTgt>
+                                        </p:tgtEl>
+                                        <p:attrNameLst>
+                                          <p:attrName>style.visibility</p:attrName>
+                                        </p:attrNameLst>
+                                      </p:cBhvr>
+                                      <p:to>
+                                        <p:strVal val="visible"/>
+                                      </p:to>
+                                    </p:set>
+                                  </p:childTnLst>
+                                </p:cTn>
+                              </p:par>
+                              <p:par>
+                                <p:cTn id="15" presetID="1" presetClass="entr" presetSubtype="0" fill="hold" nodeType="withEffect">
+                                  <p:stCondLst>
+                                    <p:cond delay="0"/>
+                                  </p:stCondLst>
+                                  <p:childTnLst>
+                                    <p:set>
+                                      <p:cBhvr>
+                                        <p:cTn id="16" dur="1" fill="hold">
+                                          <p:stCondLst>
+                                            <p:cond delay="0"/>
+                                          </p:stCondLst>
+                                        </p:cTn>
+                                        <p:tgtEl>
+                                          <p:spTgt spid="3">
+                                            <p:txEl>
+                                              <p:pRg st="4" end="4"/>
+                                            </p:txEl>
+                                          </p:spTgt>
+                                        </p:tgtEl>
+                                        <p:attrNameLst>
+                                          <p:attrName>style.visibility</p:attrName>
+                                        </p:attrNameLst>
+                                      </p:cBhvr>
+                                      <p:to>
+                                        <p:strVal val="visible"/>
+                                      </p:to>
+                                    </p:set>
+                                  </p:childTnLst>
+                                </p:cTn>
+                              </p:par>
+                              <p:par>
+                                <p:cTn id="17" presetID="1" presetClass="entr" presetSubtype="0" fill="hold" nodeType="withEffect">
+                                  <p:stCondLst>
+                                    <p:cond delay="0"/>
+                                  </p:stCondLst>
+                                  <p:childTnLst>
+                                    <p:set>
+                                      <p:cBhvr>
+                                        <p:cTn id="18" dur="1" fill="hold">
+                                          <p:stCondLst>
+                                            <p:cond delay="0"/>
+                                          </p:stCondLst>
+                                        </p:cTn>
+                                        <p:tgtEl>
+                                          <p:spTgt spid="3">
+                                            <p:txEl>
+                                              <p:pRg st="5" end="5"/>
+                                            </p:txEl>
+                                          </p:spTgt>
+                                        </p:tgtEl>
+                                        <p:attrNameLst>
+                                          <p:attrName>style.visibility</p:attrName>
+                                        </p:attrNameLst>
+                                      </p:cBhvr>
+                                      <p:to>
+                                        <p:strVal val="visible"/>
+                                      </p:to>
+                                    </p:set>
+                                  </p:childTnLst>
+                                </p:cTn>
+                              </p:par>
+                              <p:par>
+                                <p:cTn id="19" presetID="1" presetClass="entr" presetSubtype="0" fill="hold" nodeType="withEffect">
+                                  <p:stCondLst>
+                                    <p:cond delay="0"/>
+                                  </p:stCondLst>
+                                  <p:childTnLst>
+                                    <p:set>
+                                      <p:cBhvr>
+                                        <p:cTn id="20" dur="1" fill="hold">
+                                          <p:stCondLst>
+                                            <p:cond delay="0"/>
+                                          </p:stCondLst>
+                                        </p:cTn>
+                                        <p:tgtEl>
+                                          <p:spTgt spid="3">
+                                            <p:txEl>
+                                              <p:pRg st="6" end="6"/>
+                                            </p:txEl>
+                                          </p:spTgt>
+                                        </p:tgtEl>
+                                        <p:attrNameLst>
+                                          <p:attrName>style.visibility</p:attrName>
+                                        </p:attrNameLst>
+                                      </p:cBhvr>
+                                      <p:to>
+                                        <p:strVal val="visible"/>
+                                      </p:to>
+                                    </p:set>
+                                  </p:childTnLst>
+                                </p:cTn>
+                              </p:par>
+                            </p:childTnLst>
+                          </p:cTn>
+                        </p:par>
+                      </p:childTnLst>
+                    </p:cTn>
+                  </p:par>
+                  <p:par>
+                    <p:cTn id="21" fill="hold">
+                      <p:stCondLst>
+                        <p:cond delay="indefinite"/>
+                      </p:stCondLst>
+                      <p:childTnLst>
+                        <p:par>
+                          <p:cTn id="22" fill="hold">
+                            <p:stCondLst>
+                              <p:cond delay="0"/>
+                            </p:stCondLst>
+                            <p:childTnLst>
+                              <p:par>
+                                <p:cTn id="23" presetID="1" presetClass="entr" presetSubtype="0" fill="hold" nodeType="clickEffect">
+                                  <p:stCondLst>
+                                    <p:cond delay="0"/>
+                                  </p:stCondLst>
+                                  <p:childTnLst>
+                                    <p:set>
+                                      <p:cBhvr>
+                                        <p:cTn id="24" dur="1" fill="hold">
+                                          <p:stCondLst>
+                                            <p:cond delay="0"/>
+                                          </p:stCondLst>
+                                        </p:cTn>
+                                        <p:tgtEl>
+                                          <p:spTgt spid="3">
+                                            <p:txEl>
+                                              <p:pRg st="7" end="7"/>
+                                            </p:txEl>
+                                          </p:spTgt>
+                                        </p:tgtEl>
+                                        <p:attrNameLst>
+                                          <p:attrName>style.visibility</p:attrName>
+                                        </p:attrNameLst>
+                                      </p:cBhvr>
+                                      <p:to>
+                                        <p:strVal val="visible"/>
+                                      </p:to>
+                                    </p:set>
+                                  </p:childTnLst>
+                                </p:cTn>
+                              </p:par>
+                              <p:par>
+                                <p:cTn id="25" presetID="1" presetClass="entr" presetSubtype="0" fill="hold" nodeType="withEffect">
+                                  <p:stCondLst>
+                                    <p:cond delay="0"/>
+                                  </p:stCondLst>
+                                  <p:childTnLst>
+                                    <p:set>
+                                      <p:cBhvr>
+                                        <p:cTn id="26" dur="1" fill="hold">
+                                          <p:stCondLst>
+                                            <p:cond delay="0"/>
+                                          </p:stCondLst>
+                                        </p:cTn>
+                                        <p:tgtEl>
+                                          <p:spTgt spid="3">
+                                            <p:txEl>
+                                              <p:pRg st="8" end="8"/>
+                                            </p:txEl>
+                                          </p:spTgt>
+                                        </p:tgtEl>
+                                        <p:attrNameLst>
+                                          <p:attrName>style.visibility</p:attrName>
+                                        </p:attrNameLst>
+                                      </p:cBhvr>
+                                      <p:to>
+                                        <p:strVal val="visible"/>
+                                      </p:to>
+                                    </p:set>
+                                  </p:childTnLst>
+                                </p:cTn>
+                              </p:par>
+                              <p:par>
+                                <p:cTn id="27" presetID="1" presetClass="entr" presetSubtype="0" fill="hold" nodeType="withEffect">
+                                  <p:stCondLst>
+                                    <p:cond delay="0"/>
+                                  </p:stCondLst>
+                                  <p:childTnLst>
+                                    <p:set>
+                                      <p:cBhvr>
+                                        <p:cTn id="28" dur="1" fill="hold">
+                                          <p:stCondLst>
+                                            <p:cond delay="0"/>
+                                          </p:stCondLst>
+                                        </p:cTn>
+                                        <p:tgtEl>
+                                          <p:spTgt spid="3">
+                                            <p:txEl>
+                                              <p:pRg st="9" end="9"/>
+                                            </p:txEl>
+                                          </p:spTgt>
+                                        </p:tgtEl>
+                                        <p:attrNameLst>
+                                          <p:attrName>style.visibility</p:attrName>
+                                        </p:attrNameLst>
+                                      </p:cBhvr>
+                                      <p:to>
+                                        <p:strVal val="visible"/>
+                                      </p:to>
+                                    </p:set>
+                                  </p:childTnLst>
+                                </p:cTn>
+                              </p:par>
+                            </p:childTnLst>
+                          </p:cTn>
+                        </p:par>
+                      </p:childTnLst>
+                    </p:cTn>
+                  </p:par>
+                </p:childTnLst>
+              </p:cTn>
+              <p:prevCondLst>
+                <p:cond evt="onPrev" delay="0">
+                  <p:tgtEl>
+                    <p:sldTgt/>
+                  </p:tgtEl>
+                </p:cond>
+              </p:prevCondLst>
+              <p:nextCondLst>
+                <p:cond evt="onNext" delay="0">
+                  <p:tgtEl>
+                    <p:sldTgt/>
+                  </p:tgtEl>
+                </p:cond>
+              </p:nextCondLst>
+            </p:seq>
+          </p:childTnLst>
+        </p:cTn>
+      </p:par>
+    </p:tnLst>
+  </p:timing>
 </p:sld>
 </file>
 
@@ -4782,7 +5673,7 @@
           <a:p>
             <a:r>
               <a:rPr lang="en-US" dirty="0" smtClean="0"/>
-              <a:t>Authentication</a:t>
+              <a:t>Security (3)</a:t>
             </a:r>
             <a:endParaRPr lang="en-US" dirty="0"/>
           </a:p>
@@ -4800,53 +5691,91 @@
         </p:nvSpPr>
         <p:spPr/>
         <p:txBody>
-          <a:bodyPr/>
-          <a:lstStyle/>
-          <a:p>
+          <a:bodyPr>
+            <a:normAutofit/>
+          </a:bodyPr>
+          <a:lstStyle/>
+          <a:p>
+            <a:r>
+              <a:rPr lang="en-US" b="1" dirty="0" smtClean="0"/>
+              <a:t>Confidentiality</a:t>
+            </a:r>
             <a:r>
               <a:rPr lang="en-US" dirty="0" smtClean="0"/>
-              <a:t>Proving who you are</a:t>
-            </a:r>
-          </a:p>
-          <a:p>
+              <a:t> is both difficult and expensive</a:t>
+            </a:r>
+          </a:p>
+          <a:p>
+            <a:pPr lvl="1"/>
             <a:r>
               <a:rPr lang="en-US" dirty="0" smtClean="0"/>
-              <a:t>Something you know</a:t>
+              <a:t>Explicitly zero memory before re-use between processes</a:t>
             </a:r>
           </a:p>
           <a:p>
             <a:pPr lvl="1"/>
             <a:r>
               <a:rPr lang="en-US" dirty="0" smtClean="0"/>
-              <a:t>Password</a:t>
-            </a:r>
-          </a:p>
-          <a:p>
+              <a:t>Prevent kernel-user data leaks (e.g., in </a:t>
+            </a:r>
+            <a:r>
+              <a:rPr lang="en-US" dirty="0" err="1" smtClean="0"/>
+              <a:t>struct</a:t>
+            </a:r>
             <a:r>
               <a:rPr lang="en-US" dirty="0" smtClean="0"/>
-              <a:t>Something you have</a:t>
+              <a:t> padding)</a:t>
             </a:r>
           </a:p>
           <a:p>
             <a:pPr lvl="1"/>
             <a:r>
               <a:rPr lang="en-US" dirty="0" smtClean="0"/>
-              <a:t>Key</a:t>
-            </a:r>
-          </a:p>
-          <a:p>
+              <a:t>Correct implementation of process model via rings, VM</a:t>
+            </a:r>
+          </a:p>
+          <a:p>
+            <a:pPr lvl="1"/>
+            <a:r>
+              <a:rPr lang="en-US" b="1" dirty="0" smtClean="0"/>
+              <a:t>Covert channels</a:t>
+            </a:r>
             <a:r>
               <a:rPr lang="en-US" dirty="0" smtClean="0"/>
-              <a:t>Something you are</a:t>
+              <a:t>, </a:t>
+            </a:r>
+            <a:r>
+              <a:rPr lang="en-US" b="1" dirty="0" smtClean="0"/>
+              <a:t>side channels</a:t>
+            </a:r>
+            <a:endParaRPr lang="en-US" dirty="0" smtClean="0"/>
+          </a:p>
+          <a:p>
+            <a:r>
+              <a:rPr lang="en-US" dirty="0" smtClean="0"/>
+              <a:t>User code is the adversary – may try to break access control or isolation</a:t>
             </a:r>
           </a:p>
           <a:p>
             <a:pPr lvl="1"/>
             <a:r>
               <a:rPr lang="en-US" dirty="0" smtClean="0"/>
-              <a:t>Fingerprint</a:t>
-            </a:r>
-            <a:endParaRPr lang="en-US" dirty="0"/>
+              <a:t>Kernel must carefully enforce all access-control rules</a:t>
+            </a:r>
+          </a:p>
+          <a:p>
+            <a:pPr lvl="1"/>
+            <a:r>
+              <a:rPr lang="en-US" dirty="0" smtClean="0"/>
+              <a:t>System-call arguments, return values are data, not code</a:t>
+            </a:r>
+          </a:p>
+          <a:p>
+            <a:pPr lvl="1"/>
+            <a:r>
+              <a:rPr lang="en-US" dirty="0" smtClean="0"/>
+              <a:t>Extreme care with user-originated pointers, operations</a:t>
+            </a:r>
           </a:p>
         </p:txBody>
       </p:sp>
@@ -4869,20 +5798,365 @@
               <a:rPr lang="en-US" smtClean="0"/>
               <a:t>Introduction to Operating Systems</a:t>
             </a:r>
-            <a:endParaRPr lang="en-US" dirty="0"/>
+            <a:endParaRPr lang="en-US"/>
           </a:p>
         </p:txBody>
       </p:sp>
     </p:spTree>
     <p:extLst>
       <p:ext uri="{BB962C8B-B14F-4D97-AF65-F5344CB8AC3E}">
-        <p14:creationId xmlns:p14="http://schemas.microsoft.com/office/powerpoint/2010/main" val="1796156461"/>
+        <p14:creationId xmlns:p14="http://schemas.microsoft.com/office/powerpoint/2010/main" val="57819890"/>
       </p:ext>
     </p:extLst>
   </p:cSld>
   <p:clrMapOvr>
     <a:masterClrMapping/>
   </p:clrMapOvr>
+  <p:timing>
+    <p:tnLst>
+      <p:par>
+        <p:cTn id="1" dur="indefinite" restart="never" nodeType="tmRoot">
+          <p:childTnLst>
+            <p:seq concurrent="1" nextAc="seek">
+              <p:cTn id="2" dur="indefinite" nodeType="mainSeq">
+                <p:childTnLst>
+                  <p:par>
+                    <p:cTn id="3" fill="hold">
+                      <p:stCondLst>
+                        <p:cond delay="indefinite"/>
+                      </p:stCondLst>
+                      <p:childTnLst>
+                        <p:par>
+                          <p:cTn id="4" fill="hold">
+                            <p:stCondLst>
+                              <p:cond delay="0"/>
+                            </p:stCondLst>
+                            <p:childTnLst>
+                              <p:par>
+                                <p:cTn id="5" presetID="1" presetClass="entr" presetSubtype="0" fill="hold" nodeType="clickEffect">
+                                  <p:stCondLst>
+                                    <p:cond delay="0"/>
+                                  </p:stCondLst>
+                                  <p:childTnLst>
+                                    <p:set>
+                                      <p:cBhvr>
+                                        <p:cTn id="6" dur="1" fill="hold">
+                                          <p:stCondLst>
+                                            <p:cond delay="0"/>
+                                          </p:stCondLst>
+                                        </p:cTn>
+                                        <p:tgtEl>
+                                          <p:spTgt spid="3">
+                                            <p:txEl>
+                                              <p:pRg st="0" end="0"/>
+                                            </p:txEl>
+                                          </p:spTgt>
+                                        </p:tgtEl>
+                                        <p:attrNameLst>
+                                          <p:attrName>style.visibility</p:attrName>
+                                        </p:attrNameLst>
+                                      </p:cBhvr>
+                                      <p:to>
+                                        <p:strVal val="visible"/>
+                                      </p:to>
+                                    </p:set>
+                                  </p:childTnLst>
+                                </p:cTn>
+                              </p:par>
+                              <p:par>
+                                <p:cTn id="7" presetID="1" presetClass="entr" presetSubtype="0" fill="hold" nodeType="withEffect">
+                                  <p:stCondLst>
+                                    <p:cond delay="0"/>
+                                  </p:stCondLst>
+                                  <p:childTnLst>
+                                    <p:set>
+                                      <p:cBhvr>
+                                        <p:cTn id="8" dur="1" fill="hold">
+                                          <p:stCondLst>
+                                            <p:cond delay="0"/>
+                                          </p:stCondLst>
+                                        </p:cTn>
+                                        <p:tgtEl>
+                                          <p:spTgt spid="3">
+                                            <p:txEl>
+                                              <p:pRg st="1" end="1"/>
+                                            </p:txEl>
+                                          </p:spTgt>
+                                        </p:tgtEl>
+                                        <p:attrNameLst>
+                                          <p:attrName>style.visibility</p:attrName>
+                                        </p:attrNameLst>
+                                      </p:cBhvr>
+                                      <p:to>
+                                        <p:strVal val="visible"/>
+                                      </p:to>
+                                    </p:set>
+                                  </p:childTnLst>
+                                </p:cTn>
+                              </p:par>
+                              <p:par>
+                                <p:cTn id="9" presetID="1" presetClass="entr" presetSubtype="0" fill="hold" nodeType="withEffect">
+                                  <p:stCondLst>
+                                    <p:cond delay="0"/>
+                                  </p:stCondLst>
+                                  <p:childTnLst>
+                                    <p:set>
+                                      <p:cBhvr>
+                                        <p:cTn id="10" dur="1" fill="hold">
+                                          <p:stCondLst>
+                                            <p:cond delay="0"/>
+                                          </p:stCondLst>
+                                        </p:cTn>
+                                        <p:tgtEl>
+                                          <p:spTgt spid="3">
+                                            <p:txEl>
+                                              <p:pRg st="2" end="2"/>
+                                            </p:txEl>
+                                          </p:spTgt>
+                                        </p:tgtEl>
+                                        <p:attrNameLst>
+                                          <p:attrName>style.visibility</p:attrName>
+                                        </p:attrNameLst>
+                                      </p:cBhvr>
+                                      <p:to>
+                                        <p:strVal val="visible"/>
+                                      </p:to>
+                                    </p:set>
+                                  </p:childTnLst>
+                                </p:cTn>
+                              </p:par>
+                              <p:par>
+                                <p:cTn id="11" presetID="1" presetClass="entr" presetSubtype="0" fill="hold" nodeType="withEffect">
+                                  <p:stCondLst>
+                                    <p:cond delay="0"/>
+                                  </p:stCondLst>
+                                  <p:childTnLst>
+                                    <p:set>
+                                      <p:cBhvr>
+                                        <p:cTn id="12" dur="1" fill="hold">
+                                          <p:stCondLst>
+                                            <p:cond delay="0"/>
+                                          </p:stCondLst>
+                                        </p:cTn>
+                                        <p:tgtEl>
+                                          <p:spTgt spid="3">
+                                            <p:txEl>
+                                              <p:pRg st="3" end="3"/>
+                                            </p:txEl>
+                                          </p:spTgt>
+                                        </p:tgtEl>
+                                        <p:attrNameLst>
+                                          <p:attrName>style.visibility</p:attrName>
+                                        </p:attrNameLst>
+                                      </p:cBhvr>
+                                      <p:to>
+                                        <p:strVal val="visible"/>
+                                      </p:to>
+                                    </p:set>
+                                  </p:childTnLst>
+                                </p:cTn>
+                              </p:par>
+                              <p:par>
+                                <p:cTn id="13" presetID="1" presetClass="entr" presetSubtype="0" fill="hold" nodeType="withEffect">
+                                  <p:stCondLst>
+                                    <p:cond delay="0"/>
+                                  </p:stCondLst>
+                                  <p:childTnLst>
+                                    <p:set>
+                                      <p:cBhvr>
+                                        <p:cTn id="14" dur="1" fill="hold">
+                                          <p:stCondLst>
+                                            <p:cond delay="0"/>
+                                          </p:stCondLst>
+                                        </p:cTn>
+                                        <p:tgtEl>
+                                          <p:spTgt spid="3">
+                                            <p:txEl>
+                                              <p:pRg st="4" end="4"/>
+                                            </p:txEl>
+                                          </p:spTgt>
+                                        </p:tgtEl>
+                                        <p:attrNameLst>
+                                          <p:attrName>style.visibility</p:attrName>
+                                        </p:attrNameLst>
+                                      </p:cBhvr>
+                                      <p:to>
+                                        <p:strVal val="visible"/>
+                                      </p:to>
+                                    </p:set>
+                                  </p:childTnLst>
+                                </p:cTn>
+                              </p:par>
+                            </p:childTnLst>
+                          </p:cTn>
+                        </p:par>
+                      </p:childTnLst>
+                    </p:cTn>
+                  </p:par>
+                  <p:par>
+                    <p:cTn id="15" fill="hold">
+                      <p:stCondLst>
+                        <p:cond delay="indefinite"/>
+                      </p:stCondLst>
+                      <p:childTnLst>
+                        <p:par>
+                          <p:cTn id="16" fill="hold">
+                            <p:stCondLst>
+                              <p:cond delay="0"/>
+                            </p:stCondLst>
+                            <p:childTnLst>
+                              <p:par>
+                                <p:cTn id="17" presetID="1" presetClass="entr" presetSubtype="0" fill="hold" nodeType="clickEffect">
+                                  <p:stCondLst>
+                                    <p:cond delay="0"/>
+                                  </p:stCondLst>
+                                  <p:childTnLst>
+                                    <p:set>
+                                      <p:cBhvr>
+                                        <p:cTn id="18" dur="1" fill="hold">
+                                          <p:stCondLst>
+                                            <p:cond delay="0"/>
+                                          </p:stCondLst>
+                                        </p:cTn>
+                                        <p:tgtEl>
+                                          <p:spTgt spid="3">
+                                            <p:txEl>
+                                              <p:pRg st="5" end="5"/>
+                                            </p:txEl>
+                                          </p:spTgt>
+                                        </p:tgtEl>
+                                        <p:attrNameLst>
+                                          <p:attrName>style.visibility</p:attrName>
+                                        </p:attrNameLst>
+                                      </p:cBhvr>
+                                      <p:to>
+                                        <p:strVal val="visible"/>
+                                      </p:to>
+                                    </p:set>
+                                  </p:childTnLst>
+                                </p:cTn>
+                              </p:par>
+                              <p:par>
+                                <p:cTn id="19" presetID="1" presetClass="entr" presetSubtype="0" fill="hold" nodeType="withEffect">
+                                  <p:stCondLst>
+                                    <p:cond delay="0"/>
+                                  </p:stCondLst>
+                                  <p:childTnLst>
+                                    <p:set>
+                                      <p:cBhvr>
+                                        <p:cTn id="20" dur="1" fill="hold">
+                                          <p:stCondLst>
+                                            <p:cond delay="0"/>
+                                          </p:stCondLst>
+                                        </p:cTn>
+                                        <p:tgtEl>
+                                          <p:spTgt spid="3">
+                                            <p:txEl>
+                                              <p:pRg st="6" end="6"/>
+                                            </p:txEl>
+                                          </p:spTgt>
+                                        </p:tgtEl>
+                                        <p:attrNameLst>
+                                          <p:attrName>style.visibility</p:attrName>
+                                        </p:attrNameLst>
+                                      </p:cBhvr>
+                                      <p:to>
+                                        <p:strVal val="visible"/>
+                                      </p:to>
+                                    </p:set>
+                                  </p:childTnLst>
+                                </p:cTn>
+                              </p:par>
+                              <p:par>
+                                <p:cTn id="21" presetID="1" presetClass="entr" presetSubtype="0" fill="hold" nodeType="withEffect">
+                                  <p:stCondLst>
+                                    <p:cond delay="0"/>
+                                  </p:stCondLst>
+                                  <p:childTnLst>
+                                    <p:set>
+                                      <p:cBhvr>
+                                        <p:cTn id="22" dur="1" fill="hold">
+                                          <p:stCondLst>
+                                            <p:cond delay="0"/>
+                                          </p:stCondLst>
+                                        </p:cTn>
+                                        <p:tgtEl>
+                                          <p:spTgt spid="3">
+                                            <p:txEl>
+                                              <p:pRg st="7" end="7"/>
+                                            </p:txEl>
+                                          </p:spTgt>
+                                        </p:tgtEl>
+                                        <p:attrNameLst>
+                                          <p:attrName>style.visibility</p:attrName>
+                                        </p:attrNameLst>
+                                      </p:cBhvr>
+                                      <p:to>
+                                        <p:strVal val="visible"/>
+                                      </p:to>
+                                    </p:set>
+                                  </p:childTnLst>
+                                </p:cTn>
+                              </p:par>
+                              <p:par>
+                                <p:cTn id="23" presetID="1" presetClass="entr" presetSubtype="0" fill="hold" nodeType="withEffect">
+                                  <p:stCondLst>
+                                    <p:cond delay="0"/>
+                                  </p:stCondLst>
+                                  <p:childTnLst>
+                                    <p:set>
+                                      <p:cBhvr>
+                                        <p:cTn id="24" dur="1" fill="hold">
+                                          <p:stCondLst>
+                                            <p:cond delay="0"/>
+                                          </p:stCondLst>
+                                        </p:cTn>
+                                        <p:tgtEl>
+                                          <p:spTgt spid="3">
+                                            <p:txEl>
+                                              <p:pRg st="8" end="8"/>
+                                            </p:txEl>
+                                          </p:spTgt>
+                                        </p:tgtEl>
+                                        <p:attrNameLst>
+                                          <p:attrName>style.visibility</p:attrName>
+                                        </p:attrNameLst>
+                                      </p:cBhvr>
+                                      <p:to>
+                                        <p:strVal val="visible"/>
+                                      </p:to>
+                                    </p:set>
+                                  </p:childTnLst>
+                                </p:cTn>
+                              </p:par>
+                            </p:childTnLst>
+                          </p:cTn>
+                        </p:par>
+                      </p:childTnLst>
+                    </p:cTn>
+                  </p:par>
+                </p:childTnLst>
+              </p:cTn>
+              <p:prevCondLst>
+                <p:cond evt="onPrev" delay="0">
+                  <p:tgtEl>
+                    <p:sldTgt/>
+                  </p:tgtEl>
+                </p:cond>
+              </p:prevCondLst>
+              <p:nextCondLst>
+                <p:cond evt="onNext" delay="0">
+                  <p:tgtEl>
+                    <p:sldTgt/>
+                  </p:tgtEl>
+                </p:cond>
+              </p:nextCondLst>
+            </p:seq>
+          </p:childTnLst>
+        </p:cTn>
+      </p:par>
+    </p:tnLst>
+  </p:timing>
 </p:sld>
 </file>
 
@@ -4920,7 +6194,7 @@
           <a:p>
             <a:r>
               <a:rPr lang="en-US" dirty="0" smtClean="0"/>
-              <a:t>The login process</a:t>
+              <a:t>Security (4)</a:t>
             </a:r>
             <a:endParaRPr lang="en-US" dirty="0"/>
           </a:p>
@@ -4938,11 +6212,161 @@
         </p:nvSpPr>
         <p:spPr/>
         <p:txBody>
-          <a:bodyPr/>
-          <a:lstStyle/>
-          <a:p>
+          <a:bodyPr>
+            <a:normAutofit/>
+          </a:bodyPr>
+          <a:lstStyle/>
+          <a:p>
+            <a:r>
+              <a:rPr lang="en-US" dirty="0"/>
+              <a:t>What if a </a:t>
+            </a:r>
+            <a:r>
+              <a:rPr lang="en-US" dirty="0" smtClean="0"/>
+              <a:t>user process </a:t>
+            </a:r>
+            <a:r>
+              <a:rPr lang="en-US" dirty="0"/>
+              <a:t>passes </a:t>
+            </a:r>
+            <a:r>
+              <a:rPr lang="en-US" dirty="0" smtClean="0"/>
+              <a:t>a kernel </a:t>
+            </a:r>
+            <a:r>
+              <a:rPr lang="en-US" dirty="0"/>
+              <a:t>pointer to system call?</a:t>
+            </a:r>
+          </a:p>
+          <a:p>
+            <a:pPr lvl="1"/>
+            <a:r>
+              <a:rPr lang="en-US" dirty="0" smtClean="0"/>
+              <a:t>System-call arguments must be processed </a:t>
+            </a:r>
+            <a:r>
+              <a:rPr lang="en-US" dirty="0"/>
+              <a:t>with rights of user code</a:t>
+            </a:r>
+          </a:p>
+          <a:p>
+            <a:pPr lvl="1"/>
+            <a:r>
+              <a:rPr lang="en-US" dirty="0"/>
+              <a:t>E.g., prohibit </a:t>
+            </a:r>
+            <a:r>
+              <a:rPr lang="en-US" dirty="0">
+                <a:latin typeface="Source Code Pro" charset="0"/>
+                <a:ea typeface="Source Code Pro" charset="0"/>
+                <a:cs typeface="Source Code Pro" charset="0"/>
+              </a:rPr>
+              <a:t>read()</a:t>
+            </a:r>
+            <a:r>
+              <a:rPr lang="en-US" dirty="0"/>
+              <a:t> from passing kernel pointer, which might </a:t>
+            </a:r>
+            <a:r>
+              <a:rPr lang="en-US" dirty="0" smtClean="0"/>
+              <a:t>overwrite in-kernel credentials</a:t>
+            </a:r>
             <a:endParaRPr lang="en-US" dirty="0"/>
           </a:p>
+          <a:p>
+            <a:pPr lvl="1"/>
+            <a:r>
+              <a:rPr lang="en-US" dirty="0"/>
+              <a:t>Explicit </a:t>
+            </a:r>
+            <a:r>
+              <a:rPr lang="en-US" dirty="0" err="1">
+                <a:latin typeface="Source Code Pro" charset="0"/>
+                <a:ea typeface="Source Code Pro" charset="0"/>
+                <a:cs typeface="Source Code Pro" charset="0"/>
+              </a:rPr>
+              <a:t>copyin</a:t>
+            </a:r>
+            <a:r>
+              <a:rPr lang="en-US" dirty="0">
+                <a:latin typeface="Source Code Pro" charset="0"/>
+                <a:ea typeface="Source Code Pro" charset="0"/>
+                <a:cs typeface="Source Code Pro" charset="0"/>
+              </a:rPr>
+              <a:t>()</a:t>
+            </a:r>
+            <a:r>
+              <a:rPr lang="en-US" dirty="0"/>
+              <a:t>, </a:t>
+            </a:r>
+            <a:r>
+              <a:rPr lang="en-US" dirty="0" err="1">
+                <a:latin typeface="Source Code Pro" charset="0"/>
+                <a:ea typeface="Source Code Pro" charset="0"/>
+                <a:cs typeface="Source Code Pro" charset="0"/>
+              </a:rPr>
+              <a:t>copyout</a:t>
+            </a:r>
+            <a:r>
+              <a:rPr lang="en-US" dirty="0">
+                <a:latin typeface="Source Code Pro" charset="0"/>
+                <a:ea typeface="Source Code Pro" charset="0"/>
+                <a:cs typeface="Source Code Pro" charset="0"/>
+              </a:rPr>
+              <a:t>()</a:t>
+            </a:r>
+            <a:r>
+              <a:rPr lang="en-US" dirty="0"/>
+              <a:t> routines check pointer validity, copy data safely</a:t>
+            </a:r>
+          </a:p>
+          <a:p>
+            <a:r>
+              <a:rPr lang="en-US" dirty="0"/>
+              <a:t>Kernel dereferences user pointer by accident</a:t>
+            </a:r>
+          </a:p>
+          <a:p>
+            <a:pPr lvl="1"/>
+            <a:r>
+              <a:rPr lang="en-US" dirty="0"/>
+              <a:t>Kernel bugs could cause kernel to access user memory </a:t>
+            </a:r>
+            <a:r>
+              <a:rPr lang="en-US" dirty="0" smtClean="0"/>
+              <a:t>“by mistake”</a:t>
+            </a:r>
+            <a:endParaRPr lang="en-US" dirty="0"/>
+          </a:p>
+          <a:p>
+            <a:pPr lvl="1"/>
+            <a:r>
+              <a:rPr lang="en-US" dirty="0"/>
+              <a:t>Kernel </a:t>
+            </a:r>
+            <a:r>
+              <a:rPr lang="en-US" dirty="0">
+                <a:latin typeface="Source Code Pro" charset="0"/>
+                <a:ea typeface="Source Code Pro" charset="0"/>
+                <a:cs typeface="Source Code Pro" charset="0"/>
+              </a:rPr>
+              <a:t>NULL</a:t>
+            </a:r>
+            <a:r>
+              <a:rPr lang="en-US" dirty="0"/>
+              <a:t>-pointer vulnerabilities</a:t>
+            </a:r>
+          </a:p>
+          <a:p>
+            <a:pPr lvl="1"/>
+            <a:r>
+              <a:rPr lang="en-US" dirty="0"/>
+              <a:t>Intel Supervisor Mode Access Prevent (SMAP)</a:t>
+            </a:r>
+          </a:p>
+          <a:p>
+            <a:endParaRPr lang="en-US" dirty="0"/>
+          </a:p>
         </p:txBody>
       </p:sp>
       <p:sp>
@@ -4964,20 +6388,334 @@
               <a:rPr lang="en-US" smtClean="0"/>
               <a:t>Introduction to Operating Systems</a:t>
             </a:r>
-            <a:endParaRPr lang="en-US" dirty="0"/>
+            <a:endParaRPr lang="en-US"/>
           </a:p>
         </p:txBody>
       </p:sp>
     </p:spTree>
     <p:extLst>
       <p:ext uri="{BB962C8B-B14F-4D97-AF65-F5344CB8AC3E}">
-        <p14:creationId xmlns:p14="http://schemas.microsoft.com/office/powerpoint/2010/main" val="884765680"/>
+        <p14:creationId xmlns:p14="http://schemas.microsoft.com/office/powerpoint/2010/main" val="1116282786"/>
       </p:ext>
     </p:extLst>
   </p:cSld>
   <p:clrMapOvr>
     <a:masterClrMapping/>
   </p:clrMapOvr>
+  <p:timing>
+    <p:tnLst>
+      <p:par>
+        <p:cTn id="1" dur="indefinite" restart="never" nodeType="tmRoot">
+          <p:childTnLst>
+            <p:seq concurrent="1" nextAc="seek">
+              <p:cTn id="2" dur="indefinite" nodeType="mainSeq">
+                <p:childTnLst>
+                  <p:par>
+                    <p:cTn id="3" fill="hold">
+                      <p:stCondLst>
+                        <p:cond delay="indefinite"/>
+                      </p:stCondLst>
+                      <p:childTnLst>
+                        <p:par>
+                          <p:cTn id="4" fill="hold">
+                            <p:stCondLst>
+                              <p:cond delay="0"/>
+                            </p:stCondLst>
+                            <p:childTnLst>
+                              <p:par>
+                                <p:cTn id="5" presetID="1" presetClass="entr" presetSubtype="0" fill="hold" nodeType="clickEffect">
+                                  <p:stCondLst>
+                                    <p:cond delay="0"/>
+                                  </p:stCondLst>
+                                  <p:childTnLst>
+                                    <p:set>
+                                      <p:cBhvr>
+                                        <p:cTn id="6" dur="1" fill="hold">
+                                          <p:stCondLst>
+                                            <p:cond delay="0"/>
+                                          </p:stCondLst>
+                                        </p:cTn>
+                                        <p:tgtEl>
+                                          <p:spTgt spid="3">
+                                            <p:txEl>
+                                              <p:pRg st="0" end="0"/>
+                                            </p:txEl>
+                                          </p:spTgt>
+                                        </p:tgtEl>
+                                        <p:attrNameLst>
+                                          <p:attrName>style.visibility</p:attrName>
+                                        </p:attrNameLst>
+                                      </p:cBhvr>
+                                      <p:to>
+                                        <p:strVal val="visible"/>
+                                      </p:to>
+                                    </p:set>
+                                  </p:childTnLst>
+                                </p:cTn>
+                              </p:par>
+                              <p:par>
+                                <p:cTn id="7" presetID="1" presetClass="entr" presetSubtype="0" fill="hold" nodeType="withEffect">
+                                  <p:stCondLst>
+                                    <p:cond delay="0"/>
+                                  </p:stCondLst>
+                                  <p:childTnLst>
+                                    <p:set>
+                                      <p:cBhvr>
+                                        <p:cTn id="8" dur="1" fill="hold">
+                                          <p:stCondLst>
+                                            <p:cond delay="0"/>
+                                          </p:stCondLst>
+                                        </p:cTn>
+                                        <p:tgtEl>
+                                          <p:spTgt spid="3">
+                                            <p:txEl>
+                                              <p:pRg st="1" end="1"/>
+                                            </p:txEl>
+                                          </p:spTgt>
+                                        </p:tgtEl>
+                                        <p:attrNameLst>
+                                          <p:attrName>style.visibility</p:attrName>
+                                        </p:attrNameLst>
+                                      </p:cBhvr>
+                                      <p:to>
+                                        <p:strVal val="visible"/>
+                                      </p:to>
+                                    </p:set>
+                                  </p:childTnLst>
+                                </p:cTn>
+                              </p:par>
+                              <p:par>
+                                <p:cTn id="9" presetID="1" presetClass="entr" presetSubtype="0" fill="hold" nodeType="withEffect">
+                                  <p:stCondLst>
+                                    <p:cond delay="0"/>
+                                  </p:stCondLst>
+                                  <p:childTnLst>
+                                    <p:set>
+                                      <p:cBhvr>
+                                        <p:cTn id="10" dur="1" fill="hold">
+                                          <p:stCondLst>
+                                            <p:cond delay="0"/>
+                                          </p:stCondLst>
+                                        </p:cTn>
+                                        <p:tgtEl>
+                                          <p:spTgt spid="3">
+                                            <p:txEl>
+                                              <p:pRg st="2" end="2"/>
+                                            </p:txEl>
+                                          </p:spTgt>
+                                        </p:tgtEl>
+                                        <p:attrNameLst>
+                                          <p:attrName>style.visibility</p:attrName>
+                                        </p:attrNameLst>
+                                      </p:cBhvr>
+                                      <p:to>
+                                        <p:strVal val="visible"/>
+                                      </p:to>
+                                    </p:set>
+                                  </p:childTnLst>
+                                </p:cTn>
+                              </p:par>
+                              <p:par>
+                                <p:cTn id="11" presetID="1" presetClass="entr" presetSubtype="0" fill="hold" nodeType="withEffect">
+                                  <p:stCondLst>
+                                    <p:cond delay="0"/>
+                                  </p:stCondLst>
+                                  <p:childTnLst>
+                                    <p:set>
+                                      <p:cBhvr>
+                                        <p:cTn id="12" dur="1" fill="hold">
+                                          <p:stCondLst>
+                                            <p:cond delay="0"/>
+                                          </p:stCondLst>
+                                        </p:cTn>
+                                        <p:tgtEl>
+                                          <p:spTgt spid="3">
+                                            <p:txEl>
+                                              <p:pRg st="3" end="3"/>
+                                            </p:txEl>
+                                          </p:spTgt>
+                                        </p:tgtEl>
+                                        <p:attrNameLst>
+                                          <p:attrName>style.visibility</p:attrName>
+                                        </p:attrNameLst>
+                                      </p:cBhvr>
+                                      <p:to>
+                                        <p:strVal val="visible"/>
+                                      </p:to>
+                                    </p:set>
+                                  </p:childTnLst>
+                                </p:cTn>
+                              </p:par>
+                            </p:childTnLst>
+                          </p:cTn>
+                        </p:par>
+                      </p:childTnLst>
+                    </p:cTn>
+                  </p:par>
+                  <p:par>
+                    <p:cTn id="13" fill="hold">
+                      <p:stCondLst>
+                        <p:cond delay="indefinite"/>
+                      </p:stCondLst>
+                      <p:childTnLst>
+                        <p:par>
+                          <p:cTn id="14" fill="hold">
+                            <p:stCondLst>
+                              <p:cond delay="0"/>
+                            </p:stCondLst>
+                            <p:childTnLst>
+                              <p:par>
+                                <p:cTn id="15" presetID="1" presetClass="entr" presetSubtype="0" fill="hold" nodeType="clickEffect">
+                                  <p:stCondLst>
+                                    <p:cond delay="0"/>
+                                  </p:stCondLst>
+                                  <p:childTnLst>
+                                    <p:set>
+                                      <p:cBhvr>
+                                        <p:cTn id="16" dur="1" fill="hold">
+                                          <p:stCondLst>
+                                            <p:cond delay="0"/>
+                                          </p:stCondLst>
+                                        </p:cTn>
+                                        <p:tgtEl>
+                                          <p:spTgt spid="3">
+                                            <p:txEl>
+                                              <p:pRg st="4" end="4"/>
+                                            </p:txEl>
+                                          </p:spTgt>
+                                        </p:tgtEl>
+                                        <p:attrNameLst>
+                                          <p:attrName>style.visibility</p:attrName>
+                                        </p:attrNameLst>
+                                      </p:cBhvr>
+                                      <p:to>
+                                        <p:strVal val="visible"/>
+                                      </p:to>
+                                    </p:set>
+                                  </p:childTnLst>
+                                </p:cTn>
+                              </p:par>
+                              <p:par>
+                                <p:cTn id="17" presetID="1" presetClass="entr" presetSubtype="0" fill="hold" nodeType="withEffect">
+                                  <p:stCondLst>
+                                    <p:cond delay="0"/>
+                                  </p:stCondLst>
+                                  <p:childTnLst>
+                                    <p:set>
+                                      <p:cBhvr>
+                                        <p:cTn id="18" dur="1" fill="hold">
+                                          <p:stCondLst>
+                                            <p:cond delay="0"/>
+                                          </p:stCondLst>
+                                        </p:cTn>
+                                        <p:tgtEl>
+                                          <p:spTgt spid="3">
+                                            <p:txEl>
+                                              <p:pRg st="5" end="5"/>
+                                            </p:txEl>
+                                          </p:spTgt>
+                                        </p:tgtEl>
+                                        <p:attrNameLst>
+                                          <p:attrName>style.visibility</p:attrName>
+                                        </p:attrNameLst>
+                                      </p:cBhvr>
+                                      <p:to>
+                                        <p:strVal val="visible"/>
+                                      </p:to>
+                                    </p:set>
+                                  </p:childTnLst>
+                                </p:cTn>
+                              </p:par>
+                              <p:par>
+                                <p:cTn id="19" presetID="1" presetClass="entr" presetSubtype="0" fill="hold" nodeType="withEffect">
+                                  <p:stCondLst>
+                                    <p:cond delay="0"/>
+                                  </p:stCondLst>
+                                  <p:childTnLst>
+                                    <p:set>
+                                      <p:cBhvr>
+                                        <p:cTn id="20" dur="1" fill="hold">
+                                          <p:stCondLst>
+                                            <p:cond delay="0"/>
+                                          </p:stCondLst>
+                                        </p:cTn>
+                                        <p:tgtEl>
+                                          <p:spTgt spid="3">
+                                            <p:txEl>
+                                              <p:pRg st="6" end="6"/>
+                                            </p:txEl>
+                                          </p:spTgt>
+                                        </p:tgtEl>
+                                        <p:attrNameLst>
+                                          <p:attrName>style.visibility</p:attrName>
+                                        </p:attrNameLst>
+                                      </p:cBhvr>
+                                      <p:to>
+                                        <p:strVal val="visible"/>
+                                      </p:to>
+                                    </p:set>
+                                  </p:childTnLst>
+                                </p:cTn>
+                              </p:par>
+                              <p:par>
+                                <p:cTn id="21" presetID="1" presetClass="entr" presetSubtype="0" fill="hold" nodeType="withEffect">
+                                  <p:stCondLst>
+                                    <p:cond delay="0"/>
+                                  </p:stCondLst>
+                                  <p:childTnLst>
+                                    <p:set>
+                                      <p:cBhvr>
+                                        <p:cTn id="22" dur="1" fill="hold">
+                                          <p:stCondLst>
+                                            <p:cond delay="0"/>
+                                          </p:stCondLst>
+                                        </p:cTn>
+                                        <p:tgtEl>
+                                          <p:spTgt spid="3">
+                                            <p:txEl>
+                                              <p:pRg st="7" end="7"/>
+                                            </p:txEl>
+                                          </p:spTgt>
+                                        </p:tgtEl>
+                                        <p:attrNameLst>
+                                          <p:attrName>style.visibility</p:attrName>
+                                        </p:attrNameLst>
+                                      </p:cBhvr>
+                                      <p:to>
+                                        <p:strVal val="visible"/>
+                                      </p:to>
+                                    </p:set>
+                                  </p:childTnLst>
+                                </p:cTn>
+                              </p:par>
+                            </p:childTnLst>
+                          </p:cTn>
+                        </p:par>
+                      </p:childTnLst>
+                    </p:cTn>
+                  </p:par>
+                </p:childTnLst>
+              </p:cTn>
+              <p:prevCondLst>
+                <p:cond evt="onPrev" delay="0">
+                  <p:tgtEl>
+                    <p:sldTgt/>
+                  </p:tgtEl>
+                </p:cond>
+              </p:prevCondLst>
+              <p:nextCondLst>
+                <p:cond evt="onNext" delay="0">
+                  <p:tgtEl>
+                    <p:sldTgt/>
+                  </p:tgtEl>
+                </p:cond>
+              </p:nextCondLst>
+            </p:seq>
+          </p:childTnLst>
+        </p:cTn>
+      </p:par>
+    </p:tnLst>
+  </p:timing>
 </p:sld>
 </file>
 
@@ -5015,7 +6753,7 @@
           <a:p>
             <a:r>
               <a:rPr lang="en-US" dirty="0" smtClean="0"/>
-              <a:t>The password file</a:t>
+              <a:t>User Credentials</a:t>
             </a:r>
             <a:endParaRPr lang="en-US" dirty="0"/>
           </a:p>
@@ -5036,7 +6774,7 @@
           <a:bodyPr/>
           <a:lstStyle/>
           <a:p>
-            <a:endParaRPr lang="en-US" dirty="0"/>
+            <a:endParaRPr lang="en-US"/>
           </a:p>
         </p:txBody>
       </p:sp>
@@ -5066,13 +6804,20 @@
     </p:spTree>
     <p:extLst>
       <p:ext uri="{BB962C8B-B14F-4D97-AF65-F5344CB8AC3E}">
-        <p14:creationId xmlns:p14="http://schemas.microsoft.com/office/powerpoint/2010/main" val="1533009729"/>
+        <p14:creationId xmlns:p14="http://schemas.microsoft.com/office/powerpoint/2010/main" val="498420491"/>
       </p:ext>
     </p:extLst>
   </p:cSld>
   <p:clrMapOvr>
     <a:masterClrMapping/>
   </p:clrMapOvr>
+  <p:timing>
+    <p:tnLst>
+      <p:par>
+        <p:cTn id="1" dur="indefinite" restart="never" nodeType="tmRoot"/>
+      </p:par>
+    </p:tnLst>
+  </p:timing>
 </p:sld>
 </file>
 
@@ -5095,7 +6840,7 @@
       </p:grpSpPr>
       <p:sp>
         <p:nvSpPr>
-          <p:cNvPr id="2" name="Title 1"/>
+          <p:cNvPr id="8" name="Title 7"/>
           <p:cNvSpPr>
             <a:spLocks noGrp="1"/>
           </p:cNvSpPr>
@@ -5110,7 +6855,7 @@
           <a:p>
             <a:r>
               <a:rPr lang="en-US" dirty="0" smtClean="0"/>
-              <a:t>The user’s credentials</a:t>
+              <a:t>What is a User?</a:t>
             </a:r>
             <a:endParaRPr lang="en-US" dirty="0"/>
           </a:p>
@@ -5118,7 +6863,7 @@
       </p:sp>
       <p:sp>
         <p:nvSpPr>
-          <p:cNvPr id="3" name="Content Placeholder 2"/>
+          <p:cNvPr id="9" name="Content Placeholder 8"/>
           <p:cNvSpPr>
             <a:spLocks noGrp="1"/>
           </p:cNvSpPr>
@@ -5137,7 +6882,7 @@
       </p:sp>
       <p:sp>
         <p:nvSpPr>
-          <p:cNvPr id="4" name="Footer Placeholder 3"/>
+          <p:cNvPr id="7" name="Footer Placeholder 6"/>
           <p:cNvSpPr>
             <a:spLocks noGrp="1"/>
           </p:cNvSpPr>
@@ -5154,20 +6899,27 @@
               <a:rPr lang="en-US" smtClean="0"/>
               <a:t>Introduction to Operating Systems</a:t>
             </a:r>
-            <a:endParaRPr lang="en-US" dirty="0"/>
+            <a:endParaRPr lang="en-US"/>
           </a:p>
         </p:txBody>
       </p:sp>
     </p:spTree>
     <p:extLst>
       <p:ext uri="{BB962C8B-B14F-4D97-AF65-F5344CB8AC3E}">
-        <p14:creationId xmlns:p14="http://schemas.microsoft.com/office/powerpoint/2010/main" val="1549214054"/>
+        <p14:creationId xmlns:p14="http://schemas.microsoft.com/office/powerpoint/2010/main" val="563356357"/>
       </p:ext>
     </p:extLst>
   </p:cSld>
   <p:clrMapOvr>
     <a:masterClrMapping/>
   </p:clrMapOvr>
+  <p:timing>
+    <p:tnLst>
+      <p:par>
+        <p:cTn id="1" dur="indefinite" restart="never" nodeType="tmRoot"/>
+      </p:par>
+    </p:tnLst>
+  </p:timing>
 </p:sld>
 </file>
 
@@ -5204,10 +6956,10 @@
           <a:lstStyle/>
           <a:p>
             <a:r>
-              <a:rPr lang="en-US" smtClean="0"/>
-              <a:t>Privilege Checking</a:t>
-            </a:r>
-            <a:endParaRPr lang="en-US"/>
+              <a:rPr lang="en-US" dirty="0" smtClean="0"/>
+              <a:t>Who is root?</a:t>
+            </a:r>
+            <a:endParaRPr lang="en-US" dirty="0"/>
           </a:p>
         </p:txBody>
       </p:sp>
@@ -5256,13 +7008,20 @@
     </p:spTree>
     <p:extLst>
       <p:ext uri="{BB962C8B-B14F-4D97-AF65-F5344CB8AC3E}">
-        <p14:creationId xmlns:p14="http://schemas.microsoft.com/office/powerpoint/2010/main" val="261592939"/>
+        <p14:creationId xmlns:p14="http://schemas.microsoft.com/office/powerpoint/2010/main" val="35538755"/>
       </p:ext>
     </p:extLst>
   </p:cSld>
   <p:clrMapOvr>
     <a:masterClrMapping/>
   </p:clrMapOvr>
+  <p:timing>
+    <p:tnLst>
+      <p:par>
+        <p:cTn id="1" dur="indefinite" restart="never" nodeType="tmRoot"/>
+      </p:par>
+    </p:tnLst>
+  </p:timing>
 </p:sld>
 </file>
 
@@ -5300,7 +7059,7 @@
           <a:p>
             <a:r>
               <a:rPr lang="en-US" dirty="0" smtClean="0"/>
-              <a:t>Users and Files</a:t>
+              <a:t>Groups vs. Users</a:t>
             </a:r>
             <a:endParaRPr lang="en-US" dirty="0"/>
           </a:p>
@@ -5351,13 +7110,20 @@
     </p:spTree>
     <p:extLst>
       <p:ext uri="{BB962C8B-B14F-4D97-AF65-F5344CB8AC3E}">
-        <p14:creationId xmlns:p14="http://schemas.microsoft.com/office/powerpoint/2010/main" val="318394817"/>
+        <p14:creationId xmlns:p14="http://schemas.microsoft.com/office/powerpoint/2010/main" val="1312566383"/>
       </p:ext>
     </p:extLst>
   </p:cSld>
   <p:clrMapOvr>
     <a:masterClrMapping/>
   </p:clrMapOvr>
+  <p:timing>
+    <p:tnLst>
+      <p:par>
+        <p:cTn id="1" dur="indefinite" restart="never" nodeType="tmRoot"/>
+      </p:par>
+    </p:tnLst>
+  </p:timing>
 </p:sld>
 </file>
 
@@ -5395,7 +7161,7 @@
           <a:p>
             <a:r>
               <a:rPr lang="en-US" dirty="0" smtClean="0"/>
-              <a:t>Privilege Escalation</a:t>
+              <a:t>Authentication</a:t>
             </a:r>
             <a:endParaRPr lang="en-US" dirty="0"/>
           </a:p>
@@ -5416,7 +7182,50 @@
           <a:bodyPr/>
           <a:lstStyle/>
           <a:p>
-            <a:endParaRPr lang="en-US"/>
+            <a:r>
+              <a:rPr lang="en-US" dirty="0" smtClean="0"/>
+              <a:t>Proving who you are</a:t>
+            </a:r>
+          </a:p>
+          <a:p>
+            <a:r>
+              <a:rPr lang="en-US" dirty="0" smtClean="0"/>
+              <a:t>Something you know</a:t>
+            </a:r>
+          </a:p>
+          <a:p>
+            <a:pPr lvl="1"/>
+            <a:r>
+              <a:rPr lang="en-US" dirty="0" smtClean="0"/>
+              <a:t>Password</a:t>
+            </a:r>
+          </a:p>
+          <a:p>
+            <a:r>
+              <a:rPr lang="en-US" dirty="0" smtClean="0"/>
+              <a:t>Something you have</a:t>
+            </a:r>
+          </a:p>
+          <a:p>
+            <a:pPr lvl="1"/>
+            <a:r>
+              <a:rPr lang="en-US" dirty="0" smtClean="0"/>
+              <a:t>Key</a:t>
+            </a:r>
+          </a:p>
+          <a:p>
+            <a:r>
+              <a:rPr lang="en-US" dirty="0" smtClean="0"/>
+              <a:t>Something you are</a:t>
+            </a:r>
+          </a:p>
+          <a:p>
+            <a:pPr lvl="1"/>
+            <a:r>
+              <a:rPr lang="en-US" dirty="0" smtClean="0"/>
+              <a:t>Fingerprint</a:t>
+            </a:r>
+            <a:endParaRPr lang="en-US" dirty="0"/>
           </a:p>
         </p:txBody>
       </p:sp>
@@ -5446,13 +7255,122 @@
     </p:spTree>
     <p:extLst>
       <p:ext uri="{BB962C8B-B14F-4D97-AF65-F5344CB8AC3E}">
-        <p14:creationId xmlns:p14="http://schemas.microsoft.com/office/powerpoint/2010/main" val="832101954"/>
+        <p14:creationId xmlns:p14="http://schemas.microsoft.com/office/powerpoint/2010/main" val="1796156461"/>
       </p:ext>
     </p:extLst>
   </p:cSld>
   <p:clrMapOvr>
     <a:masterClrMapping/>
   </p:clrMapOvr>
+  <p:timing>
+    <p:tnLst>
+      <p:par>
+        <p:cTn id="1" dur="indefinite" restart="never" nodeType="tmRoot"/>
+      </p:par>
+    </p:tnLst>
+  </p:timing>
+</p:sld>
+</file>
+
+<file path=ppt/slides/slide19.xml><?xml version="1.0" encoding="utf-8"?>
+<p:sld xmlns:a="http://schemas.openxmlformats.org/drawingml/2006/main" xmlns:r="http://schemas.openxmlformats.org/officeDocument/2006/relationships" xmlns:p="http://schemas.openxmlformats.org/presentationml/2006/main">
+  <p:cSld>
+    <p:spTree>
+      <p:nvGrpSpPr>
+        <p:cNvPr id="1" name=""/>
+        <p:cNvGrpSpPr/>
+        <p:nvPr/>
+      </p:nvGrpSpPr>
+      <p:grpSpPr>
+        <a:xfrm>
+          <a:off x="0" y="0"/>
+          <a:ext cx="0" cy="0"/>
+          <a:chOff x="0" y="0"/>
+          <a:chExt cx="0" cy="0"/>
+        </a:xfrm>
+      </p:grpSpPr>
+      <p:sp>
+        <p:nvSpPr>
+          <p:cNvPr id="2" name="Title 1"/>
+          <p:cNvSpPr>
+            <a:spLocks noGrp="1"/>
+          </p:cNvSpPr>
+          <p:nvPr>
+            <p:ph type="title"/>
+          </p:nvPr>
+        </p:nvSpPr>
+        <p:spPr/>
+        <p:txBody>
+          <a:bodyPr/>
+          <a:lstStyle/>
+          <a:p>
+            <a:r>
+              <a:rPr lang="en-US" dirty="0" smtClean="0"/>
+              <a:t>The login process</a:t>
+            </a:r>
+            <a:endParaRPr lang="en-US" dirty="0"/>
+          </a:p>
+        </p:txBody>
+      </p:sp>
+      <p:sp>
+        <p:nvSpPr>
+          <p:cNvPr id="3" name="Content Placeholder 2"/>
+          <p:cNvSpPr>
+            <a:spLocks noGrp="1"/>
+          </p:cNvSpPr>
+          <p:nvPr>
+            <p:ph idx="1"/>
+          </p:nvPr>
+        </p:nvSpPr>
+        <p:spPr/>
+        <p:txBody>
+          <a:bodyPr/>
+          <a:lstStyle/>
+          <a:p>
+            <a:endParaRPr lang="en-US" dirty="0"/>
+          </a:p>
+        </p:txBody>
+      </p:sp>
+      <p:sp>
+        <p:nvSpPr>
+          <p:cNvPr id="4" name="Footer Placeholder 3"/>
+          <p:cNvSpPr>
+            <a:spLocks noGrp="1"/>
+          </p:cNvSpPr>
+          <p:nvPr>
+            <p:ph type="ftr" sz="quarter" idx="11"/>
+          </p:nvPr>
+        </p:nvSpPr>
+        <p:spPr/>
+        <p:txBody>
+          <a:bodyPr/>
+          <a:lstStyle/>
+          <a:p>
+            <a:r>
+              <a:rPr lang="en-US" smtClean="0"/>
+              <a:t>Introduction to Operating Systems</a:t>
+            </a:r>
+            <a:endParaRPr lang="en-US" dirty="0"/>
+          </a:p>
+        </p:txBody>
+      </p:sp>
+    </p:spTree>
+    <p:extLst>
+      <p:ext uri="{BB962C8B-B14F-4D97-AF65-F5344CB8AC3E}">
+        <p14:creationId xmlns:p14="http://schemas.microsoft.com/office/powerpoint/2010/main" val="884765680"/>
+      </p:ext>
+    </p:extLst>
+  </p:cSld>
+  <p:clrMapOvr>
+    <a:masterClrMapping/>
+  </p:clrMapOvr>
+  <p:timing>
+    <p:tnLst>
+      <p:par>
+        <p:cTn id="1" dur="indefinite" restart="never" nodeType="tmRoot"/>
+      </p:par>
+    </p:tnLst>
+  </p:timing>
 </p:sld>
 </file>
 
@@ -5515,6 +7433,30 @@
               <a:rPr lang="en-US" dirty="0" smtClean="0"/>
               <a:t>What properties make a system secure?</a:t>
             </a:r>
+          </a:p>
+          <a:p>
+            <a:r>
+              <a:rPr lang="en-US" dirty="0" smtClean="0"/>
+              <a:t>Isolation</a:t>
+            </a:r>
+          </a:p>
+          <a:p>
+            <a:r>
+              <a:rPr lang="en-US" dirty="0" smtClean="0"/>
+              <a:t>Authentication</a:t>
+            </a:r>
+          </a:p>
+          <a:p>
+            <a:r>
+              <a:rPr lang="en-US" dirty="0" smtClean="0"/>
+              <a:t>Verification</a:t>
+            </a:r>
+          </a:p>
+          <a:p>
+            <a:r>
+              <a:rPr lang="en-US" dirty="0" smtClean="0"/>
+              <a:t>Trust</a:t>
+            </a:r>
             <a:endParaRPr lang="en-US" dirty="0"/>
           </a:p>
         </p:txBody>
@@ -5552,6 +7494,1265 @@
   <p:clrMapOvr>
     <a:masterClrMapping/>
   </p:clrMapOvr>
+  <p:timing>
+    <p:tnLst>
+      <p:par>
+        <p:cTn id="1" dur="indefinite" restart="never" nodeType="tmRoot"/>
+      </p:par>
+    </p:tnLst>
+  </p:timing>
+</p:sld>
+</file>
+
+<file path=ppt/slides/slide20.xml><?xml version="1.0" encoding="utf-8"?>
+<p:sld xmlns:a="http://schemas.openxmlformats.org/drawingml/2006/main" xmlns:r="http://schemas.openxmlformats.org/officeDocument/2006/relationships" xmlns:p="http://schemas.openxmlformats.org/presentationml/2006/main">
+  <p:cSld>
+    <p:spTree>
+      <p:nvGrpSpPr>
+        <p:cNvPr id="1" name=""/>
+        <p:cNvGrpSpPr/>
+        <p:nvPr/>
+      </p:nvGrpSpPr>
+      <p:grpSpPr>
+        <a:xfrm>
+          <a:off x="0" y="0"/>
+          <a:ext cx="0" cy="0"/>
+          <a:chOff x="0" y="0"/>
+          <a:chExt cx="0" cy="0"/>
+        </a:xfrm>
+      </p:grpSpPr>
+      <p:sp>
+        <p:nvSpPr>
+          <p:cNvPr id="2" name="Title 1"/>
+          <p:cNvSpPr>
+            <a:spLocks noGrp="1"/>
+          </p:cNvSpPr>
+          <p:nvPr>
+            <p:ph type="title"/>
+          </p:nvPr>
+        </p:nvSpPr>
+        <p:spPr/>
+        <p:txBody>
+          <a:bodyPr/>
+          <a:lstStyle/>
+          <a:p>
+            <a:r>
+              <a:rPr lang="en-US" dirty="0" smtClean="0"/>
+              <a:t>What happens during login?</a:t>
+            </a:r>
+            <a:endParaRPr lang="en-US" dirty="0"/>
+          </a:p>
+        </p:txBody>
+      </p:sp>
+      <p:sp>
+        <p:nvSpPr>
+          <p:cNvPr id="4" name="Footer Placeholder 3"/>
+          <p:cNvSpPr>
+            <a:spLocks noGrp="1"/>
+          </p:cNvSpPr>
+          <p:nvPr>
+            <p:ph type="ftr" sz="quarter" idx="11"/>
+          </p:nvPr>
+        </p:nvSpPr>
+        <p:spPr/>
+        <p:txBody>
+          <a:bodyPr/>
+          <a:lstStyle/>
+          <a:p>
+            <a:r>
+              <a:rPr lang="en-US" smtClean="0"/>
+              <a:t>Introduction to Operating Systems</a:t>
+            </a:r>
+            <a:endParaRPr lang="en-US"/>
+          </a:p>
+        </p:txBody>
+      </p:sp>
+      <p:sp>
+        <p:nvSpPr>
+          <p:cNvPr id="7" name="Rectangle 6"/>
+          <p:cNvSpPr/>
+          <p:nvPr/>
+        </p:nvSpPr>
+        <p:spPr>
+          <a:xfrm>
+            <a:off x="2152652" y="2294300"/>
+            <a:ext cx="7886698" cy="3691979"/>
+          </a:xfrm>
+          <a:prstGeom prst="rect">
+            <a:avLst/>
+          </a:prstGeom>
+          <a:noFill/>
+          <a:ln>
+            <a:solidFill>
+              <a:schemeClr val="accent1">
+                <a:shade val="50000"/>
+              </a:schemeClr>
+            </a:solidFill>
+            <a:prstDash val="sysDot"/>
+          </a:ln>
+        </p:spPr>
+        <p:style>
+          <a:lnRef idx="2">
+            <a:schemeClr val="accent1">
+              <a:shade val="50000"/>
+            </a:schemeClr>
+          </a:lnRef>
+          <a:fillRef idx="1">
+            <a:schemeClr val="accent1"/>
+          </a:fillRef>
+          <a:effectRef idx="0">
+            <a:schemeClr val="accent1"/>
+          </a:effectRef>
+          <a:fontRef idx="minor">
+            <a:schemeClr val="lt1"/>
+          </a:fontRef>
+        </p:style>
+        <p:txBody>
+          <a:bodyPr rtlCol="0" anchor="ctr"/>
+          <a:lstStyle/>
+          <a:p>
+            <a:r>
+              <a:rPr lang="en-US" sz="1400" b="1" dirty="0" err="1">
+                <a:solidFill>
+                  <a:schemeClr val="tx1"/>
+                </a:solidFill>
+                <a:latin typeface="Source Code Pro" charset="0"/>
+                <a:ea typeface="Source Code Pro" charset="0"/>
+                <a:cs typeface="Source Code Pro" charset="0"/>
+              </a:rPr>
+              <a:t>syscall</a:t>
+            </a:r>
+            <a:r>
+              <a:rPr lang="en-US" sz="1400" b="1" dirty="0">
+                <a:solidFill>
+                  <a:schemeClr val="tx1"/>
+                </a:solidFill>
+                <a:latin typeface="Source Code Pro" charset="0"/>
+                <a:ea typeface="Source Code Pro" charset="0"/>
+                <a:cs typeface="Source Code Pro" charset="0"/>
+              </a:rPr>
+              <a:t>:::entry </a:t>
+            </a:r>
+            <a:r>
+              <a:rPr lang="en-US" sz="1400" dirty="0">
+                <a:solidFill>
+                  <a:schemeClr val="tx1"/>
+                </a:solidFill>
+                <a:latin typeface="Source Code Pro" charset="0"/>
+                <a:ea typeface="Source Code Pro" charset="0"/>
+                <a:cs typeface="Source Code Pro" charset="0"/>
+              </a:rPr>
+              <a:t>/</a:t>
+            </a:r>
+            <a:r>
+              <a:rPr lang="en-US" sz="1400" dirty="0" err="1">
+                <a:solidFill>
+                  <a:schemeClr val="tx1"/>
+                </a:solidFill>
+                <a:latin typeface="Source Code Pro" charset="0"/>
+                <a:ea typeface="Source Code Pro" charset="0"/>
+                <a:cs typeface="Source Code Pro" charset="0"/>
+              </a:rPr>
+              <a:t>execname</a:t>
+            </a:r>
+            <a:r>
+              <a:rPr lang="en-US" sz="1400" dirty="0">
+                <a:solidFill>
+                  <a:schemeClr val="tx1"/>
+                </a:solidFill>
+                <a:latin typeface="Source Code Pro" charset="0"/>
+                <a:ea typeface="Source Code Pro" charset="0"/>
+                <a:cs typeface="Source Code Pro" charset="0"/>
+              </a:rPr>
+              <a:t> == </a:t>
+            </a:r>
+            <a:r>
+              <a:rPr lang="en-US" sz="1400" dirty="0" smtClean="0">
+                <a:solidFill>
+                  <a:schemeClr val="tx1"/>
+                </a:solidFill>
+                <a:latin typeface="Source Code Pro" charset="0"/>
+                <a:ea typeface="Source Code Pro" charset="0"/>
+                <a:cs typeface="Source Code Pro" charset="0"/>
+              </a:rPr>
+              <a:t>”login"/ </a:t>
+            </a:r>
+            <a:r>
+              <a:rPr lang="en-US" sz="1400" dirty="0">
+                <a:solidFill>
+                  <a:schemeClr val="tx1"/>
+                </a:solidFill>
+                <a:latin typeface="Source Code Pro" charset="0"/>
+                <a:ea typeface="Source Code Pro" charset="0"/>
+                <a:cs typeface="Source Code Pro" charset="0"/>
+              </a:rPr>
+              <a:t>{</a:t>
+            </a:r>
+          </a:p>
+          <a:p>
+            <a:r>
+              <a:rPr lang="en-US" sz="1400" dirty="0">
+                <a:solidFill>
+                  <a:schemeClr val="tx1"/>
+                </a:solidFill>
+                <a:latin typeface="Source Code Pro" charset="0"/>
+                <a:ea typeface="Source Code Pro" charset="0"/>
+                <a:cs typeface="Source Code Pro" charset="0"/>
+              </a:rPr>
+              <a:t>        self-&gt;start = timestamp;</a:t>
+            </a:r>
+          </a:p>
+          <a:p>
+            <a:r>
+              <a:rPr lang="en-US" sz="1400" dirty="0">
+                <a:solidFill>
+                  <a:schemeClr val="tx1"/>
+                </a:solidFill>
+                <a:latin typeface="Source Code Pro" charset="0"/>
+                <a:ea typeface="Source Code Pro" charset="0"/>
+                <a:cs typeface="Source Code Pro" charset="0"/>
+              </a:rPr>
+              <a:t>        self-&gt;</a:t>
+            </a:r>
+            <a:r>
+              <a:rPr lang="en-US" sz="1400" dirty="0" err="1">
+                <a:solidFill>
+                  <a:schemeClr val="tx1"/>
+                </a:solidFill>
+                <a:latin typeface="Source Code Pro" charset="0"/>
+                <a:ea typeface="Source Code Pro" charset="0"/>
+                <a:cs typeface="Source Code Pro" charset="0"/>
+              </a:rPr>
+              <a:t>insyscall</a:t>
+            </a:r>
+            <a:r>
+              <a:rPr lang="en-US" sz="1400" dirty="0">
+                <a:solidFill>
+                  <a:schemeClr val="tx1"/>
+                </a:solidFill>
+                <a:latin typeface="Source Code Pro" charset="0"/>
+                <a:ea typeface="Source Code Pro" charset="0"/>
+                <a:cs typeface="Source Code Pro" charset="0"/>
+              </a:rPr>
+              <a:t> = 1;</a:t>
+            </a:r>
+          </a:p>
+          <a:p>
+            <a:r>
+              <a:rPr lang="en-US" sz="1400" dirty="0">
+                <a:solidFill>
+                  <a:schemeClr val="tx1"/>
+                </a:solidFill>
+                <a:latin typeface="Source Code Pro" charset="0"/>
+                <a:ea typeface="Source Code Pro" charset="0"/>
+                <a:cs typeface="Source Code Pro" charset="0"/>
+              </a:rPr>
+              <a:t>}</a:t>
+            </a:r>
+          </a:p>
+          <a:p>
+            <a:endParaRPr lang="en-US" sz="1400" dirty="0">
+              <a:solidFill>
+                <a:schemeClr val="tx1"/>
+              </a:solidFill>
+              <a:latin typeface="Source Code Pro" charset="0"/>
+              <a:ea typeface="Source Code Pro" charset="0"/>
+              <a:cs typeface="Source Code Pro" charset="0"/>
+            </a:endParaRPr>
+          </a:p>
+          <a:p>
+            <a:r>
+              <a:rPr lang="en-US" sz="1400" b="1" dirty="0" err="1">
+                <a:solidFill>
+                  <a:schemeClr val="tx1"/>
+                </a:solidFill>
+                <a:latin typeface="Source Code Pro" charset="0"/>
+                <a:ea typeface="Source Code Pro" charset="0"/>
+                <a:cs typeface="Source Code Pro" charset="0"/>
+              </a:rPr>
+              <a:t>syscall</a:t>
+            </a:r>
+            <a:r>
+              <a:rPr lang="en-US" sz="1400" b="1" dirty="0">
+                <a:solidFill>
+                  <a:schemeClr val="tx1"/>
+                </a:solidFill>
+                <a:latin typeface="Source Code Pro" charset="0"/>
+                <a:ea typeface="Source Code Pro" charset="0"/>
+                <a:cs typeface="Source Code Pro" charset="0"/>
+              </a:rPr>
+              <a:t>:::return </a:t>
+            </a:r>
+            <a:r>
+              <a:rPr lang="en-US" sz="1400" dirty="0">
+                <a:solidFill>
+                  <a:schemeClr val="tx1"/>
+                </a:solidFill>
+                <a:latin typeface="Source Code Pro" charset="0"/>
+                <a:ea typeface="Source Code Pro" charset="0"/>
+                <a:cs typeface="Source Code Pro" charset="0"/>
+              </a:rPr>
+              <a:t>/</a:t>
+            </a:r>
+            <a:r>
+              <a:rPr lang="en-US" sz="1400" dirty="0" err="1">
+                <a:solidFill>
+                  <a:schemeClr val="tx1"/>
+                </a:solidFill>
+                <a:latin typeface="Source Code Pro" charset="0"/>
+                <a:ea typeface="Source Code Pro" charset="0"/>
+                <a:cs typeface="Source Code Pro" charset="0"/>
+              </a:rPr>
+              <a:t>execname</a:t>
+            </a:r>
+            <a:r>
+              <a:rPr lang="en-US" sz="1400" dirty="0">
+                <a:solidFill>
+                  <a:schemeClr val="tx1"/>
+                </a:solidFill>
+                <a:latin typeface="Source Code Pro" charset="0"/>
+                <a:ea typeface="Source Code Pro" charset="0"/>
+                <a:cs typeface="Source Code Pro" charset="0"/>
+              </a:rPr>
+              <a:t> == </a:t>
+            </a:r>
+            <a:r>
+              <a:rPr lang="en-US" sz="1400" dirty="0" smtClean="0">
+                <a:solidFill>
+                  <a:schemeClr val="tx1"/>
+                </a:solidFill>
+                <a:latin typeface="Source Code Pro" charset="0"/>
+                <a:ea typeface="Source Code Pro" charset="0"/>
+                <a:cs typeface="Source Code Pro" charset="0"/>
+              </a:rPr>
+              <a:t>”login" </a:t>
+            </a:r>
+            <a:r>
+              <a:rPr lang="en-US" sz="1400" dirty="0">
+                <a:solidFill>
+                  <a:schemeClr val="tx1"/>
+                </a:solidFill>
+                <a:latin typeface="Source Code Pro" charset="0"/>
+                <a:ea typeface="Source Code Pro" charset="0"/>
+                <a:cs typeface="Source Code Pro" charset="0"/>
+              </a:rPr>
+              <a:t>&amp;&amp; self-&gt;</a:t>
+            </a:r>
+            <a:r>
+              <a:rPr lang="en-US" sz="1400" dirty="0" err="1">
+                <a:solidFill>
+                  <a:schemeClr val="tx1"/>
+                </a:solidFill>
+                <a:latin typeface="Source Code Pro" charset="0"/>
+                <a:ea typeface="Source Code Pro" charset="0"/>
+                <a:cs typeface="Source Code Pro" charset="0"/>
+              </a:rPr>
+              <a:t>insyscall</a:t>
+            </a:r>
+            <a:r>
+              <a:rPr lang="en-US" sz="1400" dirty="0">
+                <a:solidFill>
+                  <a:schemeClr val="tx1"/>
+                </a:solidFill>
+                <a:latin typeface="Source Code Pro" charset="0"/>
+                <a:ea typeface="Source Code Pro" charset="0"/>
+                <a:cs typeface="Source Code Pro" charset="0"/>
+              </a:rPr>
+              <a:t> != 0/ {</a:t>
+            </a:r>
+          </a:p>
+          <a:p>
+            <a:r>
+              <a:rPr lang="en-US" sz="1400" dirty="0">
+                <a:solidFill>
+                  <a:schemeClr val="tx1"/>
+                </a:solidFill>
+                <a:latin typeface="Source Code Pro" charset="0"/>
+                <a:ea typeface="Source Code Pro" charset="0"/>
+                <a:cs typeface="Source Code Pro" charset="0"/>
+              </a:rPr>
+              <a:t>        length = timestamp - self-&gt;start;</a:t>
+            </a:r>
+          </a:p>
+          <a:p>
+            <a:r>
+              <a:rPr lang="en-US" sz="1400" dirty="0">
+                <a:solidFill>
+                  <a:schemeClr val="tx1"/>
+                </a:solidFill>
+                <a:latin typeface="Source Code Pro" charset="0"/>
+                <a:ea typeface="Source Code Pro" charset="0"/>
+                <a:cs typeface="Source Code Pro" charset="0"/>
+              </a:rPr>
+              <a:t>        @</a:t>
+            </a:r>
+            <a:r>
+              <a:rPr lang="en-US" sz="1400" dirty="0" err="1">
+                <a:solidFill>
+                  <a:schemeClr val="tx1"/>
+                </a:solidFill>
+                <a:latin typeface="Source Code Pro" charset="0"/>
+                <a:ea typeface="Source Code Pro" charset="0"/>
+                <a:cs typeface="Source Code Pro" charset="0"/>
+              </a:rPr>
+              <a:t>syscall_time</a:t>
+            </a:r>
+            <a:r>
+              <a:rPr lang="en-US" sz="1400" dirty="0">
+                <a:solidFill>
+                  <a:schemeClr val="tx1"/>
+                </a:solidFill>
+                <a:latin typeface="Source Code Pro" charset="0"/>
+                <a:ea typeface="Source Code Pro" charset="0"/>
+                <a:cs typeface="Source Code Pro" charset="0"/>
+              </a:rPr>
+              <a:t>[</a:t>
+            </a:r>
+            <a:r>
+              <a:rPr lang="en-US" sz="1400" dirty="0" err="1">
+                <a:solidFill>
+                  <a:schemeClr val="tx1"/>
+                </a:solidFill>
+                <a:latin typeface="Source Code Pro" charset="0"/>
+                <a:ea typeface="Source Code Pro" charset="0"/>
+                <a:cs typeface="Source Code Pro" charset="0"/>
+              </a:rPr>
+              <a:t>probefunc</a:t>
+            </a:r>
+            <a:r>
+              <a:rPr lang="en-US" sz="1400" dirty="0">
+                <a:solidFill>
+                  <a:schemeClr val="tx1"/>
+                </a:solidFill>
+                <a:latin typeface="Source Code Pro" charset="0"/>
+                <a:ea typeface="Source Code Pro" charset="0"/>
+                <a:cs typeface="Source Code Pro" charset="0"/>
+              </a:rPr>
+              <a:t>] = sum(length);</a:t>
+            </a:r>
+          </a:p>
+          <a:p>
+            <a:r>
+              <a:rPr lang="en-US" sz="1400" dirty="0">
+                <a:solidFill>
+                  <a:schemeClr val="tx1"/>
+                </a:solidFill>
+                <a:latin typeface="Source Code Pro" charset="0"/>
+                <a:ea typeface="Source Code Pro" charset="0"/>
+                <a:cs typeface="Source Code Pro" charset="0"/>
+              </a:rPr>
+              <a:t>        @</a:t>
+            </a:r>
+            <a:r>
+              <a:rPr lang="en-US" sz="1400" dirty="0" err="1">
+                <a:solidFill>
+                  <a:schemeClr val="tx1"/>
+                </a:solidFill>
+                <a:latin typeface="Source Code Pro" charset="0"/>
+                <a:ea typeface="Source Code Pro" charset="0"/>
+                <a:cs typeface="Source Code Pro" charset="0"/>
+              </a:rPr>
+              <a:t>totaltime</a:t>
+            </a:r>
+            <a:r>
+              <a:rPr lang="en-US" sz="1400" dirty="0">
+                <a:solidFill>
+                  <a:schemeClr val="tx1"/>
+                </a:solidFill>
+                <a:latin typeface="Source Code Pro" charset="0"/>
+                <a:ea typeface="Source Code Pro" charset="0"/>
+                <a:cs typeface="Source Code Pro" charset="0"/>
+              </a:rPr>
+              <a:t> = sum(length);</a:t>
+            </a:r>
+          </a:p>
+          <a:p>
+            <a:r>
+              <a:rPr lang="en-US" sz="1400" dirty="0">
+                <a:solidFill>
+                  <a:schemeClr val="tx1"/>
+                </a:solidFill>
+                <a:latin typeface="Source Code Pro" charset="0"/>
+                <a:ea typeface="Source Code Pro" charset="0"/>
+                <a:cs typeface="Source Code Pro" charset="0"/>
+              </a:rPr>
+              <a:t>        self-&gt;</a:t>
+            </a:r>
+            <a:r>
+              <a:rPr lang="en-US" sz="1400" dirty="0" err="1">
+                <a:solidFill>
+                  <a:schemeClr val="tx1"/>
+                </a:solidFill>
+                <a:latin typeface="Source Code Pro" charset="0"/>
+                <a:ea typeface="Source Code Pro" charset="0"/>
+                <a:cs typeface="Source Code Pro" charset="0"/>
+              </a:rPr>
+              <a:t>insyscall</a:t>
+            </a:r>
+            <a:r>
+              <a:rPr lang="en-US" sz="1400" dirty="0">
+                <a:solidFill>
+                  <a:schemeClr val="tx1"/>
+                </a:solidFill>
+                <a:latin typeface="Source Code Pro" charset="0"/>
+                <a:ea typeface="Source Code Pro" charset="0"/>
+                <a:cs typeface="Source Code Pro" charset="0"/>
+              </a:rPr>
+              <a:t> = 0;</a:t>
+            </a:r>
+          </a:p>
+          <a:p>
+            <a:r>
+              <a:rPr lang="en-US" sz="1400" dirty="0">
+                <a:solidFill>
+                  <a:schemeClr val="tx1"/>
+                </a:solidFill>
+                <a:latin typeface="Source Code Pro" charset="0"/>
+                <a:ea typeface="Source Code Pro" charset="0"/>
+                <a:cs typeface="Source Code Pro" charset="0"/>
+              </a:rPr>
+              <a:t>}</a:t>
+            </a:r>
+          </a:p>
+          <a:p>
+            <a:endParaRPr lang="en-US" sz="1400" dirty="0">
+              <a:solidFill>
+                <a:schemeClr val="tx1"/>
+              </a:solidFill>
+              <a:latin typeface="Source Code Pro" charset="0"/>
+              <a:ea typeface="Source Code Pro" charset="0"/>
+              <a:cs typeface="Source Code Pro" charset="0"/>
+            </a:endParaRPr>
+          </a:p>
+          <a:p>
+            <a:r>
+              <a:rPr lang="de-DE" sz="1400" b="1" dirty="0">
+                <a:solidFill>
+                  <a:schemeClr val="tx1"/>
+                </a:solidFill>
+                <a:latin typeface="Source Code Pro" charset="0"/>
+                <a:ea typeface="Source Code Pro" charset="0"/>
+                <a:cs typeface="Source Code Pro" charset="0"/>
+              </a:rPr>
+              <a:t>END</a:t>
+            </a:r>
+            <a:r>
+              <a:rPr lang="de-DE" sz="1400" dirty="0">
+                <a:solidFill>
+                  <a:schemeClr val="tx1"/>
+                </a:solidFill>
+                <a:latin typeface="Source Code Pro" charset="0"/>
+                <a:ea typeface="Source Code Pro" charset="0"/>
+                <a:cs typeface="Source Code Pro" charset="0"/>
+              </a:rPr>
+              <a:t> {</a:t>
+            </a:r>
+          </a:p>
+          <a:p>
+            <a:r>
+              <a:rPr lang="de-DE" sz="1400" dirty="0">
+                <a:solidFill>
+                  <a:schemeClr val="tx1"/>
+                </a:solidFill>
+                <a:latin typeface="Source Code Pro" charset="0"/>
+                <a:ea typeface="Source Code Pro" charset="0"/>
+                <a:cs typeface="Source Code Pro" charset="0"/>
+              </a:rPr>
+              <a:t>        </a:t>
+            </a:r>
+            <a:r>
+              <a:rPr lang="de-DE" sz="1400" dirty="0" err="1">
+                <a:solidFill>
+                  <a:schemeClr val="tx1"/>
+                </a:solidFill>
+                <a:latin typeface="Source Code Pro" charset="0"/>
+                <a:ea typeface="Source Code Pro" charset="0"/>
+                <a:cs typeface="Source Code Pro" charset="0"/>
+              </a:rPr>
+              <a:t>printa</a:t>
+            </a:r>
+            <a:r>
+              <a:rPr lang="de-DE" sz="1400" dirty="0">
+                <a:solidFill>
+                  <a:schemeClr val="tx1"/>
+                </a:solidFill>
+                <a:latin typeface="Source Code Pro" charset="0"/>
+                <a:ea typeface="Source Code Pro" charset="0"/>
+                <a:cs typeface="Source Code Pro" charset="0"/>
+              </a:rPr>
+              <a:t>(@</a:t>
+            </a:r>
+            <a:r>
+              <a:rPr lang="de-DE" sz="1400" dirty="0" err="1">
+                <a:solidFill>
+                  <a:schemeClr val="tx1"/>
+                </a:solidFill>
+                <a:latin typeface="Source Code Pro" charset="0"/>
+                <a:ea typeface="Source Code Pro" charset="0"/>
+                <a:cs typeface="Source Code Pro" charset="0"/>
+              </a:rPr>
+              <a:t>syscall_time</a:t>
+            </a:r>
+            <a:r>
+              <a:rPr lang="de-DE" sz="1400" dirty="0">
+                <a:solidFill>
+                  <a:schemeClr val="tx1"/>
+                </a:solidFill>
+                <a:latin typeface="Source Code Pro" charset="0"/>
+                <a:ea typeface="Source Code Pro" charset="0"/>
+                <a:cs typeface="Source Code Pro" charset="0"/>
+              </a:rPr>
+              <a:t>);</a:t>
+            </a:r>
+          </a:p>
+          <a:p>
+            <a:r>
+              <a:rPr lang="de-DE" sz="1400" dirty="0">
+                <a:solidFill>
+                  <a:schemeClr val="tx1"/>
+                </a:solidFill>
+                <a:latin typeface="Source Code Pro" charset="0"/>
+                <a:ea typeface="Source Code Pro" charset="0"/>
+                <a:cs typeface="Source Code Pro" charset="0"/>
+              </a:rPr>
+              <a:t>        </a:t>
+            </a:r>
+            <a:r>
+              <a:rPr lang="de-DE" sz="1400" dirty="0" err="1">
+                <a:solidFill>
+                  <a:schemeClr val="tx1"/>
+                </a:solidFill>
+                <a:latin typeface="Source Code Pro" charset="0"/>
+                <a:ea typeface="Source Code Pro" charset="0"/>
+                <a:cs typeface="Source Code Pro" charset="0"/>
+              </a:rPr>
+              <a:t>printa</a:t>
+            </a:r>
+            <a:r>
+              <a:rPr lang="de-DE" sz="1400" dirty="0">
+                <a:solidFill>
+                  <a:schemeClr val="tx1"/>
+                </a:solidFill>
+                <a:latin typeface="Source Code Pro" charset="0"/>
+                <a:ea typeface="Source Code Pro" charset="0"/>
+                <a:cs typeface="Source Code Pro" charset="0"/>
+              </a:rPr>
+              <a:t>(@totaltime);</a:t>
+            </a:r>
+          </a:p>
+          <a:p>
+            <a:r>
+              <a:rPr lang="de-DE" sz="1400" dirty="0">
+                <a:solidFill>
+                  <a:schemeClr val="tx1"/>
+                </a:solidFill>
+                <a:latin typeface="Source Code Pro" charset="0"/>
+                <a:ea typeface="Source Code Pro" charset="0"/>
+                <a:cs typeface="Source Code Pro" charset="0"/>
+              </a:rPr>
+              <a:t>}</a:t>
+            </a:r>
+          </a:p>
+        </p:txBody>
+      </p:sp>
+    </p:spTree>
+    <p:extLst>
+      <p:ext uri="{BB962C8B-B14F-4D97-AF65-F5344CB8AC3E}">
+        <p14:creationId xmlns:p14="http://schemas.microsoft.com/office/powerpoint/2010/main" val="768073966"/>
+      </p:ext>
+    </p:extLst>
+  </p:cSld>
+  <p:clrMapOvr>
+    <a:masterClrMapping/>
+  </p:clrMapOvr>
+  <p:timing>
+    <p:tnLst>
+      <p:par>
+        <p:cTn id="1" dur="indefinite" restart="never" nodeType="tmRoot">
+          <p:childTnLst>
+            <p:seq concurrent="1" nextAc="seek">
+              <p:cTn id="2" dur="indefinite" nodeType="mainSeq">
+                <p:childTnLst>
+                  <p:par>
+                    <p:cTn id="3" fill="hold">
+                      <p:stCondLst>
+                        <p:cond delay="indefinite"/>
+                      </p:stCondLst>
+                      <p:childTnLst>
+                        <p:par>
+                          <p:cTn id="4" fill="hold">
+                            <p:stCondLst>
+                              <p:cond delay="0"/>
+                            </p:stCondLst>
+                            <p:childTnLst>
+                              <p:par>
+                                <p:cTn id="5" presetID="1" presetClass="entr" presetSubtype="0" fill="hold" grpId="0" nodeType="clickEffect">
+                                  <p:stCondLst>
+                                    <p:cond delay="0"/>
+                                  </p:stCondLst>
+                                  <p:childTnLst>
+                                    <p:set>
+                                      <p:cBhvr>
+                                        <p:cTn id="6" dur="1" fill="hold">
+                                          <p:stCondLst>
+                                            <p:cond delay="0"/>
+                                          </p:stCondLst>
+                                        </p:cTn>
+                                        <p:tgtEl>
+                                          <p:spTgt spid="7"/>
+                                        </p:tgtEl>
+                                        <p:attrNameLst>
+                                          <p:attrName>style.visibility</p:attrName>
+                                        </p:attrNameLst>
+                                      </p:cBhvr>
+                                      <p:to>
+                                        <p:strVal val="visible"/>
+                                      </p:to>
+                                    </p:set>
+                                  </p:childTnLst>
+                                </p:cTn>
+                              </p:par>
+                            </p:childTnLst>
+                          </p:cTn>
+                        </p:par>
+                      </p:childTnLst>
+                    </p:cTn>
+                  </p:par>
+                </p:childTnLst>
+              </p:cTn>
+              <p:prevCondLst>
+                <p:cond evt="onPrev" delay="0">
+                  <p:tgtEl>
+                    <p:sldTgt/>
+                  </p:tgtEl>
+                </p:cond>
+              </p:prevCondLst>
+              <p:nextCondLst>
+                <p:cond evt="onNext" delay="0">
+                  <p:tgtEl>
+                    <p:sldTgt/>
+                  </p:tgtEl>
+                </p:cond>
+              </p:nextCondLst>
+            </p:seq>
+          </p:childTnLst>
+        </p:cTn>
+      </p:par>
+    </p:tnLst>
+    <p:bldLst>
+      <p:bldP spid="7" grpId="0" animBg="1"/>
+    </p:bldLst>
+  </p:timing>
+</p:sld>
+</file>
+
+<file path=ppt/slides/slide21.xml><?xml version="1.0" encoding="utf-8"?>
+<p:sld xmlns:a="http://schemas.openxmlformats.org/drawingml/2006/main" xmlns:r="http://schemas.openxmlformats.org/officeDocument/2006/relationships" xmlns:p="http://schemas.openxmlformats.org/presentationml/2006/main">
+  <p:cSld>
+    <p:spTree>
+      <p:nvGrpSpPr>
+        <p:cNvPr id="1" name=""/>
+        <p:cNvGrpSpPr/>
+        <p:nvPr/>
+      </p:nvGrpSpPr>
+      <p:grpSpPr>
+        <a:xfrm>
+          <a:off x="0" y="0"/>
+          <a:ext cx="0" cy="0"/>
+          <a:chOff x="0" y="0"/>
+          <a:chExt cx="0" cy="0"/>
+        </a:xfrm>
+      </p:grpSpPr>
+      <p:sp>
+        <p:nvSpPr>
+          <p:cNvPr id="2" name="Title 1"/>
+          <p:cNvSpPr>
+            <a:spLocks noGrp="1"/>
+          </p:cNvSpPr>
+          <p:nvPr>
+            <p:ph type="title"/>
+          </p:nvPr>
+        </p:nvSpPr>
+        <p:spPr/>
+        <p:txBody>
+          <a:bodyPr/>
+          <a:lstStyle/>
+          <a:p>
+            <a:r>
+              <a:rPr lang="en-US" dirty="0" smtClean="0"/>
+              <a:t>The password file</a:t>
+            </a:r>
+            <a:endParaRPr lang="en-US" dirty="0"/>
+          </a:p>
+        </p:txBody>
+      </p:sp>
+      <p:sp>
+        <p:nvSpPr>
+          <p:cNvPr id="3" name="Content Placeholder 2"/>
+          <p:cNvSpPr>
+            <a:spLocks noGrp="1"/>
+          </p:cNvSpPr>
+          <p:nvPr>
+            <p:ph idx="1"/>
+          </p:nvPr>
+        </p:nvSpPr>
+        <p:spPr/>
+        <p:txBody>
+          <a:bodyPr/>
+          <a:lstStyle/>
+          <a:p>
+            <a:endParaRPr lang="en-US" dirty="0"/>
+          </a:p>
+        </p:txBody>
+      </p:sp>
+      <p:sp>
+        <p:nvSpPr>
+          <p:cNvPr id="4" name="Footer Placeholder 3"/>
+          <p:cNvSpPr>
+            <a:spLocks noGrp="1"/>
+          </p:cNvSpPr>
+          <p:nvPr>
+            <p:ph type="ftr" sz="quarter" idx="11"/>
+          </p:nvPr>
+        </p:nvSpPr>
+        <p:spPr/>
+        <p:txBody>
+          <a:bodyPr/>
+          <a:lstStyle/>
+          <a:p>
+            <a:r>
+              <a:rPr lang="en-US" smtClean="0"/>
+              <a:t>Introduction to Operating Systems</a:t>
+            </a:r>
+            <a:endParaRPr lang="en-US" dirty="0"/>
+          </a:p>
+        </p:txBody>
+      </p:sp>
+    </p:spTree>
+    <p:extLst>
+      <p:ext uri="{BB962C8B-B14F-4D97-AF65-F5344CB8AC3E}">
+        <p14:creationId xmlns:p14="http://schemas.microsoft.com/office/powerpoint/2010/main" val="1533009729"/>
+      </p:ext>
+    </p:extLst>
+  </p:cSld>
+  <p:clrMapOvr>
+    <a:masterClrMapping/>
+  </p:clrMapOvr>
+  <p:timing>
+    <p:tnLst>
+      <p:par>
+        <p:cTn id="1" dur="indefinite" restart="never" nodeType="tmRoot"/>
+      </p:par>
+    </p:tnLst>
+  </p:timing>
+</p:sld>
+</file>
+
+<file path=ppt/slides/slide22.xml><?xml version="1.0" encoding="utf-8"?>
+<p:sld xmlns:a="http://schemas.openxmlformats.org/drawingml/2006/main" xmlns:r="http://schemas.openxmlformats.org/officeDocument/2006/relationships" xmlns:p="http://schemas.openxmlformats.org/presentationml/2006/main">
+  <p:cSld>
+    <p:spTree>
+      <p:nvGrpSpPr>
+        <p:cNvPr id="1" name=""/>
+        <p:cNvGrpSpPr/>
+        <p:nvPr/>
+      </p:nvGrpSpPr>
+      <p:grpSpPr>
+        <a:xfrm>
+          <a:off x="0" y="0"/>
+          <a:ext cx="0" cy="0"/>
+          <a:chOff x="0" y="0"/>
+          <a:chExt cx="0" cy="0"/>
+        </a:xfrm>
+      </p:grpSpPr>
+      <p:sp>
+        <p:nvSpPr>
+          <p:cNvPr id="2" name="Title 1"/>
+          <p:cNvSpPr>
+            <a:spLocks noGrp="1"/>
+          </p:cNvSpPr>
+          <p:nvPr>
+            <p:ph type="title"/>
+          </p:nvPr>
+        </p:nvSpPr>
+        <p:spPr/>
+        <p:txBody>
+          <a:bodyPr/>
+          <a:lstStyle/>
+          <a:p>
+            <a:r>
+              <a:rPr lang="en-US" dirty="0" smtClean="0"/>
+              <a:t>The user’s credentials</a:t>
+            </a:r>
+            <a:endParaRPr lang="en-US" dirty="0"/>
+          </a:p>
+        </p:txBody>
+      </p:sp>
+      <p:sp>
+        <p:nvSpPr>
+          <p:cNvPr id="3" name="Content Placeholder 2"/>
+          <p:cNvSpPr>
+            <a:spLocks noGrp="1"/>
+          </p:cNvSpPr>
+          <p:nvPr>
+            <p:ph idx="1"/>
+          </p:nvPr>
+        </p:nvSpPr>
+        <p:spPr/>
+        <p:txBody>
+          <a:bodyPr/>
+          <a:lstStyle/>
+          <a:p>
+            <a:endParaRPr lang="en-US"/>
+          </a:p>
+        </p:txBody>
+      </p:sp>
+      <p:sp>
+        <p:nvSpPr>
+          <p:cNvPr id="4" name="Footer Placeholder 3"/>
+          <p:cNvSpPr>
+            <a:spLocks noGrp="1"/>
+          </p:cNvSpPr>
+          <p:nvPr>
+            <p:ph type="ftr" sz="quarter" idx="11"/>
+          </p:nvPr>
+        </p:nvSpPr>
+        <p:spPr/>
+        <p:txBody>
+          <a:bodyPr/>
+          <a:lstStyle/>
+          <a:p>
+            <a:r>
+              <a:rPr lang="en-US" smtClean="0"/>
+              <a:t>Introduction to Operating Systems</a:t>
+            </a:r>
+            <a:endParaRPr lang="en-US" dirty="0"/>
+          </a:p>
+        </p:txBody>
+      </p:sp>
+    </p:spTree>
+    <p:extLst>
+      <p:ext uri="{BB962C8B-B14F-4D97-AF65-F5344CB8AC3E}">
+        <p14:creationId xmlns:p14="http://schemas.microsoft.com/office/powerpoint/2010/main" val="1549214054"/>
+      </p:ext>
+    </p:extLst>
+  </p:cSld>
+  <p:clrMapOvr>
+    <a:masterClrMapping/>
+  </p:clrMapOvr>
+  <p:timing>
+    <p:tnLst>
+      <p:par>
+        <p:cTn id="1" dur="indefinite" restart="never" nodeType="tmRoot"/>
+      </p:par>
+    </p:tnLst>
+  </p:timing>
+</p:sld>
+</file>
+
+<file path=ppt/slides/slide23.xml><?xml version="1.0" encoding="utf-8"?>
+<p:sld xmlns:a="http://schemas.openxmlformats.org/drawingml/2006/main" xmlns:r="http://schemas.openxmlformats.org/officeDocument/2006/relationships" xmlns:p="http://schemas.openxmlformats.org/presentationml/2006/main">
+  <p:cSld>
+    <p:spTree>
+      <p:nvGrpSpPr>
+        <p:cNvPr id="1" name=""/>
+        <p:cNvGrpSpPr/>
+        <p:nvPr/>
+      </p:nvGrpSpPr>
+      <p:grpSpPr>
+        <a:xfrm>
+          <a:off x="0" y="0"/>
+          <a:ext cx="0" cy="0"/>
+          <a:chOff x="0" y="0"/>
+          <a:chExt cx="0" cy="0"/>
+        </a:xfrm>
+      </p:grpSpPr>
+      <p:sp>
+        <p:nvSpPr>
+          <p:cNvPr id="2" name="Title 1"/>
+          <p:cNvSpPr>
+            <a:spLocks noGrp="1"/>
+          </p:cNvSpPr>
+          <p:nvPr>
+            <p:ph type="title"/>
+          </p:nvPr>
+        </p:nvSpPr>
+        <p:spPr/>
+        <p:txBody>
+          <a:bodyPr/>
+          <a:lstStyle/>
+          <a:p>
+            <a:r>
+              <a:rPr lang="en-US" dirty="0" smtClean="0"/>
+              <a:t>Privilege Checking</a:t>
+            </a:r>
+            <a:endParaRPr lang="en-US" dirty="0"/>
+          </a:p>
+        </p:txBody>
+      </p:sp>
+      <p:sp>
+        <p:nvSpPr>
+          <p:cNvPr id="3" name="Content Placeholder 2"/>
+          <p:cNvSpPr>
+            <a:spLocks noGrp="1"/>
+          </p:cNvSpPr>
+          <p:nvPr>
+            <p:ph idx="1"/>
+          </p:nvPr>
+        </p:nvSpPr>
+        <p:spPr/>
+        <p:txBody>
+          <a:bodyPr/>
+          <a:lstStyle/>
+          <a:p>
+            <a:endParaRPr lang="en-US"/>
+          </a:p>
+        </p:txBody>
+      </p:sp>
+      <p:sp>
+        <p:nvSpPr>
+          <p:cNvPr id="4" name="Footer Placeholder 3"/>
+          <p:cNvSpPr>
+            <a:spLocks noGrp="1"/>
+          </p:cNvSpPr>
+          <p:nvPr>
+            <p:ph type="ftr" sz="quarter" idx="11"/>
+          </p:nvPr>
+        </p:nvSpPr>
+        <p:spPr/>
+        <p:txBody>
+          <a:bodyPr/>
+          <a:lstStyle/>
+          <a:p>
+            <a:r>
+              <a:rPr lang="en-US" smtClean="0"/>
+              <a:t>Introduction to Operating Systems</a:t>
+            </a:r>
+            <a:endParaRPr lang="en-US" dirty="0"/>
+          </a:p>
+        </p:txBody>
+      </p:sp>
+    </p:spTree>
+    <p:extLst>
+      <p:ext uri="{BB962C8B-B14F-4D97-AF65-F5344CB8AC3E}">
+        <p14:creationId xmlns:p14="http://schemas.microsoft.com/office/powerpoint/2010/main" val="261592939"/>
+      </p:ext>
+    </p:extLst>
+  </p:cSld>
+  <p:clrMapOvr>
+    <a:masterClrMapping/>
+  </p:clrMapOvr>
+  <p:timing>
+    <p:tnLst>
+      <p:par>
+        <p:cTn id="1" dur="indefinite" restart="never" nodeType="tmRoot"/>
+      </p:par>
+    </p:tnLst>
+  </p:timing>
+</p:sld>
+</file>
+
+<file path=ppt/slides/slide24.xml><?xml version="1.0" encoding="utf-8"?>
+<p:sld xmlns:a="http://schemas.openxmlformats.org/drawingml/2006/main" xmlns:r="http://schemas.openxmlformats.org/officeDocument/2006/relationships" xmlns:p="http://schemas.openxmlformats.org/presentationml/2006/main">
+  <p:cSld>
+    <p:spTree>
+      <p:nvGrpSpPr>
+        <p:cNvPr id="1" name=""/>
+        <p:cNvGrpSpPr/>
+        <p:nvPr/>
+      </p:nvGrpSpPr>
+      <p:grpSpPr>
+        <a:xfrm>
+          <a:off x="0" y="0"/>
+          <a:ext cx="0" cy="0"/>
+          <a:chOff x="0" y="0"/>
+          <a:chExt cx="0" cy="0"/>
+        </a:xfrm>
+      </p:grpSpPr>
+      <p:sp>
+        <p:nvSpPr>
+          <p:cNvPr id="2" name="Title 1"/>
+          <p:cNvSpPr>
+            <a:spLocks noGrp="1"/>
+          </p:cNvSpPr>
+          <p:nvPr>
+            <p:ph type="title"/>
+          </p:nvPr>
+        </p:nvSpPr>
+        <p:spPr/>
+        <p:txBody>
+          <a:bodyPr/>
+          <a:lstStyle/>
+          <a:p>
+            <a:r>
+              <a:rPr lang="en-US" dirty="0" smtClean="0"/>
+              <a:t>Users and Files</a:t>
+            </a:r>
+            <a:endParaRPr lang="en-US" dirty="0"/>
+          </a:p>
+        </p:txBody>
+      </p:sp>
+      <p:sp>
+        <p:nvSpPr>
+          <p:cNvPr id="3" name="Content Placeholder 2"/>
+          <p:cNvSpPr>
+            <a:spLocks noGrp="1"/>
+          </p:cNvSpPr>
+          <p:nvPr>
+            <p:ph idx="1"/>
+          </p:nvPr>
+        </p:nvSpPr>
+        <p:spPr/>
+        <p:txBody>
+          <a:bodyPr/>
+          <a:lstStyle/>
+          <a:p>
+            <a:endParaRPr lang="en-US"/>
+          </a:p>
+        </p:txBody>
+      </p:sp>
+      <p:sp>
+        <p:nvSpPr>
+          <p:cNvPr id="4" name="Footer Placeholder 3"/>
+          <p:cNvSpPr>
+            <a:spLocks noGrp="1"/>
+          </p:cNvSpPr>
+          <p:nvPr>
+            <p:ph type="ftr" sz="quarter" idx="11"/>
+          </p:nvPr>
+        </p:nvSpPr>
+        <p:spPr/>
+        <p:txBody>
+          <a:bodyPr/>
+          <a:lstStyle/>
+          <a:p>
+            <a:r>
+              <a:rPr lang="en-US" smtClean="0"/>
+              <a:t>Introduction to Operating Systems</a:t>
+            </a:r>
+            <a:endParaRPr lang="en-US" dirty="0"/>
+          </a:p>
+        </p:txBody>
+      </p:sp>
+    </p:spTree>
+    <p:extLst>
+      <p:ext uri="{BB962C8B-B14F-4D97-AF65-F5344CB8AC3E}">
+        <p14:creationId xmlns:p14="http://schemas.microsoft.com/office/powerpoint/2010/main" val="318394817"/>
+      </p:ext>
+    </p:extLst>
+  </p:cSld>
+  <p:clrMapOvr>
+    <a:masterClrMapping/>
+  </p:clrMapOvr>
+  <p:timing>
+    <p:tnLst>
+      <p:par>
+        <p:cTn id="1" dur="indefinite" restart="never" nodeType="tmRoot"/>
+      </p:par>
+    </p:tnLst>
+  </p:timing>
+</p:sld>
+</file>
+
+<file path=ppt/slides/slide25.xml><?xml version="1.0" encoding="utf-8"?>
+<p:sld xmlns:a="http://schemas.openxmlformats.org/drawingml/2006/main" xmlns:r="http://schemas.openxmlformats.org/officeDocument/2006/relationships" xmlns:p="http://schemas.openxmlformats.org/presentationml/2006/main">
+  <p:cSld>
+    <p:spTree>
+      <p:nvGrpSpPr>
+        <p:cNvPr id="1" name=""/>
+        <p:cNvGrpSpPr/>
+        <p:nvPr/>
+      </p:nvGrpSpPr>
+      <p:grpSpPr>
+        <a:xfrm>
+          <a:off x="0" y="0"/>
+          <a:ext cx="0" cy="0"/>
+          <a:chOff x="0" y="0"/>
+          <a:chExt cx="0" cy="0"/>
+        </a:xfrm>
+      </p:grpSpPr>
+      <p:sp>
+        <p:nvSpPr>
+          <p:cNvPr id="2" name="Title 1"/>
+          <p:cNvSpPr>
+            <a:spLocks noGrp="1"/>
+          </p:cNvSpPr>
+          <p:nvPr>
+            <p:ph type="title"/>
+          </p:nvPr>
+        </p:nvSpPr>
+        <p:spPr/>
+        <p:txBody>
+          <a:bodyPr/>
+          <a:lstStyle/>
+          <a:p>
+            <a:r>
+              <a:rPr lang="en-US" dirty="0" smtClean="0"/>
+              <a:t>Privilege Escalation</a:t>
+            </a:r>
+            <a:endParaRPr lang="en-US" dirty="0"/>
+          </a:p>
+        </p:txBody>
+      </p:sp>
+      <p:sp>
+        <p:nvSpPr>
+          <p:cNvPr id="3" name="Content Placeholder 2"/>
+          <p:cNvSpPr>
+            <a:spLocks noGrp="1"/>
+          </p:cNvSpPr>
+          <p:nvPr>
+            <p:ph idx="1"/>
+          </p:nvPr>
+        </p:nvSpPr>
+        <p:spPr/>
+        <p:txBody>
+          <a:bodyPr/>
+          <a:lstStyle/>
+          <a:p>
+            <a:endParaRPr lang="en-US"/>
+          </a:p>
+        </p:txBody>
+      </p:sp>
+      <p:sp>
+        <p:nvSpPr>
+          <p:cNvPr id="4" name="Footer Placeholder 3"/>
+          <p:cNvSpPr>
+            <a:spLocks noGrp="1"/>
+          </p:cNvSpPr>
+          <p:nvPr>
+            <p:ph type="ftr" sz="quarter" idx="11"/>
+          </p:nvPr>
+        </p:nvSpPr>
+        <p:spPr/>
+        <p:txBody>
+          <a:bodyPr/>
+          <a:lstStyle/>
+          <a:p>
+            <a:r>
+              <a:rPr lang="en-US" smtClean="0"/>
+              <a:t>Introduction to Operating Systems</a:t>
+            </a:r>
+            <a:endParaRPr lang="en-US" dirty="0"/>
+          </a:p>
+        </p:txBody>
+      </p:sp>
+    </p:spTree>
+    <p:extLst>
+      <p:ext uri="{BB962C8B-B14F-4D97-AF65-F5344CB8AC3E}">
+        <p14:creationId xmlns:p14="http://schemas.microsoft.com/office/powerpoint/2010/main" val="832101954"/>
+      </p:ext>
+    </p:extLst>
+  </p:cSld>
+  <p:clrMapOvr>
+    <a:masterClrMapping/>
+  </p:clrMapOvr>
+  <p:timing>
+    <p:tnLst>
+      <p:par>
+        <p:cTn id="1" dur="indefinite" restart="never" nodeType="tmRoot"/>
+      </p:par>
+    </p:tnLst>
+  </p:timing>
 </p:sld>
 </file>
 
@@ -5647,6 +8848,13 @@
   <p:clrMapOvr>
     <a:masterClrMapping/>
   </p:clrMapOvr>
+  <p:timing>
+    <p:tnLst>
+      <p:par>
+        <p:cTn id="1" dur="indefinite" restart="never" nodeType="tmRoot"/>
+      </p:par>
+    </p:tnLst>
+  </p:timing>
 </p:sld>
 </file>
 
@@ -5742,6 +8950,13 @@
   <p:clrMapOvr>
     <a:masterClrMapping/>
   </p:clrMapOvr>
+  <p:timing>
+    <p:tnLst>
+      <p:par>
+        <p:cTn id="1" dur="indefinite" restart="never" nodeType="tmRoot"/>
+      </p:par>
+    </p:tnLst>
+  </p:timing>
 </p:sld>
 </file>
 
@@ -5800,7 +9015,7 @@
           <a:bodyPr/>
           <a:lstStyle/>
           <a:p>
-            <a:endParaRPr lang="en-US"/>
+            <a:endParaRPr lang="en-US" dirty="0"/>
           </a:p>
         </p:txBody>
       </p:sp>
@@ -5837,6 +9052,13 @@
   <p:clrMapOvr>
     <a:masterClrMapping/>
   </p:clrMapOvr>
+  <p:timing>
+    <p:tnLst>
+      <p:par>
+        <p:cTn id="1" dur="indefinite" restart="never" nodeType="tmRoot"/>
+      </p:par>
+    </p:tnLst>
+  </p:timing>
 </p:sld>
 </file>
 
@@ -5874,7 +9096,7 @@
           <a:p>
             <a:r>
               <a:rPr lang="en-US" dirty="0" smtClean="0"/>
-              <a:t>User Credentials</a:t>
+              <a:t>The Kernel is Trusted</a:t>
             </a:r>
             <a:endParaRPr lang="en-US" dirty="0"/>
           </a:p>
@@ -5895,7 +9117,36 @@
           <a:bodyPr/>
           <a:lstStyle/>
           <a:p>
-            <a:endParaRPr lang="en-US"/>
+            <a:r>
+              <a:rPr lang="en-US" dirty="0" smtClean="0"/>
+              <a:t>Controls access to real resources</a:t>
+            </a:r>
+          </a:p>
+          <a:p>
+            <a:r>
+              <a:rPr lang="en-US" dirty="0" smtClean="0"/>
+              <a:t>Protects processes from each other</a:t>
+            </a:r>
+          </a:p>
+          <a:p>
+            <a:r>
+              <a:rPr lang="en-US" dirty="0" smtClean="0"/>
+              <a:t>Protects itself from processes</a:t>
+            </a:r>
+          </a:p>
+          <a:p>
+            <a:r>
+              <a:rPr lang="en-US" dirty="0" smtClean="0"/>
+              <a:t>You have to trust someone, sometime</a:t>
+            </a:r>
+            <a:r>
+              <a:rPr lang="mr-IN" dirty="0" smtClean="0"/>
+              <a:t>…</a:t>
+            </a:r>
+            <a:endParaRPr lang="en-US" dirty="0" smtClean="0"/>
+          </a:p>
+          <a:p>
+            <a:endParaRPr lang="en-US" dirty="0"/>
           </a:p>
         </p:txBody>
       </p:sp>
@@ -5925,13 +9176,20 @@
     </p:spTree>
     <p:extLst>
       <p:ext uri="{BB962C8B-B14F-4D97-AF65-F5344CB8AC3E}">
-        <p14:creationId xmlns:p14="http://schemas.microsoft.com/office/powerpoint/2010/main" val="498420491"/>
+        <p14:creationId xmlns:p14="http://schemas.microsoft.com/office/powerpoint/2010/main" val="177417898"/>
       </p:ext>
     </p:extLst>
   </p:cSld>
   <p:clrMapOvr>
     <a:masterClrMapping/>
   </p:clrMapOvr>
+  <p:timing>
+    <p:tnLst>
+      <p:par>
+        <p:cTn id="1" dur="indefinite" restart="never" nodeType="tmRoot"/>
+      </p:par>
+    </p:tnLst>
+  </p:timing>
 </p:sld>
 </file>
 
@@ -5954,6 +9212,110 @@
       </p:grpSpPr>
       <p:sp>
         <p:nvSpPr>
+          <p:cNvPr id="11" name="Oval 10"/>
+          <p:cNvSpPr/>
+          <p:nvPr/>
+        </p:nvSpPr>
+        <p:spPr>
+          <a:xfrm>
+            <a:off x="2086885" y="1621465"/>
+            <a:ext cx="3198597" cy="3200399"/>
+          </a:xfrm>
+          <a:prstGeom prst="ellipse">
+            <a:avLst/>
+          </a:prstGeom>
+          <a:solidFill>
+            <a:srgbClr val="00B0F0"/>
+          </a:solidFill>
+          <a:ln>
+            <a:solidFill>
+              <a:srgbClr val="00B0F0"/>
+            </a:solidFill>
+          </a:ln>
+        </p:spPr>
+        <p:style>
+          <a:lnRef idx="2">
+            <a:schemeClr val="accent1">
+              <a:shade val="50000"/>
+            </a:schemeClr>
+          </a:lnRef>
+          <a:fillRef idx="1">
+            <a:schemeClr val="accent1"/>
+          </a:fillRef>
+          <a:effectRef idx="0">
+            <a:schemeClr val="accent1"/>
+          </a:effectRef>
+          <a:fontRef idx="minor">
+            <a:schemeClr val="lt1"/>
+          </a:fontRef>
+        </p:style>
+        <p:txBody>
+          <a:bodyPr rtlCol="0" anchor="ctr"/>
+          <a:lstStyle/>
+          <a:p>
+            <a:pPr algn="ctr"/>
+            <a:endParaRPr lang="en-US">
+              <a:solidFill>
+                <a:srgbClr val="92D050"/>
+              </a:solidFill>
+            </a:endParaRPr>
+          </a:p>
+        </p:txBody>
+      </p:sp>
+      <p:sp>
+        <p:nvSpPr>
+          <p:cNvPr id="10" name="Oval 9"/>
+          <p:cNvSpPr/>
+          <p:nvPr/>
+        </p:nvSpPr>
+        <p:spPr>
+          <a:xfrm>
+            <a:off x="2428791" y="1967023"/>
+            <a:ext cx="2514786" cy="2509284"/>
+          </a:xfrm>
+          <a:prstGeom prst="ellipse">
+            <a:avLst/>
+          </a:prstGeom>
+          <a:solidFill>
+            <a:srgbClr val="FFC000"/>
+          </a:solidFill>
+          <a:ln>
+            <a:solidFill>
+              <a:srgbClr val="FFC000"/>
+            </a:solidFill>
+          </a:ln>
+        </p:spPr>
+        <p:style>
+          <a:lnRef idx="2">
+            <a:schemeClr val="accent1">
+              <a:shade val="50000"/>
+            </a:schemeClr>
+          </a:lnRef>
+          <a:fillRef idx="1">
+            <a:schemeClr val="accent1"/>
+          </a:fillRef>
+          <a:effectRef idx="0">
+            <a:schemeClr val="accent1"/>
+          </a:effectRef>
+          <a:fontRef idx="minor">
+            <a:schemeClr val="lt1"/>
+          </a:fontRef>
+        </p:style>
+        <p:txBody>
+          <a:bodyPr rtlCol="0" anchor="ctr"/>
+          <a:lstStyle/>
+          <a:p>
+            <a:pPr algn="ctr"/>
+            <a:endParaRPr lang="en-US">
+              <a:solidFill>
+                <a:srgbClr val="92D050"/>
+              </a:solidFill>
+            </a:endParaRPr>
+          </a:p>
+        </p:txBody>
+      </p:sp>
+      <p:sp>
+        <p:nvSpPr>
           <p:cNvPr id="2" name="Title 1"/>
           <p:cNvSpPr>
             <a:spLocks noGrp="1"/>
@@ -5969,7 +9331,7 @@
           <a:p>
             <a:r>
               <a:rPr lang="en-US" dirty="0" smtClean="0"/>
-              <a:t>The Kernel is Trusted</a:t>
+              <a:t>Hardware Support for Security (1)</a:t>
             </a:r>
             <a:endParaRPr lang="en-US" dirty="0"/>
           </a:p>
@@ -5977,12 +9339,12 @@
       </p:sp>
       <p:sp>
         <p:nvSpPr>
-          <p:cNvPr id="3" name="Content Placeholder 2"/>
-          <p:cNvSpPr>
-            <a:spLocks noGrp="1"/>
-          </p:cNvSpPr>
-          <p:nvPr>
-            <p:ph idx="1"/>
+          <p:cNvPr id="4" name="Footer Placeholder 3"/>
+          <p:cNvSpPr>
+            <a:spLocks noGrp="1"/>
+          </p:cNvSpPr>
+          <p:nvPr>
+            <p:ph type="ftr" sz="quarter" idx="11"/>
           </p:nvPr>
         </p:nvSpPr>
         <p:spPr/>
@@ -5991,26 +9353,216 @@
           <a:lstStyle/>
           <a:p>
             <a:r>
+              <a:rPr lang="en-US" smtClean="0"/>
+              <a:t>Introduction to Operating Systems</a:t>
+            </a:r>
+            <a:endParaRPr lang="en-US" dirty="0"/>
+          </a:p>
+        </p:txBody>
+      </p:sp>
+      <p:sp>
+        <p:nvSpPr>
+          <p:cNvPr id="6" name="Oval 5"/>
+          <p:cNvSpPr/>
+          <p:nvPr/>
+        </p:nvSpPr>
+        <p:spPr>
+          <a:xfrm>
+            <a:off x="7061899" y="2307265"/>
+            <a:ext cx="1830926" cy="1828800"/>
+          </a:xfrm>
+          <a:prstGeom prst="ellipse">
+            <a:avLst/>
+          </a:prstGeom>
+          <a:solidFill>
+            <a:srgbClr val="92D050"/>
+          </a:solidFill>
+          <a:ln>
+            <a:solidFill>
+              <a:srgbClr val="92D050"/>
+            </a:solidFill>
+          </a:ln>
+        </p:spPr>
+        <p:style>
+          <a:lnRef idx="2">
+            <a:schemeClr val="accent1">
+              <a:shade val="50000"/>
+            </a:schemeClr>
+          </a:lnRef>
+          <a:fillRef idx="1">
+            <a:schemeClr val="accent1"/>
+          </a:fillRef>
+          <a:effectRef idx="0">
+            <a:schemeClr val="accent1"/>
+          </a:effectRef>
+          <a:fontRef idx="minor">
+            <a:schemeClr val="lt1"/>
+          </a:fontRef>
+        </p:style>
+        <p:txBody>
+          <a:bodyPr rtlCol="0" anchor="ctr"/>
+          <a:lstStyle/>
+          <a:p>
+            <a:pPr algn="ctr"/>
+            <a:endParaRPr lang="en-US">
+              <a:solidFill>
+                <a:srgbClr val="92D050"/>
+              </a:solidFill>
+            </a:endParaRPr>
+          </a:p>
+        </p:txBody>
+      </p:sp>
+      <p:sp>
+        <p:nvSpPr>
+          <p:cNvPr id="8" name="Oval 7"/>
+          <p:cNvSpPr/>
+          <p:nvPr/>
+        </p:nvSpPr>
+        <p:spPr>
+          <a:xfrm>
+            <a:off x="2770722" y="2307265"/>
+            <a:ext cx="1830926" cy="1828800"/>
+          </a:xfrm>
+          <a:prstGeom prst="ellipse">
+            <a:avLst/>
+          </a:prstGeom>
+          <a:solidFill>
+            <a:srgbClr val="92D050"/>
+          </a:solidFill>
+          <a:ln>
+            <a:solidFill>
+              <a:srgbClr val="92D050"/>
+            </a:solidFill>
+          </a:ln>
+        </p:spPr>
+        <p:style>
+          <a:lnRef idx="2">
+            <a:schemeClr val="accent1">
+              <a:shade val="50000"/>
+            </a:schemeClr>
+          </a:lnRef>
+          <a:fillRef idx="1">
+            <a:schemeClr val="accent1"/>
+          </a:fillRef>
+          <a:effectRef idx="0">
+            <a:schemeClr val="accent1"/>
+          </a:effectRef>
+          <a:fontRef idx="minor">
+            <a:schemeClr val="lt1"/>
+          </a:fontRef>
+        </p:style>
+        <p:txBody>
+          <a:bodyPr rtlCol="0" anchor="ctr"/>
+          <a:lstStyle/>
+          <a:p>
+            <a:pPr algn="ctr"/>
+            <a:endParaRPr lang="en-US" dirty="0">
+              <a:solidFill>
+                <a:srgbClr val="92D050"/>
+              </a:solidFill>
+            </a:endParaRPr>
+          </a:p>
+        </p:txBody>
+      </p:sp>
+      <p:sp>
+        <p:nvSpPr>
+          <p:cNvPr id="9" name="Oval 8"/>
+          <p:cNvSpPr/>
+          <p:nvPr/>
+        </p:nvSpPr>
+        <p:spPr>
+          <a:xfrm>
+            <a:off x="3110367" y="2634469"/>
+            <a:ext cx="1151629" cy="1174390"/>
+          </a:xfrm>
+          <a:prstGeom prst="ellipse">
+            <a:avLst/>
+          </a:prstGeom>
+        </p:spPr>
+        <p:style>
+          <a:lnRef idx="2">
+            <a:schemeClr val="accent1">
+              <a:shade val="50000"/>
+            </a:schemeClr>
+          </a:lnRef>
+          <a:fillRef idx="1">
+            <a:schemeClr val="accent1"/>
+          </a:fillRef>
+          <a:effectRef idx="0">
+            <a:schemeClr val="accent1"/>
+          </a:effectRef>
+          <a:fontRef idx="minor">
+            <a:schemeClr val="lt1"/>
+          </a:fontRef>
+        </p:style>
+        <p:txBody>
+          <a:bodyPr rtlCol="0" anchor="ctr"/>
+          <a:lstStyle/>
+          <a:p>
+            <a:pPr algn="ctr"/>
+            <a:r>
+              <a:rPr lang="en-US" smtClean="0"/>
+              <a:t>Ring 0</a:t>
+            </a:r>
+            <a:endParaRPr lang="en-US"/>
+          </a:p>
+        </p:txBody>
+      </p:sp>
+      <p:sp>
+        <p:nvSpPr>
+          <p:cNvPr id="12" name="TextBox 11"/>
+          <p:cNvSpPr txBox="1"/>
+          <p:nvPr/>
+        </p:nvSpPr>
+        <p:spPr>
+          <a:xfrm>
+            <a:off x="3248274" y="4977440"/>
+            <a:ext cx="875817" cy="369332"/>
+          </a:xfrm>
+          <a:prstGeom prst="rect">
+            <a:avLst/>
+          </a:prstGeom>
+          <a:noFill/>
+        </p:spPr>
+        <p:txBody>
+          <a:bodyPr wrap="none" rtlCol="0">
+            <a:spAutoFit/>
+          </a:bodyPr>
+          <a:lstStyle/>
+          <a:p>
+            <a:r>
               <a:rPr lang="en-US" dirty="0" smtClean="0"/>
-              <a:t>Controls access to real resources</a:t>
-            </a:r>
-          </a:p>
+              <a:t>Theory</a:t>
+            </a:r>
+            <a:endParaRPr lang="en-US" dirty="0"/>
+          </a:p>
+        </p:txBody>
+      </p:sp>
+      <p:sp>
+        <p:nvSpPr>
+          <p:cNvPr id="14" name="TextBox 13"/>
+          <p:cNvSpPr txBox="1"/>
+          <p:nvPr/>
+        </p:nvSpPr>
+        <p:spPr>
+          <a:xfrm>
+            <a:off x="7511528" y="4977440"/>
+            <a:ext cx="931665" cy="369332"/>
+          </a:xfrm>
+          <a:prstGeom prst="rect">
+            <a:avLst/>
+          </a:prstGeom>
+          <a:noFill/>
+        </p:spPr>
+        <p:txBody>
+          <a:bodyPr wrap="none" rtlCol="0">
+            <a:spAutoFit/>
+          </a:bodyPr>
+          <a:lstStyle/>
           <a:p>
             <a:r>
               <a:rPr lang="en-US" dirty="0" smtClean="0"/>
-              <a:t>Protects processes from each other</a:t>
-            </a:r>
-          </a:p>
-          <a:p>
-            <a:r>
-              <a:rPr lang="en-US" dirty="0" smtClean="0"/>
-              <a:t>Protects itself from processes</a:t>
-            </a:r>
-          </a:p>
-          <a:p>
-            <a:r>
-              <a:rPr lang="en-US" dirty="0" smtClean="0"/>
-              <a:t>How?</a:t>
+              <a:t>Practice</a:t>
             </a:r>
             <a:endParaRPr lang="en-US" dirty="0"/>
           </a:p>
@@ -6018,37 +9570,65 @@
       </p:sp>
       <p:sp>
         <p:nvSpPr>
-          <p:cNvPr id="4" name="Footer Placeholder 3"/>
-          <p:cNvSpPr>
-            <a:spLocks noGrp="1"/>
-          </p:cNvSpPr>
-          <p:nvPr>
-            <p:ph type="ftr" sz="quarter" idx="11"/>
-          </p:nvPr>
-        </p:nvSpPr>
-        <p:spPr/>
-        <p:txBody>
-          <a:bodyPr/>
-          <a:lstStyle/>
-          <a:p>
-            <a:r>
-              <a:rPr lang="en-US" smtClean="0"/>
-              <a:t>Introduction to Operating Systems</a:t>
-            </a:r>
-            <a:endParaRPr lang="en-US" dirty="0"/>
+          <p:cNvPr id="15" name="Oval 14"/>
+          <p:cNvSpPr/>
+          <p:nvPr/>
+        </p:nvSpPr>
+        <p:spPr>
+          <a:xfrm>
+            <a:off x="7396280" y="2634469"/>
+            <a:ext cx="1151629" cy="1174390"/>
+          </a:xfrm>
+          <a:prstGeom prst="ellipse">
+            <a:avLst/>
+          </a:prstGeom>
+        </p:spPr>
+        <p:style>
+          <a:lnRef idx="2">
+            <a:schemeClr val="accent1">
+              <a:shade val="50000"/>
+            </a:schemeClr>
+          </a:lnRef>
+          <a:fillRef idx="1">
+            <a:schemeClr val="accent1"/>
+          </a:fillRef>
+          <a:effectRef idx="0">
+            <a:schemeClr val="accent1"/>
+          </a:effectRef>
+          <a:fontRef idx="minor">
+            <a:schemeClr val="lt1"/>
+          </a:fontRef>
+        </p:style>
+        <p:txBody>
+          <a:bodyPr rtlCol="0" anchor="ctr"/>
+          <a:lstStyle/>
+          <a:p>
+            <a:pPr algn="ctr"/>
+            <a:r>
+              <a:rPr lang="en-US" smtClean="0"/>
+              <a:t>Ring 0</a:t>
+            </a:r>
+            <a:endParaRPr lang="en-US"/>
           </a:p>
         </p:txBody>
       </p:sp>
     </p:spTree>
     <p:extLst>
       <p:ext uri="{BB962C8B-B14F-4D97-AF65-F5344CB8AC3E}">
-        <p14:creationId xmlns:p14="http://schemas.microsoft.com/office/powerpoint/2010/main" val="177417898"/>
+        <p14:creationId xmlns:p14="http://schemas.microsoft.com/office/powerpoint/2010/main" val="1140785760"/>
       </p:ext>
     </p:extLst>
   </p:cSld>
   <p:clrMapOvr>
     <a:masterClrMapping/>
   </p:clrMapOvr>
+  <p:timing>
+    <p:tnLst>
+      <p:par>
+        <p:cTn id="1" dur="indefinite" restart="never" nodeType="tmRoot"/>
+      </p:par>
+    </p:tnLst>
+  </p:timing>
 </p:sld>
 </file>
 
@@ -6071,7 +9651,7 @@
       </p:grpSpPr>
       <p:sp>
         <p:nvSpPr>
-          <p:cNvPr id="2" name="Title 1"/>
+          <p:cNvPr id="5" name="Title 4"/>
           <p:cNvSpPr>
             <a:spLocks noGrp="1"/>
           </p:cNvSpPr>
@@ -6086,7 +9666,11 @@
           <a:p>
             <a:r>
               <a:rPr lang="en-US" dirty="0" smtClean="0"/>
-              <a:t>Kernel vs. User Mode</a:t>
+              <a:t>Hardware Support for </a:t>
+            </a:r>
+            <a:r>
+              <a:rPr lang="en-US" dirty="0" smtClean="0"/>
+              <a:t>Security (2)</a:t>
             </a:r>
             <a:endParaRPr lang="en-US" dirty="0"/>
           </a:p>
@@ -6094,12 +9678,12 @@
       </p:sp>
       <p:sp>
         <p:nvSpPr>
-          <p:cNvPr id="5" name="Text Placeholder 4"/>
-          <p:cNvSpPr>
-            <a:spLocks noGrp="1"/>
-          </p:cNvSpPr>
-          <p:nvPr>
-            <p:ph type="body" idx="1"/>
+          <p:cNvPr id="4" name="Footer Placeholder 3"/>
+          <p:cNvSpPr>
+            <a:spLocks noGrp="1"/>
+          </p:cNvSpPr>
+          <p:nvPr>
+            <p:ph type="ftr" sz="quarter" idx="11"/>
           </p:nvPr>
         </p:nvSpPr>
         <p:spPr/>
@@ -6108,8 +9692,60 @@
           <a:lstStyle/>
           <a:p>
             <a:r>
+              <a:rPr lang="en-US" smtClean="0"/>
+              <a:t>Introduction to Operating Systems</a:t>
+            </a:r>
+            <a:endParaRPr lang="en-US" dirty="0"/>
+          </a:p>
+        </p:txBody>
+      </p:sp>
+      <p:sp>
+        <p:nvSpPr>
+          <p:cNvPr id="6" name="Rectangle 5"/>
+          <p:cNvSpPr/>
+          <p:nvPr/>
+        </p:nvSpPr>
+        <p:spPr>
+          <a:xfrm>
+            <a:off x="1275906" y="4696782"/>
+            <a:ext cx="9962707" cy="467833"/>
+          </a:xfrm>
+          <a:prstGeom prst="rect">
+            <a:avLst/>
+          </a:prstGeom>
+          <a:solidFill>
+            <a:srgbClr val="00B0F0"/>
+          </a:solidFill>
+          <a:ln>
+            <a:solidFill>
+              <a:srgbClr val="00B0F0"/>
+            </a:solidFill>
+          </a:ln>
+        </p:spPr>
+        <p:style>
+          <a:lnRef idx="2">
+            <a:schemeClr val="accent1">
+              <a:shade val="50000"/>
+            </a:schemeClr>
+          </a:lnRef>
+          <a:fillRef idx="1">
+            <a:schemeClr val="accent1"/>
+          </a:fillRef>
+          <a:effectRef idx="0">
+            <a:schemeClr val="accent1"/>
+          </a:effectRef>
+          <a:fontRef idx="minor">
+            <a:schemeClr val="lt1"/>
+          </a:fontRef>
+        </p:style>
+        <p:txBody>
+          <a:bodyPr rtlCol="0" anchor="ctr"/>
+          <a:lstStyle/>
+          <a:p>
+            <a:pPr algn="ctr"/>
+            <a:r>
               <a:rPr lang="en-US" dirty="0" smtClean="0"/>
-              <a:t>Kernel	</a:t>
+              <a:t>Kernel and Services</a:t>
             </a:r>
             <a:endParaRPr lang="en-US" dirty="0"/>
           </a:p>
@@ -6117,59 +9753,259 @@
       </p:sp>
       <p:sp>
         <p:nvSpPr>
-          <p:cNvPr id="6" name="Content Placeholder 5"/>
-          <p:cNvSpPr>
-            <a:spLocks noGrp="1"/>
-          </p:cNvSpPr>
-          <p:nvPr>
-            <p:ph sz="half" idx="2"/>
-          </p:nvPr>
-        </p:nvSpPr>
-        <p:spPr/>
-        <p:txBody>
-          <a:bodyPr/>
-          <a:lstStyle/>
-          <a:p>
+          <p:cNvPr id="7" name="Rectangle 6"/>
+          <p:cNvSpPr/>
+          <p:nvPr/>
+        </p:nvSpPr>
+        <p:spPr>
+          <a:xfrm>
+            <a:off x="1275906" y="5213496"/>
+            <a:ext cx="9962707" cy="467833"/>
+          </a:xfrm>
+          <a:prstGeom prst="rect">
+            <a:avLst/>
+          </a:prstGeom>
+        </p:spPr>
+        <p:style>
+          <a:lnRef idx="2">
+            <a:schemeClr val="accent1">
+              <a:shade val="50000"/>
+            </a:schemeClr>
+          </a:lnRef>
+          <a:fillRef idx="1">
+            <a:schemeClr val="accent1"/>
+          </a:fillRef>
+          <a:effectRef idx="0">
+            <a:schemeClr val="accent1"/>
+          </a:effectRef>
+          <a:fontRef idx="minor">
+            <a:schemeClr val="lt1"/>
+          </a:fontRef>
+        </p:style>
+        <p:txBody>
+          <a:bodyPr rtlCol="0" anchor="ctr"/>
+          <a:lstStyle/>
+          <a:p>
+            <a:pPr algn="ctr"/>
             <a:r>
               <a:rPr lang="en-US" dirty="0" smtClean="0"/>
-              <a:t>Ring 0 on Intel CPUs	</a:t>
-            </a:r>
-          </a:p>
-          <a:p>
+              <a:t>Hardware</a:t>
+            </a:r>
+            <a:endParaRPr lang="en-US" dirty="0"/>
+          </a:p>
+        </p:txBody>
+      </p:sp>
+      <p:sp>
+        <p:nvSpPr>
+          <p:cNvPr id="2" name="Rectangle 1"/>
+          <p:cNvSpPr/>
+          <p:nvPr/>
+        </p:nvSpPr>
+        <p:spPr>
+          <a:xfrm>
+            <a:off x="4040373" y="3310901"/>
+            <a:ext cx="914400" cy="914400"/>
+          </a:xfrm>
+          <a:prstGeom prst="rect">
+            <a:avLst/>
+          </a:prstGeom>
+          <a:solidFill>
+            <a:srgbClr val="92D050"/>
+          </a:solidFill>
+          <a:ln>
+            <a:solidFill>
+              <a:srgbClr val="92D050"/>
+            </a:solidFill>
+          </a:ln>
+        </p:spPr>
+        <p:style>
+          <a:lnRef idx="2">
+            <a:schemeClr val="accent1">
+              <a:shade val="50000"/>
+            </a:schemeClr>
+          </a:lnRef>
+          <a:fillRef idx="1">
+            <a:schemeClr val="accent1"/>
+          </a:fillRef>
+          <a:effectRef idx="0">
+            <a:schemeClr val="accent1"/>
+          </a:effectRef>
+          <a:fontRef idx="minor">
+            <a:schemeClr val="lt1"/>
+          </a:fontRef>
+        </p:style>
+        <p:txBody>
+          <a:bodyPr rtlCol="0" anchor="ctr"/>
+          <a:lstStyle/>
+          <a:p>
+            <a:pPr algn="ctr"/>
             <a:r>
               <a:rPr lang="en-US" dirty="0" smtClean="0"/>
-              <a:t>Any physical address may be accessed</a:t>
-            </a:r>
-          </a:p>
-          <a:p>
+              <a:t>editor</a:t>
+            </a:r>
+            <a:endParaRPr lang="en-US" dirty="0"/>
+          </a:p>
+        </p:txBody>
+      </p:sp>
+      <p:sp>
+        <p:nvSpPr>
+          <p:cNvPr id="8" name="Rectangle 7"/>
+          <p:cNvSpPr/>
+          <p:nvPr/>
+        </p:nvSpPr>
+        <p:spPr>
+          <a:xfrm>
+            <a:off x="5564373" y="3310901"/>
+            <a:ext cx="1038446" cy="914400"/>
+          </a:xfrm>
+          <a:prstGeom prst="rect">
+            <a:avLst/>
+          </a:prstGeom>
+          <a:solidFill>
+            <a:srgbClr val="92D050"/>
+          </a:solidFill>
+          <a:ln>
+            <a:solidFill>
+              <a:srgbClr val="92D050"/>
+            </a:solidFill>
+          </a:ln>
+        </p:spPr>
+        <p:style>
+          <a:lnRef idx="2">
+            <a:schemeClr val="accent1">
+              <a:shade val="50000"/>
+            </a:schemeClr>
+          </a:lnRef>
+          <a:fillRef idx="1">
+            <a:schemeClr val="accent1"/>
+          </a:fillRef>
+          <a:effectRef idx="0">
+            <a:schemeClr val="accent1"/>
+          </a:effectRef>
+          <a:fontRef idx="minor">
+            <a:schemeClr val="lt1"/>
+          </a:fontRef>
+        </p:style>
+        <p:txBody>
+          <a:bodyPr rtlCol="0" anchor="ctr"/>
+          <a:lstStyle/>
+          <a:p>
+            <a:pPr algn="ctr"/>
             <a:r>
               <a:rPr lang="en-US" dirty="0" smtClean="0"/>
-              <a:t>All instructions are valid</a:t>
-            </a:r>
-          </a:p>
-          <a:p>
+              <a:t>compiler</a:t>
+            </a:r>
             <a:endParaRPr lang="en-US" dirty="0"/>
           </a:p>
         </p:txBody>
       </p:sp>
       <p:sp>
         <p:nvSpPr>
-          <p:cNvPr id="7" name="Text Placeholder 6"/>
-          <p:cNvSpPr>
-            <a:spLocks noGrp="1"/>
-          </p:cNvSpPr>
-          <p:nvPr>
-            <p:ph type="body" sz="quarter" idx="3"/>
-          </p:nvPr>
-        </p:nvSpPr>
-        <p:spPr/>
-        <p:txBody>
-          <a:bodyPr/>
+          <p:cNvPr id="9" name="Rectangle 8"/>
+          <p:cNvSpPr/>
+          <p:nvPr/>
+        </p:nvSpPr>
+        <p:spPr>
+          <a:xfrm>
+            <a:off x="7088372" y="3310901"/>
+            <a:ext cx="981739" cy="914400"/>
+          </a:xfrm>
+          <a:prstGeom prst="rect">
+            <a:avLst/>
+          </a:prstGeom>
+          <a:solidFill>
+            <a:srgbClr val="92D050"/>
+          </a:solidFill>
+          <a:ln>
+            <a:solidFill>
+              <a:srgbClr val="92D050"/>
+            </a:solidFill>
+          </a:ln>
+        </p:spPr>
+        <p:style>
+          <a:lnRef idx="2">
+            <a:schemeClr val="accent1">
+              <a:shade val="50000"/>
+            </a:schemeClr>
+          </a:lnRef>
+          <a:fillRef idx="1">
+            <a:schemeClr val="accent1"/>
+          </a:fillRef>
+          <a:effectRef idx="0">
+            <a:schemeClr val="accent1"/>
+          </a:effectRef>
+          <a:fontRef idx="minor">
+            <a:schemeClr val="lt1"/>
+          </a:fontRef>
+        </p:style>
+        <p:txBody>
+          <a:bodyPr rtlCol="0" anchor="ctr"/>
+          <a:lstStyle/>
+          <a:p>
+            <a:pPr algn="ctr"/>
+            <a:r>
+              <a:rPr lang="en-US" smtClean="0"/>
+              <a:t>browser</a:t>
+            </a:r>
+            <a:endParaRPr lang="en-US" dirty="0"/>
+          </a:p>
+        </p:txBody>
+      </p:sp>
+      <p:cxnSp>
+        <p:nvCxnSpPr>
+          <p:cNvPr id="10" name="Straight Connector 9"/>
+          <p:cNvCxnSpPr/>
+          <p:nvPr/>
+        </p:nvCxnSpPr>
+        <p:spPr>
+          <a:xfrm flipV="1">
+            <a:off x="935665" y="4359349"/>
+            <a:ext cx="10302948" cy="21265"/>
+          </a:xfrm>
+          <a:prstGeom prst="line">
+            <a:avLst/>
+          </a:prstGeom>
+        </p:spPr>
+        <p:style>
+          <a:lnRef idx="1">
+            <a:schemeClr val="accent1"/>
+          </a:lnRef>
+          <a:fillRef idx="0">
+            <a:schemeClr val="accent1"/>
+          </a:fillRef>
+          <a:effectRef idx="0">
+            <a:schemeClr val="accent1"/>
+          </a:effectRef>
+          <a:fontRef idx="minor">
+            <a:schemeClr val="tx1"/>
+          </a:fontRef>
+        </p:style>
+      </p:cxnSp>
+      <p:sp>
+        <p:nvSpPr>
+          <p:cNvPr id="11" name="TextBox 10"/>
+          <p:cNvSpPr txBox="1"/>
+          <p:nvPr/>
+        </p:nvSpPr>
+        <p:spPr>
+          <a:xfrm>
+            <a:off x="1275906" y="4061637"/>
+            <a:ext cx="1233030" cy="369332"/>
+          </a:xfrm>
+          <a:prstGeom prst="rect">
+            <a:avLst/>
+          </a:prstGeom>
+          <a:noFill/>
+        </p:spPr>
+        <p:txBody>
+          <a:bodyPr wrap="none" rtlCol="0">
+            <a:spAutoFit/>
+          </a:bodyPr>
           <a:lstStyle/>
           <a:p>
             <a:r>
               <a:rPr lang="en-US" dirty="0" smtClean="0"/>
-              <a:t>user</a:t>
+              <a:t>User Space</a:t>
             </a:r>
             <a:endParaRPr lang="en-US" dirty="0"/>
           </a:p>
@@ -6177,64 +10013,29 @@
       </p:sp>
       <p:sp>
         <p:nvSpPr>
-          <p:cNvPr id="8" name="Content Placeholder 7"/>
-          <p:cNvSpPr>
-            <a:spLocks noGrp="1"/>
-          </p:cNvSpPr>
-          <p:nvPr>
-            <p:ph sz="quarter" idx="4"/>
-          </p:nvPr>
-        </p:nvSpPr>
-        <p:spPr/>
-        <p:txBody>
-          <a:bodyPr/>
+          <p:cNvPr id="12" name="TextBox 11"/>
+          <p:cNvSpPr txBox="1"/>
+          <p:nvPr/>
+        </p:nvSpPr>
+        <p:spPr>
+          <a:xfrm>
+            <a:off x="1275906" y="4338083"/>
+            <a:ext cx="1395510" cy="369332"/>
+          </a:xfrm>
+          <a:prstGeom prst="rect">
+            <a:avLst/>
+          </a:prstGeom>
+          <a:noFill/>
+        </p:spPr>
+        <p:txBody>
+          <a:bodyPr wrap="none" rtlCol="0">
+            <a:spAutoFit/>
+          </a:bodyPr>
           <a:lstStyle/>
           <a:p>
             <a:r>
               <a:rPr lang="en-US" dirty="0" smtClean="0"/>
-              <a:t>Ring 3 on Intel CPUs</a:t>
-            </a:r>
-          </a:p>
-          <a:p>
-            <a:r>
-              <a:rPr lang="en-US" dirty="0" smtClean="0"/>
-              <a:t>Addresses are virtual</a:t>
-            </a:r>
-          </a:p>
-          <a:p>
-            <a:r>
-              <a:rPr lang="en-US" dirty="0" smtClean="0"/>
-              <a:t>Restricted Instruction set</a:t>
-            </a:r>
-            <a:endParaRPr lang="en-US" dirty="0"/>
-          </a:p>
-          <a:p>
-            <a:pPr lvl="1"/>
-            <a:r>
-              <a:rPr lang="en-US" dirty="0" smtClean="0"/>
-              <a:t>CPU Dependent</a:t>
-            </a:r>
-          </a:p>
-        </p:txBody>
-      </p:sp>
-      <p:sp>
-        <p:nvSpPr>
-          <p:cNvPr id="4" name="Footer Placeholder 3"/>
-          <p:cNvSpPr>
-            <a:spLocks noGrp="1"/>
-          </p:cNvSpPr>
-          <p:nvPr>
-            <p:ph type="ftr" sz="quarter" idx="11"/>
-          </p:nvPr>
-        </p:nvSpPr>
-        <p:spPr/>
-        <p:txBody>
-          <a:bodyPr/>
-          <a:lstStyle/>
-          <a:p>
-            <a:r>
-              <a:rPr lang="en-US" smtClean="0"/>
-              <a:t>Introduction to Operating Systems</a:t>
+              <a:t>Kernel Space</a:t>
             </a:r>
             <a:endParaRPr lang="en-US" dirty="0"/>
           </a:p>
@@ -6243,13 +10044,394 @@
     </p:spTree>
     <p:extLst>
       <p:ext uri="{BB962C8B-B14F-4D97-AF65-F5344CB8AC3E}">
-        <p14:creationId xmlns:p14="http://schemas.microsoft.com/office/powerpoint/2010/main" val="868135883"/>
+        <p14:creationId xmlns:p14="http://schemas.microsoft.com/office/powerpoint/2010/main" val="1510265881"/>
       </p:ext>
     </p:extLst>
   </p:cSld>
   <p:clrMapOvr>
     <a:masterClrMapping/>
   </p:clrMapOvr>
+  <p:timing>
+    <p:tnLst>
+      <p:par>
+        <p:cTn id="1" dur="indefinite" restart="never" nodeType="tmRoot">
+          <p:childTnLst>
+            <p:seq concurrent="1" nextAc="seek">
+              <p:cTn id="2" dur="indefinite" nodeType="mainSeq">
+                <p:childTnLst>
+                  <p:par>
+                    <p:cTn id="3" fill="hold">
+                      <p:stCondLst>
+                        <p:cond delay="indefinite"/>
+                      </p:stCondLst>
+                      <p:childTnLst>
+                        <p:par>
+                          <p:cTn id="4" fill="hold">
+                            <p:stCondLst>
+                              <p:cond delay="0"/>
+                            </p:stCondLst>
+                            <p:childTnLst>
+                              <p:par>
+                                <p:cTn id="5" presetID="1" presetClass="entr" presetSubtype="0" fill="hold" grpId="0" nodeType="clickEffect">
+                                  <p:stCondLst>
+                                    <p:cond delay="0"/>
+                                  </p:stCondLst>
+                                  <p:childTnLst>
+                                    <p:set>
+                                      <p:cBhvr>
+                                        <p:cTn id="6" dur="1" fill="hold">
+                                          <p:stCondLst>
+                                            <p:cond delay="0"/>
+                                          </p:stCondLst>
+                                        </p:cTn>
+                                        <p:tgtEl>
+                                          <p:spTgt spid="7"/>
+                                        </p:tgtEl>
+                                        <p:attrNameLst>
+                                          <p:attrName>style.visibility</p:attrName>
+                                        </p:attrNameLst>
+                                      </p:cBhvr>
+                                      <p:to>
+                                        <p:strVal val="visible"/>
+                                      </p:to>
+                                    </p:set>
+                                  </p:childTnLst>
+                                </p:cTn>
+                              </p:par>
+                            </p:childTnLst>
+                          </p:cTn>
+                        </p:par>
+                      </p:childTnLst>
+                    </p:cTn>
+                  </p:par>
+                  <p:par>
+                    <p:cTn id="7" fill="hold">
+                      <p:stCondLst>
+                        <p:cond delay="indefinite"/>
+                      </p:stCondLst>
+                      <p:childTnLst>
+                        <p:par>
+                          <p:cTn id="8" fill="hold">
+                            <p:stCondLst>
+                              <p:cond delay="0"/>
+                            </p:stCondLst>
+                            <p:childTnLst>
+                              <p:par>
+                                <p:cTn id="9" presetID="1" presetClass="entr" presetSubtype="0" fill="hold" grpId="0" nodeType="clickEffect">
+                                  <p:stCondLst>
+                                    <p:cond delay="0"/>
+                                  </p:stCondLst>
+                                  <p:childTnLst>
+                                    <p:set>
+                                      <p:cBhvr>
+                                        <p:cTn id="10" dur="1" fill="hold">
+                                          <p:stCondLst>
+                                            <p:cond delay="0"/>
+                                          </p:stCondLst>
+                                        </p:cTn>
+                                        <p:tgtEl>
+                                          <p:spTgt spid="6"/>
+                                        </p:tgtEl>
+                                        <p:attrNameLst>
+                                          <p:attrName>style.visibility</p:attrName>
+                                        </p:attrNameLst>
+                                      </p:cBhvr>
+                                      <p:to>
+                                        <p:strVal val="visible"/>
+                                      </p:to>
+                                    </p:set>
+                                  </p:childTnLst>
+                                </p:cTn>
+                              </p:par>
+                            </p:childTnLst>
+                          </p:cTn>
+                        </p:par>
+                      </p:childTnLst>
+                    </p:cTn>
+                  </p:par>
+                  <p:par>
+                    <p:cTn id="11" fill="hold">
+                      <p:stCondLst>
+                        <p:cond delay="indefinite"/>
+                      </p:stCondLst>
+                      <p:childTnLst>
+                        <p:par>
+                          <p:cTn id="12" fill="hold">
+                            <p:stCondLst>
+                              <p:cond delay="0"/>
+                            </p:stCondLst>
+                            <p:childTnLst>
+                              <p:par>
+                                <p:cTn id="13" presetID="1" presetClass="entr" presetSubtype="0" fill="hold" nodeType="clickEffect">
+                                  <p:stCondLst>
+                                    <p:cond delay="0"/>
+                                  </p:stCondLst>
+                                  <p:childTnLst>
+                                    <p:set>
+                                      <p:cBhvr>
+                                        <p:cTn id="14" dur="1" fill="hold">
+                                          <p:stCondLst>
+                                            <p:cond delay="0"/>
+                                          </p:stCondLst>
+                                        </p:cTn>
+                                        <p:tgtEl>
+                                          <p:spTgt spid="10"/>
+                                        </p:tgtEl>
+                                        <p:attrNameLst>
+                                          <p:attrName>style.visibility</p:attrName>
+                                        </p:attrNameLst>
+                                      </p:cBhvr>
+                                      <p:to>
+                                        <p:strVal val="visible"/>
+                                      </p:to>
+                                    </p:set>
+                                  </p:childTnLst>
+                                </p:cTn>
+                              </p:par>
+                              <p:par>
+                                <p:cTn id="15" presetID="1" presetClass="entr" presetSubtype="0" fill="hold" grpId="0" nodeType="withEffect">
+                                  <p:stCondLst>
+                                    <p:cond delay="0"/>
+                                  </p:stCondLst>
+                                  <p:childTnLst>
+                                    <p:set>
+                                      <p:cBhvr>
+                                        <p:cTn id="16" dur="1" fill="hold">
+                                          <p:stCondLst>
+                                            <p:cond delay="0"/>
+                                          </p:stCondLst>
+                                        </p:cTn>
+                                        <p:tgtEl>
+                                          <p:spTgt spid="12"/>
+                                        </p:tgtEl>
+                                        <p:attrNameLst>
+                                          <p:attrName>style.visibility</p:attrName>
+                                        </p:attrNameLst>
+                                      </p:cBhvr>
+                                      <p:to>
+                                        <p:strVal val="visible"/>
+                                      </p:to>
+                                    </p:set>
+                                  </p:childTnLst>
+                                </p:cTn>
+                              </p:par>
+                            </p:childTnLst>
+                          </p:cTn>
+                        </p:par>
+                      </p:childTnLst>
+                    </p:cTn>
+                  </p:par>
+                  <p:par>
+                    <p:cTn id="17" fill="hold">
+                      <p:stCondLst>
+                        <p:cond delay="indefinite"/>
+                      </p:stCondLst>
+                      <p:childTnLst>
+                        <p:par>
+                          <p:cTn id="18" fill="hold">
+                            <p:stCondLst>
+                              <p:cond delay="0"/>
+                            </p:stCondLst>
+                            <p:childTnLst>
+                              <p:par>
+                                <p:cTn id="19" presetID="1" presetClass="entr" presetSubtype="0" fill="hold" grpId="0" nodeType="clickEffect">
+                                  <p:stCondLst>
+                                    <p:cond delay="0"/>
+                                  </p:stCondLst>
+                                  <p:childTnLst>
+                                    <p:set>
+                                      <p:cBhvr>
+                                        <p:cTn id="20" dur="1" fill="hold">
+                                          <p:stCondLst>
+                                            <p:cond delay="0"/>
+                                          </p:stCondLst>
+                                        </p:cTn>
+                                        <p:tgtEl>
+                                          <p:spTgt spid="2"/>
+                                        </p:tgtEl>
+                                        <p:attrNameLst>
+                                          <p:attrName>style.visibility</p:attrName>
+                                        </p:attrNameLst>
+                                      </p:cBhvr>
+                                      <p:to>
+                                        <p:strVal val="visible"/>
+                                      </p:to>
+                                    </p:set>
+                                  </p:childTnLst>
+                                </p:cTn>
+                              </p:par>
+                            </p:childTnLst>
+                          </p:cTn>
+                        </p:par>
+                      </p:childTnLst>
+                    </p:cTn>
+                  </p:par>
+                  <p:par>
+                    <p:cTn id="21" fill="hold">
+                      <p:stCondLst>
+                        <p:cond delay="indefinite"/>
+                      </p:stCondLst>
+                      <p:childTnLst>
+                        <p:par>
+                          <p:cTn id="22" fill="hold">
+                            <p:stCondLst>
+                              <p:cond delay="0"/>
+                            </p:stCondLst>
+                            <p:childTnLst>
+                              <p:par>
+                                <p:cTn id="23" presetID="1" presetClass="entr" presetSubtype="0" fill="hold" grpId="0" nodeType="clickEffect">
+                                  <p:stCondLst>
+                                    <p:cond delay="0"/>
+                                  </p:stCondLst>
+                                  <p:childTnLst>
+                                    <p:set>
+                                      <p:cBhvr>
+                                        <p:cTn id="24" dur="1" fill="hold">
+                                          <p:stCondLst>
+                                            <p:cond delay="0"/>
+                                          </p:stCondLst>
+                                        </p:cTn>
+                                        <p:tgtEl>
+                                          <p:spTgt spid="8"/>
+                                        </p:tgtEl>
+                                        <p:attrNameLst>
+                                          <p:attrName>style.visibility</p:attrName>
+                                        </p:attrNameLst>
+                                      </p:cBhvr>
+                                      <p:to>
+                                        <p:strVal val="visible"/>
+                                      </p:to>
+                                    </p:set>
+                                  </p:childTnLst>
+                                </p:cTn>
+                              </p:par>
+                            </p:childTnLst>
+                          </p:cTn>
+                        </p:par>
+                      </p:childTnLst>
+                    </p:cTn>
+                  </p:par>
+                  <p:par>
+                    <p:cTn id="25" fill="hold">
+                      <p:stCondLst>
+                        <p:cond delay="indefinite"/>
+                      </p:stCondLst>
+                      <p:childTnLst>
+                        <p:par>
+                          <p:cTn id="26" fill="hold">
+                            <p:stCondLst>
+                              <p:cond delay="0"/>
+                            </p:stCondLst>
+                            <p:childTnLst>
+                              <p:par>
+                                <p:cTn id="27" presetID="1" presetClass="entr" presetSubtype="0" fill="hold" grpId="0" nodeType="clickEffect">
+                                  <p:stCondLst>
+                                    <p:cond delay="0"/>
+                                  </p:stCondLst>
+                                  <p:childTnLst>
+                                    <p:set>
+                                      <p:cBhvr>
+                                        <p:cTn id="28" dur="1" fill="hold">
+                                          <p:stCondLst>
+                                            <p:cond delay="0"/>
+                                          </p:stCondLst>
+                                        </p:cTn>
+                                        <p:tgtEl>
+                                          <p:spTgt spid="9"/>
+                                        </p:tgtEl>
+                                        <p:attrNameLst>
+                                          <p:attrName>style.visibility</p:attrName>
+                                        </p:attrNameLst>
+                                      </p:cBhvr>
+                                      <p:to>
+                                        <p:strVal val="visible"/>
+                                      </p:to>
+                                    </p:set>
+                                  </p:childTnLst>
+                                </p:cTn>
+                              </p:par>
+                            </p:childTnLst>
+                          </p:cTn>
+                        </p:par>
+                      </p:childTnLst>
+                    </p:cTn>
+                  </p:par>
+                  <p:par>
+                    <p:cTn id="29" fill="hold">
+                      <p:stCondLst>
+                        <p:cond delay="indefinite"/>
+                      </p:stCondLst>
+                      <p:childTnLst>
+                        <p:par>
+                          <p:cTn id="30" fill="hold">
+                            <p:stCondLst>
+                              <p:cond delay="0"/>
+                            </p:stCondLst>
+                            <p:childTnLst>
+                              <p:par>
+                                <p:cTn id="31" presetID="1" presetClass="entr" presetSubtype="0" fill="hold" grpId="0" nodeType="clickEffect">
+                                  <p:stCondLst>
+                                    <p:cond delay="0"/>
+                                  </p:stCondLst>
+                                  <p:childTnLst>
+                                    <p:set>
+                                      <p:cBhvr>
+                                        <p:cTn id="32" dur="1" fill="hold">
+                                          <p:stCondLst>
+                                            <p:cond delay="0"/>
+                                          </p:stCondLst>
+                                        </p:cTn>
+                                        <p:tgtEl>
+                                          <p:spTgt spid="11"/>
+                                        </p:tgtEl>
+                                        <p:attrNameLst>
+                                          <p:attrName>style.visibility</p:attrName>
+                                        </p:attrNameLst>
+                                      </p:cBhvr>
+                                      <p:to>
+                                        <p:strVal val="visible"/>
+                                      </p:to>
+                                    </p:set>
+                                  </p:childTnLst>
+                                </p:cTn>
+                              </p:par>
+                            </p:childTnLst>
+                          </p:cTn>
+                        </p:par>
+                      </p:childTnLst>
+                    </p:cTn>
+                  </p:par>
+                </p:childTnLst>
+              </p:cTn>
+              <p:prevCondLst>
+                <p:cond evt="onPrev" delay="0">
+                  <p:tgtEl>
+                    <p:sldTgt/>
+                  </p:tgtEl>
+                </p:cond>
+              </p:prevCondLst>
+              <p:nextCondLst>
+                <p:cond evt="onNext" delay="0">
+                  <p:tgtEl>
+                    <p:sldTgt/>
+                  </p:tgtEl>
+                </p:cond>
+              </p:nextCondLst>
+            </p:seq>
+          </p:childTnLst>
+        </p:cTn>
+      </p:par>
+    </p:tnLst>
+    <p:bldLst>
+      <p:bldP spid="6" grpId="0" animBg="1"/>
+      <p:bldP spid="7" grpId="0" animBg="1"/>
+      <p:bldP spid="2" grpId="0" animBg="1"/>
+      <p:bldP spid="8" grpId="0" animBg="1"/>
+      <p:bldP spid="9" grpId="0" animBg="1"/>
+      <p:bldP spid="11" grpId="0"/>
+      <p:bldP spid="12" grpId="0"/>
+    </p:bldLst>
+  </p:timing>
 </p:sld>
 </file>
 
@@ -6272,7 +10454,7 @@
       </p:grpSpPr>
       <p:sp>
         <p:nvSpPr>
-          <p:cNvPr id="8" name="Title 7"/>
+          <p:cNvPr id="2" name="Title 1"/>
           <p:cNvSpPr>
             <a:spLocks noGrp="1"/>
           </p:cNvSpPr>
@@ -6287,7 +10469,7 @@
           <a:p>
             <a:r>
               <a:rPr lang="en-US" dirty="0" smtClean="0"/>
-              <a:t>What is a User?</a:t>
+              <a:t>Kernel vs. User Mode</a:t>
             </a:r>
             <a:endParaRPr lang="en-US" dirty="0"/>
           </a:p>
@@ -6295,12 +10477,12 @@
       </p:sp>
       <p:sp>
         <p:nvSpPr>
-          <p:cNvPr id="9" name="Content Placeholder 8"/>
-          <p:cNvSpPr>
-            <a:spLocks noGrp="1"/>
-          </p:cNvSpPr>
-          <p:nvPr>
-            <p:ph idx="1"/>
+          <p:cNvPr id="5" name="Text Placeholder 4"/>
+          <p:cNvSpPr>
+            <a:spLocks noGrp="1"/>
+          </p:cNvSpPr>
+          <p:nvPr>
+            <p:ph type="body" idx="1"/>
           </p:nvPr>
         </p:nvSpPr>
         <p:spPr/>
@@ -6308,13 +10490,119 @@
           <a:bodyPr/>
           <a:lstStyle/>
           <a:p>
-            <a:endParaRPr lang="en-US"/>
-          </a:p>
-        </p:txBody>
-      </p:sp>
-      <p:sp>
-        <p:nvSpPr>
-          <p:cNvPr id="7" name="Footer Placeholder 6"/>
+            <a:r>
+              <a:rPr lang="en-US" dirty="0" smtClean="0"/>
+              <a:t>Kernel	</a:t>
+            </a:r>
+            <a:endParaRPr lang="en-US" dirty="0"/>
+          </a:p>
+        </p:txBody>
+      </p:sp>
+      <p:sp>
+        <p:nvSpPr>
+          <p:cNvPr id="6" name="Content Placeholder 5"/>
+          <p:cNvSpPr>
+            <a:spLocks noGrp="1"/>
+          </p:cNvSpPr>
+          <p:nvPr>
+            <p:ph sz="half" idx="2"/>
+          </p:nvPr>
+        </p:nvSpPr>
+        <p:spPr/>
+        <p:txBody>
+          <a:bodyPr/>
+          <a:lstStyle/>
+          <a:p>
+            <a:r>
+              <a:rPr lang="en-US" dirty="0" smtClean="0"/>
+              <a:t>Ring 0 on Intel CPUs	</a:t>
+            </a:r>
+          </a:p>
+          <a:p>
+            <a:r>
+              <a:rPr lang="en-US" dirty="0" smtClean="0"/>
+              <a:t>Any physical address may be accessed</a:t>
+            </a:r>
+          </a:p>
+          <a:p>
+            <a:r>
+              <a:rPr lang="en-US" dirty="0" smtClean="0"/>
+              <a:t>All instructions are valid</a:t>
+            </a:r>
+          </a:p>
+          <a:p>
+            <a:endParaRPr lang="en-US" dirty="0"/>
+          </a:p>
+        </p:txBody>
+      </p:sp>
+      <p:sp>
+        <p:nvSpPr>
+          <p:cNvPr id="7" name="Text Placeholder 6"/>
+          <p:cNvSpPr>
+            <a:spLocks noGrp="1"/>
+          </p:cNvSpPr>
+          <p:nvPr>
+            <p:ph type="body" sz="quarter" idx="3"/>
+          </p:nvPr>
+        </p:nvSpPr>
+        <p:spPr/>
+        <p:txBody>
+          <a:bodyPr/>
+          <a:lstStyle/>
+          <a:p>
+            <a:r>
+              <a:rPr lang="en-US" dirty="0" smtClean="0"/>
+              <a:t>user</a:t>
+            </a:r>
+            <a:endParaRPr lang="en-US" dirty="0"/>
+          </a:p>
+        </p:txBody>
+      </p:sp>
+      <p:sp>
+        <p:nvSpPr>
+          <p:cNvPr id="8" name="Content Placeholder 7"/>
+          <p:cNvSpPr>
+            <a:spLocks noGrp="1"/>
+          </p:cNvSpPr>
+          <p:nvPr>
+            <p:ph sz="quarter" idx="4"/>
+          </p:nvPr>
+        </p:nvSpPr>
+        <p:spPr/>
+        <p:txBody>
+          <a:bodyPr/>
+          <a:lstStyle/>
+          <a:p>
+            <a:r>
+              <a:rPr lang="en-US" dirty="0" smtClean="0"/>
+              <a:t>Ring 3 on Intel CPUs</a:t>
+            </a:r>
+          </a:p>
+          <a:p>
+            <a:r>
+              <a:rPr lang="en-US" dirty="0" smtClean="0"/>
+              <a:t>Addresses are virtual</a:t>
+            </a:r>
+          </a:p>
+          <a:p>
+            <a:r>
+              <a:rPr lang="en-US" dirty="0" smtClean="0"/>
+              <a:t>Restricted Instruction set</a:t>
+            </a:r>
+            <a:endParaRPr lang="en-US" dirty="0"/>
+          </a:p>
+          <a:p>
+            <a:pPr lvl="1"/>
+            <a:r>
+              <a:rPr lang="en-US" dirty="0" smtClean="0"/>
+              <a:t>CPU Dependent</a:t>
+            </a:r>
+          </a:p>
+        </p:txBody>
+      </p:sp>
+      <p:sp>
+        <p:nvSpPr>
+          <p:cNvPr id="4" name="Footer Placeholder 3"/>
           <p:cNvSpPr>
             <a:spLocks noGrp="1"/>
           </p:cNvSpPr>
@@ -6331,20 +10619,27 @@
               <a:rPr lang="en-US" smtClean="0"/>
               <a:t>Introduction to Operating Systems</a:t>
             </a:r>
-            <a:endParaRPr lang="en-US"/>
+            <a:endParaRPr lang="en-US" dirty="0"/>
           </a:p>
         </p:txBody>
       </p:sp>
     </p:spTree>
     <p:extLst>
       <p:ext uri="{BB962C8B-B14F-4D97-AF65-F5344CB8AC3E}">
-        <p14:creationId xmlns:p14="http://schemas.microsoft.com/office/powerpoint/2010/main" val="563356357"/>
+        <p14:creationId xmlns:p14="http://schemas.microsoft.com/office/powerpoint/2010/main" val="868135883"/>
       </p:ext>
     </p:extLst>
   </p:cSld>
   <p:clrMapOvr>
     <a:masterClrMapping/>
   </p:clrMapOvr>
+  <p:timing>
+    <p:tnLst>
+      <p:par>
+        <p:cTn id="1" dur="indefinite" restart="never" nodeType="tmRoot"/>
+      </p:par>
+    </p:tnLst>
+  </p:timing>
 </p:sld>
 </file>
 

--- a/undergraduate/lectures/security.pptx
+++ b/undergraduate/lectures/security.pptx
@@ -7216,7 +7216,11 @@
           <a:p>
             <a:r>
               <a:rPr lang="en-US" dirty="0" smtClean="0"/>
-              <a:t>Something you are</a:t>
+              <a:t>Something </a:t>
+            </a:r>
+            <a:r>
+              <a:rPr lang="en-US" dirty="0" smtClean="0"/>
+              <a:t>you are</a:t>
             </a:r>
           </a:p>
           <a:p>
@@ -7225,7 +7229,6 @@
               <a:rPr lang="en-US" dirty="0" smtClean="0"/>
               <a:t>Fingerprint</a:t>
             </a:r>
-            <a:endParaRPr lang="en-US" dirty="0"/>
           </a:p>
         </p:txBody>
       </p:sp>
@@ -8811,7 +8814,22 @@
           <a:bodyPr/>
           <a:lstStyle/>
           <a:p>
-            <a:endParaRPr lang="en-US"/>
+            <a:r>
+              <a:rPr lang="en-US" dirty="0" smtClean="0"/>
+              <a:t>Alice cannot interfere with Bob</a:t>
+            </a:r>
+          </a:p>
+          <a:p>
+            <a:r>
+              <a:rPr lang="en-US" dirty="0" smtClean="0"/>
+              <a:t>Alice cannot communicate with Bob without prior agreement</a:t>
+            </a:r>
+          </a:p>
+          <a:p>
+            <a:r>
+              <a:rPr lang="en-US" dirty="0" smtClean="0"/>
+              <a:t>Eve cannot read data contained in Alice or Bob</a:t>
+            </a:r>
           </a:p>
         </p:txBody>
       </p:sp>
@@ -8913,7 +8931,73 @@
           <a:bodyPr/>
           <a:lstStyle/>
           <a:p>
-            <a:endParaRPr lang="en-US"/>
+            <a:r>
+              <a:rPr lang="en-US" dirty="0" smtClean="0"/>
+              <a:t>An entity must prove they have the right to a resource</a:t>
+            </a:r>
+          </a:p>
+          <a:p>
+            <a:pPr lvl="1"/>
+            <a:r>
+              <a:rPr lang="en-US" dirty="0" smtClean="0"/>
+              <a:t>File</a:t>
+            </a:r>
+          </a:p>
+          <a:p>
+            <a:pPr lvl="1"/>
+            <a:r>
+              <a:rPr lang="en-US" dirty="0" smtClean="0"/>
+              <a:t>Memory</a:t>
+            </a:r>
+          </a:p>
+          <a:p>
+            <a:pPr lvl="1"/>
+            <a:r>
+              <a:rPr lang="en-US" dirty="0" smtClean="0"/>
+              <a:t>CPU</a:t>
+            </a:r>
+          </a:p>
+          <a:p>
+            <a:pPr lvl="1"/>
+            <a:r>
+              <a:rPr lang="en-US" dirty="0" smtClean="0"/>
+              <a:t>Another process</a:t>
+            </a:r>
+          </a:p>
+          <a:p>
+            <a:pPr lvl="1"/>
+            <a:r>
+              <a:rPr lang="en-US" dirty="0" smtClean="0"/>
+              <a:t>The system as a whole</a:t>
+            </a:r>
+            <a:endParaRPr lang="en-US" dirty="0"/>
+          </a:p>
+          <a:p>
+            <a:r>
+              <a:rPr lang="en-US" dirty="0" smtClean="0"/>
+              <a:t>Entities include</a:t>
+            </a:r>
+          </a:p>
+          <a:p>
+            <a:pPr lvl="1"/>
+            <a:r>
+              <a:rPr lang="en-US" dirty="0" smtClean="0"/>
+              <a:t>Humans</a:t>
+            </a:r>
+          </a:p>
+          <a:p>
+            <a:pPr lvl="1"/>
+            <a:r>
+              <a:rPr lang="en-US" dirty="0" smtClean="0"/>
+              <a:t>Programs</a:t>
+            </a:r>
+          </a:p>
+          <a:p>
+            <a:pPr lvl="1"/>
+            <a:r>
+              <a:rPr lang="en-US" dirty="0" smtClean="0"/>
+              <a:t>Other computers</a:t>
+            </a:r>
           </a:p>
         </p:txBody>
       </p:sp>
@@ -8994,7 +9078,7 @@
           <a:p>
             <a:r>
               <a:rPr lang="en-US" dirty="0" smtClean="0"/>
-              <a:t>Trust</a:t>
+              <a:t>Building Trust</a:t>
             </a:r>
             <a:endParaRPr lang="en-US" dirty="0"/>
           </a:p>
@@ -9014,6 +9098,18 @@
         <p:txBody>
           <a:bodyPr/>
           <a:lstStyle/>
+          <a:p>
+            <a:r>
+              <a:rPr lang="en-US" dirty="0" smtClean="0"/>
+              <a:t>Testing</a:t>
+            </a:r>
+          </a:p>
+          <a:p>
+            <a:r>
+              <a:rPr lang="en-US" smtClean="0"/>
+              <a:t>Formal Proofs</a:t>
+            </a:r>
+          </a:p>
           <a:p>
             <a:endParaRPr lang="en-US" dirty="0"/>
           </a:p>

--- a/undergraduate/lectures/security.pptx
+++ b/undergraduate/lectures/security.pptx
@@ -5,7 +5,7 @@
     <p:sldMasterId id="2147483786" r:id="rId1"/>
   </p:sldMasterIdLst>
   <p:notesMasterIdLst>
-    <p:notesMasterId r:id="rId27"/>
+    <p:notesMasterId r:id="rId29"/>
   </p:notesMasterIdLst>
   <p:sldIdLst>
     <p:sldId id="256" r:id="rId2"/>
@@ -33,6 +33,8 @@
     <p:sldId id="273" r:id="rId24"/>
     <p:sldId id="272" r:id="rId25"/>
     <p:sldId id="271" r:id="rId26"/>
+    <p:sldId id="281" r:id="rId27"/>
+    <p:sldId id="282" r:id="rId28"/>
   </p:sldIdLst>
   <p:sldSz cx="12192000" cy="6858000"/>
   <p:notesSz cx="6858000" cy="9144000"/>
@@ -8712,7 +8714,57 @@
           <a:bodyPr/>
           <a:lstStyle/>
           <a:p>
-            <a:endParaRPr lang="en-US"/>
+            <a:r>
+              <a:rPr lang="en-US" dirty="0" smtClean="0"/>
+              <a:t>Sometimes you need more effective power</a:t>
+            </a:r>
+          </a:p>
+          <a:p>
+            <a:r>
+              <a:rPr lang="en-US" dirty="0" smtClean="0"/>
+              <a:t>Effective UID vs. Real UID</a:t>
+            </a:r>
+          </a:p>
+          <a:p>
+            <a:r>
+              <a:rPr lang="en-US" dirty="0" err="1" smtClean="0"/>
+              <a:t>getuid</a:t>
+            </a:r>
+            <a:r>
+              <a:rPr lang="en-US" dirty="0" smtClean="0"/>
+              <a:t>(2)</a:t>
+            </a:r>
+          </a:p>
+          <a:p>
+            <a:r>
+              <a:rPr lang="en-US" dirty="0" err="1" smtClean="0"/>
+              <a:t>geteuid</a:t>
+            </a:r>
+            <a:r>
+              <a:rPr lang="en-US" dirty="0" smtClean="0"/>
+              <a:t>(2)</a:t>
+            </a:r>
+          </a:p>
+          <a:p>
+            <a:r>
+              <a:rPr lang="en-US" dirty="0" err="1" smtClean="0"/>
+              <a:t>setuid</a:t>
+            </a:r>
+            <a:r>
+              <a:rPr lang="en-US" dirty="0" smtClean="0"/>
+              <a:t>(2)</a:t>
+            </a:r>
+          </a:p>
+          <a:p>
+            <a:r>
+              <a:rPr lang="en-US" dirty="0" err="1" smtClean="0"/>
+              <a:t>seteuid</a:t>
+            </a:r>
+            <a:r>
+              <a:rPr lang="en-US" dirty="0" smtClean="0"/>
+              <a:t>(2)</a:t>
+            </a:r>
+            <a:endParaRPr lang="en-US" dirty="0"/>
           </a:p>
         </p:txBody>
       </p:sp>
@@ -8743,6 +8795,312 @@
     <p:extLst>
       <p:ext uri="{BB962C8B-B14F-4D97-AF65-F5344CB8AC3E}">
         <p14:creationId xmlns:p14="http://schemas.microsoft.com/office/powerpoint/2010/main" val="832101954"/>
+      </p:ext>
+    </p:extLst>
+  </p:cSld>
+  <p:clrMapOvr>
+    <a:masterClrMapping/>
+  </p:clrMapOvr>
+  <p:timing>
+    <p:tnLst>
+      <p:par>
+        <p:cTn id="1" dur="indefinite" restart="never" nodeType="tmRoot"/>
+      </p:par>
+    </p:tnLst>
+  </p:timing>
+</p:sld>
+</file>
+
+<file path=ppt/slides/slide26.xml><?xml version="1.0" encoding="utf-8"?>
+<p:sld xmlns:a="http://schemas.openxmlformats.org/drawingml/2006/main" xmlns:r="http://schemas.openxmlformats.org/officeDocument/2006/relationships" xmlns:p="http://schemas.openxmlformats.org/presentationml/2006/main">
+  <p:cSld>
+    <p:spTree>
+      <p:nvGrpSpPr>
+        <p:cNvPr id="1" name=""/>
+        <p:cNvGrpSpPr/>
+        <p:nvPr/>
+      </p:nvGrpSpPr>
+      <p:grpSpPr>
+        <a:xfrm>
+          <a:off x="0" y="0"/>
+          <a:ext cx="0" cy="0"/>
+          <a:chOff x="0" y="0"/>
+          <a:chExt cx="0" cy="0"/>
+        </a:xfrm>
+      </p:grpSpPr>
+      <p:sp>
+        <p:nvSpPr>
+          <p:cNvPr id="2" name="Title 1"/>
+          <p:cNvSpPr>
+            <a:spLocks noGrp="1"/>
+          </p:cNvSpPr>
+          <p:nvPr>
+            <p:ph type="title"/>
+          </p:nvPr>
+        </p:nvSpPr>
+        <p:spPr/>
+        <p:txBody>
+          <a:bodyPr/>
+          <a:lstStyle/>
+          <a:p>
+            <a:r>
+              <a:rPr lang="en-US" dirty="0" smtClean="0"/>
+              <a:t>Escalating Privileges</a:t>
+            </a:r>
+            <a:endParaRPr lang="en-US" dirty="0"/>
+          </a:p>
+        </p:txBody>
+      </p:sp>
+      <p:pic>
+        <p:nvPicPr>
+          <p:cNvPr id="5" name="Content Placeholder 4"/>
+          <p:cNvPicPr>
+            <a:picLocks noGrp="1" noChangeAspect="1"/>
+          </p:cNvPicPr>
+          <p:nvPr>
+            <p:ph idx="1"/>
+          </p:nvPr>
+        </p:nvPicPr>
+        <p:blipFill>
+          <a:blip r:embed="rId2"/>
+          <a:stretch>
+            <a:fillRect/>
+          </a:stretch>
+        </p:blipFill>
+        <p:spPr>
+          <a:xfrm>
+            <a:off x="3840163" y="1827213"/>
+            <a:ext cx="4572000" cy="3797300"/>
+          </a:xfrm>
+        </p:spPr>
+      </p:pic>
+      <p:sp>
+        <p:nvSpPr>
+          <p:cNvPr id="4" name="Footer Placeholder 3"/>
+          <p:cNvSpPr>
+            <a:spLocks noGrp="1"/>
+          </p:cNvSpPr>
+          <p:nvPr>
+            <p:ph type="ftr" sz="quarter" idx="11"/>
+          </p:nvPr>
+        </p:nvSpPr>
+        <p:spPr/>
+        <p:txBody>
+          <a:bodyPr/>
+          <a:lstStyle/>
+          <a:p>
+            <a:r>
+              <a:rPr lang="en-US" smtClean="0"/>
+              <a:t>Introduction to Operating Systems</a:t>
+            </a:r>
+            <a:endParaRPr lang="en-US" dirty="0"/>
+          </a:p>
+        </p:txBody>
+      </p:sp>
+      <p:sp>
+        <p:nvSpPr>
+          <p:cNvPr id="6" name="TextBox 5"/>
+          <p:cNvSpPr txBox="1"/>
+          <p:nvPr/>
+        </p:nvSpPr>
+        <p:spPr>
+          <a:xfrm>
+            <a:off x="5019930" y="5672817"/>
+            <a:ext cx="2212465" cy="369332"/>
+          </a:xfrm>
+          <a:prstGeom prst="rect">
+            <a:avLst/>
+          </a:prstGeom>
+          <a:noFill/>
+        </p:spPr>
+        <p:txBody>
+          <a:bodyPr wrap="none" rtlCol="0">
+            <a:spAutoFit/>
+          </a:bodyPr>
+          <a:lstStyle/>
+          <a:p>
+            <a:r>
+              <a:rPr lang="en-US" dirty="0"/>
+              <a:t>https://</a:t>
+            </a:r>
+            <a:r>
+              <a:rPr lang="en-US" dirty="0" err="1"/>
+              <a:t>xkcd.com</a:t>
+            </a:r>
+            <a:r>
+              <a:rPr lang="en-US" dirty="0"/>
+              <a:t>/149/</a:t>
+            </a:r>
+            <a:endParaRPr lang="en-US" dirty="0"/>
+          </a:p>
+        </p:txBody>
+      </p:sp>
+    </p:spTree>
+    <p:extLst>
+      <p:ext uri="{BB962C8B-B14F-4D97-AF65-F5344CB8AC3E}">
+        <p14:creationId xmlns:p14="http://schemas.microsoft.com/office/powerpoint/2010/main" val="778839730"/>
+      </p:ext>
+    </p:extLst>
+  </p:cSld>
+  <p:clrMapOvr>
+    <a:masterClrMapping/>
+  </p:clrMapOvr>
+  <p:timing>
+    <p:tnLst>
+      <p:par>
+        <p:cTn id="1" dur="indefinite" restart="never" nodeType="tmRoot"/>
+      </p:par>
+    </p:tnLst>
+  </p:timing>
+</p:sld>
+</file>
+
+<file path=ppt/slides/slide27.xml><?xml version="1.0" encoding="utf-8"?>
+<p:sld xmlns:a="http://schemas.openxmlformats.org/drawingml/2006/main" xmlns:r="http://schemas.openxmlformats.org/officeDocument/2006/relationships" xmlns:p="http://schemas.openxmlformats.org/presentationml/2006/main">
+  <p:cSld>
+    <p:spTree>
+      <p:nvGrpSpPr>
+        <p:cNvPr id="1" name=""/>
+        <p:cNvGrpSpPr/>
+        <p:nvPr/>
+      </p:nvGrpSpPr>
+      <p:grpSpPr>
+        <a:xfrm>
+          <a:off x="0" y="0"/>
+          <a:ext cx="0" cy="0"/>
+          <a:chOff x="0" y="0"/>
+          <a:chExt cx="0" cy="0"/>
+        </a:xfrm>
+      </p:grpSpPr>
+      <p:sp>
+        <p:nvSpPr>
+          <p:cNvPr id="2" name="Title 1"/>
+          <p:cNvSpPr>
+            <a:spLocks noGrp="1"/>
+          </p:cNvSpPr>
+          <p:nvPr>
+            <p:ph type="title"/>
+          </p:nvPr>
+        </p:nvSpPr>
+        <p:spPr/>
+        <p:txBody>
+          <a:bodyPr/>
+          <a:lstStyle/>
+          <a:p>
+            <a:r>
+              <a:rPr lang="en-US" dirty="0" err="1" smtClean="0"/>
+              <a:t>sudo</a:t>
+            </a:r>
+            <a:r>
+              <a:rPr lang="en-US" dirty="0" smtClean="0"/>
+              <a:t> and privilege escalation</a:t>
+            </a:r>
+            <a:endParaRPr lang="en-US" dirty="0"/>
+          </a:p>
+        </p:txBody>
+      </p:sp>
+      <p:sp>
+        <p:nvSpPr>
+          <p:cNvPr id="3" name="Content Placeholder 2"/>
+          <p:cNvSpPr>
+            <a:spLocks noGrp="1"/>
+          </p:cNvSpPr>
+          <p:nvPr>
+            <p:ph idx="1"/>
+          </p:nvPr>
+        </p:nvSpPr>
+        <p:spPr/>
+        <p:txBody>
+          <a:bodyPr/>
+          <a:lstStyle/>
+          <a:p>
+            <a:r>
+              <a:rPr lang="en-US" dirty="0"/>
+              <a:t>-</a:t>
+            </a:r>
+            <a:r>
+              <a:rPr lang="en-US" dirty="0" err="1"/>
+              <a:t>rw</a:t>
+            </a:r>
+            <a:r>
+              <a:rPr lang="en-US" dirty="0" err="1">
+                <a:solidFill>
+                  <a:srgbClr val="FF0000"/>
+                </a:solidFill>
+              </a:rPr>
+              <a:t>s</a:t>
+            </a:r>
+            <a:r>
+              <a:rPr lang="en-US" dirty="0" err="1"/>
+              <a:t>r</a:t>
+            </a:r>
+            <a:r>
+              <a:rPr lang="en-US" dirty="0"/>
+              <a:t>-</a:t>
+            </a:r>
+            <a:r>
+              <a:rPr lang="en-US" dirty="0" err="1"/>
+              <a:t>xr</a:t>
+            </a:r>
+            <a:r>
+              <a:rPr lang="en-US" dirty="0"/>
+              <a:t>-x  1 root  wheel  112400 Feb  8 20:55 /</a:t>
+            </a:r>
+            <a:r>
+              <a:rPr lang="en-US" dirty="0" err="1"/>
+              <a:t>usr</a:t>
+            </a:r>
+            <a:r>
+              <a:rPr lang="en-US" dirty="0"/>
+              <a:t>/local/bin/</a:t>
+            </a:r>
+            <a:r>
+              <a:rPr lang="en-US" dirty="0" err="1"/>
+              <a:t>sudo</a:t>
+            </a:r>
+            <a:r>
+              <a:rPr lang="en-US" dirty="0" smtClean="0"/>
+              <a:t>*</a:t>
+            </a:r>
+          </a:p>
+          <a:p>
+            <a:r>
+              <a:rPr lang="en-US" dirty="0" smtClean="0"/>
+              <a:t>What does the “s” mean?</a:t>
+            </a:r>
+          </a:p>
+          <a:p>
+            <a:endParaRPr lang="en-US" dirty="0"/>
+          </a:p>
+        </p:txBody>
+      </p:sp>
+      <p:sp>
+        <p:nvSpPr>
+          <p:cNvPr id="4" name="Footer Placeholder 3"/>
+          <p:cNvSpPr>
+            <a:spLocks noGrp="1"/>
+          </p:cNvSpPr>
+          <p:nvPr>
+            <p:ph type="ftr" sz="quarter" idx="11"/>
+          </p:nvPr>
+        </p:nvSpPr>
+        <p:spPr/>
+        <p:txBody>
+          <a:bodyPr/>
+          <a:lstStyle/>
+          <a:p>
+            <a:r>
+              <a:rPr lang="en-US" smtClean="0"/>
+              <a:t>Introduction to Operating Systems</a:t>
+            </a:r>
+            <a:endParaRPr lang="en-US" dirty="0"/>
+          </a:p>
+        </p:txBody>
+      </p:sp>
+    </p:spTree>
+    <p:extLst>
+      <p:ext uri="{BB962C8B-B14F-4D97-AF65-F5344CB8AC3E}">
+        <p14:creationId xmlns:p14="http://schemas.microsoft.com/office/powerpoint/2010/main" val="1860185539"/>
       </p:ext>
     </p:extLst>
   </p:cSld>
@@ -9106,7 +9464,7 @@
           </a:p>
           <a:p>
             <a:r>
-              <a:rPr lang="en-US" smtClean="0"/>
+              <a:rPr lang="en-US" dirty="0" smtClean="0"/>
               <a:t>Formal Proofs</a:t>
             </a:r>
           </a:p>
@@ -9597,10 +9955,10 @@
           <a:p>
             <a:pPr algn="ctr"/>
             <a:r>
-              <a:rPr lang="en-US" smtClean="0"/>
+              <a:rPr lang="en-US" dirty="0" smtClean="0"/>
               <a:t>Ring 0</a:t>
             </a:r>
-            <a:endParaRPr lang="en-US"/>
+            <a:endParaRPr lang="en-US" dirty="0"/>
           </a:p>
         </p:txBody>
       </p:sp>
@@ -9721,9 +10079,402 @@
   <p:timing>
     <p:tnLst>
       <p:par>
-        <p:cTn id="1" dur="indefinite" restart="never" nodeType="tmRoot"/>
+        <p:cTn id="1" dur="indefinite" restart="never" nodeType="tmRoot">
+          <p:childTnLst>
+            <p:seq concurrent="1" nextAc="seek">
+              <p:cTn id="2" dur="indefinite" nodeType="mainSeq">
+                <p:childTnLst>
+                  <p:par>
+                    <p:cTn id="3" fill="hold">
+                      <p:stCondLst>
+                        <p:cond delay="indefinite"/>
+                      </p:stCondLst>
+                      <p:childTnLst>
+                        <p:par>
+                          <p:cTn id="4" fill="hold">
+                            <p:stCondLst>
+                              <p:cond delay="0"/>
+                            </p:stCondLst>
+                            <p:childTnLst>
+                              <p:par>
+                                <p:cTn id="5" presetID="1" presetClass="entr" presetSubtype="0" fill="hold" grpId="0" nodeType="clickEffect">
+                                  <p:stCondLst>
+                                    <p:cond delay="0"/>
+                                  </p:stCondLst>
+                                  <p:childTnLst>
+                                    <p:set>
+                                      <p:cBhvr>
+                                        <p:cTn id="6" dur="1" fill="hold">
+                                          <p:stCondLst>
+                                            <p:cond delay="0"/>
+                                          </p:stCondLst>
+                                        </p:cTn>
+                                        <p:tgtEl>
+                                          <p:spTgt spid="9"/>
+                                        </p:tgtEl>
+                                        <p:attrNameLst>
+                                          <p:attrName>style.visibility</p:attrName>
+                                        </p:attrNameLst>
+                                      </p:cBhvr>
+                                      <p:to>
+                                        <p:strVal val="visible"/>
+                                      </p:to>
+                                    </p:set>
+                                  </p:childTnLst>
+                                </p:cTn>
+                              </p:par>
+                            </p:childTnLst>
+                          </p:cTn>
+                        </p:par>
+                      </p:childTnLst>
+                    </p:cTn>
+                  </p:par>
+                  <p:par>
+                    <p:cTn id="7" fill="hold">
+                      <p:stCondLst>
+                        <p:cond delay="indefinite"/>
+                      </p:stCondLst>
+                      <p:childTnLst>
+                        <p:par>
+                          <p:cTn id="8" fill="hold">
+                            <p:stCondLst>
+                              <p:cond delay="0"/>
+                            </p:stCondLst>
+                            <p:childTnLst>
+                              <p:par>
+                                <p:cTn id="9" presetID="1" presetClass="entr" presetSubtype="0" fill="hold" grpId="0" nodeType="clickEffect">
+                                  <p:stCondLst>
+                                    <p:cond delay="0"/>
+                                  </p:stCondLst>
+                                  <p:childTnLst>
+                                    <p:set>
+                                      <p:cBhvr>
+                                        <p:cTn id="10" dur="1" fill="hold">
+                                          <p:stCondLst>
+                                            <p:cond delay="0"/>
+                                          </p:stCondLst>
+                                        </p:cTn>
+                                        <p:tgtEl>
+                                          <p:spTgt spid="8"/>
+                                        </p:tgtEl>
+                                        <p:attrNameLst>
+                                          <p:attrName>style.visibility</p:attrName>
+                                        </p:attrNameLst>
+                                      </p:cBhvr>
+                                      <p:to>
+                                        <p:strVal val="visible"/>
+                                      </p:to>
+                                    </p:set>
+                                  </p:childTnLst>
+                                </p:cTn>
+                              </p:par>
+                            </p:childTnLst>
+                          </p:cTn>
+                        </p:par>
+                      </p:childTnLst>
+                    </p:cTn>
+                  </p:par>
+                  <p:par>
+                    <p:cTn id="11" fill="hold">
+                      <p:stCondLst>
+                        <p:cond delay="indefinite"/>
+                      </p:stCondLst>
+                      <p:childTnLst>
+                        <p:par>
+                          <p:cTn id="12" fill="hold">
+                            <p:stCondLst>
+                              <p:cond delay="0"/>
+                            </p:stCondLst>
+                            <p:childTnLst>
+                              <p:par>
+                                <p:cTn id="13" presetID="1" presetClass="entr" presetSubtype="0" fill="hold" grpId="0" nodeType="clickEffect">
+                                  <p:stCondLst>
+                                    <p:cond delay="0"/>
+                                  </p:stCondLst>
+                                  <p:childTnLst>
+                                    <p:set>
+                                      <p:cBhvr>
+                                        <p:cTn id="14" dur="1" fill="hold">
+                                          <p:stCondLst>
+                                            <p:cond delay="0"/>
+                                          </p:stCondLst>
+                                        </p:cTn>
+                                        <p:tgtEl>
+                                          <p:spTgt spid="10"/>
+                                        </p:tgtEl>
+                                        <p:attrNameLst>
+                                          <p:attrName>style.visibility</p:attrName>
+                                        </p:attrNameLst>
+                                      </p:cBhvr>
+                                      <p:to>
+                                        <p:strVal val="visible"/>
+                                      </p:to>
+                                    </p:set>
+                                  </p:childTnLst>
+                                </p:cTn>
+                              </p:par>
+                            </p:childTnLst>
+                          </p:cTn>
+                        </p:par>
+                      </p:childTnLst>
+                    </p:cTn>
+                  </p:par>
+                  <p:par>
+                    <p:cTn id="15" fill="hold">
+                      <p:stCondLst>
+                        <p:cond delay="indefinite"/>
+                      </p:stCondLst>
+                      <p:childTnLst>
+                        <p:par>
+                          <p:cTn id="16" fill="hold">
+                            <p:stCondLst>
+                              <p:cond delay="0"/>
+                            </p:stCondLst>
+                            <p:childTnLst>
+                              <p:par>
+                                <p:cTn id="17" presetID="1" presetClass="entr" presetSubtype="0" fill="hold" grpId="0" nodeType="clickEffect">
+                                  <p:stCondLst>
+                                    <p:cond delay="0"/>
+                                  </p:stCondLst>
+                                  <p:childTnLst>
+                                    <p:set>
+                                      <p:cBhvr>
+                                        <p:cTn id="18" dur="1" fill="hold">
+                                          <p:stCondLst>
+                                            <p:cond delay="0"/>
+                                          </p:stCondLst>
+                                        </p:cTn>
+                                        <p:tgtEl>
+                                          <p:spTgt spid="11"/>
+                                        </p:tgtEl>
+                                        <p:attrNameLst>
+                                          <p:attrName>style.visibility</p:attrName>
+                                        </p:attrNameLst>
+                                      </p:cBhvr>
+                                      <p:to>
+                                        <p:strVal val="visible"/>
+                                      </p:to>
+                                    </p:set>
+                                  </p:childTnLst>
+                                </p:cTn>
+                              </p:par>
+                            </p:childTnLst>
+                          </p:cTn>
+                        </p:par>
+                      </p:childTnLst>
+                    </p:cTn>
+                  </p:par>
+                  <p:par>
+                    <p:cTn id="19" fill="hold">
+                      <p:stCondLst>
+                        <p:cond delay="indefinite"/>
+                      </p:stCondLst>
+                      <p:childTnLst>
+                        <p:par>
+                          <p:cTn id="20" fill="hold">
+                            <p:stCondLst>
+                              <p:cond delay="0"/>
+                            </p:stCondLst>
+                            <p:childTnLst>
+                              <p:par>
+                                <p:cTn id="21" presetID="1" presetClass="entr" presetSubtype="0" fill="hold" grpId="0" nodeType="clickEffect">
+                                  <p:stCondLst>
+                                    <p:cond delay="0"/>
+                                  </p:stCondLst>
+                                  <p:childTnLst>
+                                    <p:set>
+                                      <p:cBhvr>
+                                        <p:cTn id="22" dur="1" fill="hold">
+                                          <p:stCondLst>
+                                            <p:cond delay="0"/>
+                                          </p:stCondLst>
+                                        </p:cTn>
+                                        <p:tgtEl>
+                                          <p:spTgt spid="12"/>
+                                        </p:tgtEl>
+                                        <p:attrNameLst>
+                                          <p:attrName>style.visibility</p:attrName>
+                                        </p:attrNameLst>
+                                      </p:cBhvr>
+                                      <p:to>
+                                        <p:strVal val="visible"/>
+                                      </p:to>
+                                    </p:set>
+                                  </p:childTnLst>
+                                </p:cTn>
+                              </p:par>
+                            </p:childTnLst>
+                          </p:cTn>
+                        </p:par>
+                      </p:childTnLst>
+                    </p:cTn>
+                  </p:par>
+                  <p:par>
+                    <p:cTn id="23" fill="hold">
+                      <p:stCondLst>
+                        <p:cond delay="indefinite"/>
+                      </p:stCondLst>
+                      <p:childTnLst>
+                        <p:par>
+                          <p:cTn id="24" fill="hold">
+                            <p:stCondLst>
+                              <p:cond delay="0"/>
+                            </p:stCondLst>
+                            <p:childTnLst>
+                              <p:par>
+                                <p:cTn id="25" presetID="1" presetClass="entr" presetSubtype="0" fill="hold" grpId="0" nodeType="clickEffect">
+                                  <p:stCondLst>
+                                    <p:cond delay="0"/>
+                                  </p:stCondLst>
+                                  <p:childTnLst>
+                                    <p:set>
+                                      <p:cBhvr>
+                                        <p:cTn id="26" dur="1" fill="hold">
+                                          <p:stCondLst>
+                                            <p:cond delay="0"/>
+                                          </p:stCondLst>
+                                        </p:cTn>
+                                        <p:tgtEl>
+                                          <p:spTgt spid="14"/>
+                                        </p:tgtEl>
+                                        <p:attrNameLst>
+                                          <p:attrName>style.visibility</p:attrName>
+                                        </p:attrNameLst>
+                                      </p:cBhvr>
+                                      <p:to>
+                                        <p:strVal val="visible"/>
+                                      </p:to>
+                                    </p:set>
+                                  </p:childTnLst>
+                                </p:cTn>
+                              </p:par>
+                            </p:childTnLst>
+                          </p:cTn>
+                        </p:par>
+                      </p:childTnLst>
+                    </p:cTn>
+                  </p:par>
+                  <p:par>
+                    <p:cTn id="27" fill="hold">
+                      <p:stCondLst>
+                        <p:cond delay="indefinite"/>
+                      </p:stCondLst>
+                      <p:childTnLst>
+                        <p:par>
+                          <p:cTn id="28" fill="hold">
+                            <p:stCondLst>
+                              <p:cond delay="0"/>
+                            </p:stCondLst>
+                            <p:childTnLst>
+                              <p:par>
+                                <p:cTn id="29" presetID="1" presetClass="entr" presetSubtype="0" fill="hold" grpId="0" nodeType="clickEffect">
+                                  <p:stCondLst>
+                                    <p:cond delay="0"/>
+                                  </p:stCondLst>
+                                  <p:childTnLst>
+                                    <p:set>
+                                      <p:cBhvr>
+                                        <p:cTn id="30" dur="1" fill="hold">
+                                          <p:stCondLst>
+                                            <p:cond delay="0"/>
+                                          </p:stCondLst>
+                                        </p:cTn>
+                                        <p:tgtEl>
+                                          <p:spTgt spid="15"/>
+                                        </p:tgtEl>
+                                        <p:attrNameLst>
+                                          <p:attrName>style.visibility</p:attrName>
+                                        </p:attrNameLst>
+                                      </p:cBhvr>
+                                      <p:to>
+                                        <p:strVal val="visible"/>
+                                      </p:to>
+                                    </p:set>
+                                  </p:childTnLst>
+                                </p:cTn>
+                              </p:par>
+                            </p:childTnLst>
+                          </p:cTn>
+                        </p:par>
+                      </p:childTnLst>
+                    </p:cTn>
+                  </p:par>
+                  <p:par>
+                    <p:cTn id="31" fill="hold">
+                      <p:stCondLst>
+                        <p:cond delay="indefinite"/>
+                      </p:stCondLst>
+                      <p:childTnLst>
+                        <p:par>
+                          <p:cTn id="32" fill="hold">
+                            <p:stCondLst>
+                              <p:cond delay="0"/>
+                            </p:stCondLst>
+                            <p:childTnLst>
+                              <p:par>
+                                <p:cTn id="33" presetID="1" presetClass="entr" presetSubtype="0" fill="hold" grpId="0" nodeType="clickEffect">
+                                  <p:stCondLst>
+                                    <p:cond delay="0"/>
+                                  </p:stCondLst>
+                                  <p:childTnLst>
+                                    <p:set>
+                                      <p:cBhvr>
+                                        <p:cTn id="34" dur="1" fill="hold">
+                                          <p:stCondLst>
+                                            <p:cond delay="0"/>
+                                          </p:stCondLst>
+                                        </p:cTn>
+                                        <p:tgtEl>
+                                          <p:spTgt spid="6"/>
+                                        </p:tgtEl>
+                                        <p:attrNameLst>
+                                          <p:attrName>style.visibility</p:attrName>
+                                        </p:attrNameLst>
+                                      </p:cBhvr>
+                                      <p:to>
+                                        <p:strVal val="visible"/>
+                                      </p:to>
+                                    </p:set>
+                                  </p:childTnLst>
+                                </p:cTn>
+                              </p:par>
+                            </p:childTnLst>
+                          </p:cTn>
+                        </p:par>
+                      </p:childTnLst>
+                    </p:cTn>
+                  </p:par>
+                </p:childTnLst>
+              </p:cTn>
+              <p:prevCondLst>
+                <p:cond evt="onPrev" delay="0">
+                  <p:tgtEl>
+                    <p:sldTgt/>
+                  </p:tgtEl>
+                </p:cond>
+              </p:prevCondLst>
+              <p:nextCondLst>
+                <p:cond evt="onNext" delay="0">
+                  <p:tgtEl>
+                    <p:sldTgt/>
+                  </p:tgtEl>
+                </p:cond>
+              </p:nextCondLst>
+            </p:seq>
+          </p:childTnLst>
+        </p:cTn>
       </p:par>
     </p:tnLst>
+    <p:bldLst>
+      <p:bldP spid="11" grpId="0" animBg="1"/>
+      <p:bldP spid="10" grpId="0" animBg="1"/>
+      <p:bldP spid="6" grpId="0" animBg="1"/>
+      <p:bldP spid="8" grpId="0" animBg="1"/>
+      <p:bldP spid="9" grpId="0" animBg="1"/>
+      <p:bldP spid="12" grpId="0"/>
+      <p:bldP spid="14" grpId="0"/>
+      <p:bldP spid="15" grpId="0" animBg="1"/>
+    </p:bldLst>
   </p:timing>
 </p:sld>
 </file>

--- a/undergraduate/lectures/security.pptx
+++ b/undergraduate/lectures/security.pptx
@@ -5,7 +5,7 @@
     <p:sldMasterId id="2147483786" r:id="rId1"/>
   </p:sldMasterIdLst>
   <p:notesMasterIdLst>
-    <p:notesMasterId r:id="rId29"/>
+    <p:notesMasterId r:id="rId27"/>
   </p:notesMasterIdLst>
   <p:sldIdLst>
     <p:sldId id="256" r:id="rId2"/>
@@ -14,10 +14,10 @@
     <p:sldId id="259" r:id="rId5"/>
     <p:sldId id="260" r:id="rId6"/>
     <p:sldId id="262" r:id="rId7"/>
-    <p:sldId id="279" r:id="rId8"/>
-    <p:sldId id="280" r:id="rId9"/>
-    <p:sldId id="263" r:id="rId10"/>
-    <p:sldId id="274" r:id="rId11"/>
+    <p:sldId id="274" r:id="rId8"/>
+    <p:sldId id="279" r:id="rId9"/>
+    <p:sldId id="280" r:id="rId10"/>
+    <p:sldId id="263" r:id="rId11"/>
     <p:sldId id="275" r:id="rId12"/>
     <p:sldId id="276" r:id="rId13"/>
     <p:sldId id="277" r:id="rId14"/>
@@ -27,14 +27,12 @@
     <p:sldId id="266" r:id="rId18"/>
     <p:sldId id="267" r:id="rId19"/>
     <p:sldId id="268" r:id="rId20"/>
-    <p:sldId id="278" r:id="rId21"/>
-    <p:sldId id="269" r:id="rId22"/>
-    <p:sldId id="270" r:id="rId23"/>
-    <p:sldId id="273" r:id="rId24"/>
-    <p:sldId id="272" r:id="rId25"/>
-    <p:sldId id="271" r:id="rId26"/>
-    <p:sldId id="281" r:id="rId27"/>
-    <p:sldId id="282" r:id="rId28"/>
+    <p:sldId id="270" r:id="rId21"/>
+    <p:sldId id="273" r:id="rId22"/>
+    <p:sldId id="271" r:id="rId23"/>
+    <p:sldId id="281" r:id="rId24"/>
+    <p:sldId id="282" r:id="rId25"/>
+    <p:sldId id="283" r:id="rId26"/>
   </p:sldIdLst>
   <p:sldSz cx="12192000" cy="6858000"/>
   <p:notesSz cx="6858000" cy="9144000"/>
@@ -223,7 +221,7 @@
           <a:p>
             <a:fld id="{EC53E720-1243-6043-B4C4-6E31C619CC0A}" type="datetimeFigureOut">
               <a:rPr lang="en-US" smtClean="0"/>
-              <a:t>2/14/17</a:t>
+              <a:t>2/28/17</a:t>
             </a:fld>
             <a:endParaRPr lang="en-US"/>
           </a:p>
@@ -806,7 +804,7 @@
           <a:p>
             <a:fld id="{ED83DB7E-21CE-D349-A2E0-D36B93C053F6}" type="datetime1">
               <a:rPr lang="en-US" smtClean="0"/>
-              <a:t>2/14/17</a:t>
+              <a:t>2/28/17</a:t>
             </a:fld>
             <a:endParaRPr lang="en-US"/>
           </a:p>
@@ -1085,7 +1083,7 @@
           <a:p>
             <a:fld id="{7F1ADC6B-D1F9-634E-A5EF-6DDA43A28143}" type="datetime1">
               <a:rPr lang="en-US" smtClean="0"/>
-              <a:t>2/14/17</a:t>
+              <a:t>2/28/17</a:t>
             </a:fld>
             <a:endParaRPr lang="en-US"/>
           </a:p>
@@ -1340,7 +1338,7 @@
           <a:p>
             <a:fld id="{A991A85E-CF27-E64A-A5C9-FB713863B681}" type="datetime1">
               <a:rPr lang="en-US" smtClean="0"/>
-              <a:t>2/14/17</a:t>
+              <a:t>2/28/17</a:t>
             </a:fld>
             <a:endParaRPr lang="en-US"/>
           </a:p>
@@ -1518,7 +1516,7 @@
           <a:p>
             <a:fld id="{5E99F2F3-EAE9-2146-AF9C-7D8CC1999F93}" type="datetime1">
               <a:rPr lang="en-US" smtClean="0"/>
-              <a:t>2/14/17</a:t>
+              <a:t>2/28/17</a:t>
             </a:fld>
             <a:endParaRPr lang="en-US"/>
           </a:p>
@@ -1867,7 +1865,7 @@
           <a:p>
             <a:fld id="{98894C3F-6099-984C-B728-404140669C78}" type="datetime1">
               <a:rPr lang="en-US" smtClean="0"/>
-              <a:t>2/14/17</a:t>
+              <a:t>2/28/17</a:t>
             </a:fld>
             <a:endParaRPr lang="en-US"/>
           </a:p>
@@ -2161,7 +2159,7 @@
           <a:p>
             <a:fld id="{67EF2FB6-2F3B-4D41-9A85-B13394427D9F}" type="datetime1">
               <a:rPr lang="en-US" smtClean="0"/>
-              <a:t>2/14/17</a:t>
+              <a:t>2/28/17</a:t>
             </a:fld>
             <a:endParaRPr lang="en-US" dirty="0"/>
           </a:p>
@@ -2548,7 +2546,7 @@
           <a:p>
             <a:fld id="{8435AEB7-96C8-6147-93CC-898DDFC9B262}" type="datetime1">
               <a:rPr lang="en-US" smtClean="0"/>
-              <a:t>2/14/17</a:t>
+              <a:t>2/28/17</a:t>
             </a:fld>
             <a:endParaRPr lang="en-US"/>
           </a:p>
@@ -2672,7 +2670,7 @@
           <a:p>
             <a:fld id="{84535C7E-CB24-A44A-842F-46C8ABB35E70}" type="datetime1">
               <a:rPr lang="en-US" smtClean="0"/>
-              <a:t>2/14/17</a:t>
+              <a:t>2/28/17</a:t>
             </a:fld>
             <a:endParaRPr lang="en-US"/>
           </a:p>
@@ -2849,7 +2847,7 @@
           <a:p>
             <a:fld id="{173B51EC-A565-6342-9F35-6BAABAB4AE9C}" type="datetime1">
               <a:rPr lang="en-US" smtClean="0"/>
-              <a:t>2/14/17</a:t>
+              <a:t>2/28/17</a:t>
             </a:fld>
             <a:endParaRPr lang="en-US"/>
           </a:p>
@@ -3209,7 +3207,7 @@
           <a:p>
             <a:fld id="{E3459FCB-9360-7C42-9B03-7964BC5D3292}" type="datetime1">
               <a:rPr lang="en-US" smtClean="0"/>
-              <a:t>2/14/17</a:t>
+              <a:t>2/28/17</a:t>
             </a:fld>
             <a:endParaRPr lang="en-US"/>
           </a:p>
@@ -3594,7 +3592,7 @@
           <a:p>
             <a:fld id="{B5DC7AB6-FBA4-8545-A7A8-7EA188E411D1}" type="datetime1">
               <a:rPr lang="en-US" smtClean="0"/>
-              <a:t>2/14/17</a:t>
+              <a:t>2/28/17</a:t>
             </a:fld>
             <a:endParaRPr lang="en-US"/>
           </a:p>
@@ -3880,7 +3878,7 @@
           <a:p>
             <a:fld id="{74C507CB-F61B-3044-88E6-72EA7AFA6032}" type="datetime1">
               <a:rPr lang="en-US" smtClean="0"/>
-              <a:t>2/14/17</a:t>
+              <a:t>2/28/17</a:t>
             </a:fld>
             <a:endParaRPr lang="en-US" dirty="0"/>
           </a:p>
@@ -4586,7 +4584,7 @@
       </p:grpSpPr>
       <p:sp>
         <p:nvSpPr>
-          <p:cNvPr id="7" name="Title 6"/>
+          <p:cNvPr id="2" name="Title 1"/>
           <p:cNvSpPr>
             <a:spLocks noGrp="1"/>
           </p:cNvSpPr>
@@ -4601,7 +4599,7 @@
           <a:p>
             <a:r>
               <a:rPr lang="en-US" dirty="0" smtClean="0"/>
-              <a:t>Security I</a:t>
+              <a:t>Kernel vs. User Mode</a:t>
             </a:r>
             <a:endParaRPr lang="en-US" dirty="0"/>
           </a:p>
@@ -4609,105 +4607,132 @@
       </p:sp>
       <p:sp>
         <p:nvSpPr>
+          <p:cNvPr id="5" name="Text Placeholder 4"/>
+          <p:cNvSpPr>
+            <a:spLocks noGrp="1"/>
+          </p:cNvSpPr>
+          <p:nvPr>
+            <p:ph type="body" idx="1"/>
+          </p:nvPr>
+        </p:nvSpPr>
+        <p:spPr/>
+        <p:txBody>
+          <a:bodyPr/>
+          <a:lstStyle/>
+          <a:p>
+            <a:r>
+              <a:rPr lang="en-US" dirty="0" smtClean="0"/>
+              <a:t>Kernel	</a:t>
+            </a:r>
+            <a:endParaRPr lang="en-US" dirty="0"/>
+          </a:p>
+        </p:txBody>
+      </p:sp>
+      <p:sp>
+        <p:nvSpPr>
+          <p:cNvPr id="6" name="Content Placeholder 5"/>
+          <p:cNvSpPr>
+            <a:spLocks noGrp="1"/>
+          </p:cNvSpPr>
+          <p:nvPr>
+            <p:ph sz="half" idx="2"/>
+          </p:nvPr>
+        </p:nvSpPr>
+        <p:spPr/>
+        <p:txBody>
+          <a:bodyPr/>
+          <a:lstStyle/>
+          <a:p>
+            <a:r>
+              <a:rPr lang="en-US" dirty="0" smtClean="0"/>
+              <a:t>Ring 0 on Intel CPUs	</a:t>
+            </a:r>
+          </a:p>
+          <a:p>
+            <a:r>
+              <a:rPr lang="en-US" dirty="0" smtClean="0"/>
+              <a:t>Any physical address may be accessed</a:t>
+            </a:r>
+          </a:p>
+          <a:p>
+            <a:r>
+              <a:rPr lang="en-US" dirty="0" smtClean="0"/>
+              <a:t>All instructions are valid</a:t>
+            </a:r>
+          </a:p>
+          <a:p>
+            <a:endParaRPr lang="en-US" dirty="0"/>
+          </a:p>
+        </p:txBody>
+      </p:sp>
+      <p:sp>
+        <p:nvSpPr>
+          <p:cNvPr id="7" name="Text Placeholder 6"/>
+          <p:cNvSpPr>
+            <a:spLocks noGrp="1"/>
+          </p:cNvSpPr>
+          <p:nvPr>
+            <p:ph type="body" sz="quarter" idx="3"/>
+          </p:nvPr>
+        </p:nvSpPr>
+        <p:spPr/>
+        <p:txBody>
+          <a:bodyPr/>
+          <a:lstStyle/>
+          <a:p>
+            <a:r>
+              <a:rPr lang="en-US" dirty="0" smtClean="0"/>
+              <a:t>user</a:t>
+            </a:r>
+            <a:endParaRPr lang="en-US" dirty="0"/>
+          </a:p>
+        </p:txBody>
+      </p:sp>
+      <p:sp>
+        <p:nvSpPr>
           <p:cNvPr id="8" name="Content Placeholder 7"/>
           <p:cNvSpPr>
             <a:spLocks noGrp="1"/>
           </p:cNvSpPr>
           <p:nvPr>
-            <p:ph idx="1"/>
+            <p:ph sz="quarter" idx="4"/>
           </p:nvPr>
         </p:nvSpPr>
         <p:spPr/>
         <p:txBody>
-          <a:bodyPr>
-            <a:normAutofit/>
-          </a:bodyPr>
-          <a:lstStyle/>
-          <a:p>
-            <a:r>
-              <a:rPr lang="en-US" dirty="0" smtClean="0"/>
-              <a:t>User-kernel interface is a key </a:t>
-            </a:r>
-            <a:r>
-              <a:rPr lang="en-US" b="1" dirty="0" smtClean="0"/>
-              <a:t>Trusted Computing Base (TCB)</a:t>
-            </a:r>
-            <a:r>
-              <a:rPr lang="en-US" dirty="0" smtClean="0"/>
-              <a:t> surface</a:t>
-            </a:r>
+          <a:bodyPr/>
+          <a:lstStyle/>
+          <a:p>
+            <a:r>
+              <a:rPr lang="en-US" dirty="0" smtClean="0"/>
+              <a:t>Ring 3 on Intel CPUs</a:t>
+            </a:r>
+          </a:p>
+          <a:p>
+            <a:r>
+              <a:rPr lang="en-US" dirty="0" smtClean="0"/>
+              <a:t>Addresses are virtual</a:t>
+            </a:r>
+          </a:p>
+          <a:p>
+            <a:r>
+              <a:rPr lang="en-US" dirty="0" smtClean="0"/>
+              <a:t>Restricted Instruction set</a:t>
+            </a:r>
+            <a:endParaRPr lang="en-US" dirty="0"/>
           </a:p>
           <a:p>
             <a:pPr lvl="1"/>
             <a:r>
-              <a:rPr lang="en-US" i="1" dirty="0" smtClean="0"/>
-              <a:t>Minimum software required for the system to be secure</a:t>
-            </a:r>
-          </a:p>
-          <a:p>
-            <a:r>
-              <a:rPr lang="en-US" dirty="0" smtClean="0"/>
-              <a:t>Foundational security goal: </a:t>
-            </a:r>
-            <a:r>
-              <a:rPr lang="en-US" b="1" dirty="0" smtClean="0"/>
-              <a:t>isolation</a:t>
-            </a:r>
-            <a:endParaRPr lang="en-US" dirty="0" smtClean="0"/>
-          </a:p>
-          <a:p>
-            <a:pPr lvl="1"/>
-            <a:r>
-              <a:rPr lang="en-US" dirty="0" smtClean="0"/>
-              <a:t>Used to implement </a:t>
-            </a:r>
-            <a:r>
-              <a:rPr lang="en-US" b="1" dirty="0" smtClean="0"/>
-              <a:t>integrity</a:t>
-            </a:r>
-            <a:r>
-              <a:rPr lang="en-US" dirty="0" smtClean="0"/>
-              <a:t>, </a:t>
-            </a:r>
-            <a:r>
-              <a:rPr lang="en-US" b="1" dirty="0" smtClean="0"/>
-              <a:t>confidentiality</a:t>
-            </a:r>
-            <a:r>
-              <a:rPr lang="en-US" dirty="0" smtClean="0"/>
-              <a:t>, </a:t>
-            </a:r>
-            <a:r>
-              <a:rPr lang="en-US" b="1" dirty="0" smtClean="0"/>
-              <a:t>availability</a:t>
-            </a:r>
-          </a:p>
-          <a:p>
-            <a:pPr lvl="1"/>
-            <a:r>
-              <a:rPr lang="en-US" dirty="0" smtClean="0"/>
-              <a:t>Limit scope of system-call effects on global state</a:t>
-            </a:r>
-          </a:p>
-          <a:p>
-            <a:pPr lvl="1"/>
-            <a:r>
-              <a:rPr lang="en-US" dirty="0" smtClean="0"/>
-              <a:t>Enforce access control on all operations (e.g., MAC, DAC)</a:t>
-            </a:r>
-          </a:p>
-          <a:p>
-            <a:pPr lvl="1"/>
-            <a:r>
-              <a:rPr lang="en-US" dirty="0" smtClean="0"/>
-              <a:t>Accountability mechanisms (e.g., event auditing)</a:t>
-            </a:r>
-          </a:p>
-        </p:txBody>
-      </p:sp>
-      <p:sp>
-        <p:nvSpPr>
-          <p:cNvPr id="5" name="Footer Placeholder 4"/>
+              <a:rPr lang="en-US" dirty="0" smtClean="0"/>
+              <a:t>CPU Dependent</a:t>
+            </a:r>
+          </a:p>
+        </p:txBody>
+      </p:sp>
+      <p:sp>
+        <p:nvSpPr>
+          <p:cNvPr id="4" name="Footer Placeholder 3"/>
           <p:cNvSpPr>
             <a:spLocks noGrp="1"/>
           </p:cNvSpPr>
@@ -4724,14 +4749,14 @@
               <a:rPr lang="en-US" smtClean="0"/>
               <a:t>Introduction to Operating Systems</a:t>
             </a:r>
-            <a:endParaRPr lang="en-US"/>
+            <a:endParaRPr lang="en-US" dirty="0"/>
           </a:p>
         </p:txBody>
       </p:sp>
     </p:spTree>
     <p:extLst>
       <p:ext uri="{BB962C8B-B14F-4D97-AF65-F5344CB8AC3E}">
-        <p14:creationId xmlns:p14="http://schemas.microsoft.com/office/powerpoint/2010/main" val="1936205296"/>
+        <p14:creationId xmlns:p14="http://schemas.microsoft.com/office/powerpoint/2010/main" val="868135883"/>
       </p:ext>
     </p:extLst>
   </p:cSld>
@@ -4741,283 +4766,7 @@
   <p:timing>
     <p:tnLst>
       <p:par>
-        <p:cTn id="1" dur="indefinite" restart="never" nodeType="tmRoot">
-          <p:childTnLst>
-            <p:seq concurrent="1" nextAc="seek">
-              <p:cTn id="2" dur="indefinite" nodeType="mainSeq">
-                <p:childTnLst>
-                  <p:par>
-                    <p:cTn id="3" fill="hold">
-                      <p:stCondLst>
-                        <p:cond delay="indefinite"/>
-                      </p:stCondLst>
-                      <p:childTnLst>
-                        <p:par>
-                          <p:cTn id="4" fill="hold">
-                            <p:stCondLst>
-                              <p:cond delay="0"/>
-                            </p:stCondLst>
-                            <p:childTnLst>
-                              <p:par>
-                                <p:cTn id="5" presetID="1" presetClass="entr" presetSubtype="0" fill="hold" nodeType="clickEffect">
-                                  <p:stCondLst>
-                                    <p:cond delay="0"/>
-                                  </p:stCondLst>
-                                  <p:childTnLst>
-                                    <p:set>
-                                      <p:cBhvr>
-                                        <p:cTn id="6" dur="1" fill="hold">
-                                          <p:stCondLst>
-                                            <p:cond delay="0"/>
-                                          </p:stCondLst>
-                                        </p:cTn>
-                                        <p:tgtEl>
-                                          <p:spTgt spid="8">
-                                            <p:txEl>
-                                              <p:pRg st="0" end="0"/>
-                                            </p:txEl>
-                                          </p:spTgt>
-                                        </p:tgtEl>
-                                        <p:attrNameLst>
-                                          <p:attrName>style.visibility</p:attrName>
-                                        </p:attrNameLst>
-                                      </p:cBhvr>
-                                      <p:to>
-                                        <p:strVal val="visible"/>
-                                      </p:to>
-                                    </p:set>
-                                  </p:childTnLst>
-                                </p:cTn>
-                              </p:par>
-                              <p:par>
-                                <p:cTn id="7" presetID="1" presetClass="entr" presetSubtype="0" fill="hold" nodeType="withEffect">
-                                  <p:stCondLst>
-                                    <p:cond delay="0"/>
-                                  </p:stCondLst>
-                                  <p:childTnLst>
-                                    <p:set>
-                                      <p:cBhvr>
-                                        <p:cTn id="8" dur="1" fill="hold">
-                                          <p:stCondLst>
-                                            <p:cond delay="0"/>
-                                          </p:stCondLst>
-                                        </p:cTn>
-                                        <p:tgtEl>
-                                          <p:spTgt spid="8">
-                                            <p:txEl>
-                                              <p:pRg st="1" end="1"/>
-                                            </p:txEl>
-                                          </p:spTgt>
-                                        </p:tgtEl>
-                                        <p:attrNameLst>
-                                          <p:attrName>style.visibility</p:attrName>
-                                        </p:attrNameLst>
-                                      </p:cBhvr>
-                                      <p:to>
-                                        <p:strVal val="visible"/>
-                                      </p:to>
-                                    </p:set>
-                                  </p:childTnLst>
-                                </p:cTn>
-                              </p:par>
-                            </p:childTnLst>
-                          </p:cTn>
-                        </p:par>
-                      </p:childTnLst>
-                    </p:cTn>
-                  </p:par>
-                  <p:par>
-                    <p:cTn id="9" fill="hold">
-                      <p:stCondLst>
-                        <p:cond delay="indefinite"/>
-                      </p:stCondLst>
-                      <p:childTnLst>
-                        <p:par>
-                          <p:cTn id="10" fill="hold">
-                            <p:stCondLst>
-                              <p:cond delay="0"/>
-                            </p:stCondLst>
-                            <p:childTnLst>
-                              <p:par>
-                                <p:cTn id="11" presetID="1" presetClass="entr" presetSubtype="0" fill="hold" nodeType="clickEffect">
-                                  <p:stCondLst>
-                                    <p:cond delay="0"/>
-                                  </p:stCondLst>
-                                  <p:childTnLst>
-                                    <p:set>
-                                      <p:cBhvr>
-                                        <p:cTn id="12" dur="1" fill="hold">
-                                          <p:stCondLst>
-                                            <p:cond delay="0"/>
-                                          </p:stCondLst>
-                                        </p:cTn>
-                                        <p:tgtEl>
-                                          <p:spTgt spid="8">
-                                            <p:txEl>
-                                              <p:pRg st="2" end="2"/>
-                                            </p:txEl>
-                                          </p:spTgt>
-                                        </p:tgtEl>
-                                        <p:attrNameLst>
-                                          <p:attrName>style.visibility</p:attrName>
-                                        </p:attrNameLst>
-                                      </p:cBhvr>
-                                      <p:to>
-                                        <p:strVal val="visible"/>
-                                      </p:to>
-                                    </p:set>
-                                  </p:childTnLst>
-                                </p:cTn>
-                              </p:par>
-                              <p:par>
-                                <p:cTn id="13" presetID="1" presetClass="entr" presetSubtype="0" fill="hold" nodeType="withEffect">
-                                  <p:stCondLst>
-                                    <p:cond delay="0"/>
-                                  </p:stCondLst>
-                                  <p:childTnLst>
-                                    <p:set>
-                                      <p:cBhvr>
-                                        <p:cTn id="14" dur="1" fill="hold">
-                                          <p:stCondLst>
-                                            <p:cond delay="0"/>
-                                          </p:stCondLst>
-                                        </p:cTn>
-                                        <p:tgtEl>
-                                          <p:spTgt spid="8">
-                                            <p:txEl>
-                                              <p:pRg st="3" end="3"/>
-                                            </p:txEl>
-                                          </p:spTgt>
-                                        </p:tgtEl>
-                                        <p:attrNameLst>
-                                          <p:attrName>style.visibility</p:attrName>
-                                        </p:attrNameLst>
-                                      </p:cBhvr>
-                                      <p:to>
-                                        <p:strVal val="visible"/>
-                                      </p:to>
-                                    </p:set>
-                                  </p:childTnLst>
-                                </p:cTn>
-                              </p:par>
-                              <p:par>
-                                <p:cTn id="15" presetID="1" presetClass="entr" presetSubtype="0" fill="hold" nodeType="withEffect">
-                                  <p:stCondLst>
-                                    <p:cond delay="0"/>
-                                  </p:stCondLst>
-                                  <p:childTnLst>
-                                    <p:set>
-                                      <p:cBhvr>
-                                        <p:cTn id="16" dur="1" fill="hold">
-                                          <p:stCondLst>
-                                            <p:cond delay="0"/>
-                                          </p:stCondLst>
-                                        </p:cTn>
-                                        <p:tgtEl>
-                                          <p:spTgt spid="8">
-                                            <p:txEl>
-                                              <p:pRg st="4" end="4"/>
-                                            </p:txEl>
-                                          </p:spTgt>
-                                        </p:tgtEl>
-                                        <p:attrNameLst>
-                                          <p:attrName>style.visibility</p:attrName>
-                                        </p:attrNameLst>
-                                      </p:cBhvr>
-                                      <p:to>
-                                        <p:strVal val="visible"/>
-                                      </p:to>
-                                    </p:set>
-                                  </p:childTnLst>
-                                </p:cTn>
-                              </p:par>
-                              <p:par>
-                                <p:cTn id="17" presetID="1" presetClass="entr" presetSubtype="0" fill="hold" nodeType="withEffect">
-                                  <p:stCondLst>
-                                    <p:cond delay="0"/>
-                                  </p:stCondLst>
-                                  <p:childTnLst>
-                                    <p:set>
-                                      <p:cBhvr>
-                                        <p:cTn id="18" dur="1" fill="hold">
-                                          <p:stCondLst>
-                                            <p:cond delay="0"/>
-                                          </p:stCondLst>
-                                        </p:cTn>
-                                        <p:tgtEl>
-                                          <p:spTgt spid="8">
-                                            <p:txEl>
-                                              <p:pRg st="5" end="5"/>
-                                            </p:txEl>
-                                          </p:spTgt>
-                                        </p:tgtEl>
-                                        <p:attrNameLst>
-                                          <p:attrName>style.visibility</p:attrName>
-                                        </p:attrNameLst>
-                                      </p:cBhvr>
-                                      <p:to>
-                                        <p:strVal val="visible"/>
-                                      </p:to>
-                                    </p:set>
-                                  </p:childTnLst>
-                                </p:cTn>
-                              </p:par>
-                              <p:par>
-                                <p:cTn id="19" presetID="1" presetClass="entr" presetSubtype="0" fill="hold" nodeType="withEffect">
-                                  <p:stCondLst>
-                                    <p:cond delay="0"/>
-                                  </p:stCondLst>
-                                  <p:childTnLst>
-                                    <p:set>
-                                      <p:cBhvr>
-                                        <p:cTn id="20" dur="1" fill="hold">
-                                          <p:stCondLst>
-                                            <p:cond delay="0"/>
-                                          </p:stCondLst>
-                                        </p:cTn>
-                                        <p:tgtEl>
-                                          <p:spTgt spid="8">
-                                            <p:txEl>
-                                              <p:pRg st="6" end="6"/>
-                                            </p:txEl>
-                                          </p:spTgt>
-                                        </p:tgtEl>
-                                        <p:attrNameLst>
-                                          <p:attrName>style.visibility</p:attrName>
-                                        </p:attrNameLst>
-                                      </p:cBhvr>
-                                      <p:to>
-                                        <p:strVal val="visible"/>
-                                      </p:to>
-                                    </p:set>
-                                  </p:childTnLst>
-                                </p:cTn>
-                              </p:par>
-                            </p:childTnLst>
-                          </p:cTn>
-                        </p:par>
-                      </p:childTnLst>
-                    </p:cTn>
-                  </p:par>
-                </p:childTnLst>
-              </p:cTn>
-              <p:prevCondLst>
-                <p:cond evt="onPrev" delay="0">
-                  <p:tgtEl>
-                    <p:sldTgt/>
-                  </p:tgtEl>
-                </p:cond>
-              </p:prevCondLst>
-              <p:nextCondLst>
-                <p:cond evt="onNext" delay="0">
-                  <p:tgtEl>
-                    <p:sldTgt/>
-                  </p:tgtEl>
-                </p:cond>
-              </p:nextCondLst>
-            </p:seq>
-          </p:childTnLst>
-        </p:cTn>
+        <p:cTn id="1" dur="indefinite" restart="never" nodeType="tmRoot"/>
       </p:par>
     </p:tnLst>
   </p:timing>
@@ -5058,7 +4807,7 @@
           <a:p>
             <a:r>
               <a:rPr lang="en-US" dirty="0" smtClean="0"/>
-              <a:t>Security (2)</a:t>
+              <a:t>Process Credentials</a:t>
             </a:r>
             <a:endParaRPr lang="en-US" dirty="0"/>
           </a:p>
@@ -5675,7 +5424,7 @@
           <a:p>
             <a:r>
               <a:rPr lang="en-US" dirty="0" smtClean="0"/>
-              <a:t>Security (3)</a:t>
+              <a:t>Maintaining Process Privacy</a:t>
             </a:r>
             <a:endParaRPr lang="en-US" dirty="0"/>
           </a:p>
@@ -6196,7 +5945,7 @@
           <a:p>
             <a:r>
               <a:rPr lang="en-US" dirty="0" smtClean="0"/>
-              <a:t>Security (4)</a:t>
+              <a:t>User as Adversary</a:t>
             </a:r>
             <a:endParaRPr lang="en-US" dirty="0"/>
           </a:p>
@@ -6220,8 +5969,18 @@
           <a:lstStyle/>
           <a:p>
             <a:r>
+              <a:rPr lang="en-US" dirty="0" smtClean="0"/>
+              <a:t>Difficult to tell an adversary from an idiot</a:t>
+            </a:r>
+          </a:p>
+          <a:p>
+            <a:r>
+              <a:rPr lang="en-US" dirty="0" smtClean="0"/>
+              <a:t>What </a:t>
+            </a:r>
+            <a:r>
               <a:rPr lang="en-US" dirty="0"/>
-              <a:t>What if a </a:t>
+              <a:t>if a </a:t>
             </a:r>
             <a:r>
               <a:rPr lang="en-US" dirty="0" smtClean="0"/>
@@ -6363,8 +6122,15 @@
             <a:pPr lvl="1"/>
             <a:r>
               <a:rPr lang="en-US" dirty="0"/>
-              <a:t>Intel Supervisor Mode Access Prevent (SMAP)</a:t>
-            </a:r>
+              <a:t>Intel Supervisor Mode Access Prevent (SMAP</a:t>
+            </a:r>
+            <a:r>
+              <a:rPr lang="en-US" dirty="0" smtClean="0"/>
+              <a:t>)</a:t>
+            </a:r>
+          </a:p>
+          <a:p>
+            <a:endParaRPr lang="en-US" dirty="0"/>
           </a:p>
           <a:p>
             <a:endParaRPr lang="en-US" dirty="0"/>
@@ -6440,37 +6206,6 @@
                                         <p:tgtEl>
                                           <p:spTgt spid="3">
                                             <p:txEl>
-                                              <p:pRg st="0" end="0"/>
-                                            </p:txEl>
-                                          </p:spTgt>
-                                        </p:tgtEl>
-                                        <p:attrNameLst>
-                                          <p:attrName>style.visibility</p:attrName>
-                                        </p:attrNameLst>
-                                      </p:cBhvr>
-                                      <p:to>
-                                        <p:strVal val="visible"/>
-                                      </p:to>
-                                    </p:set>
-                                  </p:childTnLst>
-                                </p:cTn>
-                              </p:par>
-                              <p:par>
-                                <p:cTn id="7" presetID="1" presetClass="entr" presetSubtype="0" fill="hold" nodeType="withEffect">
-                                  <p:stCondLst>
-                                    <p:cond delay="0"/>
-                                  </p:stCondLst>
-                                  <p:childTnLst>
-                                    <p:set>
-                                      <p:cBhvr>
-                                        <p:cTn id="8" dur="1" fill="hold">
-                                          <p:stCondLst>
-                                            <p:cond delay="0"/>
-                                          </p:stCondLst>
-                                        </p:cTn>
-                                        <p:tgtEl>
-                                          <p:spTgt spid="3">
-                                            <p:txEl>
                                               <p:pRg st="1" end="1"/>
                                             </p:txEl>
                                           </p:spTgt>
@@ -6486,8 +6221,26 @@
                                   </p:childTnLst>
                                 </p:cTn>
                               </p:par>
+                            </p:childTnLst>
+                          </p:cTn>
+                        </p:par>
+                      </p:childTnLst>
+                    </p:cTn>
+                  </p:par>
+                  <p:par>
+                    <p:cTn id="7" fill="hold">
+                      <p:stCondLst>
+                        <p:cond delay="indefinite"/>
+                      </p:stCondLst>
+                      <p:childTnLst>
+                        <p:par>
+                          <p:cTn id="8" fill="hold">
+                            <p:stCondLst>
+                              <p:cond delay="0"/>
+                            </p:stCondLst>
+                            <p:childTnLst>
                               <p:par>
-                                <p:cTn id="9" presetID="1" presetClass="entr" presetSubtype="0" fill="hold" nodeType="withEffect">
+                                <p:cTn id="9" presetID="1" presetClass="entr" presetSubtype="0" fill="hold" nodeType="clickEffect">
                                   <p:stCondLst>
                                     <p:cond delay="0"/>
                                   </p:stCondLst>
@@ -6502,7 +6255,7 @@
                                         <p:tgtEl>
                                           <p:spTgt spid="3">
                                             <p:txEl>
-                                              <p:pRg st="2" end="2"/>
+                                              <p:pRg st="0" end="0"/>
                                             </p:txEl>
                                           </p:spTgt>
                                         </p:tgtEl>
@@ -6533,6 +6286,37 @@
                                         <p:tgtEl>
                                           <p:spTgt spid="3">
                                             <p:txEl>
+                                              <p:pRg st="2" end="2"/>
+                                            </p:txEl>
+                                          </p:spTgt>
+                                        </p:tgtEl>
+                                        <p:attrNameLst>
+                                          <p:attrName>style.visibility</p:attrName>
+                                        </p:attrNameLst>
+                                      </p:cBhvr>
+                                      <p:to>
+                                        <p:strVal val="visible"/>
+                                      </p:to>
+                                    </p:set>
+                                  </p:childTnLst>
+                                </p:cTn>
+                              </p:par>
+                              <p:par>
+                                <p:cTn id="13" presetID="1" presetClass="entr" presetSubtype="0" fill="hold" nodeType="withEffect">
+                                  <p:stCondLst>
+                                    <p:cond delay="0"/>
+                                  </p:stCondLst>
+                                  <p:childTnLst>
+                                    <p:set>
+                                      <p:cBhvr>
+                                        <p:cTn id="14" dur="1" fill="hold">
+                                          <p:stCondLst>
+                                            <p:cond delay="0"/>
+                                          </p:stCondLst>
+                                        </p:cTn>
+                                        <p:tgtEl>
+                                          <p:spTgt spid="3">
+                                            <p:txEl>
                                               <p:pRg st="3" end="3"/>
                                             </p:txEl>
                                           </p:spTgt>
@@ -6548,26 +6332,8 @@
                                   </p:childTnLst>
                                 </p:cTn>
                               </p:par>
-                            </p:childTnLst>
-                          </p:cTn>
-                        </p:par>
-                      </p:childTnLst>
-                    </p:cTn>
-                  </p:par>
-                  <p:par>
-                    <p:cTn id="13" fill="hold">
-                      <p:stCondLst>
-                        <p:cond delay="indefinite"/>
-                      </p:stCondLst>
-                      <p:childTnLst>
-                        <p:par>
-                          <p:cTn id="14" fill="hold">
-                            <p:stCondLst>
-                              <p:cond delay="0"/>
-                            </p:stCondLst>
-                            <p:childTnLst>
                               <p:par>
-                                <p:cTn id="15" presetID="1" presetClass="entr" presetSubtype="0" fill="hold" nodeType="clickEffect">
+                                <p:cTn id="15" presetID="1" presetClass="entr" presetSubtype="0" fill="hold" nodeType="withEffect">
                                   <p:stCondLst>
                                     <p:cond delay="0"/>
                                   </p:stCondLst>
@@ -6597,39 +6363,26 @@
                                   </p:childTnLst>
                                 </p:cTn>
                               </p:par>
+                            </p:childTnLst>
+                          </p:cTn>
+                        </p:par>
+                      </p:childTnLst>
+                    </p:cTn>
+                  </p:par>
+                  <p:par>
+                    <p:cTn id="17" fill="hold">
+                      <p:stCondLst>
+                        <p:cond delay="indefinite"/>
+                      </p:stCondLst>
+                      <p:childTnLst>
+                        <p:par>
+                          <p:cTn id="18" fill="hold">
+                            <p:stCondLst>
+                              <p:cond delay="0"/>
+                            </p:stCondLst>
+                            <p:childTnLst>
                               <p:par>
-                                <p:cTn id="17" presetID="1" presetClass="entr" presetSubtype="0" fill="hold" nodeType="withEffect">
-                                  <p:stCondLst>
-                                    <p:cond delay="0"/>
-                                  </p:stCondLst>
-                                  <p:childTnLst>
-                                    <p:set>
-                                      <p:cBhvr>
-                                        <p:cTn id="18" dur="1" fill="hold">
-                                          <p:stCondLst>
-                                            <p:cond delay="0"/>
-                                          </p:stCondLst>
-                                        </p:cTn>
-                                        <p:tgtEl>
-                                          <p:spTgt spid="3">
-                                            <p:txEl>
-                                              <p:pRg st="5" end="5"/>
-                                            </p:txEl>
-                                          </p:spTgt>
-                                        </p:tgtEl>
-                                        <p:attrNameLst>
-                                          <p:attrName>style.visibility</p:attrName>
-                                        </p:attrNameLst>
-                                      </p:cBhvr>
-                                      <p:to>
-                                        <p:strVal val="visible"/>
-                                      </p:to>
-                                    </p:set>
-                                  </p:childTnLst>
-                                </p:cTn>
-                              </p:par>
-                              <p:par>
-                                <p:cTn id="19" presetID="1" presetClass="entr" presetSubtype="0" fill="hold" nodeType="withEffect">
+                                <p:cTn id="19" presetID="1" presetClass="entr" presetSubtype="0" fill="hold" nodeType="clickEffect">
                                   <p:stCondLst>
                                     <p:cond delay="0"/>
                                   </p:stCondLst>
@@ -6644,7 +6397,7 @@
                                         <p:tgtEl>
                                           <p:spTgt spid="3">
                                             <p:txEl>
-                                              <p:pRg st="6" end="6"/>
+                                              <p:pRg st="5" end="5"/>
                                             </p:txEl>
                                           </p:spTgt>
                                         </p:tgtEl>
@@ -6675,7 +6428,69 @@
                                         <p:tgtEl>
                                           <p:spTgt spid="3">
                                             <p:txEl>
+                                              <p:pRg st="6" end="6"/>
+                                            </p:txEl>
+                                          </p:spTgt>
+                                        </p:tgtEl>
+                                        <p:attrNameLst>
+                                          <p:attrName>style.visibility</p:attrName>
+                                        </p:attrNameLst>
+                                      </p:cBhvr>
+                                      <p:to>
+                                        <p:strVal val="visible"/>
+                                      </p:to>
+                                    </p:set>
+                                  </p:childTnLst>
+                                </p:cTn>
+                              </p:par>
+                              <p:par>
+                                <p:cTn id="23" presetID="1" presetClass="entr" presetSubtype="0" fill="hold" nodeType="withEffect">
+                                  <p:stCondLst>
+                                    <p:cond delay="0"/>
+                                  </p:stCondLst>
+                                  <p:childTnLst>
+                                    <p:set>
+                                      <p:cBhvr>
+                                        <p:cTn id="24" dur="1" fill="hold">
+                                          <p:stCondLst>
+                                            <p:cond delay="0"/>
+                                          </p:stCondLst>
+                                        </p:cTn>
+                                        <p:tgtEl>
+                                          <p:spTgt spid="3">
+                                            <p:txEl>
                                               <p:pRg st="7" end="7"/>
+                                            </p:txEl>
+                                          </p:spTgt>
+                                        </p:tgtEl>
+                                        <p:attrNameLst>
+                                          <p:attrName>style.visibility</p:attrName>
+                                        </p:attrNameLst>
+                                      </p:cBhvr>
+                                      <p:to>
+                                        <p:strVal val="visible"/>
+                                      </p:to>
+                                    </p:set>
+                                  </p:childTnLst>
+                                </p:cTn>
+                              </p:par>
+                              <p:par>
+                                <p:cTn id="25" presetID="1" presetClass="entr" presetSubtype="0" fill="hold" nodeType="withEffect">
+                                  <p:stCondLst>
+                                    <p:cond delay="0"/>
+                                  </p:stCondLst>
+                                  <p:childTnLst>
+                                    <p:set>
+                                      <p:cBhvr>
+                                        <p:cTn id="26" dur="1" fill="hold">
+                                          <p:stCondLst>
+                                            <p:cond delay="0"/>
+                                          </p:stCondLst>
+                                        </p:cTn>
+                                        <p:tgtEl>
+                                          <p:spTgt spid="3">
+                                            <p:txEl>
+                                              <p:pRg st="8" end="8"/>
                                             </p:txEl>
                                           </p:spTgt>
                                         </p:tgtEl>
@@ -6776,7 +6591,48 @@
           <a:bodyPr/>
           <a:lstStyle/>
           <a:p>
-            <a:endParaRPr lang="en-US"/>
+            <a:r>
+              <a:rPr lang="en-US" dirty="0" smtClean="0"/>
+              <a:t>Created at login</a:t>
+            </a:r>
+          </a:p>
+          <a:p>
+            <a:r>
+              <a:rPr lang="en-US" dirty="0" smtClean="0"/>
+              <a:t>Attached to the process</a:t>
+            </a:r>
+          </a:p>
+          <a:p>
+            <a:r>
+              <a:rPr lang="en-US" dirty="0" smtClean="0"/>
+              <a:t>Checked via a single interface</a:t>
+            </a:r>
+          </a:p>
+          <a:p>
+            <a:pPr lvl="1"/>
+            <a:r>
+              <a:rPr lang="en-US" dirty="0" err="1" smtClean="0">
+                <a:latin typeface="Courier" charset="0"/>
+                <a:ea typeface="Courier" charset="0"/>
+                <a:cs typeface="Courier" charset="0"/>
+              </a:rPr>
+              <a:t>priv_check_cred</a:t>
+            </a:r>
+            <a:r>
+              <a:rPr lang="en-US" dirty="0" smtClean="0">
+                <a:latin typeface="Courier" charset="0"/>
+                <a:ea typeface="Courier" charset="0"/>
+                <a:cs typeface="Courier" charset="0"/>
+              </a:rPr>
+              <a:t>()</a:t>
+            </a:r>
+          </a:p>
+          <a:p>
+            <a:pPr lvl="1"/>
+            <a:r>
+              <a:rPr lang="en-US" dirty="0" smtClean="0"/>
+              <a:t>Narrow door</a:t>
+            </a:r>
           </a:p>
         </p:txBody>
       </p:sp>
@@ -6878,7 +6734,32 @@
           <a:bodyPr/>
           <a:lstStyle/>
           <a:p>
-            <a:endParaRPr lang="en-US"/>
+            <a:r>
+              <a:rPr lang="en-US" dirty="0" smtClean="0"/>
+              <a:t>Derived from the </a:t>
+            </a:r>
+            <a:r>
+              <a:rPr lang="en-US" dirty="0" err="1" smtClean="0"/>
+              <a:t>passwd</a:t>
+            </a:r>
+            <a:r>
+              <a:rPr lang="en-US" dirty="0" smtClean="0"/>
+              <a:t> file</a:t>
+            </a:r>
+            <a:endParaRPr lang="en-US" dirty="0"/>
+          </a:p>
+          <a:p>
+            <a:r>
+              <a:rPr lang="en-US" dirty="0" smtClean="0"/>
+              <a:t>Users have rights or privileges</a:t>
+            </a:r>
+          </a:p>
+          <a:p>
+            <a:pPr lvl="1"/>
+            <a:r>
+              <a:rPr lang="en-US" dirty="0" smtClean="0"/>
+              <a:t>But no responsibilities?</a:t>
+            </a:r>
           </a:p>
         </p:txBody>
       </p:sp>
@@ -6980,7 +6861,67 @@
           <a:bodyPr/>
           <a:lstStyle/>
           <a:p>
-            <a:endParaRPr lang="en-US"/>
+            <a:r>
+              <a:rPr lang="en-US" dirty="0" smtClean="0"/>
+              <a:t>The </a:t>
+            </a:r>
+            <a:r>
+              <a:rPr lang="en-US" i="1" dirty="0" smtClean="0"/>
+              <a:t>super user </a:t>
+            </a:r>
+            <a:r>
+              <a:rPr lang="en-US" dirty="0" smtClean="0"/>
+              <a:t>or </a:t>
+            </a:r>
+            <a:r>
+              <a:rPr lang="en-US" i="1" dirty="0" smtClean="0"/>
+              <a:t>root</a:t>
+            </a:r>
+            <a:r>
+              <a:rPr lang="en-US" dirty="0" smtClean="0"/>
+              <a:t> special</a:t>
+            </a:r>
+          </a:p>
+          <a:p>
+            <a:r>
+              <a:rPr lang="en-US" dirty="0" smtClean="0"/>
+              <a:t>User ID 0</a:t>
+            </a:r>
+          </a:p>
+          <a:p>
+            <a:r>
+              <a:rPr lang="en-US" dirty="0" smtClean="0"/>
+              <a:t>Similar to but not exactly </a:t>
+            </a:r>
+            <a:r>
+              <a:rPr lang="en-US" i="1" dirty="0" smtClean="0"/>
+              <a:t>operator</a:t>
+            </a:r>
+          </a:p>
+          <a:p>
+            <a:r>
+              <a:rPr lang="en-US" dirty="0" smtClean="0"/>
+              <a:t>Can override most security</a:t>
+            </a:r>
+          </a:p>
+          <a:p>
+            <a:r>
+              <a:rPr lang="en-US" dirty="0" smtClean="0"/>
+              <a:t>Most frequent target of an attack</a:t>
+            </a:r>
+          </a:p>
+          <a:p>
+            <a:r>
+              <a:rPr lang="en-US" dirty="0" smtClean="0"/>
+              <a:t>Power has been somewhat limited with time</a:t>
+            </a:r>
+          </a:p>
+          <a:p>
+            <a:pPr lvl="1"/>
+            <a:r>
+              <a:rPr lang="en-US" dirty="0" smtClean="0"/>
+              <a:t>Make root jump through hoops</a:t>
+            </a:r>
           </a:p>
         </p:txBody>
       </p:sp>
@@ -7082,7 +7023,34 @@
           <a:bodyPr/>
           <a:lstStyle/>
           <a:p>
-            <a:endParaRPr lang="en-US"/>
+            <a:r>
+              <a:rPr lang="en-US" dirty="0" smtClean="0"/>
+              <a:t>Groups contain users</a:t>
+            </a:r>
+          </a:p>
+          <a:p>
+            <a:r>
+              <a:rPr lang="en-US" dirty="0" smtClean="0"/>
+              <a:t>Allow for easier sharing</a:t>
+            </a:r>
+          </a:p>
+          <a:p>
+            <a:r>
+              <a:rPr lang="en-US" dirty="0" smtClean="0"/>
+              <a:t>Most often seen in the filesystem</a:t>
+            </a:r>
+          </a:p>
+          <a:p>
+            <a:r>
+              <a:rPr lang="en-US" dirty="0" smtClean="0"/>
+              <a:t>Derive from the group file</a:t>
+            </a:r>
+          </a:p>
+          <a:p>
+            <a:r>
+              <a:rPr lang="en-US" dirty="0" smtClean="0"/>
+              <a:t>Group ID vs. User ID</a:t>
+            </a:r>
           </a:p>
         </p:txBody>
       </p:sp>
@@ -7218,11 +7186,7 @@
           <a:p>
             <a:r>
               <a:rPr lang="en-US" dirty="0" smtClean="0"/>
-              <a:t>Something </a:t>
-            </a:r>
-            <a:r>
-              <a:rPr lang="en-US" dirty="0" smtClean="0"/>
-              <a:t>you are</a:t>
+              <a:t>Something you are</a:t>
             </a:r>
           </a:p>
           <a:p>
@@ -7332,7 +7296,42 @@
           <a:bodyPr/>
           <a:lstStyle/>
           <a:p>
-            <a:endParaRPr lang="en-US" dirty="0"/>
+            <a:r>
+              <a:rPr lang="en-US" dirty="0" smtClean="0"/>
+              <a:t>User authentication</a:t>
+            </a:r>
+          </a:p>
+          <a:p>
+            <a:r>
+              <a:rPr lang="en-US" dirty="0" smtClean="0"/>
+              <a:t>Depends on something you know</a:t>
+            </a:r>
+          </a:p>
+          <a:p>
+            <a:pPr lvl="1"/>
+            <a:r>
+              <a:rPr lang="en-US" dirty="0" smtClean="0"/>
+              <a:t>password</a:t>
+            </a:r>
+          </a:p>
+          <a:p>
+            <a:r>
+              <a:rPr lang="en-US" dirty="0" smtClean="0"/>
+              <a:t>Start’s the user’s first program</a:t>
+            </a:r>
+          </a:p>
+          <a:p>
+            <a:pPr lvl="1"/>
+            <a:r>
+              <a:rPr lang="en-US" dirty="0" smtClean="0"/>
+              <a:t>Normally the shell</a:t>
+            </a:r>
+          </a:p>
+          <a:p>
+            <a:r>
+              <a:rPr lang="en-US" dirty="0" smtClean="0"/>
+              <a:t>All user rights derive from this process</a:t>
+            </a:r>
           </a:p>
         </p:txBody>
       </p:sp>
@@ -7543,7 +7542,7 @@
           <a:p>
             <a:r>
               <a:rPr lang="en-US" dirty="0" smtClean="0"/>
-              <a:t>What happens during login?</a:t>
+              <a:t>The user’s credentials</a:t>
             </a:r>
             <a:endParaRPr lang="en-US" dirty="0"/>
           </a:p>
@@ -7551,6 +7550,47 @@
       </p:sp>
       <p:sp>
         <p:nvSpPr>
+          <p:cNvPr id="3" name="Content Placeholder 2"/>
+          <p:cNvSpPr>
+            <a:spLocks noGrp="1"/>
+          </p:cNvSpPr>
+          <p:nvPr>
+            <p:ph idx="1"/>
+          </p:nvPr>
+        </p:nvSpPr>
+        <p:spPr/>
+        <p:txBody>
+          <a:bodyPr/>
+          <a:lstStyle/>
+          <a:p>
+            <a:r>
+              <a:rPr lang="en-US" dirty="0" smtClean="0"/>
+              <a:t>Established at login</a:t>
+            </a:r>
+          </a:p>
+          <a:p>
+            <a:r>
+              <a:rPr lang="en-US" dirty="0" smtClean="0"/>
+              <a:t>Can change over time</a:t>
+            </a:r>
+          </a:p>
+          <a:p>
+            <a:r>
+              <a:rPr lang="en-US" dirty="0" smtClean="0"/>
+              <a:t>Should be kept to a minimum</a:t>
+            </a:r>
+          </a:p>
+          <a:p>
+            <a:r>
+              <a:rPr lang="en-US" dirty="0" smtClean="0"/>
+              <a:t>Need to know</a:t>
+            </a:r>
+            <a:endParaRPr lang="en-US" dirty="0"/>
+          </a:p>
+        </p:txBody>
+      </p:sp>
+      <p:sp>
+        <p:nvSpPr>
           <p:cNvPr id="4" name="Footer Placeholder 3"/>
           <p:cNvSpPr>
             <a:spLocks noGrp="1"/>
@@ -7568,594 +7608,421 @@
               <a:rPr lang="en-US" smtClean="0"/>
               <a:t>Introduction to Operating Systems</a:t>
             </a:r>
-            <a:endParaRPr lang="en-US"/>
-          </a:p>
-        </p:txBody>
-      </p:sp>
-      <p:sp>
-        <p:nvSpPr>
-          <p:cNvPr id="7" name="Rectangle 6"/>
-          <p:cNvSpPr/>
-          <p:nvPr/>
-        </p:nvSpPr>
+            <a:endParaRPr lang="en-US" dirty="0"/>
+          </a:p>
+        </p:txBody>
+      </p:sp>
+    </p:spTree>
+    <p:extLst>
+      <p:ext uri="{BB962C8B-B14F-4D97-AF65-F5344CB8AC3E}">
+        <p14:creationId xmlns:p14="http://schemas.microsoft.com/office/powerpoint/2010/main" val="1549214054"/>
+      </p:ext>
+    </p:extLst>
+  </p:cSld>
+  <p:clrMapOvr>
+    <a:masterClrMapping/>
+  </p:clrMapOvr>
+  <p:timing>
+    <p:tnLst>
+      <p:par>
+        <p:cTn id="1" dur="indefinite" restart="never" nodeType="tmRoot"/>
+      </p:par>
+    </p:tnLst>
+  </p:timing>
+</p:sld>
+</file>
+
+<file path=ppt/slides/slide21.xml><?xml version="1.0" encoding="utf-8"?>
+<p:sld xmlns:a="http://schemas.openxmlformats.org/drawingml/2006/main" xmlns:r="http://schemas.openxmlformats.org/officeDocument/2006/relationships" xmlns:p="http://schemas.openxmlformats.org/presentationml/2006/main">
+  <p:cSld>
+    <p:spTree>
+      <p:nvGrpSpPr>
+        <p:cNvPr id="1" name=""/>
+        <p:cNvGrpSpPr/>
+        <p:nvPr/>
+      </p:nvGrpSpPr>
+      <p:grpSpPr>
+        <a:xfrm>
+          <a:off x="0" y="0"/>
+          <a:ext cx="0" cy="0"/>
+          <a:chOff x="0" y="0"/>
+          <a:chExt cx="0" cy="0"/>
+        </a:xfrm>
+      </p:grpSpPr>
+      <p:sp>
+        <p:nvSpPr>
+          <p:cNvPr id="2" name="Title 1"/>
+          <p:cNvSpPr>
+            <a:spLocks noGrp="1"/>
+          </p:cNvSpPr>
+          <p:nvPr>
+            <p:ph type="title"/>
+          </p:nvPr>
+        </p:nvSpPr>
+        <p:spPr/>
+        <p:txBody>
+          <a:bodyPr/>
+          <a:lstStyle/>
+          <a:p>
+            <a:r>
+              <a:rPr lang="en-US" dirty="0" smtClean="0"/>
+              <a:t>Privilege Checking</a:t>
+            </a:r>
+            <a:endParaRPr lang="en-US" dirty="0"/>
+          </a:p>
+        </p:txBody>
+      </p:sp>
+      <p:sp>
+        <p:nvSpPr>
+          <p:cNvPr id="3" name="Content Placeholder 2"/>
+          <p:cNvSpPr>
+            <a:spLocks noGrp="1"/>
+          </p:cNvSpPr>
+          <p:nvPr>
+            <p:ph idx="1"/>
+          </p:nvPr>
+        </p:nvSpPr>
+        <p:spPr/>
+        <p:txBody>
+          <a:bodyPr/>
+          <a:lstStyle/>
+          <a:p>
+            <a:r>
+              <a:rPr lang="en-US" dirty="0" smtClean="0"/>
+              <a:t>The first part of any system call</a:t>
+            </a:r>
+          </a:p>
+          <a:p>
+            <a:r>
+              <a:rPr lang="en-US" dirty="0"/>
+              <a:t>Always occurs in the kernel</a:t>
+            </a:r>
+          </a:p>
+          <a:p>
+            <a:r>
+              <a:rPr lang="en-US" dirty="0" smtClean="0"/>
+              <a:t>Based on process’s cred structure</a:t>
+            </a:r>
+          </a:p>
+          <a:p>
+            <a:endParaRPr lang="en-US" dirty="0"/>
+          </a:p>
+        </p:txBody>
+      </p:sp>
+      <p:sp>
+        <p:nvSpPr>
+          <p:cNvPr id="4" name="Footer Placeholder 3"/>
+          <p:cNvSpPr>
+            <a:spLocks noGrp="1"/>
+          </p:cNvSpPr>
+          <p:nvPr>
+            <p:ph type="ftr" sz="quarter" idx="11"/>
+          </p:nvPr>
+        </p:nvSpPr>
+        <p:spPr/>
+        <p:txBody>
+          <a:bodyPr/>
+          <a:lstStyle/>
+          <a:p>
+            <a:r>
+              <a:rPr lang="en-US" smtClean="0"/>
+              <a:t>Introduction to Operating Systems</a:t>
+            </a:r>
+            <a:endParaRPr lang="en-US" dirty="0"/>
+          </a:p>
+        </p:txBody>
+      </p:sp>
+    </p:spTree>
+    <p:extLst>
+      <p:ext uri="{BB962C8B-B14F-4D97-AF65-F5344CB8AC3E}">
+        <p14:creationId xmlns:p14="http://schemas.microsoft.com/office/powerpoint/2010/main" val="261592939"/>
+      </p:ext>
+    </p:extLst>
+  </p:cSld>
+  <p:clrMapOvr>
+    <a:masterClrMapping/>
+  </p:clrMapOvr>
+  <p:timing>
+    <p:tnLst>
+      <p:par>
+        <p:cTn id="1" dur="indefinite" restart="never" nodeType="tmRoot"/>
+      </p:par>
+    </p:tnLst>
+  </p:timing>
+</p:sld>
+</file>
+
+<file path=ppt/slides/slide22.xml><?xml version="1.0" encoding="utf-8"?>
+<p:sld xmlns:a="http://schemas.openxmlformats.org/drawingml/2006/main" xmlns:r="http://schemas.openxmlformats.org/officeDocument/2006/relationships" xmlns:p="http://schemas.openxmlformats.org/presentationml/2006/main">
+  <p:cSld>
+    <p:spTree>
+      <p:nvGrpSpPr>
+        <p:cNvPr id="1" name=""/>
+        <p:cNvGrpSpPr/>
+        <p:nvPr/>
+      </p:nvGrpSpPr>
+      <p:grpSpPr>
+        <a:xfrm>
+          <a:off x="0" y="0"/>
+          <a:ext cx="0" cy="0"/>
+          <a:chOff x="0" y="0"/>
+          <a:chExt cx="0" cy="0"/>
+        </a:xfrm>
+      </p:grpSpPr>
+      <p:sp>
+        <p:nvSpPr>
+          <p:cNvPr id="2" name="Title 1"/>
+          <p:cNvSpPr>
+            <a:spLocks noGrp="1"/>
+          </p:cNvSpPr>
+          <p:nvPr>
+            <p:ph type="title"/>
+          </p:nvPr>
+        </p:nvSpPr>
+        <p:spPr/>
+        <p:txBody>
+          <a:bodyPr/>
+          <a:lstStyle/>
+          <a:p>
+            <a:r>
+              <a:rPr lang="en-US" dirty="0" smtClean="0"/>
+              <a:t>Privilege Escalation</a:t>
+            </a:r>
+            <a:endParaRPr lang="en-US" dirty="0"/>
+          </a:p>
+        </p:txBody>
+      </p:sp>
+      <p:sp>
+        <p:nvSpPr>
+          <p:cNvPr id="3" name="Content Placeholder 2"/>
+          <p:cNvSpPr>
+            <a:spLocks noGrp="1"/>
+          </p:cNvSpPr>
+          <p:nvPr>
+            <p:ph idx="1"/>
+          </p:nvPr>
+        </p:nvSpPr>
+        <p:spPr/>
+        <p:txBody>
+          <a:bodyPr/>
+          <a:lstStyle/>
+          <a:p>
+            <a:r>
+              <a:rPr lang="en-US" dirty="0" smtClean="0"/>
+              <a:t>Sometimes you need more effective power</a:t>
+            </a:r>
+          </a:p>
+          <a:p>
+            <a:r>
+              <a:rPr lang="en-US" dirty="0" smtClean="0"/>
+              <a:t>Effective UID vs. Real UID</a:t>
+            </a:r>
+          </a:p>
+          <a:p>
+            <a:r>
+              <a:rPr lang="en-US" dirty="0" err="1" smtClean="0"/>
+              <a:t>getuid</a:t>
+            </a:r>
+            <a:r>
+              <a:rPr lang="en-US" dirty="0" smtClean="0"/>
+              <a:t>(2)</a:t>
+            </a:r>
+          </a:p>
+          <a:p>
+            <a:r>
+              <a:rPr lang="en-US" dirty="0" err="1" smtClean="0"/>
+              <a:t>geteuid</a:t>
+            </a:r>
+            <a:r>
+              <a:rPr lang="en-US" dirty="0" smtClean="0"/>
+              <a:t>(2)</a:t>
+            </a:r>
+          </a:p>
+          <a:p>
+            <a:r>
+              <a:rPr lang="en-US" dirty="0" err="1" smtClean="0"/>
+              <a:t>setuid</a:t>
+            </a:r>
+            <a:r>
+              <a:rPr lang="en-US" dirty="0" smtClean="0"/>
+              <a:t>(2)</a:t>
+            </a:r>
+          </a:p>
+          <a:p>
+            <a:r>
+              <a:rPr lang="en-US" dirty="0" err="1" smtClean="0"/>
+              <a:t>seteuid</a:t>
+            </a:r>
+            <a:r>
+              <a:rPr lang="en-US" dirty="0" smtClean="0"/>
+              <a:t>(2)</a:t>
+            </a:r>
+            <a:endParaRPr lang="en-US" dirty="0"/>
+          </a:p>
+        </p:txBody>
+      </p:sp>
+      <p:sp>
+        <p:nvSpPr>
+          <p:cNvPr id="4" name="Footer Placeholder 3"/>
+          <p:cNvSpPr>
+            <a:spLocks noGrp="1"/>
+          </p:cNvSpPr>
+          <p:nvPr>
+            <p:ph type="ftr" sz="quarter" idx="11"/>
+          </p:nvPr>
+        </p:nvSpPr>
+        <p:spPr/>
+        <p:txBody>
+          <a:bodyPr/>
+          <a:lstStyle/>
+          <a:p>
+            <a:r>
+              <a:rPr lang="en-US" smtClean="0"/>
+              <a:t>Introduction to Operating Systems</a:t>
+            </a:r>
+            <a:endParaRPr lang="en-US" dirty="0"/>
+          </a:p>
+        </p:txBody>
+      </p:sp>
+    </p:spTree>
+    <p:extLst>
+      <p:ext uri="{BB962C8B-B14F-4D97-AF65-F5344CB8AC3E}">
+        <p14:creationId xmlns:p14="http://schemas.microsoft.com/office/powerpoint/2010/main" val="832101954"/>
+      </p:ext>
+    </p:extLst>
+  </p:cSld>
+  <p:clrMapOvr>
+    <a:masterClrMapping/>
+  </p:clrMapOvr>
+  <p:timing>
+    <p:tnLst>
+      <p:par>
+        <p:cTn id="1" dur="indefinite" restart="never" nodeType="tmRoot"/>
+      </p:par>
+    </p:tnLst>
+  </p:timing>
+</p:sld>
+</file>
+
+<file path=ppt/slides/slide23.xml><?xml version="1.0" encoding="utf-8"?>
+<p:sld xmlns:a="http://schemas.openxmlformats.org/drawingml/2006/main" xmlns:r="http://schemas.openxmlformats.org/officeDocument/2006/relationships" xmlns:p="http://schemas.openxmlformats.org/presentationml/2006/main">
+  <p:cSld>
+    <p:spTree>
+      <p:nvGrpSpPr>
+        <p:cNvPr id="1" name=""/>
+        <p:cNvGrpSpPr/>
+        <p:nvPr/>
+      </p:nvGrpSpPr>
+      <p:grpSpPr>
+        <a:xfrm>
+          <a:off x="0" y="0"/>
+          <a:ext cx="0" cy="0"/>
+          <a:chOff x="0" y="0"/>
+          <a:chExt cx="0" cy="0"/>
+        </a:xfrm>
+      </p:grpSpPr>
+      <p:sp>
+        <p:nvSpPr>
+          <p:cNvPr id="2" name="Title 1"/>
+          <p:cNvSpPr>
+            <a:spLocks noGrp="1"/>
+          </p:cNvSpPr>
+          <p:nvPr>
+            <p:ph type="title"/>
+          </p:nvPr>
+        </p:nvSpPr>
+        <p:spPr/>
+        <p:txBody>
+          <a:bodyPr/>
+          <a:lstStyle/>
+          <a:p>
+            <a:r>
+              <a:rPr lang="en-US" dirty="0" smtClean="0"/>
+              <a:t>Escalating Privileges</a:t>
+            </a:r>
+            <a:endParaRPr lang="en-US" dirty="0"/>
+          </a:p>
+        </p:txBody>
+      </p:sp>
+      <p:pic>
+        <p:nvPicPr>
+          <p:cNvPr id="5" name="Content Placeholder 4"/>
+          <p:cNvPicPr>
+            <a:picLocks noGrp="1" noChangeAspect="1"/>
+          </p:cNvPicPr>
+          <p:nvPr>
+            <p:ph idx="1"/>
+          </p:nvPr>
+        </p:nvPicPr>
+        <p:blipFill>
+          <a:blip r:embed="rId2"/>
+          <a:stretch>
+            <a:fillRect/>
+          </a:stretch>
+        </p:blipFill>
         <p:spPr>
           <a:xfrm>
-            <a:off x="2152652" y="2294300"/>
-            <a:ext cx="7886698" cy="3691979"/>
+            <a:off x="3840163" y="1827213"/>
+            <a:ext cx="4572000" cy="3797300"/>
+          </a:xfrm>
+        </p:spPr>
+      </p:pic>
+      <p:sp>
+        <p:nvSpPr>
+          <p:cNvPr id="4" name="Footer Placeholder 3"/>
+          <p:cNvSpPr>
+            <a:spLocks noGrp="1"/>
+          </p:cNvSpPr>
+          <p:nvPr>
+            <p:ph type="ftr" sz="quarter" idx="11"/>
+          </p:nvPr>
+        </p:nvSpPr>
+        <p:spPr/>
+        <p:txBody>
+          <a:bodyPr/>
+          <a:lstStyle/>
+          <a:p>
+            <a:r>
+              <a:rPr lang="en-US" smtClean="0"/>
+              <a:t>Introduction to Operating Systems</a:t>
+            </a:r>
+            <a:endParaRPr lang="en-US" dirty="0"/>
+          </a:p>
+        </p:txBody>
+      </p:sp>
+      <p:sp>
+        <p:nvSpPr>
+          <p:cNvPr id="6" name="TextBox 5"/>
+          <p:cNvSpPr txBox="1"/>
+          <p:nvPr/>
+        </p:nvSpPr>
+        <p:spPr>
+          <a:xfrm>
+            <a:off x="5019930" y="5672817"/>
+            <a:ext cx="2212465" cy="369332"/>
           </a:xfrm>
           <a:prstGeom prst="rect">
             <a:avLst/>
           </a:prstGeom>
           <a:noFill/>
-          <a:ln>
-            <a:solidFill>
-              <a:schemeClr val="accent1">
-                <a:shade val="50000"/>
-              </a:schemeClr>
-            </a:solidFill>
-            <a:prstDash val="sysDot"/>
-          </a:ln>
         </p:spPr>
-        <p:style>
-          <a:lnRef idx="2">
-            <a:schemeClr val="accent1">
-              <a:shade val="50000"/>
-            </a:schemeClr>
-          </a:lnRef>
-          <a:fillRef idx="1">
-            <a:schemeClr val="accent1"/>
-          </a:fillRef>
-          <a:effectRef idx="0">
-            <a:schemeClr val="accent1"/>
-          </a:effectRef>
-          <a:fontRef idx="minor">
-            <a:schemeClr val="lt1"/>
-          </a:fontRef>
-        </p:style>
-        <p:txBody>
-          <a:bodyPr rtlCol="0" anchor="ctr"/>
-          <a:lstStyle/>
-          <a:p>
-            <a:r>
-              <a:rPr lang="en-US" sz="1400" b="1" dirty="0" err="1">
-                <a:solidFill>
-                  <a:schemeClr val="tx1"/>
-                </a:solidFill>
-                <a:latin typeface="Source Code Pro" charset="0"/>
-                <a:ea typeface="Source Code Pro" charset="0"/>
-                <a:cs typeface="Source Code Pro" charset="0"/>
-              </a:rPr>
-              <a:t>syscall</a:t>
-            </a:r>
-            <a:r>
-              <a:rPr lang="en-US" sz="1400" b="1" dirty="0">
-                <a:solidFill>
-                  <a:schemeClr val="tx1"/>
-                </a:solidFill>
-                <a:latin typeface="Source Code Pro" charset="0"/>
-                <a:ea typeface="Source Code Pro" charset="0"/>
-                <a:cs typeface="Source Code Pro" charset="0"/>
-              </a:rPr>
-              <a:t>:::entry </a:t>
-            </a:r>
-            <a:r>
-              <a:rPr lang="en-US" sz="1400" dirty="0">
-                <a:solidFill>
-                  <a:schemeClr val="tx1"/>
-                </a:solidFill>
-                <a:latin typeface="Source Code Pro" charset="0"/>
-                <a:ea typeface="Source Code Pro" charset="0"/>
-                <a:cs typeface="Source Code Pro" charset="0"/>
-              </a:rPr>
-              <a:t>/</a:t>
-            </a:r>
-            <a:r>
-              <a:rPr lang="en-US" sz="1400" dirty="0" err="1">
-                <a:solidFill>
-                  <a:schemeClr val="tx1"/>
-                </a:solidFill>
-                <a:latin typeface="Source Code Pro" charset="0"/>
-                <a:ea typeface="Source Code Pro" charset="0"/>
-                <a:cs typeface="Source Code Pro" charset="0"/>
-              </a:rPr>
-              <a:t>execname</a:t>
-            </a:r>
-            <a:r>
-              <a:rPr lang="en-US" sz="1400" dirty="0">
-                <a:solidFill>
-                  <a:schemeClr val="tx1"/>
-                </a:solidFill>
-                <a:latin typeface="Source Code Pro" charset="0"/>
-                <a:ea typeface="Source Code Pro" charset="0"/>
-                <a:cs typeface="Source Code Pro" charset="0"/>
-              </a:rPr>
-              <a:t> == </a:t>
-            </a:r>
-            <a:r>
-              <a:rPr lang="en-US" sz="1400" dirty="0" smtClean="0">
-                <a:solidFill>
-                  <a:schemeClr val="tx1"/>
-                </a:solidFill>
-                <a:latin typeface="Source Code Pro" charset="0"/>
-                <a:ea typeface="Source Code Pro" charset="0"/>
-                <a:cs typeface="Source Code Pro" charset="0"/>
-              </a:rPr>
-              <a:t>”login"/ </a:t>
-            </a:r>
-            <a:r>
-              <a:rPr lang="en-US" sz="1400" dirty="0">
-                <a:solidFill>
-                  <a:schemeClr val="tx1"/>
-                </a:solidFill>
-                <a:latin typeface="Source Code Pro" charset="0"/>
-                <a:ea typeface="Source Code Pro" charset="0"/>
-                <a:cs typeface="Source Code Pro" charset="0"/>
-              </a:rPr>
-              <a:t>{</a:t>
-            </a:r>
-          </a:p>
-          <a:p>
-            <a:r>
-              <a:rPr lang="en-US" sz="1400" dirty="0">
-                <a:solidFill>
-                  <a:schemeClr val="tx1"/>
-                </a:solidFill>
-                <a:latin typeface="Source Code Pro" charset="0"/>
-                <a:ea typeface="Source Code Pro" charset="0"/>
-                <a:cs typeface="Source Code Pro" charset="0"/>
-              </a:rPr>
-              <a:t>        self-&gt;start = timestamp;</a:t>
-            </a:r>
-          </a:p>
-          <a:p>
-            <a:r>
-              <a:rPr lang="en-US" sz="1400" dirty="0">
-                <a:solidFill>
-                  <a:schemeClr val="tx1"/>
-                </a:solidFill>
-                <a:latin typeface="Source Code Pro" charset="0"/>
-                <a:ea typeface="Source Code Pro" charset="0"/>
-                <a:cs typeface="Source Code Pro" charset="0"/>
-              </a:rPr>
-              <a:t>        self-&gt;</a:t>
-            </a:r>
-            <a:r>
-              <a:rPr lang="en-US" sz="1400" dirty="0" err="1">
-                <a:solidFill>
-                  <a:schemeClr val="tx1"/>
-                </a:solidFill>
-                <a:latin typeface="Source Code Pro" charset="0"/>
-                <a:ea typeface="Source Code Pro" charset="0"/>
-                <a:cs typeface="Source Code Pro" charset="0"/>
-              </a:rPr>
-              <a:t>insyscall</a:t>
-            </a:r>
-            <a:r>
-              <a:rPr lang="en-US" sz="1400" dirty="0">
-                <a:solidFill>
-                  <a:schemeClr val="tx1"/>
-                </a:solidFill>
-                <a:latin typeface="Source Code Pro" charset="0"/>
-                <a:ea typeface="Source Code Pro" charset="0"/>
-                <a:cs typeface="Source Code Pro" charset="0"/>
-              </a:rPr>
-              <a:t> = 1;</a:t>
-            </a:r>
-          </a:p>
-          <a:p>
-            <a:r>
-              <a:rPr lang="en-US" sz="1400" dirty="0">
-                <a:solidFill>
-                  <a:schemeClr val="tx1"/>
-                </a:solidFill>
-                <a:latin typeface="Source Code Pro" charset="0"/>
-                <a:ea typeface="Source Code Pro" charset="0"/>
-                <a:cs typeface="Source Code Pro" charset="0"/>
-              </a:rPr>
-              <a:t>}</a:t>
-            </a:r>
-          </a:p>
-          <a:p>
-            <a:endParaRPr lang="en-US" sz="1400" dirty="0">
-              <a:solidFill>
-                <a:schemeClr val="tx1"/>
-              </a:solidFill>
-              <a:latin typeface="Source Code Pro" charset="0"/>
-              <a:ea typeface="Source Code Pro" charset="0"/>
-              <a:cs typeface="Source Code Pro" charset="0"/>
-            </a:endParaRPr>
-          </a:p>
-          <a:p>
-            <a:r>
-              <a:rPr lang="en-US" sz="1400" b="1" dirty="0" err="1">
-                <a:solidFill>
-                  <a:schemeClr val="tx1"/>
-                </a:solidFill>
-                <a:latin typeface="Source Code Pro" charset="0"/>
-                <a:ea typeface="Source Code Pro" charset="0"/>
-                <a:cs typeface="Source Code Pro" charset="0"/>
-              </a:rPr>
-              <a:t>syscall</a:t>
-            </a:r>
-            <a:r>
-              <a:rPr lang="en-US" sz="1400" b="1" dirty="0">
-                <a:solidFill>
-                  <a:schemeClr val="tx1"/>
-                </a:solidFill>
-                <a:latin typeface="Source Code Pro" charset="0"/>
-                <a:ea typeface="Source Code Pro" charset="0"/>
-                <a:cs typeface="Source Code Pro" charset="0"/>
-              </a:rPr>
-              <a:t>:::return </a:t>
-            </a:r>
-            <a:r>
-              <a:rPr lang="en-US" sz="1400" dirty="0">
-                <a:solidFill>
-                  <a:schemeClr val="tx1"/>
-                </a:solidFill>
-                <a:latin typeface="Source Code Pro" charset="0"/>
-                <a:ea typeface="Source Code Pro" charset="0"/>
-                <a:cs typeface="Source Code Pro" charset="0"/>
-              </a:rPr>
-              <a:t>/</a:t>
-            </a:r>
-            <a:r>
-              <a:rPr lang="en-US" sz="1400" dirty="0" err="1">
-                <a:solidFill>
-                  <a:schemeClr val="tx1"/>
-                </a:solidFill>
-                <a:latin typeface="Source Code Pro" charset="0"/>
-                <a:ea typeface="Source Code Pro" charset="0"/>
-                <a:cs typeface="Source Code Pro" charset="0"/>
-              </a:rPr>
-              <a:t>execname</a:t>
-            </a:r>
-            <a:r>
-              <a:rPr lang="en-US" sz="1400" dirty="0">
-                <a:solidFill>
-                  <a:schemeClr val="tx1"/>
-                </a:solidFill>
-                <a:latin typeface="Source Code Pro" charset="0"/>
-                <a:ea typeface="Source Code Pro" charset="0"/>
-                <a:cs typeface="Source Code Pro" charset="0"/>
-              </a:rPr>
-              <a:t> == </a:t>
-            </a:r>
-            <a:r>
-              <a:rPr lang="en-US" sz="1400" dirty="0" smtClean="0">
-                <a:solidFill>
-                  <a:schemeClr val="tx1"/>
-                </a:solidFill>
-                <a:latin typeface="Source Code Pro" charset="0"/>
-                <a:ea typeface="Source Code Pro" charset="0"/>
-                <a:cs typeface="Source Code Pro" charset="0"/>
-              </a:rPr>
-              <a:t>”login" </a:t>
-            </a:r>
-            <a:r>
-              <a:rPr lang="en-US" sz="1400" dirty="0">
-                <a:solidFill>
-                  <a:schemeClr val="tx1"/>
-                </a:solidFill>
-                <a:latin typeface="Source Code Pro" charset="0"/>
-                <a:ea typeface="Source Code Pro" charset="0"/>
-                <a:cs typeface="Source Code Pro" charset="0"/>
-              </a:rPr>
-              <a:t>&amp;&amp; self-&gt;</a:t>
-            </a:r>
-            <a:r>
-              <a:rPr lang="en-US" sz="1400" dirty="0" err="1">
-                <a:solidFill>
-                  <a:schemeClr val="tx1"/>
-                </a:solidFill>
-                <a:latin typeface="Source Code Pro" charset="0"/>
-                <a:ea typeface="Source Code Pro" charset="0"/>
-                <a:cs typeface="Source Code Pro" charset="0"/>
-              </a:rPr>
-              <a:t>insyscall</a:t>
-            </a:r>
-            <a:r>
-              <a:rPr lang="en-US" sz="1400" dirty="0">
-                <a:solidFill>
-                  <a:schemeClr val="tx1"/>
-                </a:solidFill>
-                <a:latin typeface="Source Code Pro" charset="0"/>
-                <a:ea typeface="Source Code Pro" charset="0"/>
-                <a:cs typeface="Source Code Pro" charset="0"/>
-              </a:rPr>
-              <a:t> != 0/ {</a:t>
-            </a:r>
-          </a:p>
-          <a:p>
-            <a:r>
-              <a:rPr lang="en-US" sz="1400" dirty="0">
-                <a:solidFill>
-                  <a:schemeClr val="tx1"/>
-                </a:solidFill>
-                <a:latin typeface="Source Code Pro" charset="0"/>
-                <a:ea typeface="Source Code Pro" charset="0"/>
-                <a:cs typeface="Source Code Pro" charset="0"/>
-              </a:rPr>
-              <a:t>        length = timestamp - self-&gt;start;</a:t>
-            </a:r>
-          </a:p>
-          <a:p>
-            <a:r>
-              <a:rPr lang="en-US" sz="1400" dirty="0">
-                <a:solidFill>
-                  <a:schemeClr val="tx1"/>
-                </a:solidFill>
-                <a:latin typeface="Source Code Pro" charset="0"/>
-                <a:ea typeface="Source Code Pro" charset="0"/>
-                <a:cs typeface="Source Code Pro" charset="0"/>
-              </a:rPr>
-              <a:t>        @</a:t>
-            </a:r>
-            <a:r>
-              <a:rPr lang="en-US" sz="1400" dirty="0" err="1">
-                <a:solidFill>
-                  <a:schemeClr val="tx1"/>
-                </a:solidFill>
-                <a:latin typeface="Source Code Pro" charset="0"/>
-                <a:ea typeface="Source Code Pro" charset="0"/>
-                <a:cs typeface="Source Code Pro" charset="0"/>
-              </a:rPr>
-              <a:t>syscall_time</a:t>
-            </a:r>
-            <a:r>
-              <a:rPr lang="en-US" sz="1400" dirty="0">
-                <a:solidFill>
-                  <a:schemeClr val="tx1"/>
-                </a:solidFill>
-                <a:latin typeface="Source Code Pro" charset="0"/>
-                <a:ea typeface="Source Code Pro" charset="0"/>
-                <a:cs typeface="Source Code Pro" charset="0"/>
-              </a:rPr>
-              <a:t>[</a:t>
-            </a:r>
-            <a:r>
-              <a:rPr lang="en-US" sz="1400" dirty="0" err="1">
-                <a:solidFill>
-                  <a:schemeClr val="tx1"/>
-                </a:solidFill>
-                <a:latin typeface="Source Code Pro" charset="0"/>
-                <a:ea typeface="Source Code Pro" charset="0"/>
-                <a:cs typeface="Source Code Pro" charset="0"/>
-              </a:rPr>
-              <a:t>probefunc</a:t>
-            </a:r>
-            <a:r>
-              <a:rPr lang="en-US" sz="1400" dirty="0">
-                <a:solidFill>
-                  <a:schemeClr val="tx1"/>
-                </a:solidFill>
-                <a:latin typeface="Source Code Pro" charset="0"/>
-                <a:ea typeface="Source Code Pro" charset="0"/>
-                <a:cs typeface="Source Code Pro" charset="0"/>
-              </a:rPr>
-              <a:t>] = sum(length);</a:t>
-            </a:r>
-          </a:p>
-          <a:p>
-            <a:r>
-              <a:rPr lang="en-US" sz="1400" dirty="0">
-                <a:solidFill>
-                  <a:schemeClr val="tx1"/>
-                </a:solidFill>
-                <a:latin typeface="Source Code Pro" charset="0"/>
-                <a:ea typeface="Source Code Pro" charset="0"/>
-                <a:cs typeface="Source Code Pro" charset="0"/>
-              </a:rPr>
-              <a:t>        @</a:t>
-            </a:r>
-            <a:r>
-              <a:rPr lang="en-US" sz="1400" dirty="0" err="1">
-                <a:solidFill>
-                  <a:schemeClr val="tx1"/>
-                </a:solidFill>
-                <a:latin typeface="Source Code Pro" charset="0"/>
-                <a:ea typeface="Source Code Pro" charset="0"/>
-                <a:cs typeface="Source Code Pro" charset="0"/>
-              </a:rPr>
-              <a:t>totaltime</a:t>
-            </a:r>
-            <a:r>
-              <a:rPr lang="en-US" sz="1400" dirty="0">
-                <a:solidFill>
-                  <a:schemeClr val="tx1"/>
-                </a:solidFill>
-                <a:latin typeface="Source Code Pro" charset="0"/>
-                <a:ea typeface="Source Code Pro" charset="0"/>
-                <a:cs typeface="Source Code Pro" charset="0"/>
-              </a:rPr>
-              <a:t> = sum(length);</a:t>
-            </a:r>
-          </a:p>
-          <a:p>
-            <a:r>
-              <a:rPr lang="en-US" sz="1400" dirty="0">
-                <a:solidFill>
-                  <a:schemeClr val="tx1"/>
-                </a:solidFill>
-                <a:latin typeface="Source Code Pro" charset="0"/>
-                <a:ea typeface="Source Code Pro" charset="0"/>
-                <a:cs typeface="Source Code Pro" charset="0"/>
-              </a:rPr>
-              <a:t>        self-&gt;</a:t>
-            </a:r>
-            <a:r>
-              <a:rPr lang="en-US" sz="1400" dirty="0" err="1">
-                <a:solidFill>
-                  <a:schemeClr val="tx1"/>
-                </a:solidFill>
-                <a:latin typeface="Source Code Pro" charset="0"/>
-                <a:ea typeface="Source Code Pro" charset="0"/>
-                <a:cs typeface="Source Code Pro" charset="0"/>
-              </a:rPr>
-              <a:t>insyscall</a:t>
-            </a:r>
-            <a:r>
-              <a:rPr lang="en-US" sz="1400" dirty="0">
-                <a:solidFill>
-                  <a:schemeClr val="tx1"/>
-                </a:solidFill>
-                <a:latin typeface="Source Code Pro" charset="0"/>
-                <a:ea typeface="Source Code Pro" charset="0"/>
-                <a:cs typeface="Source Code Pro" charset="0"/>
-              </a:rPr>
-              <a:t> = 0;</a:t>
-            </a:r>
-          </a:p>
-          <a:p>
-            <a:r>
-              <a:rPr lang="en-US" sz="1400" dirty="0">
-                <a:solidFill>
-                  <a:schemeClr val="tx1"/>
-                </a:solidFill>
-                <a:latin typeface="Source Code Pro" charset="0"/>
-                <a:ea typeface="Source Code Pro" charset="0"/>
-                <a:cs typeface="Source Code Pro" charset="0"/>
-              </a:rPr>
-              <a:t>}</a:t>
-            </a:r>
-          </a:p>
-          <a:p>
-            <a:endParaRPr lang="en-US" sz="1400" dirty="0">
-              <a:solidFill>
-                <a:schemeClr val="tx1"/>
-              </a:solidFill>
-              <a:latin typeface="Source Code Pro" charset="0"/>
-              <a:ea typeface="Source Code Pro" charset="0"/>
-              <a:cs typeface="Source Code Pro" charset="0"/>
-            </a:endParaRPr>
-          </a:p>
-          <a:p>
-            <a:r>
-              <a:rPr lang="de-DE" sz="1400" b="1" dirty="0">
-                <a:solidFill>
-                  <a:schemeClr val="tx1"/>
-                </a:solidFill>
-                <a:latin typeface="Source Code Pro" charset="0"/>
-                <a:ea typeface="Source Code Pro" charset="0"/>
-                <a:cs typeface="Source Code Pro" charset="0"/>
-              </a:rPr>
-              <a:t>END</a:t>
-            </a:r>
-            <a:r>
-              <a:rPr lang="de-DE" sz="1400" dirty="0">
-                <a:solidFill>
-                  <a:schemeClr val="tx1"/>
-                </a:solidFill>
-                <a:latin typeface="Source Code Pro" charset="0"/>
-                <a:ea typeface="Source Code Pro" charset="0"/>
-                <a:cs typeface="Source Code Pro" charset="0"/>
-              </a:rPr>
-              <a:t> {</a:t>
-            </a:r>
-          </a:p>
-          <a:p>
-            <a:r>
-              <a:rPr lang="de-DE" sz="1400" dirty="0">
-                <a:solidFill>
-                  <a:schemeClr val="tx1"/>
-                </a:solidFill>
-                <a:latin typeface="Source Code Pro" charset="0"/>
-                <a:ea typeface="Source Code Pro" charset="0"/>
-                <a:cs typeface="Source Code Pro" charset="0"/>
-              </a:rPr>
-              <a:t>        </a:t>
-            </a:r>
-            <a:r>
-              <a:rPr lang="de-DE" sz="1400" dirty="0" err="1">
-                <a:solidFill>
-                  <a:schemeClr val="tx1"/>
-                </a:solidFill>
-                <a:latin typeface="Source Code Pro" charset="0"/>
-                <a:ea typeface="Source Code Pro" charset="0"/>
-                <a:cs typeface="Source Code Pro" charset="0"/>
-              </a:rPr>
-              <a:t>printa</a:t>
-            </a:r>
-            <a:r>
-              <a:rPr lang="de-DE" sz="1400" dirty="0">
-                <a:solidFill>
-                  <a:schemeClr val="tx1"/>
-                </a:solidFill>
-                <a:latin typeface="Source Code Pro" charset="0"/>
-                <a:ea typeface="Source Code Pro" charset="0"/>
-                <a:cs typeface="Source Code Pro" charset="0"/>
-              </a:rPr>
-              <a:t>(@</a:t>
-            </a:r>
-            <a:r>
-              <a:rPr lang="de-DE" sz="1400" dirty="0" err="1">
-                <a:solidFill>
-                  <a:schemeClr val="tx1"/>
-                </a:solidFill>
-                <a:latin typeface="Source Code Pro" charset="0"/>
-                <a:ea typeface="Source Code Pro" charset="0"/>
-                <a:cs typeface="Source Code Pro" charset="0"/>
-              </a:rPr>
-              <a:t>syscall_time</a:t>
-            </a:r>
-            <a:r>
-              <a:rPr lang="de-DE" sz="1400" dirty="0">
-                <a:solidFill>
-                  <a:schemeClr val="tx1"/>
-                </a:solidFill>
-                <a:latin typeface="Source Code Pro" charset="0"/>
-                <a:ea typeface="Source Code Pro" charset="0"/>
-                <a:cs typeface="Source Code Pro" charset="0"/>
-              </a:rPr>
-              <a:t>);</a:t>
-            </a:r>
-          </a:p>
-          <a:p>
-            <a:r>
-              <a:rPr lang="de-DE" sz="1400" dirty="0">
-                <a:solidFill>
-                  <a:schemeClr val="tx1"/>
-                </a:solidFill>
-                <a:latin typeface="Source Code Pro" charset="0"/>
-                <a:ea typeface="Source Code Pro" charset="0"/>
-                <a:cs typeface="Source Code Pro" charset="0"/>
-              </a:rPr>
-              <a:t>        </a:t>
-            </a:r>
-            <a:r>
-              <a:rPr lang="de-DE" sz="1400" dirty="0" err="1">
-                <a:solidFill>
-                  <a:schemeClr val="tx1"/>
-                </a:solidFill>
-                <a:latin typeface="Source Code Pro" charset="0"/>
-                <a:ea typeface="Source Code Pro" charset="0"/>
-                <a:cs typeface="Source Code Pro" charset="0"/>
-              </a:rPr>
-              <a:t>printa</a:t>
-            </a:r>
-            <a:r>
-              <a:rPr lang="de-DE" sz="1400" dirty="0">
-                <a:solidFill>
-                  <a:schemeClr val="tx1"/>
-                </a:solidFill>
-                <a:latin typeface="Source Code Pro" charset="0"/>
-                <a:ea typeface="Source Code Pro" charset="0"/>
-                <a:cs typeface="Source Code Pro" charset="0"/>
-              </a:rPr>
-              <a:t>(@totaltime);</a:t>
-            </a:r>
-          </a:p>
-          <a:p>
-            <a:r>
-              <a:rPr lang="de-DE" sz="1400" dirty="0">
-                <a:solidFill>
-                  <a:schemeClr val="tx1"/>
-                </a:solidFill>
-                <a:latin typeface="Source Code Pro" charset="0"/>
-                <a:ea typeface="Source Code Pro" charset="0"/>
-                <a:cs typeface="Source Code Pro" charset="0"/>
-              </a:rPr>
-              <a:t>}</a:t>
+        <p:txBody>
+          <a:bodyPr wrap="none" rtlCol="0">
+            <a:spAutoFit/>
+          </a:bodyPr>
+          <a:lstStyle/>
+          <a:p>
+            <a:r>
+              <a:rPr lang="en-US" dirty="0"/>
+              <a:t>https://</a:t>
+            </a:r>
+            <a:r>
+              <a:rPr lang="en-US" dirty="0" err="1"/>
+              <a:t>xkcd.com</a:t>
+            </a:r>
+            <a:r>
+              <a:rPr lang="en-US" dirty="0"/>
+              <a:t>/149/</a:t>
             </a:r>
           </a:p>
         </p:txBody>
@@ -8163,7 +8030,1029 @@
     </p:spTree>
     <p:extLst>
       <p:ext uri="{BB962C8B-B14F-4D97-AF65-F5344CB8AC3E}">
-        <p14:creationId xmlns:p14="http://schemas.microsoft.com/office/powerpoint/2010/main" val="768073966"/>
+        <p14:creationId xmlns:p14="http://schemas.microsoft.com/office/powerpoint/2010/main" val="778839730"/>
+      </p:ext>
+    </p:extLst>
+  </p:cSld>
+  <p:clrMapOvr>
+    <a:masterClrMapping/>
+  </p:clrMapOvr>
+  <p:timing>
+    <p:tnLst>
+      <p:par>
+        <p:cTn id="1" dur="indefinite" restart="never" nodeType="tmRoot"/>
+      </p:par>
+    </p:tnLst>
+  </p:timing>
+</p:sld>
+</file>
+
+<file path=ppt/slides/slide24.xml><?xml version="1.0" encoding="utf-8"?>
+<p:sld xmlns:a="http://schemas.openxmlformats.org/drawingml/2006/main" xmlns:r="http://schemas.openxmlformats.org/officeDocument/2006/relationships" xmlns:p="http://schemas.openxmlformats.org/presentationml/2006/main">
+  <p:cSld>
+    <p:spTree>
+      <p:nvGrpSpPr>
+        <p:cNvPr id="1" name=""/>
+        <p:cNvGrpSpPr/>
+        <p:nvPr/>
+      </p:nvGrpSpPr>
+      <p:grpSpPr>
+        <a:xfrm>
+          <a:off x="0" y="0"/>
+          <a:ext cx="0" cy="0"/>
+          <a:chOff x="0" y="0"/>
+          <a:chExt cx="0" cy="0"/>
+        </a:xfrm>
+      </p:grpSpPr>
+      <p:sp>
+        <p:nvSpPr>
+          <p:cNvPr id="2" name="Title 1"/>
+          <p:cNvSpPr>
+            <a:spLocks noGrp="1"/>
+          </p:cNvSpPr>
+          <p:nvPr>
+            <p:ph type="title"/>
+          </p:nvPr>
+        </p:nvSpPr>
+        <p:spPr/>
+        <p:txBody>
+          <a:bodyPr/>
+          <a:lstStyle/>
+          <a:p>
+            <a:r>
+              <a:rPr lang="en-US" dirty="0" err="1" smtClean="0"/>
+              <a:t>sudo</a:t>
+            </a:r>
+            <a:r>
+              <a:rPr lang="en-US" dirty="0" smtClean="0"/>
+              <a:t> and privilege escalation</a:t>
+            </a:r>
+            <a:endParaRPr lang="en-US" dirty="0"/>
+          </a:p>
+        </p:txBody>
+      </p:sp>
+      <p:sp>
+        <p:nvSpPr>
+          <p:cNvPr id="3" name="Content Placeholder 2"/>
+          <p:cNvSpPr>
+            <a:spLocks noGrp="1"/>
+          </p:cNvSpPr>
+          <p:nvPr>
+            <p:ph idx="1"/>
+          </p:nvPr>
+        </p:nvSpPr>
+        <p:spPr/>
+        <p:txBody>
+          <a:bodyPr/>
+          <a:lstStyle/>
+          <a:p>
+            <a:r>
+              <a:rPr lang="en-US" dirty="0"/>
+              <a:t>-</a:t>
+            </a:r>
+            <a:r>
+              <a:rPr lang="en-US" dirty="0" err="1"/>
+              <a:t>rw</a:t>
+            </a:r>
+            <a:r>
+              <a:rPr lang="en-US" dirty="0" err="1">
+                <a:solidFill>
+                  <a:srgbClr val="FF0000"/>
+                </a:solidFill>
+              </a:rPr>
+              <a:t>s</a:t>
+            </a:r>
+            <a:r>
+              <a:rPr lang="en-US" dirty="0" err="1"/>
+              <a:t>r</a:t>
+            </a:r>
+            <a:r>
+              <a:rPr lang="en-US" dirty="0"/>
+              <a:t>-</a:t>
+            </a:r>
+            <a:r>
+              <a:rPr lang="en-US" dirty="0" err="1"/>
+              <a:t>xr</a:t>
+            </a:r>
+            <a:r>
+              <a:rPr lang="en-US" dirty="0"/>
+              <a:t>-x  1 root  wheel  112400 Feb  8 20:55 /</a:t>
+            </a:r>
+            <a:r>
+              <a:rPr lang="en-US" dirty="0" err="1"/>
+              <a:t>usr</a:t>
+            </a:r>
+            <a:r>
+              <a:rPr lang="en-US" dirty="0"/>
+              <a:t>/local/bin/</a:t>
+            </a:r>
+            <a:r>
+              <a:rPr lang="en-US" dirty="0" err="1"/>
+              <a:t>sudo</a:t>
+            </a:r>
+            <a:r>
+              <a:rPr lang="en-US" dirty="0" smtClean="0"/>
+              <a:t>*</a:t>
+            </a:r>
+          </a:p>
+          <a:p>
+            <a:r>
+              <a:rPr lang="en-US" dirty="0" smtClean="0"/>
+              <a:t>What does the “s” mean</a:t>
+            </a:r>
+            <a:r>
+              <a:rPr lang="en-US" dirty="0" smtClean="0"/>
+              <a:t>?</a:t>
+            </a:r>
+          </a:p>
+          <a:p>
+            <a:r>
+              <a:rPr lang="en-US" dirty="0" smtClean="0"/>
+              <a:t>A program can be marked as </a:t>
+            </a:r>
+            <a:r>
+              <a:rPr lang="en-US" i="1" dirty="0" err="1" smtClean="0"/>
+              <a:t>setuid</a:t>
+            </a:r>
+            <a:endParaRPr lang="en-US" i="1" dirty="0" smtClean="0"/>
+          </a:p>
+          <a:p>
+            <a:r>
+              <a:rPr lang="en-US" dirty="0" smtClean="0"/>
+              <a:t>Allows the program to take on higher privileges than the caller</a:t>
+            </a:r>
+          </a:p>
+          <a:p>
+            <a:endParaRPr lang="en-US" dirty="0" smtClean="0"/>
+          </a:p>
+          <a:p>
+            <a:endParaRPr lang="en-US" dirty="0"/>
+          </a:p>
+        </p:txBody>
+      </p:sp>
+      <p:sp>
+        <p:nvSpPr>
+          <p:cNvPr id="4" name="Footer Placeholder 3"/>
+          <p:cNvSpPr>
+            <a:spLocks noGrp="1"/>
+          </p:cNvSpPr>
+          <p:nvPr>
+            <p:ph type="ftr" sz="quarter" idx="11"/>
+          </p:nvPr>
+        </p:nvSpPr>
+        <p:spPr/>
+        <p:txBody>
+          <a:bodyPr/>
+          <a:lstStyle/>
+          <a:p>
+            <a:r>
+              <a:rPr lang="en-US" smtClean="0"/>
+              <a:t>Introduction to Operating Systems</a:t>
+            </a:r>
+            <a:endParaRPr lang="en-US" dirty="0"/>
+          </a:p>
+        </p:txBody>
+      </p:sp>
+    </p:spTree>
+    <p:extLst>
+      <p:ext uri="{BB962C8B-B14F-4D97-AF65-F5344CB8AC3E}">
+        <p14:creationId xmlns:p14="http://schemas.microsoft.com/office/powerpoint/2010/main" val="1860185539"/>
+      </p:ext>
+    </p:extLst>
+  </p:cSld>
+  <p:clrMapOvr>
+    <a:masterClrMapping/>
+  </p:clrMapOvr>
+  <p:timing>
+    <p:tnLst>
+      <p:par>
+        <p:cTn id="1" dur="indefinite" restart="never" nodeType="tmRoot"/>
+      </p:par>
+    </p:tnLst>
+  </p:timing>
+</p:sld>
+</file>
+
+<file path=ppt/slides/slide25.xml><?xml version="1.0" encoding="utf-8"?>
+<p:sld xmlns:a="http://schemas.openxmlformats.org/drawingml/2006/main" xmlns:r="http://schemas.openxmlformats.org/officeDocument/2006/relationships" xmlns:p="http://schemas.openxmlformats.org/presentationml/2006/main">
+  <p:cSld>
+    <p:spTree>
+      <p:nvGrpSpPr>
+        <p:cNvPr id="1" name=""/>
+        <p:cNvGrpSpPr/>
+        <p:nvPr/>
+      </p:nvGrpSpPr>
+      <p:grpSpPr>
+        <a:xfrm>
+          <a:off x="0" y="0"/>
+          <a:ext cx="0" cy="0"/>
+          <a:chOff x="0" y="0"/>
+          <a:chExt cx="0" cy="0"/>
+        </a:xfrm>
+      </p:grpSpPr>
+      <p:sp>
+        <p:nvSpPr>
+          <p:cNvPr id="2" name="Title 1"/>
+          <p:cNvSpPr>
+            <a:spLocks noGrp="1"/>
+          </p:cNvSpPr>
+          <p:nvPr>
+            <p:ph type="title"/>
+          </p:nvPr>
+        </p:nvSpPr>
+        <p:spPr/>
+        <p:txBody>
+          <a:bodyPr/>
+          <a:lstStyle/>
+          <a:p>
+            <a:r>
+              <a:rPr lang="en-US" dirty="0" smtClean="0"/>
+              <a:t>Security Review</a:t>
+            </a:r>
+            <a:endParaRPr lang="en-US" dirty="0"/>
+          </a:p>
+        </p:txBody>
+      </p:sp>
+      <p:sp>
+        <p:nvSpPr>
+          <p:cNvPr id="3" name="Content Placeholder 2"/>
+          <p:cNvSpPr>
+            <a:spLocks noGrp="1"/>
+          </p:cNvSpPr>
+          <p:nvPr>
+            <p:ph idx="1"/>
+          </p:nvPr>
+        </p:nvSpPr>
+        <p:spPr/>
+        <p:txBody>
+          <a:bodyPr/>
+          <a:lstStyle/>
+          <a:p>
+            <a:r>
+              <a:rPr lang="en-US" dirty="0" smtClean="0"/>
+              <a:t>Authentication</a:t>
+            </a:r>
+          </a:p>
+          <a:p>
+            <a:r>
+              <a:rPr lang="en-US" dirty="0" smtClean="0"/>
+              <a:t>Isolation</a:t>
+            </a:r>
+          </a:p>
+          <a:p>
+            <a:r>
+              <a:rPr lang="en-US" dirty="0" smtClean="0"/>
+              <a:t>Users</a:t>
+            </a:r>
+          </a:p>
+          <a:p>
+            <a:r>
+              <a:rPr lang="en-US" dirty="0" smtClean="0"/>
+              <a:t>Groups</a:t>
+            </a:r>
+          </a:p>
+          <a:p>
+            <a:r>
+              <a:rPr lang="en-US" dirty="0" smtClean="0"/>
+              <a:t>Privilege Escalation</a:t>
+            </a:r>
+          </a:p>
+          <a:p>
+            <a:endParaRPr lang="en-US" dirty="0"/>
+          </a:p>
+        </p:txBody>
+      </p:sp>
+      <p:sp>
+        <p:nvSpPr>
+          <p:cNvPr id="4" name="Footer Placeholder 3"/>
+          <p:cNvSpPr>
+            <a:spLocks noGrp="1"/>
+          </p:cNvSpPr>
+          <p:nvPr>
+            <p:ph type="ftr" sz="quarter" idx="11"/>
+          </p:nvPr>
+        </p:nvSpPr>
+        <p:spPr/>
+        <p:txBody>
+          <a:bodyPr/>
+          <a:lstStyle/>
+          <a:p>
+            <a:r>
+              <a:rPr lang="en-US" smtClean="0"/>
+              <a:t>Introduction to Operating Systems</a:t>
+            </a:r>
+            <a:endParaRPr lang="en-US" dirty="0"/>
+          </a:p>
+        </p:txBody>
+      </p:sp>
+    </p:spTree>
+    <p:extLst>
+      <p:ext uri="{BB962C8B-B14F-4D97-AF65-F5344CB8AC3E}">
+        <p14:creationId xmlns:p14="http://schemas.microsoft.com/office/powerpoint/2010/main" val="1498296399"/>
+      </p:ext>
+    </p:extLst>
+  </p:cSld>
+  <p:clrMapOvr>
+    <a:masterClrMapping/>
+  </p:clrMapOvr>
+</p:sld>
+</file>
+
+<file path=ppt/slides/slide3.xml><?xml version="1.0" encoding="utf-8"?>
+<p:sld xmlns:a="http://schemas.openxmlformats.org/drawingml/2006/main" xmlns:r="http://schemas.openxmlformats.org/officeDocument/2006/relationships" xmlns:p="http://schemas.openxmlformats.org/presentationml/2006/main">
+  <p:cSld>
+    <p:spTree>
+      <p:nvGrpSpPr>
+        <p:cNvPr id="1" name=""/>
+        <p:cNvGrpSpPr/>
+        <p:nvPr/>
+      </p:nvGrpSpPr>
+      <p:grpSpPr>
+        <a:xfrm>
+          <a:off x="0" y="0"/>
+          <a:ext cx="0" cy="0"/>
+          <a:chOff x="0" y="0"/>
+          <a:chExt cx="0" cy="0"/>
+        </a:xfrm>
+      </p:grpSpPr>
+      <p:sp>
+        <p:nvSpPr>
+          <p:cNvPr id="2" name="Title 1"/>
+          <p:cNvSpPr>
+            <a:spLocks noGrp="1"/>
+          </p:cNvSpPr>
+          <p:nvPr>
+            <p:ph type="title"/>
+          </p:nvPr>
+        </p:nvSpPr>
+        <p:spPr/>
+        <p:txBody>
+          <a:bodyPr/>
+          <a:lstStyle/>
+          <a:p>
+            <a:r>
+              <a:rPr lang="en-US" dirty="0" smtClean="0"/>
+              <a:t>Isolation</a:t>
+            </a:r>
+            <a:endParaRPr lang="en-US" dirty="0"/>
+          </a:p>
+        </p:txBody>
+      </p:sp>
+      <p:sp>
+        <p:nvSpPr>
+          <p:cNvPr id="3" name="Content Placeholder 2"/>
+          <p:cNvSpPr>
+            <a:spLocks noGrp="1"/>
+          </p:cNvSpPr>
+          <p:nvPr>
+            <p:ph idx="1"/>
+          </p:nvPr>
+        </p:nvSpPr>
+        <p:spPr/>
+        <p:txBody>
+          <a:bodyPr/>
+          <a:lstStyle/>
+          <a:p>
+            <a:r>
+              <a:rPr lang="en-US" dirty="0" smtClean="0"/>
+              <a:t>Alice cannot interfere with Bob</a:t>
+            </a:r>
+          </a:p>
+          <a:p>
+            <a:r>
+              <a:rPr lang="en-US" dirty="0" smtClean="0"/>
+              <a:t>Alice cannot communicate with Bob without prior agreement</a:t>
+            </a:r>
+          </a:p>
+          <a:p>
+            <a:r>
+              <a:rPr lang="en-US" dirty="0" smtClean="0"/>
+              <a:t>Eve cannot read data contained in Alice or Bob</a:t>
+            </a:r>
+          </a:p>
+        </p:txBody>
+      </p:sp>
+      <p:sp>
+        <p:nvSpPr>
+          <p:cNvPr id="4" name="Footer Placeholder 3"/>
+          <p:cNvSpPr>
+            <a:spLocks noGrp="1"/>
+          </p:cNvSpPr>
+          <p:nvPr>
+            <p:ph type="ftr" sz="quarter" idx="11"/>
+          </p:nvPr>
+        </p:nvSpPr>
+        <p:spPr/>
+        <p:txBody>
+          <a:bodyPr/>
+          <a:lstStyle/>
+          <a:p>
+            <a:r>
+              <a:rPr lang="en-US" smtClean="0"/>
+              <a:t>Introduction to Operating Systems</a:t>
+            </a:r>
+            <a:endParaRPr lang="en-US" dirty="0"/>
+          </a:p>
+        </p:txBody>
+      </p:sp>
+    </p:spTree>
+    <p:extLst>
+      <p:ext uri="{BB962C8B-B14F-4D97-AF65-F5344CB8AC3E}">
+        <p14:creationId xmlns:p14="http://schemas.microsoft.com/office/powerpoint/2010/main" val="1201316526"/>
+      </p:ext>
+    </p:extLst>
+  </p:cSld>
+  <p:clrMapOvr>
+    <a:masterClrMapping/>
+  </p:clrMapOvr>
+  <p:timing>
+    <p:tnLst>
+      <p:par>
+        <p:cTn id="1" dur="indefinite" restart="never" nodeType="tmRoot"/>
+      </p:par>
+    </p:tnLst>
+  </p:timing>
+</p:sld>
+</file>
+
+<file path=ppt/slides/slide4.xml><?xml version="1.0" encoding="utf-8"?>
+<p:sld xmlns:a="http://schemas.openxmlformats.org/drawingml/2006/main" xmlns:r="http://schemas.openxmlformats.org/officeDocument/2006/relationships" xmlns:p="http://schemas.openxmlformats.org/presentationml/2006/main">
+  <p:cSld>
+    <p:spTree>
+      <p:nvGrpSpPr>
+        <p:cNvPr id="1" name=""/>
+        <p:cNvGrpSpPr/>
+        <p:nvPr/>
+      </p:nvGrpSpPr>
+      <p:grpSpPr>
+        <a:xfrm>
+          <a:off x="0" y="0"/>
+          <a:ext cx="0" cy="0"/>
+          <a:chOff x="0" y="0"/>
+          <a:chExt cx="0" cy="0"/>
+        </a:xfrm>
+      </p:grpSpPr>
+      <p:sp>
+        <p:nvSpPr>
+          <p:cNvPr id="2" name="Title 1"/>
+          <p:cNvSpPr>
+            <a:spLocks noGrp="1"/>
+          </p:cNvSpPr>
+          <p:nvPr>
+            <p:ph type="title"/>
+          </p:nvPr>
+        </p:nvSpPr>
+        <p:spPr/>
+        <p:txBody>
+          <a:bodyPr/>
+          <a:lstStyle/>
+          <a:p>
+            <a:r>
+              <a:rPr lang="en-US" dirty="0" smtClean="0"/>
+              <a:t>Authentication</a:t>
+            </a:r>
+            <a:endParaRPr lang="en-US" dirty="0"/>
+          </a:p>
+        </p:txBody>
+      </p:sp>
+      <p:sp>
+        <p:nvSpPr>
+          <p:cNvPr id="3" name="Content Placeholder 2"/>
+          <p:cNvSpPr>
+            <a:spLocks noGrp="1"/>
+          </p:cNvSpPr>
+          <p:nvPr>
+            <p:ph idx="1"/>
+          </p:nvPr>
+        </p:nvSpPr>
+        <p:spPr/>
+        <p:txBody>
+          <a:bodyPr/>
+          <a:lstStyle/>
+          <a:p>
+            <a:r>
+              <a:rPr lang="en-US" dirty="0" smtClean="0"/>
+              <a:t>An entity must prove they have the right to a resource</a:t>
+            </a:r>
+          </a:p>
+          <a:p>
+            <a:pPr lvl="1"/>
+            <a:r>
+              <a:rPr lang="en-US" dirty="0" smtClean="0"/>
+              <a:t>File</a:t>
+            </a:r>
+          </a:p>
+          <a:p>
+            <a:pPr lvl="1"/>
+            <a:r>
+              <a:rPr lang="en-US" dirty="0" smtClean="0"/>
+              <a:t>Memory</a:t>
+            </a:r>
+          </a:p>
+          <a:p>
+            <a:pPr lvl="1"/>
+            <a:r>
+              <a:rPr lang="en-US" dirty="0" smtClean="0"/>
+              <a:t>CPU</a:t>
+            </a:r>
+          </a:p>
+          <a:p>
+            <a:pPr lvl="1"/>
+            <a:r>
+              <a:rPr lang="en-US" dirty="0" smtClean="0"/>
+              <a:t>Another process</a:t>
+            </a:r>
+          </a:p>
+          <a:p>
+            <a:pPr lvl="1"/>
+            <a:r>
+              <a:rPr lang="en-US" dirty="0" smtClean="0"/>
+              <a:t>The system as a whole</a:t>
+            </a:r>
+            <a:endParaRPr lang="en-US" dirty="0"/>
+          </a:p>
+          <a:p>
+            <a:r>
+              <a:rPr lang="en-US" dirty="0" smtClean="0"/>
+              <a:t>Entities include</a:t>
+            </a:r>
+          </a:p>
+          <a:p>
+            <a:pPr lvl="1"/>
+            <a:r>
+              <a:rPr lang="en-US" dirty="0" smtClean="0"/>
+              <a:t>Humans</a:t>
+            </a:r>
+          </a:p>
+          <a:p>
+            <a:pPr lvl="1"/>
+            <a:r>
+              <a:rPr lang="en-US" dirty="0" smtClean="0"/>
+              <a:t>Programs</a:t>
+            </a:r>
+          </a:p>
+          <a:p>
+            <a:pPr lvl="1"/>
+            <a:r>
+              <a:rPr lang="en-US" dirty="0" smtClean="0"/>
+              <a:t>Other computers</a:t>
+            </a:r>
+          </a:p>
+        </p:txBody>
+      </p:sp>
+      <p:sp>
+        <p:nvSpPr>
+          <p:cNvPr id="4" name="Footer Placeholder 3"/>
+          <p:cNvSpPr>
+            <a:spLocks noGrp="1"/>
+          </p:cNvSpPr>
+          <p:nvPr>
+            <p:ph type="ftr" sz="quarter" idx="11"/>
+          </p:nvPr>
+        </p:nvSpPr>
+        <p:spPr/>
+        <p:txBody>
+          <a:bodyPr/>
+          <a:lstStyle/>
+          <a:p>
+            <a:r>
+              <a:rPr lang="en-US" smtClean="0"/>
+              <a:t>Introduction to Operating Systems</a:t>
+            </a:r>
+            <a:endParaRPr lang="en-US" dirty="0"/>
+          </a:p>
+        </p:txBody>
+      </p:sp>
+    </p:spTree>
+    <p:extLst>
+      <p:ext uri="{BB962C8B-B14F-4D97-AF65-F5344CB8AC3E}">
+        <p14:creationId xmlns:p14="http://schemas.microsoft.com/office/powerpoint/2010/main" val="1903167505"/>
+      </p:ext>
+    </p:extLst>
+  </p:cSld>
+  <p:clrMapOvr>
+    <a:masterClrMapping/>
+  </p:clrMapOvr>
+  <p:timing>
+    <p:tnLst>
+      <p:par>
+        <p:cTn id="1" dur="indefinite" restart="never" nodeType="tmRoot"/>
+      </p:par>
+    </p:tnLst>
+  </p:timing>
+</p:sld>
+</file>
+
+<file path=ppt/slides/slide5.xml><?xml version="1.0" encoding="utf-8"?>
+<p:sld xmlns:a="http://schemas.openxmlformats.org/drawingml/2006/main" xmlns:r="http://schemas.openxmlformats.org/officeDocument/2006/relationships" xmlns:p="http://schemas.openxmlformats.org/presentationml/2006/main">
+  <p:cSld>
+    <p:spTree>
+      <p:nvGrpSpPr>
+        <p:cNvPr id="1" name=""/>
+        <p:cNvGrpSpPr/>
+        <p:nvPr/>
+      </p:nvGrpSpPr>
+      <p:grpSpPr>
+        <a:xfrm>
+          <a:off x="0" y="0"/>
+          <a:ext cx="0" cy="0"/>
+          <a:chOff x="0" y="0"/>
+          <a:chExt cx="0" cy="0"/>
+        </a:xfrm>
+      </p:grpSpPr>
+      <p:sp>
+        <p:nvSpPr>
+          <p:cNvPr id="2" name="Title 1"/>
+          <p:cNvSpPr>
+            <a:spLocks noGrp="1"/>
+          </p:cNvSpPr>
+          <p:nvPr>
+            <p:ph type="title"/>
+          </p:nvPr>
+        </p:nvSpPr>
+        <p:spPr/>
+        <p:txBody>
+          <a:bodyPr/>
+          <a:lstStyle/>
+          <a:p>
+            <a:r>
+              <a:rPr lang="en-US" dirty="0" smtClean="0"/>
+              <a:t>Building Trust</a:t>
+            </a:r>
+            <a:endParaRPr lang="en-US" dirty="0"/>
+          </a:p>
+        </p:txBody>
+      </p:sp>
+      <p:sp>
+        <p:nvSpPr>
+          <p:cNvPr id="3" name="Content Placeholder 2"/>
+          <p:cNvSpPr>
+            <a:spLocks noGrp="1"/>
+          </p:cNvSpPr>
+          <p:nvPr>
+            <p:ph idx="1"/>
+          </p:nvPr>
+        </p:nvSpPr>
+        <p:spPr/>
+        <p:txBody>
+          <a:bodyPr/>
+          <a:lstStyle/>
+          <a:p>
+            <a:r>
+              <a:rPr lang="en-US" dirty="0" smtClean="0"/>
+              <a:t>Testing</a:t>
+            </a:r>
+          </a:p>
+          <a:p>
+            <a:r>
+              <a:rPr lang="en-US" dirty="0" smtClean="0"/>
+              <a:t>Formal Proofs</a:t>
+            </a:r>
+          </a:p>
+          <a:p>
+            <a:endParaRPr lang="en-US" dirty="0"/>
+          </a:p>
+        </p:txBody>
+      </p:sp>
+      <p:sp>
+        <p:nvSpPr>
+          <p:cNvPr id="4" name="Footer Placeholder 3"/>
+          <p:cNvSpPr>
+            <a:spLocks noGrp="1"/>
+          </p:cNvSpPr>
+          <p:nvPr>
+            <p:ph type="ftr" sz="quarter" idx="11"/>
+          </p:nvPr>
+        </p:nvSpPr>
+        <p:spPr/>
+        <p:txBody>
+          <a:bodyPr/>
+          <a:lstStyle/>
+          <a:p>
+            <a:r>
+              <a:rPr lang="en-US" smtClean="0"/>
+              <a:t>Introduction to Operating Systems</a:t>
+            </a:r>
+            <a:endParaRPr lang="en-US" dirty="0"/>
+          </a:p>
+        </p:txBody>
+      </p:sp>
+    </p:spTree>
+    <p:extLst>
+      <p:ext uri="{BB962C8B-B14F-4D97-AF65-F5344CB8AC3E}">
+        <p14:creationId xmlns:p14="http://schemas.microsoft.com/office/powerpoint/2010/main" val="1247493873"/>
+      </p:ext>
+    </p:extLst>
+  </p:cSld>
+  <p:clrMapOvr>
+    <a:masterClrMapping/>
+  </p:clrMapOvr>
+  <p:timing>
+    <p:tnLst>
+      <p:par>
+        <p:cTn id="1" dur="indefinite" restart="never" nodeType="tmRoot"/>
+      </p:par>
+    </p:tnLst>
+  </p:timing>
+</p:sld>
+</file>
+
+<file path=ppt/slides/slide6.xml><?xml version="1.0" encoding="utf-8"?>
+<p:sld xmlns:a="http://schemas.openxmlformats.org/drawingml/2006/main" xmlns:r="http://schemas.openxmlformats.org/officeDocument/2006/relationships" xmlns:p="http://schemas.openxmlformats.org/presentationml/2006/main">
+  <p:cSld>
+    <p:spTree>
+      <p:nvGrpSpPr>
+        <p:cNvPr id="1" name=""/>
+        <p:cNvGrpSpPr/>
+        <p:nvPr/>
+      </p:nvGrpSpPr>
+      <p:grpSpPr>
+        <a:xfrm>
+          <a:off x="0" y="0"/>
+          <a:ext cx="0" cy="0"/>
+          <a:chOff x="0" y="0"/>
+          <a:chExt cx="0" cy="0"/>
+        </a:xfrm>
+      </p:grpSpPr>
+      <p:sp>
+        <p:nvSpPr>
+          <p:cNvPr id="2" name="Title 1"/>
+          <p:cNvSpPr>
+            <a:spLocks noGrp="1"/>
+          </p:cNvSpPr>
+          <p:nvPr>
+            <p:ph type="title"/>
+          </p:nvPr>
+        </p:nvSpPr>
+        <p:spPr/>
+        <p:txBody>
+          <a:bodyPr/>
+          <a:lstStyle/>
+          <a:p>
+            <a:r>
+              <a:rPr lang="en-US" dirty="0" smtClean="0"/>
+              <a:t>The Kernel is Trusted</a:t>
+            </a:r>
+            <a:endParaRPr lang="en-US" dirty="0"/>
+          </a:p>
+        </p:txBody>
+      </p:sp>
+      <p:sp>
+        <p:nvSpPr>
+          <p:cNvPr id="3" name="Content Placeholder 2"/>
+          <p:cNvSpPr>
+            <a:spLocks noGrp="1"/>
+          </p:cNvSpPr>
+          <p:nvPr>
+            <p:ph idx="1"/>
+          </p:nvPr>
+        </p:nvSpPr>
+        <p:spPr/>
+        <p:txBody>
+          <a:bodyPr/>
+          <a:lstStyle/>
+          <a:p>
+            <a:r>
+              <a:rPr lang="en-US" dirty="0" smtClean="0"/>
+              <a:t>Controls access to real resources</a:t>
+            </a:r>
+          </a:p>
+          <a:p>
+            <a:r>
+              <a:rPr lang="en-US" dirty="0" smtClean="0"/>
+              <a:t>Protects processes from each other</a:t>
+            </a:r>
+          </a:p>
+          <a:p>
+            <a:r>
+              <a:rPr lang="en-US" dirty="0" smtClean="0"/>
+              <a:t>Protects itself from processes</a:t>
+            </a:r>
+          </a:p>
+          <a:p>
+            <a:r>
+              <a:rPr lang="en-US" dirty="0" smtClean="0"/>
+              <a:t>You have to trust someone, sometime</a:t>
+            </a:r>
+            <a:r>
+              <a:rPr lang="mr-IN" dirty="0" smtClean="0"/>
+              <a:t>…</a:t>
+            </a:r>
+            <a:endParaRPr lang="en-US" dirty="0" smtClean="0"/>
+          </a:p>
+          <a:p>
+            <a:endParaRPr lang="en-US" dirty="0"/>
+          </a:p>
+        </p:txBody>
+      </p:sp>
+      <p:sp>
+        <p:nvSpPr>
+          <p:cNvPr id="4" name="Footer Placeholder 3"/>
+          <p:cNvSpPr>
+            <a:spLocks noGrp="1"/>
+          </p:cNvSpPr>
+          <p:nvPr>
+            <p:ph type="ftr" sz="quarter" idx="11"/>
+          </p:nvPr>
+        </p:nvSpPr>
+        <p:spPr/>
+        <p:txBody>
+          <a:bodyPr/>
+          <a:lstStyle/>
+          <a:p>
+            <a:r>
+              <a:rPr lang="en-US" smtClean="0"/>
+              <a:t>Introduction to Operating Systems</a:t>
+            </a:r>
+            <a:endParaRPr lang="en-US" dirty="0"/>
+          </a:p>
+        </p:txBody>
+      </p:sp>
+    </p:spTree>
+    <p:extLst>
+      <p:ext uri="{BB962C8B-B14F-4D97-AF65-F5344CB8AC3E}">
+        <p14:creationId xmlns:p14="http://schemas.microsoft.com/office/powerpoint/2010/main" val="177417898"/>
+      </p:ext>
+    </p:extLst>
+  </p:cSld>
+  <p:clrMapOvr>
+    <a:masterClrMapping/>
+  </p:clrMapOvr>
+  <p:timing>
+    <p:tnLst>
+      <p:par>
+        <p:cTn id="1" dur="indefinite" restart="never" nodeType="tmRoot"/>
+      </p:par>
+    </p:tnLst>
+  </p:timing>
+</p:sld>
+</file>
+
+<file path=ppt/slides/slide7.xml><?xml version="1.0" encoding="utf-8"?>
+<p:sld xmlns:a="http://schemas.openxmlformats.org/drawingml/2006/main" xmlns:r="http://schemas.openxmlformats.org/officeDocument/2006/relationships" xmlns:p="http://schemas.openxmlformats.org/presentationml/2006/main">
+  <p:cSld>
+    <p:spTree>
+      <p:nvGrpSpPr>
+        <p:cNvPr id="1" name=""/>
+        <p:cNvGrpSpPr/>
+        <p:nvPr/>
+      </p:nvGrpSpPr>
+      <p:grpSpPr>
+        <a:xfrm>
+          <a:off x="0" y="0"/>
+          <a:ext cx="0" cy="0"/>
+          <a:chOff x="0" y="0"/>
+          <a:chExt cx="0" cy="0"/>
+        </a:xfrm>
+      </p:grpSpPr>
+      <p:sp>
+        <p:nvSpPr>
+          <p:cNvPr id="7" name="Title 6"/>
+          <p:cNvSpPr>
+            <a:spLocks noGrp="1"/>
+          </p:cNvSpPr>
+          <p:nvPr>
+            <p:ph type="title"/>
+          </p:nvPr>
+        </p:nvSpPr>
+        <p:spPr/>
+        <p:txBody>
+          <a:bodyPr/>
+          <a:lstStyle/>
+          <a:p>
+            <a:r>
+              <a:rPr lang="en-US" dirty="0" smtClean="0"/>
+              <a:t>Kernel as Trusted Computing Base</a:t>
+            </a:r>
+            <a:endParaRPr lang="en-US" dirty="0"/>
+          </a:p>
+        </p:txBody>
+      </p:sp>
+      <p:sp>
+        <p:nvSpPr>
+          <p:cNvPr id="8" name="Content Placeholder 7"/>
+          <p:cNvSpPr>
+            <a:spLocks noGrp="1"/>
+          </p:cNvSpPr>
+          <p:nvPr>
+            <p:ph idx="1"/>
+          </p:nvPr>
+        </p:nvSpPr>
+        <p:spPr/>
+        <p:txBody>
+          <a:bodyPr>
+            <a:normAutofit/>
+          </a:bodyPr>
+          <a:lstStyle/>
+          <a:p>
+            <a:r>
+              <a:rPr lang="en-US" dirty="0" smtClean="0"/>
+              <a:t>User-kernel interface is a key </a:t>
+            </a:r>
+            <a:r>
+              <a:rPr lang="en-US" b="1" dirty="0" smtClean="0"/>
+              <a:t>Trusted Computing Base (TCB)</a:t>
+            </a:r>
+            <a:r>
+              <a:rPr lang="en-US" dirty="0" smtClean="0"/>
+              <a:t> surface</a:t>
+            </a:r>
+          </a:p>
+          <a:p>
+            <a:pPr lvl="1"/>
+            <a:r>
+              <a:rPr lang="en-US" i="1" dirty="0" smtClean="0"/>
+              <a:t>Minimum software required for the system to be secure</a:t>
+            </a:r>
+          </a:p>
+          <a:p>
+            <a:r>
+              <a:rPr lang="en-US" dirty="0" smtClean="0"/>
+              <a:t>Foundational security goal: </a:t>
+            </a:r>
+            <a:r>
+              <a:rPr lang="en-US" b="1" dirty="0" smtClean="0"/>
+              <a:t>isolation</a:t>
+            </a:r>
+            <a:endParaRPr lang="en-US" dirty="0" smtClean="0"/>
+          </a:p>
+          <a:p>
+            <a:pPr lvl="1"/>
+            <a:r>
+              <a:rPr lang="en-US" dirty="0" smtClean="0"/>
+              <a:t>Used to implement </a:t>
+            </a:r>
+            <a:r>
+              <a:rPr lang="en-US" b="1" dirty="0" smtClean="0"/>
+              <a:t>integrity</a:t>
+            </a:r>
+            <a:r>
+              <a:rPr lang="en-US" dirty="0" smtClean="0"/>
+              <a:t>, </a:t>
+            </a:r>
+            <a:r>
+              <a:rPr lang="en-US" b="1" dirty="0" smtClean="0"/>
+              <a:t>confidentiality</a:t>
+            </a:r>
+            <a:r>
+              <a:rPr lang="en-US" dirty="0" smtClean="0"/>
+              <a:t>, </a:t>
+            </a:r>
+            <a:r>
+              <a:rPr lang="en-US" b="1" dirty="0" smtClean="0"/>
+              <a:t>availability</a:t>
+            </a:r>
+          </a:p>
+          <a:p>
+            <a:pPr lvl="1"/>
+            <a:r>
+              <a:rPr lang="en-US" dirty="0" smtClean="0"/>
+              <a:t>Limit scope of system-call effects on global state</a:t>
+            </a:r>
+          </a:p>
+          <a:p>
+            <a:pPr lvl="1"/>
+            <a:r>
+              <a:rPr lang="en-US" dirty="0" smtClean="0"/>
+              <a:t>Enforce access control on all operations (e.g., MAC, DAC)</a:t>
+            </a:r>
+          </a:p>
+          <a:p>
+            <a:pPr lvl="1"/>
+            <a:r>
+              <a:rPr lang="en-US" dirty="0" smtClean="0"/>
+              <a:t>Accountability mechanisms (e.g., event auditing)</a:t>
+            </a:r>
+          </a:p>
+        </p:txBody>
+      </p:sp>
+      <p:sp>
+        <p:nvSpPr>
+          <p:cNvPr id="5" name="Footer Placeholder 4"/>
+          <p:cNvSpPr>
+            <a:spLocks noGrp="1"/>
+          </p:cNvSpPr>
+          <p:nvPr>
+            <p:ph type="ftr" sz="quarter" idx="11"/>
+          </p:nvPr>
+        </p:nvSpPr>
+        <p:spPr/>
+        <p:txBody>
+          <a:bodyPr/>
+          <a:lstStyle/>
+          <a:p>
+            <a:r>
+              <a:rPr lang="en-US" smtClean="0"/>
+              <a:t>Introduction to Operating Systems</a:t>
+            </a:r>
+            <a:endParaRPr lang="en-US"/>
+          </a:p>
+        </p:txBody>
+      </p:sp>
+    </p:spTree>
+    <p:extLst>
+      <p:ext uri="{BB962C8B-B14F-4D97-AF65-F5344CB8AC3E}">
+        <p14:creationId xmlns:p14="http://schemas.microsoft.com/office/powerpoint/2010/main" val="1936205296"/>
       </p:ext>
     </p:extLst>
   </p:cSld>
@@ -8191,7 +9080,7 @@
                             </p:stCondLst>
                             <p:childTnLst>
                               <p:par>
-                                <p:cTn id="5" presetID="1" presetClass="entr" presetSubtype="0" fill="hold" grpId="0" nodeType="clickEffect">
+                                <p:cTn id="5" presetID="1" presetClass="entr" presetSubtype="0" fill="hold" nodeType="clickEffect">
                                   <p:stCondLst>
                                     <p:cond delay="0"/>
                                   </p:stCondLst>
@@ -8204,7 +9093,215 @@
                                           </p:stCondLst>
                                         </p:cTn>
                                         <p:tgtEl>
-                                          <p:spTgt spid="7"/>
+                                          <p:spTgt spid="8">
+                                            <p:txEl>
+                                              <p:pRg st="0" end="0"/>
+                                            </p:txEl>
+                                          </p:spTgt>
+                                        </p:tgtEl>
+                                        <p:attrNameLst>
+                                          <p:attrName>style.visibility</p:attrName>
+                                        </p:attrNameLst>
+                                      </p:cBhvr>
+                                      <p:to>
+                                        <p:strVal val="visible"/>
+                                      </p:to>
+                                    </p:set>
+                                  </p:childTnLst>
+                                </p:cTn>
+                              </p:par>
+                              <p:par>
+                                <p:cTn id="7" presetID="1" presetClass="entr" presetSubtype="0" fill="hold" nodeType="withEffect">
+                                  <p:stCondLst>
+                                    <p:cond delay="0"/>
+                                  </p:stCondLst>
+                                  <p:childTnLst>
+                                    <p:set>
+                                      <p:cBhvr>
+                                        <p:cTn id="8" dur="1" fill="hold">
+                                          <p:stCondLst>
+                                            <p:cond delay="0"/>
+                                          </p:stCondLst>
+                                        </p:cTn>
+                                        <p:tgtEl>
+                                          <p:spTgt spid="8">
+                                            <p:txEl>
+                                              <p:pRg st="1" end="1"/>
+                                            </p:txEl>
+                                          </p:spTgt>
+                                        </p:tgtEl>
+                                        <p:attrNameLst>
+                                          <p:attrName>style.visibility</p:attrName>
+                                        </p:attrNameLst>
+                                      </p:cBhvr>
+                                      <p:to>
+                                        <p:strVal val="visible"/>
+                                      </p:to>
+                                    </p:set>
+                                  </p:childTnLst>
+                                </p:cTn>
+                              </p:par>
+                            </p:childTnLst>
+                          </p:cTn>
+                        </p:par>
+                      </p:childTnLst>
+                    </p:cTn>
+                  </p:par>
+                  <p:par>
+                    <p:cTn id="9" fill="hold">
+                      <p:stCondLst>
+                        <p:cond delay="indefinite"/>
+                      </p:stCondLst>
+                      <p:childTnLst>
+                        <p:par>
+                          <p:cTn id="10" fill="hold">
+                            <p:stCondLst>
+                              <p:cond delay="0"/>
+                            </p:stCondLst>
+                            <p:childTnLst>
+                              <p:par>
+                                <p:cTn id="11" presetID="1" presetClass="entr" presetSubtype="0" fill="hold" nodeType="clickEffect">
+                                  <p:stCondLst>
+                                    <p:cond delay="0"/>
+                                  </p:stCondLst>
+                                  <p:childTnLst>
+                                    <p:set>
+                                      <p:cBhvr>
+                                        <p:cTn id="12" dur="1" fill="hold">
+                                          <p:stCondLst>
+                                            <p:cond delay="0"/>
+                                          </p:stCondLst>
+                                        </p:cTn>
+                                        <p:tgtEl>
+                                          <p:spTgt spid="8">
+                                            <p:txEl>
+                                              <p:pRg st="2" end="2"/>
+                                            </p:txEl>
+                                          </p:spTgt>
+                                        </p:tgtEl>
+                                        <p:attrNameLst>
+                                          <p:attrName>style.visibility</p:attrName>
+                                        </p:attrNameLst>
+                                      </p:cBhvr>
+                                      <p:to>
+                                        <p:strVal val="visible"/>
+                                      </p:to>
+                                    </p:set>
+                                  </p:childTnLst>
+                                </p:cTn>
+                              </p:par>
+                              <p:par>
+                                <p:cTn id="13" presetID="1" presetClass="entr" presetSubtype="0" fill="hold" nodeType="withEffect">
+                                  <p:stCondLst>
+                                    <p:cond delay="0"/>
+                                  </p:stCondLst>
+                                  <p:childTnLst>
+                                    <p:set>
+                                      <p:cBhvr>
+                                        <p:cTn id="14" dur="1" fill="hold">
+                                          <p:stCondLst>
+                                            <p:cond delay="0"/>
+                                          </p:stCondLst>
+                                        </p:cTn>
+                                        <p:tgtEl>
+                                          <p:spTgt spid="8">
+                                            <p:txEl>
+                                              <p:pRg st="3" end="3"/>
+                                            </p:txEl>
+                                          </p:spTgt>
+                                        </p:tgtEl>
+                                        <p:attrNameLst>
+                                          <p:attrName>style.visibility</p:attrName>
+                                        </p:attrNameLst>
+                                      </p:cBhvr>
+                                      <p:to>
+                                        <p:strVal val="visible"/>
+                                      </p:to>
+                                    </p:set>
+                                  </p:childTnLst>
+                                </p:cTn>
+                              </p:par>
+                              <p:par>
+                                <p:cTn id="15" presetID="1" presetClass="entr" presetSubtype="0" fill="hold" nodeType="withEffect">
+                                  <p:stCondLst>
+                                    <p:cond delay="0"/>
+                                  </p:stCondLst>
+                                  <p:childTnLst>
+                                    <p:set>
+                                      <p:cBhvr>
+                                        <p:cTn id="16" dur="1" fill="hold">
+                                          <p:stCondLst>
+                                            <p:cond delay="0"/>
+                                          </p:stCondLst>
+                                        </p:cTn>
+                                        <p:tgtEl>
+                                          <p:spTgt spid="8">
+                                            <p:txEl>
+                                              <p:pRg st="4" end="4"/>
+                                            </p:txEl>
+                                          </p:spTgt>
+                                        </p:tgtEl>
+                                        <p:attrNameLst>
+                                          <p:attrName>style.visibility</p:attrName>
+                                        </p:attrNameLst>
+                                      </p:cBhvr>
+                                      <p:to>
+                                        <p:strVal val="visible"/>
+                                      </p:to>
+                                    </p:set>
+                                  </p:childTnLst>
+                                </p:cTn>
+                              </p:par>
+                              <p:par>
+                                <p:cTn id="17" presetID="1" presetClass="entr" presetSubtype="0" fill="hold" nodeType="withEffect">
+                                  <p:stCondLst>
+                                    <p:cond delay="0"/>
+                                  </p:stCondLst>
+                                  <p:childTnLst>
+                                    <p:set>
+                                      <p:cBhvr>
+                                        <p:cTn id="18" dur="1" fill="hold">
+                                          <p:stCondLst>
+                                            <p:cond delay="0"/>
+                                          </p:stCondLst>
+                                        </p:cTn>
+                                        <p:tgtEl>
+                                          <p:spTgt spid="8">
+                                            <p:txEl>
+                                              <p:pRg st="5" end="5"/>
+                                            </p:txEl>
+                                          </p:spTgt>
+                                        </p:tgtEl>
+                                        <p:attrNameLst>
+                                          <p:attrName>style.visibility</p:attrName>
+                                        </p:attrNameLst>
+                                      </p:cBhvr>
+                                      <p:to>
+                                        <p:strVal val="visible"/>
+                                      </p:to>
+                                    </p:set>
+                                  </p:childTnLst>
+                                </p:cTn>
+                              </p:par>
+                              <p:par>
+                                <p:cTn id="19" presetID="1" presetClass="entr" presetSubtype="0" fill="hold" nodeType="withEffect">
+                                  <p:stCondLst>
+                                    <p:cond delay="0"/>
+                                  </p:stCondLst>
+                                  <p:childTnLst>
+                                    <p:set>
+                                      <p:cBhvr>
+                                        <p:cTn id="20" dur="1" fill="hold">
+                                          <p:stCondLst>
+                                            <p:cond delay="0"/>
+                                          </p:stCondLst>
+                                        </p:cTn>
+                                        <p:tgtEl>
+                                          <p:spTgt spid="8">
+                                            <p:txEl>
+                                              <p:pRg st="6" end="6"/>
+                                            </p:txEl>
+                                          </p:spTgt>
                                         </p:tgtEl>
                                         <p:attrNameLst>
                                           <p:attrName>style.visibility</p:attrName>
@@ -8244,1410 +9341,11 @@
         </p:cTn>
       </p:par>
     </p:tnLst>
-    <p:bldLst>
-      <p:bldP spid="7" grpId="0" animBg="1"/>
-    </p:bldLst>
   </p:timing>
 </p:sld>
 </file>
 
-<file path=ppt/slides/slide21.xml><?xml version="1.0" encoding="utf-8"?>
-<p:sld xmlns:a="http://schemas.openxmlformats.org/drawingml/2006/main" xmlns:r="http://schemas.openxmlformats.org/officeDocument/2006/relationships" xmlns:p="http://schemas.openxmlformats.org/presentationml/2006/main">
-  <p:cSld>
-    <p:spTree>
-      <p:nvGrpSpPr>
-        <p:cNvPr id="1" name=""/>
-        <p:cNvGrpSpPr/>
-        <p:nvPr/>
-      </p:nvGrpSpPr>
-      <p:grpSpPr>
-        <a:xfrm>
-          <a:off x="0" y="0"/>
-          <a:ext cx="0" cy="0"/>
-          <a:chOff x="0" y="0"/>
-          <a:chExt cx="0" cy="0"/>
-        </a:xfrm>
-      </p:grpSpPr>
-      <p:sp>
-        <p:nvSpPr>
-          <p:cNvPr id="2" name="Title 1"/>
-          <p:cNvSpPr>
-            <a:spLocks noGrp="1"/>
-          </p:cNvSpPr>
-          <p:nvPr>
-            <p:ph type="title"/>
-          </p:nvPr>
-        </p:nvSpPr>
-        <p:spPr/>
-        <p:txBody>
-          <a:bodyPr/>
-          <a:lstStyle/>
-          <a:p>
-            <a:r>
-              <a:rPr lang="en-US" dirty="0" smtClean="0"/>
-              <a:t>The password file</a:t>
-            </a:r>
-            <a:endParaRPr lang="en-US" dirty="0"/>
-          </a:p>
-        </p:txBody>
-      </p:sp>
-      <p:sp>
-        <p:nvSpPr>
-          <p:cNvPr id="3" name="Content Placeholder 2"/>
-          <p:cNvSpPr>
-            <a:spLocks noGrp="1"/>
-          </p:cNvSpPr>
-          <p:nvPr>
-            <p:ph idx="1"/>
-          </p:nvPr>
-        </p:nvSpPr>
-        <p:spPr/>
-        <p:txBody>
-          <a:bodyPr/>
-          <a:lstStyle/>
-          <a:p>
-            <a:endParaRPr lang="en-US" dirty="0"/>
-          </a:p>
-        </p:txBody>
-      </p:sp>
-      <p:sp>
-        <p:nvSpPr>
-          <p:cNvPr id="4" name="Footer Placeholder 3"/>
-          <p:cNvSpPr>
-            <a:spLocks noGrp="1"/>
-          </p:cNvSpPr>
-          <p:nvPr>
-            <p:ph type="ftr" sz="quarter" idx="11"/>
-          </p:nvPr>
-        </p:nvSpPr>
-        <p:spPr/>
-        <p:txBody>
-          <a:bodyPr/>
-          <a:lstStyle/>
-          <a:p>
-            <a:r>
-              <a:rPr lang="en-US" smtClean="0"/>
-              <a:t>Introduction to Operating Systems</a:t>
-            </a:r>
-            <a:endParaRPr lang="en-US" dirty="0"/>
-          </a:p>
-        </p:txBody>
-      </p:sp>
-    </p:spTree>
-    <p:extLst>
-      <p:ext uri="{BB962C8B-B14F-4D97-AF65-F5344CB8AC3E}">
-        <p14:creationId xmlns:p14="http://schemas.microsoft.com/office/powerpoint/2010/main" val="1533009729"/>
-      </p:ext>
-    </p:extLst>
-  </p:cSld>
-  <p:clrMapOvr>
-    <a:masterClrMapping/>
-  </p:clrMapOvr>
-  <p:timing>
-    <p:tnLst>
-      <p:par>
-        <p:cTn id="1" dur="indefinite" restart="never" nodeType="tmRoot"/>
-      </p:par>
-    </p:tnLst>
-  </p:timing>
-</p:sld>
-</file>
-
-<file path=ppt/slides/slide22.xml><?xml version="1.0" encoding="utf-8"?>
-<p:sld xmlns:a="http://schemas.openxmlformats.org/drawingml/2006/main" xmlns:r="http://schemas.openxmlformats.org/officeDocument/2006/relationships" xmlns:p="http://schemas.openxmlformats.org/presentationml/2006/main">
-  <p:cSld>
-    <p:spTree>
-      <p:nvGrpSpPr>
-        <p:cNvPr id="1" name=""/>
-        <p:cNvGrpSpPr/>
-        <p:nvPr/>
-      </p:nvGrpSpPr>
-      <p:grpSpPr>
-        <a:xfrm>
-          <a:off x="0" y="0"/>
-          <a:ext cx="0" cy="0"/>
-          <a:chOff x="0" y="0"/>
-          <a:chExt cx="0" cy="0"/>
-        </a:xfrm>
-      </p:grpSpPr>
-      <p:sp>
-        <p:nvSpPr>
-          <p:cNvPr id="2" name="Title 1"/>
-          <p:cNvSpPr>
-            <a:spLocks noGrp="1"/>
-          </p:cNvSpPr>
-          <p:nvPr>
-            <p:ph type="title"/>
-          </p:nvPr>
-        </p:nvSpPr>
-        <p:spPr/>
-        <p:txBody>
-          <a:bodyPr/>
-          <a:lstStyle/>
-          <a:p>
-            <a:r>
-              <a:rPr lang="en-US" dirty="0" smtClean="0"/>
-              <a:t>The user’s credentials</a:t>
-            </a:r>
-            <a:endParaRPr lang="en-US" dirty="0"/>
-          </a:p>
-        </p:txBody>
-      </p:sp>
-      <p:sp>
-        <p:nvSpPr>
-          <p:cNvPr id="3" name="Content Placeholder 2"/>
-          <p:cNvSpPr>
-            <a:spLocks noGrp="1"/>
-          </p:cNvSpPr>
-          <p:nvPr>
-            <p:ph idx="1"/>
-          </p:nvPr>
-        </p:nvSpPr>
-        <p:spPr/>
-        <p:txBody>
-          <a:bodyPr/>
-          <a:lstStyle/>
-          <a:p>
-            <a:endParaRPr lang="en-US"/>
-          </a:p>
-        </p:txBody>
-      </p:sp>
-      <p:sp>
-        <p:nvSpPr>
-          <p:cNvPr id="4" name="Footer Placeholder 3"/>
-          <p:cNvSpPr>
-            <a:spLocks noGrp="1"/>
-          </p:cNvSpPr>
-          <p:nvPr>
-            <p:ph type="ftr" sz="quarter" idx="11"/>
-          </p:nvPr>
-        </p:nvSpPr>
-        <p:spPr/>
-        <p:txBody>
-          <a:bodyPr/>
-          <a:lstStyle/>
-          <a:p>
-            <a:r>
-              <a:rPr lang="en-US" smtClean="0"/>
-              <a:t>Introduction to Operating Systems</a:t>
-            </a:r>
-            <a:endParaRPr lang="en-US" dirty="0"/>
-          </a:p>
-        </p:txBody>
-      </p:sp>
-    </p:spTree>
-    <p:extLst>
-      <p:ext uri="{BB962C8B-B14F-4D97-AF65-F5344CB8AC3E}">
-        <p14:creationId xmlns:p14="http://schemas.microsoft.com/office/powerpoint/2010/main" val="1549214054"/>
-      </p:ext>
-    </p:extLst>
-  </p:cSld>
-  <p:clrMapOvr>
-    <a:masterClrMapping/>
-  </p:clrMapOvr>
-  <p:timing>
-    <p:tnLst>
-      <p:par>
-        <p:cTn id="1" dur="indefinite" restart="never" nodeType="tmRoot"/>
-      </p:par>
-    </p:tnLst>
-  </p:timing>
-</p:sld>
-</file>
-
-<file path=ppt/slides/slide23.xml><?xml version="1.0" encoding="utf-8"?>
-<p:sld xmlns:a="http://schemas.openxmlformats.org/drawingml/2006/main" xmlns:r="http://schemas.openxmlformats.org/officeDocument/2006/relationships" xmlns:p="http://schemas.openxmlformats.org/presentationml/2006/main">
-  <p:cSld>
-    <p:spTree>
-      <p:nvGrpSpPr>
-        <p:cNvPr id="1" name=""/>
-        <p:cNvGrpSpPr/>
-        <p:nvPr/>
-      </p:nvGrpSpPr>
-      <p:grpSpPr>
-        <a:xfrm>
-          <a:off x="0" y="0"/>
-          <a:ext cx="0" cy="0"/>
-          <a:chOff x="0" y="0"/>
-          <a:chExt cx="0" cy="0"/>
-        </a:xfrm>
-      </p:grpSpPr>
-      <p:sp>
-        <p:nvSpPr>
-          <p:cNvPr id="2" name="Title 1"/>
-          <p:cNvSpPr>
-            <a:spLocks noGrp="1"/>
-          </p:cNvSpPr>
-          <p:nvPr>
-            <p:ph type="title"/>
-          </p:nvPr>
-        </p:nvSpPr>
-        <p:spPr/>
-        <p:txBody>
-          <a:bodyPr/>
-          <a:lstStyle/>
-          <a:p>
-            <a:r>
-              <a:rPr lang="en-US" dirty="0" smtClean="0"/>
-              <a:t>Privilege Checking</a:t>
-            </a:r>
-            <a:endParaRPr lang="en-US" dirty="0"/>
-          </a:p>
-        </p:txBody>
-      </p:sp>
-      <p:sp>
-        <p:nvSpPr>
-          <p:cNvPr id="3" name="Content Placeholder 2"/>
-          <p:cNvSpPr>
-            <a:spLocks noGrp="1"/>
-          </p:cNvSpPr>
-          <p:nvPr>
-            <p:ph idx="1"/>
-          </p:nvPr>
-        </p:nvSpPr>
-        <p:spPr/>
-        <p:txBody>
-          <a:bodyPr/>
-          <a:lstStyle/>
-          <a:p>
-            <a:endParaRPr lang="en-US"/>
-          </a:p>
-        </p:txBody>
-      </p:sp>
-      <p:sp>
-        <p:nvSpPr>
-          <p:cNvPr id="4" name="Footer Placeholder 3"/>
-          <p:cNvSpPr>
-            <a:spLocks noGrp="1"/>
-          </p:cNvSpPr>
-          <p:nvPr>
-            <p:ph type="ftr" sz="quarter" idx="11"/>
-          </p:nvPr>
-        </p:nvSpPr>
-        <p:spPr/>
-        <p:txBody>
-          <a:bodyPr/>
-          <a:lstStyle/>
-          <a:p>
-            <a:r>
-              <a:rPr lang="en-US" smtClean="0"/>
-              <a:t>Introduction to Operating Systems</a:t>
-            </a:r>
-            <a:endParaRPr lang="en-US" dirty="0"/>
-          </a:p>
-        </p:txBody>
-      </p:sp>
-    </p:spTree>
-    <p:extLst>
-      <p:ext uri="{BB962C8B-B14F-4D97-AF65-F5344CB8AC3E}">
-        <p14:creationId xmlns:p14="http://schemas.microsoft.com/office/powerpoint/2010/main" val="261592939"/>
-      </p:ext>
-    </p:extLst>
-  </p:cSld>
-  <p:clrMapOvr>
-    <a:masterClrMapping/>
-  </p:clrMapOvr>
-  <p:timing>
-    <p:tnLst>
-      <p:par>
-        <p:cTn id="1" dur="indefinite" restart="never" nodeType="tmRoot"/>
-      </p:par>
-    </p:tnLst>
-  </p:timing>
-</p:sld>
-</file>
-
-<file path=ppt/slides/slide24.xml><?xml version="1.0" encoding="utf-8"?>
-<p:sld xmlns:a="http://schemas.openxmlformats.org/drawingml/2006/main" xmlns:r="http://schemas.openxmlformats.org/officeDocument/2006/relationships" xmlns:p="http://schemas.openxmlformats.org/presentationml/2006/main">
-  <p:cSld>
-    <p:spTree>
-      <p:nvGrpSpPr>
-        <p:cNvPr id="1" name=""/>
-        <p:cNvGrpSpPr/>
-        <p:nvPr/>
-      </p:nvGrpSpPr>
-      <p:grpSpPr>
-        <a:xfrm>
-          <a:off x="0" y="0"/>
-          <a:ext cx="0" cy="0"/>
-          <a:chOff x="0" y="0"/>
-          <a:chExt cx="0" cy="0"/>
-        </a:xfrm>
-      </p:grpSpPr>
-      <p:sp>
-        <p:nvSpPr>
-          <p:cNvPr id="2" name="Title 1"/>
-          <p:cNvSpPr>
-            <a:spLocks noGrp="1"/>
-          </p:cNvSpPr>
-          <p:nvPr>
-            <p:ph type="title"/>
-          </p:nvPr>
-        </p:nvSpPr>
-        <p:spPr/>
-        <p:txBody>
-          <a:bodyPr/>
-          <a:lstStyle/>
-          <a:p>
-            <a:r>
-              <a:rPr lang="en-US" dirty="0" smtClean="0"/>
-              <a:t>Users and Files</a:t>
-            </a:r>
-            <a:endParaRPr lang="en-US" dirty="0"/>
-          </a:p>
-        </p:txBody>
-      </p:sp>
-      <p:sp>
-        <p:nvSpPr>
-          <p:cNvPr id="3" name="Content Placeholder 2"/>
-          <p:cNvSpPr>
-            <a:spLocks noGrp="1"/>
-          </p:cNvSpPr>
-          <p:nvPr>
-            <p:ph idx="1"/>
-          </p:nvPr>
-        </p:nvSpPr>
-        <p:spPr/>
-        <p:txBody>
-          <a:bodyPr/>
-          <a:lstStyle/>
-          <a:p>
-            <a:endParaRPr lang="en-US"/>
-          </a:p>
-        </p:txBody>
-      </p:sp>
-      <p:sp>
-        <p:nvSpPr>
-          <p:cNvPr id="4" name="Footer Placeholder 3"/>
-          <p:cNvSpPr>
-            <a:spLocks noGrp="1"/>
-          </p:cNvSpPr>
-          <p:nvPr>
-            <p:ph type="ftr" sz="quarter" idx="11"/>
-          </p:nvPr>
-        </p:nvSpPr>
-        <p:spPr/>
-        <p:txBody>
-          <a:bodyPr/>
-          <a:lstStyle/>
-          <a:p>
-            <a:r>
-              <a:rPr lang="en-US" smtClean="0"/>
-              <a:t>Introduction to Operating Systems</a:t>
-            </a:r>
-            <a:endParaRPr lang="en-US" dirty="0"/>
-          </a:p>
-        </p:txBody>
-      </p:sp>
-    </p:spTree>
-    <p:extLst>
-      <p:ext uri="{BB962C8B-B14F-4D97-AF65-F5344CB8AC3E}">
-        <p14:creationId xmlns:p14="http://schemas.microsoft.com/office/powerpoint/2010/main" val="318394817"/>
-      </p:ext>
-    </p:extLst>
-  </p:cSld>
-  <p:clrMapOvr>
-    <a:masterClrMapping/>
-  </p:clrMapOvr>
-  <p:timing>
-    <p:tnLst>
-      <p:par>
-        <p:cTn id="1" dur="indefinite" restart="never" nodeType="tmRoot"/>
-      </p:par>
-    </p:tnLst>
-  </p:timing>
-</p:sld>
-</file>
-
-<file path=ppt/slides/slide25.xml><?xml version="1.0" encoding="utf-8"?>
-<p:sld xmlns:a="http://schemas.openxmlformats.org/drawingml/2006/main" xmlns:r="http://schemas.openxmlformats.org/officeDocument/2006/relationships" xmlns:p="http://schemas.openxmlformats.org/presentationml/2006/main">
-  <p:cSld>
-    <p:spTree>
-      <p:nvGrpSpPr>
-        <p:cNvPr id="1" name=""/>
-        <p:cNvGrpSpPr/>
-        <p:nvPr/>
-      </p:nvGrpSpPr>
-      <p:grpSpPr>
-        <a:xfrm>
-          <a:off x="0" y="0"/>
-          <a:ext cx="0" cy="0"/>
-          <a:chOff x="0" y="0"/>
-          <a:chExt cx="0" cy="0"/>
-        </a:xfrm>
-      </p:grpSpPr>
-      <p:sp>
-        <p:nvSpPr>
-          <p:cNvPr id="2" name="Title 1"/>
-          <p:cNvSpPr>
-            <a:spLocks noGrp="1"/>
-          </p:cNvSpPr>
-          <p:nvPr>
-            <p:ph type="title"/>
-          </p:nvPr>
-        </p:nvSpPr>
-        <p:spPr/>
-        <p:txBody>
-          <a:bodyPr/>
-          <a:lstStyle/>
-          <a:p>
-            <a:r>
-              <a:rPr lang="en-US" dirty="0" smtClean="0"/>
-              <a:t>Privilege Escalation</a:t>
-            </a:r>
-            <a:endParaRPr lang="en-US" dirty="0"/>
-          </a:p>
-        </p:txBody>
-      </p:sp>
-      <p:sp>
-        <p:nvSpPr>
-          <p:cNvPr id="3" name="Content Placeholder 2"/>
-          <p:cNvSpPr>
-            <a:spLocks noGrp="1"/>
-          </p:cNvSpPr>
-          <p:nvPr>
-            <p:ph idx="1"/>
-          </p:nvPr>
-        </p:nvSpPr>
-        <p:spPr/>
-        <p:txBody>
-          <a:bodyPr/>
-          <a:lstStyle/>
-          <a:p>
-            <a:r>
-              <a:rPr lang="en-US" dirty="0" smtClean="0"/>
-              <a:t>Sometimes you need more effective power</a:t>
-            </a:r>
-          </a:p>
-          <a:p>
-            <a:r>
-              <a:rPr lang="en-US" dirty="0" smtClean="0"/>
-              <a:t>Effective UID vs. Real UID</a:t>
-            </a:r>
-          </a:p>
-          <a:p>
-            <a:r>
-              <a:rPr lang="en-US" dirty="0" err="1" smtClean="0"/>
-              <a:t>getuid</a:t>
-            </a:r>
-            <a:r>
-              <a:rPr lang="en-US" dirty="0" smtClean="0"/>
-              <a:t>(2)</a:t>
-            </a:r>
-          </a:p>
-          <a:p>
-            <a:r>
-              <a:rPr lang="en-US" dirty="0" err="1" smtClean="0"/>
-              <a:t>geteuid</a:t>
-            </a:r>
-            <a:r>
-              <a:rPr lang="en-US" dirty="0" smtClean="0"/>
-              <a:t>(2)</a:t>
-            </a:r>
-          </a:p>
-          <a:p>
-            <a:r>
-              <a:rPr lang="en-US" dirty="0" err="1" smtClean="0"/>
-              <a:t>setuid</a:t>
-            </a:r>
-            <a:r>
-              <a:rPr lang="en-US" dirty="0" smtClean="0"/>
-              <a:t>(2)</a:t>
-            </a:r>
-          </a:p>
-          <a:p>
-            <a:r>
-              <a:rPr lang="en-US" dirty="0" err="1" smtClean="0"/>
-              <a:t>seteuid</a:t>
-            </a:r>
-            <a:r>
-              <a:rPr lang="en-US" dirty="0" smtClean="0"/>
-              <a:t>(2)</a:t>
-            </a:r>
-            <a:endParaRPr lang="en-US" dirty="0"/>
-          </a:p>
-        </p:txBody>
-      </p:sp>
-      <p:sp>
-        <p:nvSpPr>
-          <p:cNvPr id="4" name="Footer Placeholder 3"/>
-          <p:cNvSpPr>
-            <a:spLocks noGrp="1"/>
-          </p:cNvSpPr>
-          <p:nvPr>
-            <p:ph type="ftr" sz="quarter" idx="11"/>
-          </p:nvPr>
-        </p:nvSpPr>
-        <p:spPr/>
-        <p:txBody>
-          <a:bodyPr/>
-          <a:lstStyle/>
-          <a:p>
-            <a:r>
-              <a:rPr lang="en-US" smtClean="0"/>
-              <a:t>Introduction to Operating Systems</a:t>
-            </a:r>
-            <a:endParaRPr lang="en-US" dirty="0"/>
-          </a:p>
-        </p:txBody>
-      </p:sp>
-    </p:spTree>
-    <p:extLst>
-      <p:ext uri="{BB962C8B-B14F-4D97-AF65-F5344CB8AC3E}">
-        <p14:creationId xmlns:p14="http://schemas.microsoft.com/office/powerpoint/2010/main" val="832101954"/>
-      </p:ext>
-    </p:extLst>
-  </p:cSld>
-  <p:clrMapOvr>
-    <a:masterClrMapping/>
-  </p:clrMapOvr>
-  <p:timing>
-    <p:tnLst>
-      <p:par>
-        <p:cTn id="1" dur="indefinite" restart="never" nodeType="tmRoot"/>
-      </p:par>
-    </p:tnLst>
-  </p:timing>
-</p:sld>
-</file>
-
-<file path=ppt/slides/slide26.xml><?xml version="1.0" encoding="utf-8"?>
-<p:sld xmlns:a="http://schemas.openxmlformats.org/drawingml/2006/main" xmlns:r="http://schemas.openxmlformats.org/officeDocument/2006/relationships" xmlns:p="http://schemas.openxmlformats.org/presentationml/2006/main">
-  <p:cSld>
-    <p:spTree>
-      <p:nvGrpSpPr>
-        <p:cNvPr id="1" name=""/>
-        <p:cNvGrpSpPr/>
-        <p:nvPr/>
-      </p:nvGrpSpPr>
-      <p:grpSpPr>
-        <a:xfrm>
-          <a:off x="0" y="0"/>
-          <a:ext cx="0" cy="0"/>
-          <a:chOff x="0" y="0"/>
-          <a:chExt cx="0" cy="0"/>
-        </a:xfrm>
-      </p:grpSpPr>
-      <p:sp>
-        <p:nvSpPr>
-          <p:cNvPr id="2" name="Title 1"/>
-          <p:cNvSpPr>
-            <a:spLocks noGrp="1"/>
-          </p:cNvSpPr>
-          <p:nvPr>
-            <p:ph type="title"/>
-          </p:nvPr>
-        </p:nvSpPr>
-        <p:spPr/>
-        <p:txBody>
-          <a:bodyPr/>
-          <a:lstStyle/>
-          <a:p>
-            <a:r>
-              <a:rPr lang="en-US" dirty="0" smtClean="0"/>
-              <a:t>Escalating Privileges</a:t>
-            </a:r>
-            <a:endParaRPr lang="en-US" dirty="0"/>
-          </a:p>
-        </p:txBody>
-      </p:sp>
-      <p:pic>
-        <p:nvPicPr>
-          <p:cNvPr id="5" name="Content Placeholder 4"/>
-          <p:cNvPicPr>
-            <a:picLocks noGrp="1" noChangeAspect="1"/>
-          </p:cNvPicPr>
-          <p:nvPr>
-            <p:ph idx="1"/>
-          </p:nvPr>
-        </p:nvPicPr>
-        <p:blipFill>
-          <a:blip r:embed="rId2"/>
-          <a:stretch>
-            <a:fillRect/>
-          </a:stretch>
-        </p:blipFill>
-        <p:spPr>
-          <a:xfrm>
-            <a:off x="3840163" y="1827213"/>
-            <a:ext cx="4572000" cy="3797300"/>
-          </a:xfrm>
-        </p:spPr>
-      </p:pic>
-      <p:sp>
-        <p:nvSpPr>
-          <p:cNvPr id="4" name="Footer Placeholder 3"/>
-          <p:cNvSpPr>
-            <a:spLocks noGrp="1"/>
-          </p:cNvSpPr>
-          <p:nvPr>
-            <p:ph type="ftr" sz="quarter" idx="11"/>
-          </p:nvPr>
-        </p:nvSpPr>
-        <p:spPr/>
-        <p:txBody>
-          <a:bodyPr/>
-          <a:lstStyle/>
-          <a:p>
-            <a:r>
-              <a:rPr lang="en-US" smtClean="0"/>
-              <a:t>Introduction to Operating Systems</a:t>
-            </a:r>
-            <a:endParaRPr lang="en-US" dirty="0"/>
-          </a:p>
-        </p:txBody>
-      </p:sp>
-      <p:sp>
-        <p:nvSpPr>
-          <p:cNvPr id="6" name="TextBox 5"/>
-          <p:cNvSpPr txBox="1"/>
-          <p:nvPr/>
-        </p:nvSpPr>
-        <p:spPr>
-          <a:xfrm>
-            <a:off x="5019930" y="5672817"/>
-            <a:ext cx="2212465" cy="369332"/>
-          </a:xfrm>
-          <a:prstGeom prst="rect">
-            <a:avLst/>
-          </a:prstGeom>
-          <a:noFill/>
-        </p:spPr>
-        <p:txBody>
-          <a:bodyPr wrap="none" rtlCol="0">
-            <a:spAutoFit/>
-          </a:bodyPr>
-          <a:lstStyle/>
-          <a:p>
-            <a:r>
-              <a:rPr lang="en-US" dirty="0"/>
-              <a:t>https://</a:t>
-            </a:r>
-            <a:r>
-              <a:rPr lang="en-US" dirty="0" err="1"/>
-              <a:t>xkcd.com</a:t>
-            </a:r>
-            <a:r>
-              <a:rPr lang="en-US" dirty="0"/>
-              <a:t>/149/</a:t>
-            </a:r>
-            <a:endParaRPr lang="en-US" dirty="0"/>
-          </a:p>
-        </p:txBody>
-      </p:sp>
-    </p:spTree>
-    <p:extLst>
-      <p:ext uri="{BB962C8B-B14F-4D97-AF65-F5344CB8AC3E}">
-        <p14:creationId xmlns:p14="http://schemas.microsoft.com/office/powerpoint/2010/main" val="778839730"/>
-      </p:ext>
-    </p:extLst>
-  </p:cSld>
-  <p:clrMapOvr>
-    <a:masterClrMapping/>
-  </p:clrMapOvr>
-  <p:timing>
-    <p:tnLst>
-      <p:par>
-        <p:cTn id="1" dur="indefinite" restart="never" nodeType="tmRoot"/>
-      </p:par>
-    </p:tnLst>
-  </p:timing>
-</p:sld>
-</file>
-
-<file path=ppt/slides/slide27.xml><?xml version="1.0" encoding="utf-8"?>
-<p:sld xmlns:a="http://schemas.openxmlformats.org/drawingml/2006/main" xmlns:r="http://schemas.openxmlformats.org/officeDocument/2006/relationships" xmlns:p="http://schemas.openxmlformats.org/presentationml/2006/main">
-  <p:cSld>
-    <p:spTree>
-      <p:nvGrpSpPr>
-        <p:cNvPr id="1" name=""/>
-        <p:cNvGrpSpPr/>
-        <p:nvPr/>
-      </p:nvGrpSpPr>
-      <p:grpSpPr>
-        <a:xfrm>
-          <a:off x="0" y="0"/>
-          <a:ext cx="0" cy="0"/>
-          <a:chOff x="0" y="0"/>
-          <a:chExt cx="0" cy="0"/>
-        </a:xfrm>
-      </p:grpSpPr>
-      <p:sp>
-        <p:nvSpPr>
-          <p:cNvPr id="2" name="Title 1"/>
-          <p:cNvSpPr>
-            <a:spLocks noGrp="1"/>
-          </p:cNvSpPr>
-          <p:nvPr>
-            <p:ph type="title"/>
-          </p:nvPr>
-        </p:nvSpPr>
-        <p:spPr/>
-        <p:txBody>
-          <a:bodyPr/>
-          <a:lstStyle/>
-          <a:p>
-            <a:r>
-              <a:rPr lang="en-US" dirty="0" err="1" smtClean="0"/>
-              <a:t>sudo</a:t>
-            </a:r>
-            <a:r>
-              <a:rPr lang="en-US" dirty="0" smtClean="0"/>
-              <a:t> and privilege escalation</a:t>
-            </a:r>
-            <a:endParaRPr lang="en-US" dirty="0"/>
-          </a:p>
-        </p:txBody>
-      </p:sp>
-      <p:sp>
-        <p:nvSpPr>
-          <p:cNvPr id="3" name="Content Placeholder 2"/>
-          <p:cNvSpPr>
-            <a:spLocks noGrp="1"/>
-          </p:cNvSpPr>
-          <p:nvPr>
-            <p:ph idx="1"/>
-          </p:nvPr>
-        </p:nvSpPr>
-        <p:spPr/>
-        <p:txBody>
-          <a:bodyPr/>
-          <a:lstStyle/>
-          <a:p>
-            <a:r>
-              <a:rPr lang="en-US" dirty="0"/>
-              <a:t>-</a:t>
-            </a:r>
-            <a:r>
-              <a:rPr lang="en-US" dirty="0" err="1"/>
-              <a:t>rw</a:t>
-            </a:r>
-            <a:r>
-              <a:rPr lang="en-US" dirty="0" err="1">
-                <a:solidFill>
-                  <a:srgbClr val="FF0000"/>
-                </a:solidFill>
-              </a:rPr>
-              <a:t>s</a:t>
-            </a:r>
-            <a:r>
-              <a:rPr lang="en-US" dirty="0" err="1"/>
-              <a:t>r</a:t>
-            </a:r>
-            <a:r>
-              <a:rPr lang="en-US" dirty="0"/>
-              <a:t>-</a:t>
-            </a:r>
-            <a:r>
-              <a:rPr lang="en-US" dirty="0" err="1"/>
-              <a:t>xr</a:t>
-            </a:r>
-            <a:r>
-              <a:rPr lang="en-US" dirty="0"/>
-              <a:t>-x  1 root  wheel  112400 Feb  8 20:55 /</a:t>
-            </a:r>
-            <a:r>
-              <a:rPr lang="en-US" dirty="0" err="1"/>
-              <a:t>usr</a:t>
-            </a:r>
-            <a:r>
-              <a:rPr lang="en-US" dirty="0"/>
-              <a:t>/local/bin/</a:t>
-            </a:r>
-            <a:r>
-              <a:rPr lang="en-US" dirty="0" err="1"/>
-              <a:t>sudo</a:t>
-            </a:r>
-            <a:r>
-              <a:rPr lang="en-US" dirty="0" smtClean="0"/>
-              <a:t>*</a:t>
-            </a:r>
-          </a:p>
-          <a:p>
-            <a:r>
-              <a:rPr lang="en-US" dirty="0" smtClean="0"/>
-              <a:t>What does the “s” mean?</a:t>
-            </a:r>
-          </a:p>
-          <a:p>
-            <a:endParaRPr lang="en-US" dirty="0"/>
-          </a:p>
-        </p:txBody>
-      </p:sp>
-      <p:sp>
-        <p:nvSpPr>
-          <p:cNvPr id="4" name="Footer Placeholder 3"/>
-          <p:cNvSpPr>
-            <a:spLocks noGrp="1"/>
-          </p:cNvSpPr>
-          <p:nvPr>
-            <p:ph type="ftr" sz="quarter" idx="11"/>
-          </p:nvPr>
-        </p:nvSpPr>
-        <p:spPr/>
-        <p:txBody>
-          <a:bodyPr/>
-          <a:lstStyle/>
-          <a:p>
-            <a:r>
-              <a:rPr lang="en-US" smtClean="0"/>
-              <a:t>Introduction to Operating Systems</a:t>
-            </a:r>
-            <a:endParaRPr lang="en-US" dirty="0"/>
-          </a:p>
-        </p:txBody>
-      </p:sp>
-    </p:spTree>
-    <p:extLst>
-      <p:ext uri="{BB962C8B-B14F-4D97-AF65-F5344CB8AC3E}">
-        <p14:creationId xmlns:p14="http://schemas.microsoft.com/office/powerpoint/2010/main" val="1860185539"/>
-      </p:ext>
-    </p:extLst>
-  </p:cSld>
-  <p:clrMapOvr>
-    <a:masterClrMapping/>
-  </p:clrMapOvr>
-  <p:timing>
-    <p:tnLst>
-      <p:par>
-        <p:cTn id="1" dur="indefinite" restart="never" nodeType="tmRoot"/>
-      </p:par>
-    </p:tnLst>
-  </p:timing>
-</p:sld>
-</file>
-
-<file path=ppt/slides/slide3.xml><?xml version="1.0" encoding="utf-8"?>
-<p:sld xmlns:a="http://schemas.openxmlformats.org/drawingml/2006/main" xmlns:r="http://schemas.openxmlformats.org/officeDocument/2006/relationships" xmlns:p="http://schemas.openxmlformats.org/presentationml/2006/main">
-  <p:cSld>
-    <p:spTree>
-      <p:nvGrpSpPr>
-        <p:cNvPr id="1" name=""/>
-        <p:cNvGrpSpPr/>
-        <p:nvPr/>
-      </p:nvGrpSpPr>
-      <p:grpSpPr>
-        <a:xfrm>
-          <a:off x="0" y="0"/>
-          <a:ext cx="0" cy="0"/>
-          <a:chOff x="0" y="0"/>
-          <a:chExt cx="0" cy="0"/>
-        </a:xfrm>
-      </p:grpSpPr>
-      <p:sp>
-        <p:nvSpPr>
-          <p:cNvPr id="2" name="Title 1"/>
-          <p:cNvSpPr>
-            <a:spLocks noGrp="1"/>
-          </p:cNvSpPr>
-          <p:nvPr>
-            <p:ph type="title"/>
-          </p:nvPr>
-        </p:nvSpPr>
-        <p:spPr/>
-        <p:txBody>
-          <a:bodyPr/>
-          <a:lstStyle/>
-          <a:p>
-            <a:r>
-              <a:rPr lang="en-US" dirty="0" smtClean="0"/>
-              <a:t>Isolation</a:t>
-            </a:r>
-            <a:endParaRPr lang="en-US" dirty="0"/>
-          </a:p>
-        </p:txBody>
-      </p:sp>
-      <p:sp>
-        <p:nvSpPr>
-          <p:cNvPr id="3" name="Content Placeholder 2"/>
-          <p:cNvSpPr>
-            <a:spLocks noGrp="1"/>
-          </p:cNvSpPr>
-          <p:nvPr>
-            <p:ph idx="1"/>
-          </p:nvPr>
-        </p:nvSpPr>
-        <p:spPr/>
-        <p:txBody>
-          <a:bodyPr/>
-          <a:lstStyle/>
-          <a:p>
-            <a:r>
-              <a:rPr lang="en-US" dirty="0" smtClean="0"/>
-              <a:t>Alice cannot interfere with Bob</a:t>
-            </a:r>
-          </a:p>
-          <a:p>
-            <a:r>
-              <a:rPr lang="en-US" dirty="0" smtClean="0"/>
-              <a:t>Alice cannot communicate with Bob without prior agreement</a:t>
-            </a:r>
-          </a:p>
-          <a:p>
-            <a:r>
-              <a:rPr lang="en-US" dirty="0" smtClean="0"/>
-              <a:t>Eve cannot read data contained in Alice or Bob</a:t>
-            </a:r>
-          </a:p>
-        </p:txBody>
-      </p:sp>
-      <p:sp>
-        <p:nvSpPr>
-          <p:cNvPr id="4" name="Footer Placeholder 3"/>
-          <p:cNvSpPr>
-            <a:spLocks noGrp="1"/>
-          </p:cNvSpPr>
-          <p:nvPr>
-            <p:ph type="ftr" sz="quarter" idx="11"/>
-          </p:nvPr>
-        </p:nvSpPr>
-        <p:spPr/>
-        <p:txBody>
-          <a:bodyPr/>
-          <a:lstStyle/>
-          <a:p>
-            <a:r>
-              <a:rPr lang="en-US" smtClean="0"/>
-              <a:t>Introduction to Operating Systems</a:t>
-            </a:r>
-            <a:endParaRPr lang="en-US" dirty="0"/>
-          </a:p>
-        </p:txBody>
-      </p:sp>
-    </p:spTree>
-    <p:extLst>
-      <p:ext uri="{BB962C8B-B14F-4D97-AF65-F5344CB8AC3E}">
-        <p14:creationId xmlns:p14="http://schemas.microsoft.com/office/powerpoint/2010/main" val="1201316526"/>
-      </p:ext>
-    </p:extLst>
-  </p:cSld>
-  <p:clrMapOvr>
-    <a:masterClrMapping/>
-  </p:clrMapOvr>
-  <p:timing>
-    <p:tnLst>
-      <p:par>
-        <p:cTn id="1" dur="indefinite" restart="never" nodeType="tmRoot"/>
-      </p:par>
-    </p:tnLst>
-  </p:timing>
-</p:sld>
-</file>
-
-<file path=ppt/slides/slide4.xml><?xml version="1.0" encoding="utf-8"?>
-<p:sld xmlns:a="http://schemas.openxmlformats.org/drawingml/2006/main" xmlns:r="http://schemas.openxmlformats.org/officeDocument/2006/relationships" xmlns:p="http://schemas.openxmlformats.org/presentationml/2006/main">
-  <p:cSld>
-    <p:spTree>
-      <p:nvGrpSpPr>
-        <p:cNvPr id="1" name=""/>
-        <p:cNvGrpSpPr/>
-        <p:nvPr/>
-      </p:nvGrpSpPr>
-      <p:grpSpPr>
-        <a:xfrm>
-          <a:off x="0" y="0"/>
-          <a:ext cx="0" cy="0"/>
-          <a:chOff x="0" y="0"/>
-          <a:chExt cx="0" cy="0"/>
-        </a:xfrm>
-      </p:grpSpPr>
-      <p:sp>
-        <p:nvSpPr>
-          <p:cNvPr id="2" name="Title 1"/>
-          <p:cNvSpPr>
-            <a:spLocks noGrp="1"/>
-          </p:cNvSpPr>
-          <p:nvPr>
-            <p:ph type="title"/>
-          </p:nvPr>
-        </p:nvSpPr>
-        <p:spPr/>
-        <p:txBody>
-          <a:bodyPr/>
-          <a:lstStyle/>
-          <a:p>
-            <a:r>
-              <a:rPr lang="en-US" dirty="0" smtClean="0"/>
-              <a:t>Authentication</a:t>
-            </a:r>
-            <a:endParaRPr lang="en-US" dirty="0"/>
-          </a:p>
-        </p:txBody>
-      </p:sp>
-      <p:sp>
-        <p:nvSpPr>
-          <p:cNvPr id="3" name="Content Placeholder 2"/>
-          <p:cNvSpPr>
-            <a:spLocks noGrp="1"/>
-          </p:cNvSpPr>
-          <p:nvPr>
-            <p:ph idx="1"/>
-          </p:nvPr>
-        </p:nvSpPr>
-        <p:spPr/>
-        <p:txBody>
-          <a:bodyPr/>
-          <a:lstStyle/>
-          <a:p>
-            <a:r>
-              <a:rPr lang="en-US" dirty="0" smtClean="0"/>
-              <a:t>An entity must prove they have the right to a resource</a:t>
-            </a:r>
-          </a:p>
-          <a:p>
-            <a:pPr lvl="1"/>
-            <a:r>
-              <a:rPr lang="en-US" dirty="0" smtClean="0"/>
-              <a:t>File</a:t>
-            </a:r>
-          </a:p>
-          <a:p>
-            <a:pPr lvl="1"/>
-            <a:r>
-              <a:rPr lang="en-US" dirty="0" smtClean="0"/>
-              <a:t>Memory</a:t>
-            </a:r>
-          </a:p>
-          <a:p>
-            <a:pPr lvl="1"/>
-            <a:r>
-              <a:rPr lang="en-US" dirty="0" smtClean="0"/>
-              <a:t>CPU</a:t>
-            </a:r>
-          </a:p>
-          <a:p>
-            <a:pPr lvl="1"/>
-            <a:r>
-              <a:rPr lang="en-US" dirty="0" smtClean="0"/>
-              <a:t>Another process</a:t>
-            </a:r>
-          </a:p>
-          <a:p>
-            <a:pPr lvl="1"/>
-            <a:r>
-              <a:rPr lang="en-US" dirty="0" smtClean="0"/>
-              <a:t>The system as a whole</a:t>
-            </a:r>
-            <a:endParaRPr lang="en-US" dirty="0"/>
-          </a:p>
-          <a:p>
-            <a:r>
-              <a:rPr lang="en-US" dirty="0" smtClean="0"/>
-              <a:t>Entities include</a:t>
-            </a:r>
-          </a:p>
-          <a:p>
-            <a:pPr lvl="1"/>
-            <a:r>
-              <a:rPr lang="en-US" dirty="0" smtClean="0"/>
-              <a:t>Humans</a:t>
-            </a:r>
-          </a:p>
-          <a:p>
-            <a:pPr lvl="1"/>
-            <a:r>
-              <a:rPr lang="en-US" dirty="0" smtClean="0"/>
-              <a:t>Programs</a:t>
-            </a:r>
-          </a:p>
-          <a:p>
-            <a:pPr lvl="1"/>
-            <a:r>
-              <a:rPr lang="en-US" dirty="0" smtClean="0"/>
-              <a:t>Other computers</a:t>
-            </a:r>
-          </a:p>
-        </p:txBody>
-      </p:sp>
-      <p:sp>
-        <p:nvSpPr>
-          <p:cNvPr id="4" name="Footer Placeholder 3"/>
-          <p:cNvSpPr>
-            <a:spLocks noGrp="1"/>
-          </p:cNvSpPr>
-          <p:nvPr>
-            <p:ph type="ftr" sz="quarter" idx="11"/>
-          </p:nvPr>
-        </p:nvSpPr>
-        <p:spPr/>
-        <p:txBody>
-          <a:bodyPr/>
-          <a:lstStyle/>
-          <a:p>
-            <a:r>
-              <a:rPr lang="en-US" smtClean="0"/>
-              <a:t>Introduction to Operating Systems</a:t>
-            </a:r>
-            <a:endParaRPr lang="en-US" dirty="0"/>
-          </a:p>
-        </p:txBody>
-      </p:sp>
-    </p:spTree>
-    <p:extLst>
-      <p:ext uri="{BB962C8B-B14F-4D97-AF65-F5344CB8AC3E}">
-        <p14:creationId xmlns:p14="http://schemas.microsoft.com/office/powerpoint/2010/main" val="1903167505"/>
-      </p:ext>
-    </p:extLst>
-  </p:cSld>
-  <p:clrMapOvr>
-    <a:masterClrMapping/>
-  </p:clrMapOvr>
-  <p:timing>
-    <p:tnLst>
-      <p:par>
-        <p:cTn id="1" dur="indefinite" restart="never" nodeType="tmRoot"/>
-      </p:par>
-    </p:tnLst>
-  </p:timing>
-</p:sld>
-</file>
-
-<file path=ppt/slides/slide5.xml><?xml version="1.0" encoding="utf-8"?>
-<p:sld xmlns:a="http://schemas.openxmlformats.org/drawingml/2006/main" xmlns:r="http://schemas.openxmlformats.org/officeDocument/2006/relationships" xmlns:p="http://schemas.openxmlformats.org/presentationml/2006/main">
-  <p:cSld>
-    <p:spTree>
-      <p:nvGrpSpPr>
-        <p:cNvPr id="1" name=""/>
-        <p:cNvGrpSpPr/>
-        <p:nvPr/>
-      </p:nvGrpSpPr>
-      <p:grpSpPr>
-        <a:xfrm>
-          <a:off x="0" y="0"/>
-          <a:ext cx="0" cy="0"/>
-          <a:chOff x="0" y="0"/>
-          <a:chExt cx="0" cy="0"/>
-        </a:xfrm>
-      </p:grpSpPr>
-      <p:sp>
-        <p:nvSpPr>
-          <p:cNvPr id="2" name="Title 1"/>
-          <p:cNvSpPr>
-            <a:spLocks noGrp="1"/>
-          </p:cNvSpPr>
-          <p:nvPr>
-            <p:ph type="title"/>
-          </p:nvPr>
-        </p:nvSpPr>
-        <p:spPr/>
-        <p:txBody>
-          <a:bodyPr/>
-          <a:lstStyle/>
-          <a:p>
-            <a:r>
-              <a:rPr lang="en-US" dirty="0" smtClean="0"/>
-              <a:t>Building Trust</a:t>
-            </a:r>
-            <a:endParaRPr lang="en-US" dirty="0"/>
-          </a:p>
-        </p:txBody>
-      </p:sp>
-      <p:sp>
-        <p:nvSpPr>
-          <p:cNvPr id="3" name="Content Placeholder 2"/>
-          <p:cNvSpPr>
-            <a:spLocks noGrp="1"/>
-          </p:cNvSpPr>
-          <p:nvPr>
-            <p:ph idx="1"/>
-          </p:nvPr>
-        </p:nvSpPr>
-        <p:spPr/>
-        <p:txBody>
-          <a:bodyPr/>
-          <a:lstStyle/>
-          <a:p>
-            <a:r>
-              <a:rPr lang="en-US" dirty="0" smtClean="0"/>
-              <a:t>Testing</a:t>
-            </a:r>
-          </a:p>
-          <a:p>
-            <a:r>
-              <a:rPr lang="en-US" dirty="0" smtClean="0"/>
-              <a:t>Formal Proofs</a:t>
-            </a:r>
-          </a:p>
-          <a:p>
-            <a:endParaRPr lang="en-US" dirty="0"/>
-          </a:p>
-        </p:txBody>
-      </p:sp>
-      <p:sp>
-        <p:nvSpPr>
-          <p:cNvPr id="4" name="Footer Placeholder 3"/>
-          <p:cNvSpPr>
-            <a:spLocks noGrp="1"/>
-          </p:cNvSpPr>
-          <p:nvPr>
-            <p:ph type="ftr" sz="quarter" idx="11"/>
-          </p:nvPr>
-        </p:nvSpPr>
-        <p:spPr/>
-        <p:txBody>
-          <a:bodyPr/>
-          <a:lstStyle/>
-          <a:p>
-            <a:r>
-              <a:rPr lang="en-US" smtClean="0"/>
-              <a:t>Introduction to Operating Systems</a:t>
-            </a:r>
-            <a:endParaRPr lang="en-US" dirty="0"/>
-          </a:p>
-        </p:txBody>
-      </p:sp>
-    </p:spTree>
-    <p:extLst>
-      <p:ext uri="{BB962C8B-B14F-4D97-AF65-F5344CB8AC3E}">
-        <p14:creationId xmlns:p14="http://schemas.microsoft.com/office/powerpoint/2010/main" val="1247493873"/>
-      </p:ext>
-    </p:extLst>
-  </p:cSld>
-  <p:clrMapOvr>
-    <a:masterClrMapping/>
-  </p:clrMapOvr>
-  <p:timing>
-    <p:tnLst>
-      <p:par>
-        <p:cTn id="1" dur="indefinite" restart="never" nodeType="tmRoot"/>
-      </p:par>
-    </p:tnLst>
-  </p:timing>
-</p:sld>
-</file>
-
-<file path=ppt/slides/slide6.xml><?xml version="1.0" encoding="utf-8"?>
-<p:sld xmlns:a="http://schemas.openxmlformats.org/drawingml/2006/main" xmlns:r="http://schemas.openxmlformats.org/officeDocument/2006/relationships" xmlns:p="http://schemas.openxmlformats.org/presentationml/2006/main">
-  <p:cSld>
-    <p:spTree>
-      <p:nvGrpSpPr>
-        <p:cNvPr id="1" name=""/>
-        <p:cNvGrpSpPr/>
-        <p:nvPr/>
-      </p:nvGrpSpPr>
-      <p:grpSpPr>
-        <a:xfrm>
-          <a:off x="0" y="0"/>
-          <a:ext cx="0" cy="0"/>
-          <a:chOff x="0" y="0"/>
-          <a:chExt cx="0" cy="0"/>
-        </a:xfrm>
-      </p:grpSpPr>
-      <p:sp>
-        <p:nvSpPr>
-          <p:cNvPr id="2" name="Title 1"/>
-          <p:cNvSpPr>
-            <a:spLocks noGrp="1"/>
-          </p:cNvSpPr>
-          <p:nvPr>
-            <p:ph type="title"/>
-          </p:nvPr>
-        </p:nvSpPr>
-        <p:spPr/>
-        <p:txBody>
-          <a:bodyPr/>
-          <a:lstStyle/>
-          <a:p>
-            <a:r>
-              <a:rPr lang="en-US" dirty="0" smtClean="0"/>
-              <a:t>The Kernel is Trusted</a:t>
-            </a:r>
-            <a:endParaRPr lang="en-US" dirty="0"/>
-          </a:p>
-        </p:txBody>
-      </p:sp>
-      <p:sp>
-        <p:nvSpPr>
-          <p:cNvPr id="3" name="Content Placeholder 2"/>
-          <p:cNvSpPr>
-            <a:spLocks noGrp="1"/>
-          </p:cNvSpPr>
-          <p:nvPr>
-            <p:ph idx="1"/>
-          </p:nvPr>
-        </p:nvSpPr>
-        <p:spPr/>
-        <p:txBody>
-          <a:bodyPr/>
-          <a:lstStyle/>
-          <a:p>
-            <a:r>
-              <a:rPr lang="en-US" dirty="0" smtClean="0"/>
-              <a:t>Controls access to real resources</a:t>
-            </a:r>
-          </a:p>
-          <a:p>
-            <a:r>
-              <a:rPr lang="en-US" dirty="0" smtClean="0"/>
-              <a:t>Protects processes from each other</a:t>
-            </a:r>
-          </a:p>
-          <a:p>
-            <a:r>
-              <a:rPr lang="en-US" dirty="0" smtClean="0"/>
-              <a:t>Protects itself from processes</a:t>
-            </a:r>
-          </a:p>
-          <a:p>
-            <a:r>
-              <a:rPr lang="en-US" dirty="0" smtClean="0"/>
-              <a:t>You have to trust someone, sometime</a:t>
-            </a:r>
-            <a:r>
-              <a:rPr lang="mr-IN" dirty="0" smtClean="0"/>
-              <a:t>…</a:t>
-            </a:r>
-            <a:endParaRPr lang="en-US" dirty="0" smtClean="0"/>
-          </a:p>
-          <a:p>
-            <a:endParaRPr lang="en-US" dirty="0"/>
-          </a:p>
-        </p:txBody>
-      </p:sp>
-      <p:sp>
-        <p:nvSpPr>
-          <p:cNvPr id="4" name="Footer Placeholder 3"/>
-          <p:cNvSpPr>
-            <a:spLocks noGrp="1"/>
-          </p:cNvSpPr>
-          <p:nvPr>
-            <p:ph type="ftr" sz="quarter" idx="11"/>
-          </p:nvPr>
-        </p:nvSpPr>
-        <p:spPr/>
-        <p:txBody>
-          <a:bodyPr/>
-          <a:lstStyle/>
-          <a:p>
-            <a:r>
-              <a:rPr lang="en-US" smtClean="0"/>
-              <a:t>Introduction to Operating Systems</a:t>
-            </a:r>
-            <a:endParaRPr lang="en-US" dirty="0"/>
-          </a:p>
-        </p:txBody>
-      </p:sp>
-    </p:spTree>
-    <p:extLst>
-      <p:ext uri="{BB962C8B-B14F-4D97-AF65-F5344CB8AC3E}">
-        <p14:creationId xmlns:p14="http://schemas.microsoft.com/office/powerpoint/2010/main" val="177417898"/>
-      </p:ext>
-    </p:extLst>
-  </p:cSld>
-  <p:clrMapOvr>
-    <a:masterClrMapping/>
-  </p:clrMapOvr>
-  <p:timing>
-    <p:tnLst>
-      <p:par>
-        <p:cTn id="1" dur="indefinite" restart="never" nodeType="tmRoot"/>
-      </p:par>
-    </p:tnLst>
-  </p:timing>
-</p:sld>
-</file>
-
-<file path=ppt/slides/slide7.xml><?xml version="1.0" encoding="utf-8"?>
+<file path=ppt/slides/slide8.xml><?xml version="1.0" encoding="utf-8"?>
 <p:sld xmlns:a="http://schemas.openxmlformats.org/drawingml/2006/main" xmlns:r="http://schemas.openxmlformats.org/officeDocument/2006/relationships" xmlns:p="http://schemas.openxmlformats.org/presentationml/2006/main">
   <p:cSld>
     <p:spTree>
@@ -10479,7 +10177,7 @@
 </p:sld>
 </file>
 
-<file path=ppt/slides/slide8.xml><?xml version="1.0" encoding="utf-8"?>
+<file path=ppt/slides/slide9.xml><?xml version="1.0" encoding="utf-8"?>
 <p:sld xmlns:a="http://schemas.openxmlformats.org/drawingml/2006/main" xmlns:r="http://schemas.openxmlformats.org/officeDocument/2006/relationships" xmlns:p="http://schemas.openxmlformats.org/presentationml/2006/main">
   <p:cSld>
     <p:spTree>
@@ -10513,11 +10211,7 @@
           <a:p>
             <a:r>
               <a:rPr lang="en-US" dirty="0" smtClean="0"/>
-              <a:t>Hardware Support for </a:t>
-            </a:r>
-            <a:r>
-              <a:rPr lang="en-US" dirty="0" smtClean="0"/>
-              <a:t>Security (2)</a:t>
+              <a:t>Hardware Support for Security (2)</a:t>
             </a:r>
             <a:endParaRPr lang="en-US" dirty="0"/>
           </a:p>
@@ -11278,214 +10972,6 @@
       <p:bldP spid="11" grpId="0"/>
       <p:bldP spid="12" grpId="0"/>
     </p:bldLst>
-  </p:timing>
-</p:sld>
-</file>
-
-<file path=ppt/slides/slide9.xml><?xml version="1.0" encoding="utf-8"?>
-<p:sld xmlns:a="http://schemas.openxmlformats.org/drawingml/2006/main" xmlns:r="http://schemas.openxmlformats.org/officeDocument/2006/relationships" xmlns:p="http://schemas.openxmlformats.org/presentationml/2006/main">
-  <p:cSld>
-    <p:spTree>
-      <p:nvGrpSpPr>
-        <p:cNvPr id="1" name=""/>
-        <p:cNvGrpSpPr/>
-        <p:nvPr/>
-      </p:nvGrpSpPr>
-      <p:grpSpPr>
-        <a:xfrm>
-          <a:off x="0" y="0"/>
-          <a:ext cx="0" cy="0"/>
-          <a:chOff x="0" y="0"/>
-          <a:chExt cx="0" cy="0"/>
-        </a:xfrm>
-      </p:grpSpPr>
-      <p:sp>
-        <p:nvSpPr>
-          <p:cNvPr id="2" name="Title 1"/>
-          <p:cNvSpPr>
-            <a:spLocks noGrp="1"/>
-          </p:cNvSpPr>
-          <p:nvPr>
-            <p:ph type="title"/>
-          </p:nvPr>
-        </p:nvSpPr>
-        <p:spPr/>
-        <p:txBody>
-          <a:bodyPr/>
-          <a:lstStyle/>
-          <a:p>
-            <a:r>
-              <a:rPr lang="en-US" dirty="0" smtClean="0"/>
-              <a:t>Kernel vs. User Mode</a:t>
-            </a:r>
-            <a:endParaRPr lang="en-US" dirty="0"/>
-          </a:p>
-        </p:txBody>
-      </p:sp>
-      <p:sp>
-        <p:nvSpPr>
-          <p:cNvPr id="5" name="Text Placeholder 4"/>
-          <p:cNvSpPr>
-            <a:spLocks noGrp="1"/>
-          </p:cNvSpPr>
-          <p:nvPr>
-            <p:ph type="body" idx="1"/>
-          </p:nvPr>
-        </p:nvSpPr>
-        <p:spPr/>
-        <p:txBody>
-          <a:bodyPr/>
-          <a:lstStyle/>
-          <a:p>
-            <a:r>
-              <a:rPr lang="en-US" dirty="0" smtClean="0"/>
-              <a:t>Kernel	</a:t>
-            </a:r>
-            <a:endParaRPr lang="en-US" dirty="0"/>
-          </a:p>
-        </p:txBody>
-      </p:sp>
-      <p:sp>
-        <p:nvSpPr>
-          <p:cNvPr id="6" name="Content Placeholder 5"/>
-          <p:cNvSpPr>
-            <a:spLocks noGrp="1"/>
-          </p:cNvSpPr>
-          <p:nvPr>
-            <p:ph sz="half" idx="2"/>
-          </p:nvPr>
-        </p:nvSpPr>
-        <p:spPr/>
-        <p:txBody>
-          <a:bodyPr/>
-          <a:lstStyle/>
-          <a:p>
-            <a:r>
-              <a:rPr lang="en-US" dirty="0" smtClean="0"/>
-              <a:t>Ring 0 on Intel CPUs	</a:t>
-            </a:r>
-          </a:p>
-          <a:p>
-            <a:r>
-              <a:rPr lang="en-US" dirty="0" smtClean="0"/>
-              <a:t>Any physical address may be accessed</a:t>
-            </a:r>
-          </a:p>
-          <a:p>
-            <a:r>
-              <a:rPr lang="en-US" dirty="0" smtClean="0"/>
-              <a:t>All instructions are valid</a:t>
-            </a:r>
-          </a:p>
-          <a:p>
-            <a:endParaRPr lang="en-US" dirty="0"/>
-          </a:p>
-        </p:txBody>
-      </p:sp>
-      <p:sp>
-        <p:nvSpPr>
-          <p:cNvPr id="7" name="Text Placeholder 6"/>
-          <p:cNvSpPr>
-            <a:spLocks noGrp="1"/>
-          </p:cNvSpPr>
-          <p:nvPr>
-            <p:ph type="body" sz="quarter" idx="3"/>
-          </p:nvPr>
-        </p:nvSpPr>
-        <p:spPr/>
-        <p:txBody>
-          <a:bodyPr/>
-          <a:lstStyle/>
-          <a:p>
-            <a:r>
-              <a:rPr lang="en-US" dirty="0" smtClean="0"/>
-              <a:t>user</a:t>
-            </a:r>
-            <a:endParaRPr lang="en-US" dirty="0"/>
-          </a:p>
-        </p:txBody>
-      </p:sp>
-      <p:sp>
-        <p:nvSpPr>
-          <p:cNvPr id="8" name="Content Placeholder 7"/>
-          <p:cNvSpPr>
-            <a:spLocks noGrp="1"/>
-          </p:cNvSpPr>
-          <p:nvPr>
-            <p:ph sz="quarter" idx="4"/>
-          </p:nvPr>
-        </p:nvSpPr>
-        <p:spPr/>
-        <p:txBody>
-          <a:bodyPr/>
-          <a:lstStyle/>
-          <a:p>
-            <a:r>
-              <a:rPr lang="en-US" dirty="0" smtClean="0"/>
-              <a:t>Ring 3 on Intel CPUs</a:t>
-            </a:r>
-          </a:p>
-          <a:p>
-            <a:r>
-              <a:rPr lang="en-US" dirty="0" smtClean="0"/>
-              <a:t>Addresses are virtual</a:t>
-            </a:r>
-          </a:p>
-          <a:p>
-            <a:r>
-              <a:rPr lang="en-US" dirty="0" smtClean="0"/>
-              <a:t>Restricted Instruction set</a:t>
-            </a:r>
-            <a:endParaRPr lang="en-US" dirty="0"/>
-          </a:p>
-          <a:p>
-            <a:pPr lvl="1"/>
-            <a:r>
-              <a:rPr lang="en-US" dirty="0" smtClean="0"/>
-              <a:t>CPU Dependent</a:t>
-            </a:r>
-          </a:p>
-        </p:txBody>
-      </p:sp>
-      <p:sp>
-        <p:nvSpPr>
-          <p:cNvPr id="4" name="Footer Placeholder 3"/>
-          <p:cNvSpPr>
-            <a:spLocks noGrp="1"/>
-          </p:cNvSpPr>
-          <p:nvPr>
-            <p:ph type="ftr" sz="quarter" idx="11"/>
-          </p:nvPr>
-        </p:nvSpPr>
-        <p:spPr/>
-        <p:txBody>
-          <a:bodyPr/>
-          <a:lstStyle/>
-          <a:p>
-            <a:r>
-              <a:rPr lang="en-US" smtClean="0"/>
-              <a:t>Introduction to Operating Systems</a:t>
-            </a:r>
-            <a:endParaRPr lang="en-US" dirty="0"/>
-          </a:p>
-        </p:txBody>
-      </p:sp>
-    </p:spTree>
-    <p:extLst>
-      <p:ext uri="{BB962C8B-B14F-4D97-AF65-F5344CB8AC3E}">
-        <p14:creationId xmlns:p14="http://schemas.microsoft.com/office/powerpoint/2010/main" val="868135883"/>
-      </p:ext>
-    </p:extLst>
-  </p:cSld>
-  <p:clrMapOvr>
-    <a:masterClrMapping/>
-  </p:clrMapOvr>
-  <p:timing>
-    <p:tnLst>
-      <p:par>
-        <p:cTn id="1" dur="indefinite" restart="never" nodeType="tmRoot"/>
-      </p:par>
-    </p:tnLst>
   </p:timing>
 </p:sld>
 </file>
